--- a/project/预答辩.pptx
+++ b/project/预答辩.pptx
@@ -113,6 +113,11 @@
       </a:defRPr>
     </a:lvl9pPr>
   </p:defaultTextStyle>
+  <p:extLst>
+    <p:ext uri="{EFAFB233-063F-42B5-8137-9DF3F51BA10A}">
+      <p15:sldGuideLst xmlns:p15="http://schemas.microsoft.com/office/powerpoint/2012/main"/>
+    </p:ext>
+  </p:extLst>
 </p:presentation>
 </file>
 
@@ -263,7 +268,7 @@
           <a:p>
             <a:fld id="{8D547E4A-0D8F-49D2-A089-F2043E53D141}" type="datetimeFigureOut">
               <a:rPr lang="zh-CN" altLang="en-US" smtClean="0"/>
-              <a:t>2025/2/14</a:t>
+              <a:t>2025/2/15</a:t>
             </a:fld>
             <a:endParaRPr lang="zh-CN" altLang="en-US"/>
           </a:p>
@@ -461,7 +466,7 @@
           <a:p>
             <a:fld id="{8D547E4A-0D8F-49D2-A089-F2043E53D141}" type="datetimeFigureOut">
               <a:rPr lang="zh-CN" altLang="en-US" smtClean="0"/>
-              <a:t>2025/2/14</a:t>
+              <a:t>2025/2/15</a:t>
             </a:fld>
             <a:endParaRPr lang="zh-CN" altLang="en-US"/>
           </a:p>
@@ -669,7 +674,7 @@
           <a:p>
             <a:fld id="{8D547E4A-0D8F-49D2-A089-F2043E53D141}" type="datetimeFigureOut">
               <a:rPr lang="zh-CN" altLang="en-US" smtClean="0"/>
-              <a:t>2025/2/14</a:t>
+              <a:t>2025/2/15</a:t>
             </a:fld>
             <a:endParaRPr lang="zh-CN" altLang="en-US"/>
           </a:p>
@@ -867,7 +872,7 @@
           <a:p>
             <a:fld id="{8D547E4A-0D8F-49D2-A089-F2043E53D141}" type="datetimeFigureOut">
               <a:rPr lang="zh-CN" altLang="en-US" smtClean="0"/>
-              <a:t>2025/2/14</a:t>
+              <a:t>2025/2/15</a:t>
             </a:fld>
             <a:endParaRPr lang="zh-CN" altLang="en-US"/>
           </a:p>
@@ -1142,7 +1147,7 @@
           <a:p>
             <a:fld id="{8D547E4A-0D8F-49D2-A089-F2043E53D141}" type="datetimeFigureOut">
               <a:rPr lang="zh-CN" altLang="en-US" smtClean="0"/>
-              <a:t>2025/2/14</a:t>
+              <a:t>2025/2/15</a:t>
             </a:fld>
             <a:endParaRPr lang="zh-CN" altLang="en-US"/>
           </a:p>
@@ -1407,7 +1412,7 @@
           <a:p>
             <a:fld id="{8D547E4A-0D8F-49D2-A089-F2043E53D141}" type="datetimeFigureOut">
               <a:rPr lang="zh-CN" altLang="en-US" smtClean="0"/>
-              <a:t>2025/2/14</a:t>
+              <a:t>2025/2/15</a:t>
             </a:fld>
             <a:endParaRPr lang="zh-CN" altLang="en-US"/>
           </a:p>
@@ -1819,7 +1824,7 @@
           <a:p>
             <a:fld id="{8D547E4A-0D8F-49D2-A089-F2043E53D141}" type="datetimeFigureOut">
               <a:rPr lang="zh-CN" altLang="en-US" smtClean="0"/>
-              <a:t>2025/2/14</a:t>
+              <a:t>2025/2/15</a:t>
             </a:fld>
             <a:endParaRPr lang="zh-CN" altLang="en-US"/>
           </a:p>
@@ -1960,7 +1965,7 @@
           <a:p>
             <a:fld id="{8D547E4A-0D8F-49D2-A089-F2043E53D141}" type="datetimeFigureOut">
               <a:rPr lang="zh-CN" altLang="en-US" smtClean="0"/>
-              <a:t>2025/2/14</a:t>
+              <a:t>2025/2/15</a:t>
             </a:fld>
             <a:endParaRPr lang="zh-CN" altLang="en-US"/>
           </a:p>
@@ -2073,7 +2078,7 @@
           <a:p>
             <a:fld id="{8D547E4A-0D8F-49D2-A089-F2043E53D141}" type="datetimeFigureOut">
               <a:rPr lang="zh-CN" altLang="en-US" smtClean="0"/>
-              <a:t>2025/2/14</a:t>
+              <a:t>2025/2/15</a:t>
             </a:fld>
             <a:endParaRPr lang="zh-CN" altLang="en-US"/>
           </a:p>
@@ -2384,7 +2389,7 @@
           <a:p>
             <a:fld id="{8D547E4A-0D8F-49D2-A089-F2043E53D141}" type="datetimeFigureOut">
               <a:rPr lang="zh-CN" altLang="en-US" smtClean="0"/>
-              <a:t>2025/2/14</a:t>
+              <a:t>2025/2/15</a:t>
             </a:fld>
             <a:endParaRPr lang="zh-CN" altLang="en-US"/>
           </a:p>
@@ -2672,7 +2677,7 @@
           <a:p>
             <a:fld id="{8D547E4A-0D8F-49D2-A089-F2043E53D141}" type="datetimeFigureOut">
               <a:rPr lang="zh-CN" altLang="en-US" smtClean="0"/>
-              <a:t>2025/2/14</a:t>
+              <a:t>2025/2/15</a:t>
             </a:fld>
             <a:endParaRPr lang="zh-CN" altLang="en-US"/>
           </a:p>
@@ -2913,7 +2918,7 @@
           <a:p>
             <a:fld id="{8D547E4A-0D8F-49D2-A089-F2043E53D141}" type="datetimeFigureOut">
               <a:rPr lang="zh-CN" altLang="en-US" smtClean="0"/>
-              <a:t>2025/2/14</a:t>
+              <a:t>2025/2/15</a:t>
             </a:fld>
             <a:endParaRPr lang="zh-CN" altLang="en-US"/>
           </a:p>
@@ -5590,7 +5595,7 @@
         </p:nvSpPr>
         <p:spPr>
           <a:xfrm>
-            <a:off x="1472552" y="476270"/>
+            <a:off x="1444135" y="496095"/>
             <a:ext cx="2261965" cy="400110"/>
           </a:xfrm>
           <a:prstGeom prst="rect">
@@ -5621,10 +5626,10 @@
       </p:sp>
       <p:grpSp>
         <p:nvGrpSpPr>
-          <p:cNvPr id="2" name="组合 1">
+          <p:cNvPr id="8" name="组合 7">
             <a:extLst>
               <a:ext uri="{FF2B5EF4-FFF2-40B4-BE49-F238E27FC236}">
-                <a16:creationId xmlns:a16="http://schemas.microsoft.com/office/drawing/2014/main" id="{82E63DE9-85F7-F972-FCE4-77CF955AED8D}"/>
+                <a16:creationId xmlns:a16="http://schemas.microsoft.com/office/drawing/2014/main" id="{F8083080-9C53-4870-99B2-0E2846F37FBF}"/>
               </a:ext>
             </a:extLst>
           </p:cNvPr>
@@ -5633,9 +5638,9 @@
         </p:nvGrpSpPr>
         <p:grpSpPr>
           <a:xfrm>
-            <a:off x="1350173" y="369408"/>
-            <a:ext cx="9278588" cy="6012322"/>
-            <a:chOff x="1258784" y="620707"/>
+            <a:off x="2183892" y="896470"/>
+            <a:ext cx="8242062" cy="5467329"/>
+            <a:chOff x="1350173" y="369408"/>
             <a:chExt cx="9278588" cy="6012322"/>
           </a:xfrm>
         </p:grpSpPr>
@@ -5653,7 +5658,7 @@
           </p:nvSpPr>
           <p:spPr>
             <a:xfrm>
-              <a:off x="5305701" y="6365137"/>
+              <a:off x="5397090" y="6113838"/>
               <a:ext cx="1466576" cy="267892"/>
             </a:xfrm>
             <a:prstGeom prst="rect">
@@ -5682,7 +5687,7 @@
             <a:p>
               <a:pPr algn="ctr"/>
               <a:r>
-                <a:rPr lang="zh-CN" altLang="en-US" sz="1200" dirty="0"/>
+                <a:rPr lang="zh-CN" altLang="en-US" sz="1000" dirty="0"/>
                 <a:t>数据采集与预处理</a:t>
               </a:r>
             </a:p>
@@ -5702,7 +5707,7 @@
           </p:nvSpPr>
           <p:spPr>
             <a:xfrm>
-              <a:off x="7054474" y="4928061"/>
+              <a:off x="7145863" y="4676762"/>
               <a:ext cx="1111663" cy="368981"/>
             </a:xfrm>
             <a:prstGeom prst="rect">
@@ -5731,7 +5736,7 @@
             <a:p>
               <a:pPr algn="ctr"/>
               <a:r>
-                <a:rPr lang="zh-CN" altLang="en-US" sz="1200" dirty="0"/>
+                <a:rPr lang="zh-CN" altLang="en-US" sz="1000" dirty="0"/>
                 <a:t>时间编码层</a:t>
               </a:r>
             </a:p>
@@ -5751,7 +5756,7 @@
           </p:nvGrpSpPr>
           <p:grpSpPr>
             <a:xfrm>
-              <a:off x="2412587" y="2835273"/>
+              <a:off x="2503976" y="2583974"/>
               <a:ext cx="1262069" cy="1094748"/>
               <a:chOff x="1548711" y="1829549"/>
               <a:chExt cx="1888550" cy="1689272"/>
@@ -5806,11 +5811,11 @@
               <a:p>
                 <a:pPr algn="ctr"/>
                 <a:r>
-                  <a:rPr lang="en-US" altLang="zh-CN" sz="1200" dirty="0"/>
+                  <a:rPr lang="en-US" altLang="zh-CN" sz="1000" dirty="0"/>
                   <a:t>Transformer </a:t>
                 </a:r>
                 <a:r>
-                  <a:rPr lang="zh-CN" altLang="en-US" sz="1200" dirty="0"/>
+                  <a:rPr lang="zh-CN" altLang="en-US" sz="1000" dirty="0"/>
                   <a:t>编码块</a:t>
                 </a:r>
               </a:p>
@@ -5859,11 +5864,11 @@
               <a:p>
                 <a:pPr algn="ctr"/>
                 <a:r>
-                  <a:rPr lang="en-US" altLang="zh-CN" sz="1200" dirty="0"/>
+                  <a:rPr lang="en-US" altLang="zh-CN" sz="1000" dirty="0"/>
                   <a:t>Transformer </a:t>
                 </a:r>
                 <a:r>
-                  <a:rPr lang="zh-CN" altLang="en-US" sz="1200" dirty="0"/>
+                  <a:rPr lang="zh-CN" altLang="en-US" sz="1000" dirty="0"/>
                   <a:t>编码块</a:t>
                 </a:r>
               </a:p>
@@ -5912,15 +5917,15 @@
               <a:p>
                 <a:pPr algn="ctr"/>
                 <a:r>
-                  <a:rPr lang="zh-CN" altLang="en-US" sz="1200" dirty="0"/>
+                  <a:rPr lang="zh-CN" altLang="en-US" sz="1000" dirty="0"/>
                   <a:t>时空</a:t>
                 </a:r>
                 <a:r>
-                  <a:rPr lang="en-US" altLang="zh-CN" sz="1200" dirty="0"/>
+                  <a:rPr lang="en-US" altLang="zh-CN" sz="1000" dirty="0"/>
                   <a:t>Transformer </a:t>
                 </a:r>
                 <a:r>
-                  <a:rPr lang="zh-CN" altLang="en-US" sz="1200" dirty="0"/>
+                  <a:rPr lang="zh-CN" altLang="en-US" sz="1000" dirty="0"/>
                   <a:t>编码块</a:t>
                 </a:r>
               </a:p>
@@ -5941,7 +5946,7 @@
           </p:nvGrpSpPr>
           <p:grpSpPr>
             <a:xfrm>
-              <a:off x="3204083" y="5556789"/>
+              <a:off x="3295472" y="5305490"/>
               <a:ext cx="2101618" cy="953579"/>
               <a:chOff x="1923976" y="5603940"/>
               <a:chExt cx="2584644" cy="1116555"/>
@@ -5990,7 +5995,7 @@
               <a:p>
                 <a:pPr algn="ctr"/>
                 <a:r>
-                  <a:rPr lang="zh-CN" altLang="en-US" sz="1200" dirty="0"/>
+                  <a:rPr lang="zh-CN" altLang="en-US" sz="1000" dirty="0"/>
                   <a:t>周期与趋势分解</a:t>
                 </a:r>
               </a:p>
@@ -6052,7 +6057,7 @@
           </p:nvGrpSpPr>
           <p:grpSpPr>
             <a:xfrm>
-              <a:off x="1258784" y="4335543"/>
+              <a:off x="1350173" y="4084244"/>
               <a:ext cx="2347234" cy="922890"/>
               <a:chOff x="787652" y="4948529"/>
               <a:chExt cx="2886711" cy="1080621"/>
@@ -6101,7 +6106,7 @@
               <a:p>
                 <a:pPr algn="ctr"/>
                 <a:r>
-                  <a:rPr lang="zh-CN" altLang="en-US" sz="1200" dirty="0"/>
+                  <a:rPr lang="zh-CN" altLang="en-US" sz="1000" dirty="0"/>
                   <a:t>数据编码层</a:t>
                 </a:r>
               </a:p>
@@ -6150,7 +6155,7 @@
               <a:p>
                 <a:pPr algn="ctr"/>
                 <a:r>
-                  <a:rPr lang="zh-CN" altLang="en-US" sz="1200" dirty="0"/>
+                  <a:rPr lang="zh-CN" altLang="en-US" sz="1000" dirty="0"/>
                   <a:t>位置编码</a:t>
                 </a:r>
               </a:p>
@@ -6197,10 +6202,10 @@
               <a:p>
                 <a:pPr algn="ctr"/>
                 <a:r>
-                  <a:rPr lang="en-US" altLang="zh-CN" dirty="0"/>
+                  <a:rPr lang="en-US" altLang="zh-CN" sz="1000" dirty="0"/>
                   <a:t>+</a:t>
                 </a:r>
-                <a:endParaRPr lang="zh-CN" altLang="en-US" dirty="0"/>
+                <a:endParaRPr lang="zh-CN" altLang="en-US" sz="1000" dirty="0"/>
               </a:p>
             </p:txBody>
           </p:sp>
@@ -6309,7 +6314,7 @@
           </p:nvCxnSpPr>
           <p:spPr>
             <a:xfrm flipV="1">
-              <a:off x="6772277" y="5297042"/>
+              <a:off x="6863666" y="5045743"/>
               <a:ext cx="838029" cy="1202041"/>
             </a:xfrm>
             <a:prstGeom prst="bentConnector2">
@@ -6348,7 +6353,7 @@
           </p:nvGrpSpPr>
           <p:grpSpPr>
             <a:xfrm>
-              <a:off x="4215662" y="4397489"/>
+              <a:off x="4307051" y="4146190"/>
               <a:ext cx="1205505" cy="860944"/>
               <a:chOff x="2191791" y="5021062"/>
               <a:chExt cx="1482572" cy="1008088"/>
@@ -6397,7 +6402,7 @@
               <a:p>
                 <a:pPr algn="ctr"/>
                 <a:r>
-                  <a:rPr lang="zh-CN" altLang="en-US" sz="1200" dirty="0"/>
+                  <a:rPr lang="zh-CN" altLang="en-US" sz="1000" dirty="0"/>
                   <a:t>数据编码层</a:t>
                 </a:r>
               </a:p>
@@ -6444,10 +6449,10 @@
               <a:p>
                 <a:pPr algn="ctr"/>
                 <a:r>
-                  <a:rPr lang="en-US" altLang="zh-CN" dirty="0"/>
+                  <a:rPr lang="en-US" altLang="zh-CN" sz="1000" dirty="0"/>
                   <a:t>+</a:t>
                 </a:r>
-                <a:endParaRPr lang="zh-CN" altLang="en-US" dirty="0"/>
+                <a:endParaRPr lang="zh-CN" altLang="en-US" sz="1000" dirty="0"/>
               </a:p>
             </p:txBody>
           </p:sp>
@@ -6509,7 +6514,7 @@
           </p:nvSpPr>
           <p:spPr>
             <a:xfrm>
-              <a:off x="5673478" y="4341407"/>
+              <a:off x="5764867" y="4090108"/>
               <a:ext cx="889629" cy="368981"/>
             </a:xfrm>
             <a:prstGeom prst="rect">
@@ -6538,7 +6543,7 @@
             <a:p>
               <a:pPr algn="ctr"/>
               <a:r>
-                <a:rPr lang="zh-CN" altLang="en-US" sz="1200" dirty="0"/>
+                <a:rPr lang="zh-CN" altLang="en-US" sz="1000" dirty="0"/>
                 <a:t>位置编码</a:t>
               </a:r>
             </a:p>
@@ -6562,7 +6567,7 @@
           </p:nvCxnSpPr>
           <p:spPr>
             <a:xfrm flipH="1" flipV="1">
-              <a:off x="4932308" y="4520034"/>
+              <a:off x="5023697" y="4268735"/>
               <a:ext cx="741170" cy="5864"/>
             </a:xfrm>
             <a:prstGeom prst="straightConnector1">
@@ -6601,7 +6606,7 @@
           </p:nvGrpSpPr>
           <p:grpSpPr>
             <a:xfrm>
-              <a:off x="4261609" y="2828746"/>
+              <a:off x="4352998" y="2577447"/>
               <a:ext cx="1159558" cy="1078973"/>
               <a:chOff x="1548711" y="1829549"/>
               <a:chExt cx="1888550" cy="1689270"/>
@@ -6656,11 +6661,11 @@
               <a:p>
                 <a:pPr algn="ctr"/>
                 <a:r>
-                  <a:rPr lang="en-US" altLang="zh-CN" sz="1200" dirty="0"/>
+                  <a:rPr lang="en-US" altLang="zh-CN" sz="1000" dirty="0"/>
                   <a:t>Transformer </a:t>
                 </a:r>
                 <a:r>
-                  <a:rPr lang="zh-CN" altLang="en-US" sz="1200" dirty="0"/>
+                  <a:rPr lang="zh-CN" altLang="en-US" sz="1000" dirty="0"/>
                   <a:t>编码块</a:t>
                 </a:r>
               </a:p>
@@ -6709,11 +6714,11 @@
               <a:p>
                 <a:pPr algn="ctr"/>
                 <a:r>
-                  <a:rPr lang="en-US" altLang="zh-CN" sz="1200" dirty="0"/>
+                  <a:rPr lang="en-US" altLang="zh-CN" sz="1000" dirty="0"/>
                   <a:t>Transformer </a:t>
                 </a:r>
                 <a:r>
-                  <a:rPr lang="zh-CN" altLang="en-US" sz="1200" dirty="0"/>
+                  <a:rPr lang="zh-CN" altLang="en-US" sz="1000" dirty="0"/>
                   <a:t>编码块</a:t>
                 </a:r>
               </a:p>
@@ -6762,15 +6767,15 @@
               <a:p>
                 <a:pPr algn="ctr"/>
                 <a:r>
-                  <a:rPr lang="zh-CN" altLang="en-US" sz="1200" dirty="0"/>
+                  <a:rPr lang="zh-CN" altLang="en-US" sz="1000" dirty="0"/>
                   <a:t>时空</a:t>
                 </a:r>
                 <a:r>
-                  <a:rPr lang="en-US" altLang="zh-CN" sz="1200" dirty="0"/>
+                  <a:rPr lang="en-US" altLang="zh-CN" sz="1000" dirty="0"/>
                   <a:t>Transformer </a:t>
                 </a:r>
                 <a:r>
-                  <a:rPr lang="zh-CN" altLang="en-US" sz="1200" dirty="0"/>
+                  <a:rPr lang="zh-CN" altLang="en-US" sz="1000" dirty="0"/>
                   <a:t>编码块</a:t>
                 </a:r>
               </a:p>
@@ -6791,7 +6796,7 @@
           </p:nvGrpSpPr>
           <p:grpSpPr>
             <a:xfrm>
-              <a:off x="6973522" y="2835273"/>
+              <a:off x="7064911" y="2583974"/>
               <a:ext cx="1163286" cy="1090579"/>
               <a:chOff x="1548711" y="1829549"/>
               <a:chExt cx="1888550" cy="1689270"/>
@@ -6846,11 +6851,11 @@
               <a:p>
                 <a:pPr algn="ctr"/>
                 <a:r>
-                  <a:rPr lang="en-US" altLang="zh-CN" sz="1200" dirty="0"/>
+                  <a:rPr lang="en-US" altLang="zh-CN" sz="1000" dirty="0"/>
                   <a:t>Transformer </a:t>
                 </a:r>
                 <a:r>
-                  <a:rPr lang="zh-CN" altLang="en-US" sz="1200" dirty="0"/>
+                  <a:rPr lang="zh-CN" altLang="en-US" sz="1000" dirty="0"/>
                   <a:t>编码块</a:t>
                 </a:r>
               </a:p>
@@ -6899,11 +6904,11 @@
               <a:p>
                 <a:pPr algn="ctr"/>
                 <a:r>
-                  <a:rPr lang="en-US" altLang="zh-CN" sz="1200" dirty="0"/>
+                  <a:rPr lang="en-US" altLang="zh-CN" sz="1000" dirty="0"/>
                   <a:t>Transformer </a:t>
                 </a:r>
                 <a:r>
-                  <a:rPr lang="zh-CN" altLang="en-US" sz="1200" dirty="0"/>
+                  <a:rPr lang="zh-CN" altLang="en-US" sz="1000" dirty="0"/>
                   <a:t>编码块</a:t>
                 </a:r>
               </a:p>
@@ -6952,11 +6957,11 @@
               <a:p>
                 <a:pPr algn="ctr"/>
                 <a:r>
-                  <a:rPr lang="en-US" altLang="zh-CN" sz="1200" dirty="0"/>
+                  <a:rPr lang="en-US" altLang="zh-CN" sz="1000" dirty="0"/>
                   <a:t>Transformer </a:t>
                 </a:r>
                 <a:r>
-                  <a:rPr lang="zh-CN" altLang="en-US" sz="1200" dirty="0"/>
+                  <a:rPr lang="zh-CN" altLang="en-US" sz="1000" dirty="0"/>
                   <a:t>编码块</a:t>
                 </a:r>
               </a:p>
@@ -6977,7 +6982,7 @@
           </p:nvGrpSpPr>
           <p:grpSpPr>
             <a:xfrm>
-              <a:off x="8999813" y="2360415"/>
+              <a:off x="9091202" y="2109116"/>
               <a:ext cx="1537559" cy="3037243"/>
               <a:chOff x="9737324" y="1685925"/>
               <a:chExt cx="1890944" cy="3556338"/>
@@ -7026,7 +7031,7 @@
               <a:lstStyle/>
               <a:p>
                 <a:pPr algn="ctr"/>
-                <a:endParaRPr lang="zh-CN" altLang="en-US" dirty="0"/>
+                <a:endParaRPr lang="zh-CN" altLang="en-US" sz="1000" dirty="0"/>
               </a:p>
             </p:txBody>
           </p:sp>
@@ -7074,7 +7079,7 @@
               <a:p>
                 <a:pPr algn="ctr"/>
                 <a:r>
-                  <a:rPr lang="zh-CN" altLang="en-US" sz="1000" dirty="0"/>
+                  <a:rPr lang="zh-CN" altLang="en-US" sz="900" dirty="0"/>
                   <a:t>多头注意力</a:t>
                 </a:r>
               </a:p>
@@ -7124,10 +7129,10 @@
               <a:p>
                 <a:pPr algn="ctr"/>
                 <a:r>
-                  <a:rPr lang="en-US" altLang="zh-CN" sz="1000" dirty="0"/>
+                  <a:rPr lang="en-US" altLang="zh-CN" sz="900" dirty="0"/>
                   <a:t>Add &amp; Norm</a:t>
                 </a:r>
-                <a:endParaRPr lang="zh-CN" altLang="en-US" sz="1000" dirty="0"/>
+                <a:endParaRPr lang="zh-CN" altLang="en-US" sz="900" dirty="0"/>
               </a:p>
             </p:txBody>
           </p:sp>
@@ -7175,7 +7180,7 @@
               <a:p>
                 <a:pPr algn="ctr"/>
                 <a:r>
-                  <a:rPr lang="zh-CN" altLang="en-US" sz="1000" dirty="0"/>
+                  <a:rPr lang="zh-CN" altLang="en-US" sz="900" dirty="0"/>
                   <a:t>前馈神经网络</a:t>
                 </a:r>
               </a:p>
@@ -7225,10 +7230,10 @@
               <a:p>
                 <a:pPr algn="ctr"/>
                 <a:r>
-                  <a:rPr lang="en-US" altLang="zh-CN" sz="1000" dirty="0"/>
+                  <a:rPr lang="en-US" altLang="zh-CN" sz="900" dirty="0"/>
                   <a:t>Add &amp; Norm</a:t>
                 </a:r>
-                <a:endParaRPr lang="zh-CN" altLang="en-US" sz="1000" dirty="0"/>
+                <a:endParaRPr lang="zh-CN" altLang="en-US" sz="900" dirty="0"/>
               </a:p>
             </p:txBody>
           </p:sp>
@@ -7604,7 +7609,7 @@
           </p:nvCxnSpPr>
           <p:spPr>
             <a:xfrm flipV="1">
-              <a:off x="9768593" y="4802800"/>
+              <a:off x="9859982" y="4551501"/>
               <a:ext cx="0" cy="594858"/>
             </a:xfrm>
             <a:prstGeom prst="straightConnector1">
@@ -7646,7 +7651,7 @@
           </p:nvCxnSpPr>
           <p:spPr>
             <a:xfrm flipV="1">
-              <a:off x="9782780" y="4212129"/>
+              <a:off x="9874169" y="3960830"/>
               <a:ext cx="497" cy="288075"/>
             </a:xfrm>
             <a:prstGeom prst="straightConnector1">
@@ -7685,7 +7690,7 @@
           </p:nvCxnSpPr>
           <p:spPr>
             <a:xfrm flipV="1">
-              <a:off x="9782780" y="2977318"/>
+              <a:off x="9874169" y="2726019"/>
               <a:ext cx="0" cy="287626"/>
             </a:xfrm>
             <a:prstGeom prst="straightConnector1">
@@ -7728,7 +7733,7 @@
           </p:nvCxnSpPr>
           <p:spPr>
             <a:xfrm flipV="1">
-              <a:off x="9768593" y="2360415"/>
+              <a:off x="9859982" y="2109116"/>
               <a:ext cx="0" cy="351091"/>
             </a:xfrm>
             <a:prstGeom prst="straightConnector1">
@@ -7769,7 +7774,7 @@
           </p:nvCxnSpPr>
           <p:spPr>
             <a:xfrm flipH="1">
-              <a:off x="8292307" y="2360415"/>
+              <a:off x="8383696" y="2109116"/>
               <a:ext cx="790445" cy="541813"/>
             </a:xfrm>
             <a:prstGeom prst="line">
@@ -7808,7 +7813,7 @@
           </p:nvCxnSpPr>
           <p:spPr>
             <a:xfrm>
-              <a:off x="8217900" y="3994274"/>
+              <a:off x="8309289" y="3742975"/>
               <a:ext cx="781913" cy="1302767"/>
             </a:xfrm>
             <a:prstGeom prst="line">
@@ -7847,7 +7852,7 @@
           </p:nvGrpSpPr>
           <p:grpSpPr>
             <a:xfrm>
-              <a:off x="5302893" y="1387127"/>
+              <a:off x="5394282" y="1135828"/>
               <a:ext cx="1271088" cy="1214562"/>
               <a:chOff x="1548711" y="1829549"/>
               <a:chExt cx="1888550" cy="1689270"/>
@@ -7902,11 +7907,11 @@
               <a:p>
                 <a:pPr algn="ctr"/>
                 <a:r>
-                  <a:rPr lang="en-US" altLang="zh-CN" sz="1200" dirty="0"/>
+                  <a:rPr lang="en-US" altLang="zh-CN" sz="1000" dirty="0"/>
                   <a:t>Transformer </a:t>
                 </a:r>
                 <a:r>
-                  <a:rPr lang="zh-CN" altLang="en-US" sz="1200" dirty="0"/>
+                  <a:rPr lang="zh-CN" altLang="en-US" sz="1000" dirty="0"/>
                   <a:t>编码块</a:t>
                 </a:r>
               </a:p>
@@ -7955,11 +7960,11 @@
               <a:p>
                 <a:pPr algn="ctr"/>
                 <a:r>
-                  <a:rPr lang="en-US" altLang="zh-CN" sz="1200" dirty="0"/>
+                  <a:rPr lang="en-US" altLang="zh-CN" sz="1000" dirty="0"/>
                   <a:t>Transformer </a:t>
                 </a:r>
                 <a:r>
-                  <a:rPr lang="zh-CN" altLang="en-US" sz="1200" dirty="0"/>
+                  <a:rPr lang="zh-CN" altLang="en-US" sz="1000" dirty="0"/>
                   <a:t>编码块</a:t>
                 </a:r>
               </a:p>
@@ -8008,15 +8013,15 @@
               <a:p>
                 <a:pPr algn="ctr"/>
                 <a:r>
-                  <a:rPr lang="zh-CN" altLang="en-US" sz="1200" dirty="0"/>
+                  <a:rPr lang="zh-CN" altLang="en-US" sz="1000" dirty="0"/>
                   <a:t>带有混合注意力机制的</a:t>
                 </a:r>
                 <a:r>
-                  <a:rPr lang="en-US" altLang="zh-CN" sz="1200" dirty="0"/>
+                  <a:rPr lang="en-US" altLang="zh-CN" sz="1000" dirty="0"/>
                   <a:t>Transformer </a:t>
                 </a:r>
                 <a:r>
-                  <a:rPr lang="zh-CN" altLang="en-US" sz="1200" dirty="0"/>
+                  <a:rPr lang="zh-CN" altLang="en-US" sz="1000" dirty="0"/>
                   <a:t>编码块</a:t>
                 </a:r>
               </a:p>
@@ -8039,7 +8044,7 @@
               </p:nvSpPr>
               <p:spPr>
                 <a:xfrm>
-                  <a:off x="5771109" y="6064603"/>
+                  <a:off x="5862498" y="5813304"/>
                   <a:ext cx="2310475" cy="276999"/>
                 </a:xfrm>
                 <a:prstGeom prst="rect">
@@ -8054,7 +8059,7 @@
                 <a:lstStyle/>
                 <a:p>
                   <a:r>
-                    <a:rPr lang="en-US" altLang="zh-CN" sz="1200" dirty="0"/>
+                    <a:rPr lang="en-US" altLang="zh-CN" sz="1000" dirty="0"/>
                     <a:t>(</a:t>
                   </a:r>
                   <a14:m>
@@ -8062,14 +8067,14 @@
                       <m:sSub>
                         <m:sSubPr>
                           <m:ctrlPr>
-                            <a:rPr lang="en-US" altLang="zh-CN" sz="1200" i="1" smtClean="0">
+                            <a:rPr lang="en-US" altLang="zh-CN" sz="1000" i="1" smtClean="0">
                               <a:latin typeface="Cambria Math" panose="02040503050406030204" pitchFamily="18" charset="0"/>
                             </a:rPr>
                           </m:ctrlPr>
                         </m:sSubPr>
                         <m:e>
                           <m:r>
-                            <a:rPr lang="en-US" altLang="zh-CN" sz="1200" b="0" i="1" smtClean="0">
+                            <a:rPr lang="en-US" altLang="zh-CN" sz="1000" b="0" i="1" smtClean="0">
                               <a:latin typeface="Cambria Math" panose="02040503050406030204" pitchFamily="18" charset="0"/>
                             </a:rPr>
                             <m:t>𝑇</m:t>
@@ -8080,7 +8085,7 @@
                             <m:rPr>
                               <m:sty m:val="p"/>
                             </m:rPr>
-                            <a:rPr lang="en-US" altLang="zh-CN" sz="1200" i="1">
+                            <a:rPr lang="en-US" altLang="zh-CN" sz="1000" i="1">
                               <a:latin typeface="Cambria Math" panose="02040503050406030204" pitchFamily="18" charset="0"/>
                             </a:rPr>
                             <m:t>month</m:t>
@@ -8088,7 +8093,7 @@
                         </m:sub>
                       </m:sSub>
                       <m:r>
-                        <a:rPr lang="en-US" altLang="zh-CN" sz="1200" b="0" i="1" smtClean="0">
+                        <a:rPr lang="en-US" altLang="zh-CN" sz="1000" b="0" i="1" smtClean="0">
                           <a:latin typeface="Cambria Math" panose="02040503050406030204" pitchFamily="18" charset="0"/>
                         </a:rPr>
                         <m:t>,</m:t>
@@ -8096,14 +8101,14 @@
                       <m:sSub>
                         <m:sSubPr>
                           <m:ctrlPr>
-                            <a:rPr lang="en-US" altLang="zh-CN" sz="1200" i="1">
+                            <a:rPr lang="en-US" altLang="zh-CN" sz="1000" i="1">
                               <a:latin typeface="Cambria Math" panose="02040503050406030204" pitchFamily="18" charset="0"/>
                             </a:rPr>
                           </m:ctrlPr>
                         </m:sSubPr>
                         <m:e>
                           <m:r>
-                            <a:rPr lang="en-US" altLang="zh-CN" sz="1200" b="0" i="1" smtClean="0">
+                            <a:rPr lang="en-US" altLang="zh-CN" sz="1000" b="0" i="1" smtClean="0">
                               <a:latin typeface="Cambria Math" panose="02040503050406030204" pitchFamily="18" charset="0"/>
                             </a:rPr>
                             <m:t>𝑇</m:t>
@@ -8111,7 +8116,7 @@
                         </m:e>
                         <m:sub>
                           <m:r>
-                            <a:rPr lang="en-US" altLang="zh-CN" sz="1200" b="0" i="1" smtClean="0">
+                            <a:rPr lang="en-US" altLang="zh-CN" sz="1000" b="0" i="1" smtClean="0">
                               <a:latin typeface="Cambria Math" panose="02040503050406030204" pitchFamily="18" charset="0"/>
                             </a:rPr>
                             <m:t>h𝑜𝑢𝑟</m:t>
@@ -8121,7 +8126,7 @@
                     </m:oMath>
                   </a14:m>
                   <a:r>
-                    <a:rPr lang="en-US" altLang="zh-CN" sz="1200" dirty="0"/>
+                    <a:rPr lang="en-US" altLang="zh-CN" sz="1000" dirty="0"/>
                     <a:t>, </a:t>
                   </a:r>
                   <a14:m>
@@ -8129,14 +8134,14 @@
                       <m:sSub>
                         <m:sSubPr>
                           <m:ctrlPr>
-                            <a:rPr lang="en-US" altLang="zh-CN" sz="1200" i="1">
+                            <a:rPr lang="en-US" altLang="zh-CN" sz="1000" i="1">
                               <a:latin typeface="Cambria Math" panose="02040503050406030204" pitchFamily="18" charset="0"/>
                             </a:rPr>
                           </m:ctrlPr>
                         </m:sSubPr>
                         <m:e>
                           <m:r>
-                            <a:rPr lang="en-US" altLang="zh-CN" sz="1200" b="0" i="1" smtClean="0">
+                            <a:rPr lang="en-US" altLang="zh-CN" sz="1000" b="0" i="1" smtClean="0">
                               <a:latin typeface="Cambria Math" panose="02040503050406030204" pitchFamily="18" charset="0"/>
                             </a:rPr>
                             <m:t>𝑇</m:t>
@@ -8144,7 +8149,7 @@
                         </m:e>
                         <m:sub>
                           <m:r>
-                            <a:rPr lang="en-US" altLang="zh-CN" sz="1200" b="0" i="1" smtClean="0">
+                            <a:rPr lang="en-US" altLang="zh-CN" sz="1000" b="0" i="1" smtClean="0">
                               <a:latin typeface="Cambria Math" panose="02040503050406030204" pitchFamily="18" charset="0"/>
                             </a:rPr>
                             <m:t>𝑚𝑖𝑛𝑢𝑡𝑒</m:t>
@@ -8152,7 +8157,7 @@
                         </m:sub>
                       </m:sSub>
                       <m:r>
-                        <a:rPr lang="en-US" altLang="zh-CN" sz="1200" b="0" i="0" smtClean="0">
+                        <a:rPr lang="en-US" altLang="zh-CN" sz="1000" b="0" i="0" smtClean="0">
                           <a:latin typeface="Cambria Math" panose="02040503050406030204" pitchFamily="18" charset="0"/>
                         </a:rPr>
                         <m:t>,…</m:t>
@@ -8160,10 +8165,10 @@
                     </m:oMath>
                   </a14:m>
                   <a:r>
-                    <a:rPr lang="en-US" altLang="zh-CN" sz="1200" dirty="0"/>
+                    <a:rPr lang="en-US" altLang="zh-CN" sz="1000" dirty="0"/>
                     <a:t>)</a:t>
                   </a:r>
-                  <a:endParaRPr lang="zh-CN" altLang="en-US" sz="1200" dirty="0"/>
+                  <a:endParaRPr lang="zh-CN" altLang="en-US" sz="1000" dirty="0"/>
                 </a:p>
               </p:txBody>
             </p:sp>
@@ -8185,7 +8190,7 @@
               </p:nvSpPr>
               <p:spPr>
                 <a:xfrm>
-                  <a:off x="5771109" y="6064603"/>
+                  <a:off x="5862498" y="5813304"/>
                   <a:ext cx="2310475" cy="276999"/>
                 </a:xfrm>
                 <a:prstGeom prst="rect">
@@ -8194,7 +8199,7 @@
                 <a:blipFill>
                   <a:blip r:embed="rId3"/>
                   <a:stretch>
-                    <a:fillRect l="-264" t="-2222" b="-17778"/>
+                    <a:fillRect b="-14634"/>
                   </a:stretch>
                 </a:blipFill>
               </p:spPr>
@@ -8230,7 +8235,7 @@
           </p:nvCxnSpPr>
           <p:spPr>
             <a:xfrm flipH="1" flipV="1">
-              <a:off x="7607892" y="3994274"/>
+              <a:off x="7699281" y="3742975"/>
               <a:ext cx="2414" cy="933787"/>
             </a:xfrm>
             <a:prstGeom prst="straightConnector1">
@@ -8269,7 +8274,7 @@
           </p:nvSpPr>
           <p:spPr>
             <a:xfrm>
-              <a:off x="4877667" y="1030694"/>
+              <a:off x="4969056" y="779395"/>
               <a:ext cx="2210979" cy="183299"/>
             </a:xfrm>
             <a:prstGeom prst="rect">
@@ -8320,7 +8325,7 @@
               </p:nvSpPr>
               <p:spPr>
                 <a:xfrm>
-                  <a:off x="3868421" y="6170684"/>
+                  <a:off x="3959810" y="5919385"/>
                   <a:ext cx="1392583" cy="276999"/>
                 </a:xfrm>
                 <a:prstGeom prst="rect">
@@ -8337,7 +8342,7 @@
                   <a14:m>
                     <m:oMath xmlns:m="http://schemas.openxmlformats.org/officeDocument/2006/math">
                       <m:r>
-                        <a:rPr lang="en-US" altLang="zh-CN" sz="1200" b="0" i="1" smtClean="0">
+                        <a:rPr lang="en-US" altLang="zh-CN" sz="1000" b="0" i="1" smtClean="0">
                           <a:latin typeface="Cambria Math" panose="02040503050406030204" pitchFamily="18" charset="0"/>
                         </a:rPr>
                         <m:t>(</m:t>
@@ -8345,7 +8350,7 @@
                       <m:sSub>
                         <m:sSubPr>
                           <m:ctrlPr>
-                            <a:rPr lang="en-US" altLang="zh-CN" sz="1200" i="1" smtClean="0">
+                            <a:rPr lang="en-US" altLang="zh-CN" sz="1000" i="1" smtClean="0">
                               <a:latin typeface="Cambria Math" panose="02040503050406030204" pitchFamily="18" charset="0"/>
                             </a:rPr>
                           </m:ctrlPr>
@@ -8355,7 +8360,7 @@
                             <m:rPr>
                               <m:sty m:val="p"/>
                             </m:rPr>
-                            <a:rPr lang="en-US" altLang="zh-CN" sz="1200" i="1">
+                            <a:rPr lang="en-US" altLang="zh-CN" sz="1000" i="1">
                               <a:latin typeface="Cambria Math" panose="02040503050406030204" pitchFamily="18" charset="0"/>
                             </a:rPr>
                             <m:t>X</m:t>
@@ -8363,7 +8368,7 @@
                         </m:e>
                         <m:sub>
                           <m:r>
-                            <a:rPr lang="en-US" altLang="zh-CN" sz="1200" b="0" i="1" smtClean="0">
+                            <a:rPr lang="en-US" altLang="zh-CN" sz="1000" b="0" i="1" smtClean="0">
                               <a:latin typeface="Cambria Math" panose="02040503050406030204" pitchFamily="18" charset="0"/>
                             </a:rPr>
                             <m:t>1</m:t>
@@ -8371,7 +8376,7 @@
                         </m:sub>
                       </m:sSub>
                       <m:r>
-                        <a:rPr lang="en-US" altLang="zh-CN" sz="1200" b="0" i="1" smtClean="0">
+                        <a:rPr lang="en-US" altLang="zh-CN" sz="1000" b="0" i="1" smtClean="0">
                           <a:latin typeface="Cambria Math" panose="02040503050406030204" pitchFamily="18" charset="0"/>
                         </a:rPr>
                         <m:t>,</m:t>
@@ -8379,7 +8384,7 @@
                       <m:sSub>
                         <m:sSubPr>
                           <m:ctrlPr>
-                            <a:rPr lang="en-US" altLang="zh-CN" sz="1200" i="1" smtClean="0">
+                            <a:rPr lang="en-US" altLang="zh-CN" sz="1000" i="1" smtClean="0">
                               <a:latin typeface="Cambria Math" panose="02040503050406030204" pitchFamily="18" charset="0"/>
                             </a:rPr>
                           </m:ctrlPr>
@@ -8389,7 +8394,7 @@
                             <m:rPr>
                               <m:sty m:val="p"/>
                             </m:rPr>
-                            <a:rPr lang="en-US" altLang="zh-CN" sz="1200" i="1">
+                            <a:rPr lang="en-US" altLang="zh-CN" sz="1000" i="1">
                               <a:latin typeface="Cambria Math" panose="02040503050406030204" pitchFamily="18" charset="0"/>
                             </a:rPr>
                             <m:t>X</m:t>
@@ -8397,7 +8402,7 @@
                         </m:e>
                         <m:sub>
                           <m:r>
-                            <a:rPr lang="en-US" altLang="zh-CN" sz="1200" b="0" i="1" smtClean="0">
+                            <a:rPr lang="en-US" altLang="zh-CN" sz="1000" b="0" i="1" smtClean="0">
                               <a:latin typeface="Cambria Math" panose="02040503050406030204" pitchFamily="18" charset="0"/>
                             </a:rPr>
                             <m:t>2</m:t>
@@ -8407,7 +8412,7 @@
                     </m:oMath>
                   </a14:m>
                   <a:r>
-                    <a:rPr lang="en-US" altLang="zh-CN" sz="1200" dirty="0"/>
+                    <a:rPr lang="en-US" altLang="zh-CN" sz="1000" dirty="0"/>
                     <a:t>, </a:t>
                   </a:r>
                   <a14:m>
@@ -8415,7 +8420,7 @@
                       <m:sSub>
                         <m:sSubPr>
                           <m:ctrlPr>
-                            <a:rPr lang="en-US" altLang="zh-CN" sz="1200" i="1" smtClean="0">
+                            <a:rPr lang="en-US" altLang="zh-CN" sz="1000" i="1" smtClean="0">
                               <a:latin typeface="Cambria Math" panose="02040503050406030204" pitchFamily="18" charset="0"/>
                             </a:rPr>
                           </m:ctrlPr>
@@ -8425,7 +8430,7 @@
                             <m:rPr>
                               <m:sty m:val="p"/>
                             </m:rPr>
-                            <a:rPr lang="en-US" altLang="zh-CN" sz="1200" i="1">
+                            <a:rPr lang="en-US" altLang="zh-CN" sz="1000" i="1">
                               <a:latin typeface="Cambria Math" panose="02040503050406030204" pitchFamily="18" charset="0"/>
                             </a:rPr>
                             <m:t>X</m:t>
@@ -8433,7 +8438,7 @@
                         </m:e>
                         <m:sub>
                           <m:r>
-                            <a:rPr lang="en-US" altLang="zh-CN" sz="1200" b="0" i="1" smtClean="0">
+                            <a:rPr lang="en-US" altLang="zh-CN" sz="1000" b="0" i="1" smtClean="0">
                               <a:latin typeface="Cambria Math" panose="02040503050406030204" pitchFamily="18" charset="0"/>
                             </a:rPr>
                             <m:t>3</m:t>
@@ -8443,7 +8448,7 @@
                     </m:oMath>
                   </a14:m>
                   <a:r>
-                    <a:rPr lang="en-US" altLang="zh-CN" sz="1200" dirty="0"/>
+                    <a:rPr lang="en-US" altLang="zh-CN" sz="1000" dirty="0"/>
                     <a:t>,…, </a:t>
                   </a:r>
                   <a14:m>
@@ -8451,7 +8456,7 @@
                       <m:sSub>
                         <m:sSubPr>
                           <m:ctrlPr>
-                            <a:rPr lang="en-US" altLang="zh-CN" sz="1200" i="1" smtClean="0">
+                            <a:rPr lang="en-US" altLang="zh-CN" sz="1000" i="1" smtClean="0">
                               <a:latin typeface="Cambria Math" panose="02040503050406030204" pitchFamily="18" charset="0"/>
                             </a:rPr>
                           </m:ctrlPr>
@@ -8461,7 +8466,7 @@
                             <m:rPr>
                               <m:sty m:val="p"/>
                             </m:rPr>
-                            <a:rPr lang="en-US" altLang="zh-CN" sz="1200" i="1">
+                            <a:rPr lang="en-US" altLang="zh-CN" sz="1000" i="1">
                               <a:latin typeface="Cambria Math" panose="02040503050406030204" pitchFamily="18" charset="0"/>
                             </a:rPr>
                             <m:t>X</m:t>
@@ -8469,7 +8474,7 @@
                         </m:e>
                         <m:sub>
                           <m:r>
-                            <a:rPr lang="en-US" altLang="zh-CN" sz="1200" b="0" i="1" smtClean="0">
+                            <a:rPr lang="en-US" altLang="zh-CN" sz="1000" b="0" i="1" smtClean="0">
                               <a:latin typeface="Cambria Math" panose="02040503050406030204" pitchFamily="18" charset="0"/>
                             </a:rPr>
                             <m:t>𝑛</m:t>
@@ -8479,10 +8484,10 @@
                     </m:oMath>
                   </a14:m>
                   <a:r>
-                    <a:rPr lang="en-US" altLang="zh-CN" sz="1200" dirty="0"/>
+                    <a:rPr lang="en-US" altLang="zh-CN" sz="1000" dirty="0"/>
                     <a:t>)</a:t>
                   </a:r>
-                  <a:endParaRPr lang="zh-CN" altLang="en-US" sz="1200" dirty="0"/>
+                  <a:endParaRPr lang="zh-CN" altLang="en-US" sz="1000" dirty="0"/>
                 </a:p>
               </p:txBody>
             </p:sp>
@@ -8504,7 +8509,7 @@
               </p:nvSpPr>
               <p:spPr>
                 <a:xfrm>
-                  <a:off x="3868421" y="6170684"/>
+                  <a:off x="3959810" y="5919385"/>
                   <a:ext cx="1392583" cy="276999"/>
                 </a:xfrm>
                 <a:prstGeom prst="rect">
@@ -8513,7 +8518,7 @@
                 <a:blipFill>
                   <a:blip r:embed="rId4"/>
                   <a:stretch>
-                    <a:fillRect b="-17778"/>
+                    <a:fillRect b="-12195"/>
                   </a:stretch>
                 </a:blipFill>
               </p:spPr>
@@ -8548,7 +8553,7 @@
           </p:nvCxnSpPr>
           <p:spPr>
             <a:xfrm>
-              <a:off x="3971925" y="5457825"/>
+              <a:off x="4063314" y="5206526"/>
               <a:ext cx="938" cy="98964"/>
             </a:xfrm>
             <a:prstGeom prst="line">
@@ -8587,7 +8592,7 @@
           </p:nvCxnSpPr>
           <p:spPr>
             <a:xfrm rot="10800000">
-              <a:off x="3003267" y="5258433"/>
+              <a:off x="3094656" y="5007134"/>
               <a:ext cx="968659" cy="199392"/>
             </a:xfrm>
             <a:prstGeom prst="bentConnector2">
@@ -8628,7 +8633,7 @@
           </p:nvCxnSpPr>
           <p:spPr>
             <a:xfrm flipV="1">
-              <a:off x="3971925" y="5258433"/>
+              <a:off x="4063314" y="5007134"/>
               <a:ext cx="846490" cy="199392"/>
             </a:xfrm>
             <a:prstGeom prst="bentConnector2">
@@ -8669,7 +8674,7 @@
               </p:nvSpPr>
               <p:spPr>
                 <a:xfrm>
-                  <a:off x="1258784" y="5306194"/>
+                  <a:off x="1350173" y="5054895"/>
                   <a:ext cx="1744481" cy="291298"/>
                 </a:xfrm>
                 <a:prstGeom prst="rect">
@@ -8686,7 +8691,7 @@
                   <a14:m>
                     <m:oMath xmlns:m="http://schemas.openxmlformats.org/officeDocument/2006/math">
                       <m:r>
-                        <a:rPr lang="en-US" altLang="zh-CN" sz="1200" b="0" i="1" smtClean="0">
+                        <a:rPr lang="en-US" altLang="zh-CN" sz="1000" b="0" i="1" smtClean="0">
                           <a:latin typeface="Cambria Math" panose="02040503050406030204" pitchFamily="18" charset="0"/>
                         </a:rPr>
                         <m:t>(</m:t>
@@ -8694,7 +8699,7 @@
                       <m:sSub>
                         <m:sSubPr>
                           <m:ctrlPr>
-                            <a:rPr lang="en-US" altLang="zh-CN" sz="1200" i="1" smtClean="0">
+                            <a:rPr lang="en-US" altLang="zh-CN" sz="1000" i="1" smtClean="0">
                               <a:latin typeface="Cambria Math" panose="02040503050406030204" pitchFamily="18" charset="0"/>
                             </a:rPr>
                           </m:ctrlPr>
@@ -8704,7 +8709,7 @@
                             <m:rPr>
                               <m:sty m:val="p"/>
                             </m:rPr>
-                            <a:rPr lang="en-US" altLang="zh-CN" sz="1200" i="1">
+                            <a:rPr lang="en-US" altLang="zh-CN" sz="1000" i="1">
                               <a:latin typeface="Cambria Math" panose="02040503050406030204" pitchFamily="18" charset="0"/>
                             </a:rPr>
                             <m:t>X</m:t>
@@ -8712,13 +8717,13 @@
                         </m:e>
                         <m:sub>
                           <m:r>
-                            <a:rPr lang="en-US" altLang="zh-CN" sz="1200" b="0" i="1" smtClean="0">
+                            <a:rPr lang="en-US" altLang="zh-CN" sz="1000" b="0" i="1" smtClean="0">
                               <a:latin typeface="Cambria Math" panose="02040503050406030204" pitchFamily="18" charset="0"/>
                             </a:rPr>
                             <m:t>𝑝</m:t>
                           </m:r>
                           <m:r>
-                            <a:rPr lang="en-US" altLang="zh-CN" sz="1200" b="0" i="1" smtClean="0">
+                            <a:rPr lang="en-US" altLang="zh-CN" sz="1000" b="0" i="1" smtClean="0">
                               <a:latin typeface="Cambria Math" panose="02040503050406030204" pitchFamily="18" charset="0"/>
                             </a:rPr>
                             <m:t>1</m:t>
@@ -8726,7 +8731,7 @@
                         </m:sub>
                       </m:sSub>
                       <m:r>
-                        <a:rPr lang="en-US" altLang="zh-CN" sz="1200" b="0" i="1" smtClean="0">
+                        <a:rPr lang="en-US" altLang="zh-CN" sz="1000" b="0" i="1" smtClean="0">
                           <a:latin typeface="Cambria Math" panose="02040503050406030204" pitchFamily="18" charset="0"/>
                         </a:rPr>
                         <m:t>,</m:t>
@@ -8734,7 +8739,7 @@
                       <m:sSub>
                         <m:sSubPr>
                           <m:ctrlPr>
-                            <a:rPr lang="en-US" altLang="zh-CN" sz="1200" i="1" smtClean="0">
+                            <a:rPr lang="en-US" altLang="zh-CN" sz="1000" i="1" smtClean="0">
                               <a:latin typeface="Cambria Math" panose="02040503050406030204" pitchFamily="18" charset="0"/>
                             </a:rPr>
                           </m:ctrlPr>
@@ -8744,7 +8749,7 @@
                             <m:rPr>
                               <m:sty m:val="p"/>
                             </m:rPr>
-                            <a:rPr lang="en-US" altLang="zh-CN" sz="1200" i="1">
+                            <a:rPr lang="en-US" altLang="zh-CN" sz="1000" i="1">
                               <a:latin typeface="Cambria Math" panose="02040503050406030204" pitchFamily="18" charset="0"/>
                             </a:rPr>
                             <m:t>X</m:t>
@@ -8752,13 +8757,13 @@
                         </m:e>
                         <m:sub>
                           <m:r>
-                            <a:rPr lang="en-US" altLang="zh-CN" sz="1200" b="0" i="1" smtClean="0">
+                            <a:rPr lang="en-US" altLang="zh-CN" sz="1000" b="0" i="1" smtClean="0">
                               <a:latin typeface="Cambria Math" panose="02040503050406030204" pitchFamily="18" charset="0"/>
                             </a:rPr>
                             <m:t>𝑝</m:t>
                           </m:r>
                           <m:r>
-                            <a:rPr lang="en-US" altLang="zh-CN" sz="1200" b="0" i="1" smtClean="0">
+                            <a:rPr lang="en-US" altLang="zh-CN" sz="1000" b="0" i="1" smtClean="0">
                               <a:latin typeface="Cambria Math" panose="02040503050406030204" pitchFamily="18" charset="0"/>
                             </a:rPr>
                             <m:t>2</m:t>
@@ -8768,7 +8773,7 @@
                     </m:oMath>
                   </a14:m>
                   <a:r>
-                    <a:rPr lang="en-US" altLang="zh-CN" sz="1200" dirty="0"/>
+                    <a:rPr lang="en-US" altLang="zh-CN" sz="1000" dirty="0"/>
                     <a:t>, </a:t>
                   </a:r>
                   <a14:m>
@@ -8776,7 +8781,7 @@
                       <m:sSub>
                         <m:sSubPr>
                           <m:ctrlPr>
-                            <a:rPr lang="en-US" altLang="zh-CN" sz="1200" i="1" smtClean="0">
+                            <a:rPr lang="en-US" altLang="zh-CN" sz="1000" i="1" smtClean="0">
                               <a:latin typeface="Cambria Math" panose="02040503050406030204" pitchFamily="18" charset="0"/>
                             </a:rPr>
                           </m:ctrlPr>
@@ -8786,7 +8791,7 @@
                             <m:rPr>
                               <m:sty m:val="p"/>
                             </m:rPr>
-                            <a:rPr lang="en-US" altLang="zh-CN" sz="1200" i="1">
+                            <a:rPr lang="en-US" altLang="zh-CN" sz="1000" i="1">
                               <a:latin typeface="Cambria Math" panose="02040503050406030204" pitchFamily="18" charset="0"/>
                             </a:rPr>
                             <m:t>X</m:t>
@@ -8794,13 +8799,13 @@
                         </m:e>
                         <m:sub>
                           <m:r>
-                            <a:rPr lang="en-US" altLang="zh-CN" sz="1200" b="0" i="1" smtClean="0">
+                            <a:rPr lang="en-US" altLang="zh-CN" sz="1000" b="0" i="1" smtClean="0">
                               <a:latin typeface="Cambria Math" panose="02040503050406030204" pitchFamily="18" charset="0"/>
                             </a:rPr>
                             <m:t>𝑝</m:t>
                           </m:r>
                           <m:r>
-                            <a:rPr lang="en-US" altLang="zh-CN" sz="1200" b="0" i="1" smtClean="0">
+                            <a:rPr lang="en-US" altLang="zh-CN" sz="1000" b="0" i="1" smtClean="0">
                               <a:latin typeface="Cambria Math" panose="02040503050406030204" pitchFamily="18" charset="0"/>
                             </a:rPr>
                             <m:t>3</m:t>
@@ -8810,7 +8815,7 @@
                     </m:oMath>
                   </a14:m>
                   <a:r>
-                    <a:rPr lang="en-US" altLang="zh-CN" sz="1200" dirty="0"/>
+                    <a:rPr lang="en-US" altLang="zh-CN" sz="1000" dirty="0"/>
                     <a:t>,…, </a:t>
                   </a:r>
                   <a14:m>
@@ -8818,7 +8823,7 @@
                       <m:sSub>
                         <m:sSubPr>
                           <m:ctrlPr>
-                            <a:rPr lang="en-US" altLang="zh-CN" sz="1200" i="1" smtClean="0">
+                            <a:rPr lang="en-US" altLang="zh-CN" sz="1000" i="1" smtClean="0">
                               <a:latin typeface="Cambria Math" panose="02040503050406030204" pitchFamily="18" charset="0"/>
                             </a:rPr>
                           </m:ctrlPr>
@@ -8828,7 +8833,7 @@
                             <m:rPr>
                               <m:sty m:val="p"/>
                             </m:rPr>
-                            <a:rPr lang="en-US" altLang="zh-CN" sz="1200" i="1">
+                            <a:rPr lang="en-US" altLang="zh-CN" sz="1000" i="1">
                               <a:latin typeface="Cambria Math" panose="02040503050406030204" pitchFamily="18" charset="0"/>
                             </a:rPr>
                             <m:t>X</m:t>
@@ -8836,7 +8841,7 @@
                         </m:e>
                         <m:sub>
                           <m:r>
-                            <a:rPr lang="en-US" altLang="zh-CN" sz="1200" b="0" i="1" smtClean="0">
+                            <a:rPr lang="en-US" altLang="zh-CN" sz="1000" b="0" i="1" smtClean="0">
                               <a:latin typeface="Cambria Math" panose="02040503050406030204" pitchFamily="18" charset="0"/>
                             </a:rPr>
                             <m:t>𝑝𝑛</m:t>
@@ -8846,10 +8851,10 @@
                     </m:oMath>
                   </a14:m>
                   <a:r>
-                    <a:rPr lang="en-US" altLang="zh-CN" sz="1200" dirty="0"/>
+                    <a:rPr lang="en-US" altLang="zh-CN" sz="1000" dirty="0"/>
                     <a:t>)</a:t>
                   </a:r>
-                  <a:endParaRPr lang="zh-CN" altLang="en-US" sz="1200" dirty="0"/>
+                  <a:endParaRPr lang="zh-CN" altLang="en-US" sz="1000" dirty="0"/>
                 </a:p>
               </p:txBody>
             </p:sp>
@@ -8871,7 +8876,7 @@
               </p:nvSpPr>
               <p:spPr>
                 <a:xfrm>
-                  <a:off x="1258784" y="5306194"/>
+                  <a:off x="1350173" y="5054895"/>
                   <a:ext cx="1744481" cy="291298"/>
                 </a:xfrm>
                 <a:prstGeom prst="rect">
@@ -8880,7 +8885,7 @@
                 <a:blipFill>
                   <a:blip r:embed="rId5"/>
                   <a:stretch>
-                    <a:fillRect b="-12500"/>
+                    <a:fillRect b="-9302"/>
                   </a:stretch>
                 </a:blipFill>
               </p:spPr>
@@ -8915,7 +8920,7 @@
               </p:nvSpPr>
               <p:spPr>
                 <a:xfrm>
-                  <a:off x="4866612" y="5356761"/>
+                  <a:off x="4958001" y="5105462"/>
                   <a:ext cx="1744481" cy="276999"/>
                 </a:xfrm>
                 <a:prstGeom prst="rect">
@@ -8932,7 +8937,7 @@
                   <a14:m>
                     <m:oMath xmlns:m="http://schemas.openxmlformats.org/officeDocument/2006/math">
                       <m:r>
-                        <a:rPr lang="en-US" altLang="zh-CN" sz="1200" b="0" i="1" smtClean="0">
+                        <a:rPr lang="en-US" altLang="zh-CN" sz="1000" b="0" i="1" smtClean="0">
                           <a:latin typeface="Cambria Math" panose="02040503050406030204" pitchFamily="18" charset="0"/>
                         </a:rPr>
                         <m:t>(</m:t>
@@ -8940,7 +8945,7 @@
                       <m:sSub>
                         <m:sSubPr>
                           <m:ctrlPr>
-                            <a:rPr lang="en-US" altLang="zh-CN" sz="1200" i="1" smtClean="0">
+                            <a:rPr lang="en-US" altLang="zh-CN" sz="1000" i="1" smtClean="0">
                               <a:latin typeface="Cambria Math" panose="02040503050406030204" pitchFamily="18" charset="0"/>
                             </a:rPr>
                           </m:ctrlPr>
@@ -8950,7 +8955,7 @@
                             <m:rPr>
                               <m:sty m:val="p"/>
                             </m:rPr>
-                            <a:rPr lang="en-US" altLang="zh-CN" sz="1200" i="1">
+                            <a:rPr lang="en-US" altLang="zh-CN" sz="1000" i="1">
                               <a:latin typeface="Cambria Math" panose="02040503050406030204" pitchFamily="18" charset="0"/>
                             </a:rPr>
                             <m:t>X</m:t>
@@ -8958,13 +8963,13 @@
                         </m:e>
                         <m:sub>
                           <m:r>
-                            <a:rPr lang="en-US" altLang="zh-CN" sz="1200" b="0" i="1" smtClean="0">
+                            <a:rPr lang="en-US" altLang="zh-CN" sz="1000" b="0" i="1" smtClean="0">
                               <a:latin typeface="Cambria Math" panose="02040503050406030204" pitchFamily="18" charset="0"/>
                             </a:rPr>
                             <m:t>𝑡</m:t>
                           </m:r>
                           <m:r>
-                            <a:rPr lang="en-US" altLang="zh-CN" sz="1200" b="0" i="1" smtClean="0">
+                            <a:rPr lang="en-US" altLang="zh-CN" sz="1000" b="0" i="1" smtClean="0">
                               <a:latin typeface="Cambria Math" panose="02040503050406030204" pitchFamily="18" charset="0"/>
                             </a:rPr>
                             <m:t>1</m:t>
@@ -8972,7 +8977,7 @@
                         </m:sub>
                       </m:sSub>
                       <m:r>
-                        <a:rPr lang="en-US" altLang="zh-CN" sz="1200" b="0" i="1" smtClean="0">
+                        <a:rPr lang="en-US" altLang="zh-CN" sz="1000" b="0" i="1" smtClean="0">
                           <a:latin typeface="Cambria Math" panose="02040503050406030204" pitchFamily="18" charset="0"/>
                         </a:rPr>
                         <m:t>,</m:t>
@@ -8980,7 +8985,7 @@
                       <m:sSub>
                         <m:sSubPr>
                           <m:ctrlPr>
-                            <a:rPr lang="en-US" altLang="zh-CN" sz="1200" i="1" smtClean="0">
+                            <a:rPr lang="en-US" altLang="zh-CN" sz="1000" i="1" smtClean="0">
                               <a:latin typeface="Cambria Math" panose="02040503050406030204" pitchFamily="18" charset="0"/>
                             </a:rPr>
                           </m:ctrlPr>
@@ -8990,7 +8995,7 @@
                             <m:rPr>
                               <m:sty m:val="p"/>
                             </m:rPr>
-                            <a:rPr lang="en-US" altLang="zh-CN" sz="1200" i="1">
+                            <a:rPr lang="en-US" altLang="zh-CN" sz="1000" i="1">
                               <a:latin typeface="Cambria Math" panose="02040503050406030204" pitchFamily="18" charset="0"/>
                             </a:rPr>
                             <m:t>X</m:t>
@@ -8998,13 +9003,13 @@
                         </m:e>
                         <m:sub>
                           <m:r>
-                            <a:rPr lang="en-US" altLang="zh-CN" sz="1200" b="0" i="1" smtClean="0">
+                            <a:rPr lang="en-US" altLang="zh-CN" sz="1000" b="0" i="1" smtClean="0">
                               <a:latin typeface="Cambria Math" panose="02040503050406030204" pitchFamily="18" charset="0"/>
                             </a:rPr>
                             <m:t>𝑡</m:t>
                           </m:r>
                           <m:r>
-                            <a:rPr lang="en-US" altLang="zh-CN" sz="1200" b="0" i="1" smtClean="0">
+                            <a:rPr lang="en-US" altLang="zh-CN" sz="1000" b="0" i="1" smtClean="0">
                               <a:latin typeface="Cambria Math" panose="02040503050406030204" pitchFamily="18" charset="0"/>
                             </a:rPr>
                             <m:t>2</m:t>
@@ -9014,7 +9019,7 @@
                     </m:oMath>
                   </a14:m>
                   <a:r>
-                    <a:rPr lang="en-US" altLang="zh-CN" sz="1200" dirty="0"/>
+                    <a:rPr lang="en-US" altLang="zh-CN" sz="1000" dirty="0"/>
                     <a:t>, </a:t>
                   </a:r>
                   <a14:m>
@@ -9022,7 +9027,7 @@
                       <m:sSub>
                         <m:sSubPr>
                           <m:ctrlPr>
-                            <a:rPr lang="en-US" altLang="zh-CN" sz="1200" i="1" smtClean="0">
+                            <a:rPr lang="en-US" altLang="zh-CN" sz="1000" i="1" smtClean="0">
                               <a:latin typeface="Cambria Math" panose="02040503050406030204" pitchFamily="18" charset="0"/>
                             </a:rPr>
                           </m:ctrlPr>
@@ -9032,7 +9037,7 @@
                             <m:rPr>
                               <m:sty m:val="p"/>
                             </m:rPr>
-                            <a:rPr lang="en-US" altLang="zh-CN" sz="1200" i="1">
+                            <a:rPr lang="en-US" altLang="zh-CN" sz="1000" i="1">
                               <a:latin typeface="Cambria Math" panose="02040503050406030204" pitchFamily="18" charset="0"/>
                             </a:rPr>
                             <m:t>X</m:t>
@@ -9040,13 +9045,13 @@
                         </m:e>
                         <m:sub>
                           <m:r>
-                            <a:rPr lang="en-US" altLang="zh-CN" sz="1200" b="0" i="1" smtClean="0">
+                            <a:rPr lang="en-US" altLang="zh-CN" sz="1000" b="0" i="1" smtClean="0">
                               <a:latin typeface="Cambria Math" panose="02040503050406030204" pitchFamily="18" charset="0"/>
                             </a:rPr>
                             <m:t>𝑡</m:t>
                           </m:r>
                           <m:r>
-                            <a:rPr lang="en-US" altLang="zh-CN" sz="1200" b="0" i="1" smtClean="0">
+                            <a:rPr lang="en-US" altLang="zh-CN" sz="1000" b="0" i="1" smtClean="0">
                               <a:latin typeface="Cambria Math" panose="02040503050406030204" pitchFamily="18" charset="0"/>
                             </a:rPr>
                             <m:t>3</m:t>
@@ -9056,7 +9061,7 @@
                     </m:oMath>
                   </a14:m>
                   <a:r>
-                    <a:rPr lang="en-US" altLang="zh-CN" sz="1200" dirty="0"/>
+                    <a:rPr lang="en-US" altLang="zh-CN" sz="1000" dirty="0"/>
                     <a:t>,…, </a:t>
                   </a:r>
                   <a14:m>
@@ -9064,7 +9069,7 @@
                       <m:sSub>
                         <m:sSubPr>
                           <m:ctrlPr>
-                            <a:rPr lang="en-US" altLang="zh-CN" sz="1200" i="1" smtClean="0">
+                            <a:rPr lang="en-US" altLang="zh-CN" sz="1000" i="1" smtClean="0">
                               <a:latin typeface="Cambria Math" panose="02040503050406030204" pitchFamily="18" charset="0"/>
                             </a:rPr>
                           </m:ctrlPr>
@@ -9074,7 +9079,7 @@
                             <m:rPr>
                               <m:sty m:val="p"/>
                             </m:rPr>
-                            <a:rPr lang="en-US" altLang="zh-CN" sz="1200" i="1">
+                            <a:rPr lang="en-US" altLang="zh-CN" sz="1000" i="1">
                               <a:latin typeface="Cambria Math" panose="02040503050406030204" pitchFamily="18" charset="0"/>
                             </a:rPr>
                             <m:t>X</m:t>
@@ -9082,7 +9087,7 @@
                         </m:e>
                         <m:sub>
                           <m:r>
-                            <a:rPr lang="en-US" altLang="zh-CN" sz="1200" b="0" i="1" smtClean="0">
+                            <a:rPr lang="en-US" altLang="zh-CN" sz="1000" b="0" i="1" smtClean="0">
                               <a:latin typeface="Cambria Math" panose="02040503050406030204" pitchFamily="18" charset="0"/>
                             </a:rPr>
                             <m:t>𝑡𝑛</m:t>
@@ -9092,10 +9097,10 @@
                     </m:oMath>
                   </a14:m>
                   <a:r>
-                    <a:rPr lang="en-US" altLang="zh-CN" sz="1200" dirty="0"/>
+                    <a:rPr lang="en-US" altLang="zh-CN" sz="1000" dirty="0"/>
                     <a:t>)</a:t>
                   </a:r>
-                  <a:endParaRPr lang="zh-CN" altLang="en-US" sz="1200" dirty="0"/>
+                  <a:endParaRPr lang="zh-CN" altLang="en-US" sz="1000" dirty="0"/>
                 </a:p>
               </p:txBody>
             </p:sp>
@@ -9117,7 +9122,7 @@
               </p:nvSpPr>
               <p:spPr>
                 <a:xfrm>
-                  <a:off x="4866612" y="5356761"/>
+                  <a:off x="4958001" y="5105462"/>
                   <a:ext cx="1744481" cy="276999"/>
                 </a:xfrm>
                 <a:prstGeom prst="rect">
@@ -9126,7 +9131,7 @@
                 <a:blipFill>
                   <a:blip r:embed="rId6"/>
                   <a:stretch>
-                    <a:fillRect t="-2222" b="-17778"/>
+                    <a:fillRect b="-12195"/>
                   </a:stretch>
                 </a:blipFill>
               </p:spPr>
@@ -9161,7 +9166,7 @@
           </p:nvCxnSpPr>
           <p:spPr>
             <a:xfrm flipV="1">
-              <a:off x="3003265" y="3955364"/>
+              <a:off x="3094654" y="3704065"/>
               <a:ext cx="0" cy="442125"/>
             </a:xfrm>
             <a:prstGeom prst="straightConnector1">
@@ -9202,7 +9207,7 @@
           </p:nvCxnSpPr>
           <p:spPr>
             <a:xfrm flipH="1" flipV="1">
-              <a:off x="3130782" y="2711506"/>
+              <a:off x="3222171" y="2460207"/>
               <a:ext cx="1" cy="123767"/>
             </a:xfrm>
             <a:prstGeom prst="line">
@@ -9239,7 +9244,7 @@
           </p:nvCxnSpPr>
           <p:spPr>
             <a:xfrm flipH="1" flipV="1">
-              <a:off x="4906279" y="2710192"/>
+              <a:off x="4997668" y="2458893"/>
               <a:ext cx="1" cy="123767"/>
             </a:xfrm>
             <a:prstGeom prst="line">
@@ -9276,7 +9281,7 @@
           </p:nvCxnSpPr>
           <p:spPr>
             <a:xfrm flipH="1" flipV="1">
-              <a:off x="7664832" y="2711506"/>
+              <a:off x="7756221" y="2460207"/>
               <a:ext cx="1" cy="123767"/>
             </a:xfrm>
             <a:prstGeom prst="line">
@@ -9315,7 +9320,7 @@
           </p:nvCxnSpPr>
           <p:spPr>
             <a:xfrm flipV="1">
-              <a:off x="3130782" y="2601689"/>
+              <a:off x="3222171" y="2350390"/>
               <a:ext cx="2719871" cy="108503"/>
             </a:xfrm>
             <a:prstGeom prst="bentConnector2">
@@ -9354,7 +9359,7 @@
           </p:nvCxnSpPr>
           <p:spPr>
             <a:xfrm>
-              <a:off x="5850653" y="2710192"/>
+              <a:off x="5942042" y="2458893"/>
               <a:ext cx="1814179" cy="0"/>
             </a:xfrm>
             <a:prstGeom prst="line">
@@ -9393,7 +9398,7 @@
               </p:nvSpPr>
               <p:spPr>
                 <a:xfrm>
-                  <a:off x="3130781" y="2391282"/>
+                  <a:off x="3222170" y="2139983"/>
                   <a:ext cx="659358" cy="291298"/>
                 </a:xfrm>
                 <a:prstGeom prst="rect">
@@ -9412,7 +9417,7 @@
                       <m:sSub>
                         <m:sSubPr>
                           <m:ctrlPr>
-                            <a:rPr lang="en-US" altLang="zh-CN" sz="1200" i="1" smtClean="0">
+                            <a:rPr lang="en-US" altLang="zh-CN" sz="1000" i="1" smtClean="0">
                               <a:latin typeface="Cambria Math" panose="02040503050406030204" pitchFamily="18" charset="0"/>
                             </a:rPr>
                           </m:ctrlPr>
@@ -9422,7 +9427,7 @@
                             <m:rPr>
                               <m:sty m:val="p"/>
                             </m:rPr>
-                            <a:rPr lang="en-US" altLang="zh-CN" sz="1200" i="1">
+                            <a:rPr lang="en-US" altLang="zh-CN" sz="1000" i="1">
                               <a:latin typeface="Cambria Math" panose="02040503050406030204" pitchFamily="18" charset="0"/>
                             </a:rPr>
                             <m:t>Q</m:t>
@@ -9430,7 +9435,7 @@
                         </m:e>
                         <m:sub>
                           <m:r>
-                            <a:rPr lang="en-US" altLang="zh-CN" sz="1200" b="0" i="1" smtClean="0">
+                            <a:rPr lang="en-US" altLang="zh-CN" sz="1000" b="0" i="1" smtClean="0">
                               <a:latin typeface="Cambria Math" panose="02040503050406030204" pitchFamily="18" charset="0"/>
                             </a:rPr>
                             <m:t>𝑝</m:t>
@@ -9438,7 +9443,7 @@
                         </m:sub>
                       </m:sSub>
                       <m:r>
-                        <a:rPr lang="en-US" altLang="zh-CN" sz="1200" b="0" i="1" smtClean="0">
+                        <a:rPr lang="en-US" altLang="zh-CN" sz="1000" b="0" i="1" smtClean="0">
                           <a:latin typeface="Cambria Math" panose="02040503050406030204" pitchFamily="18" charset="0"/>
                         </a:rPr>
                         <m:t>,</m:t>
@@ -9446,7 +9451,7 @@
                     </m:oMath>
                   </a14:m>
                   <a:r>
-                    <a:rPr lang="en-US" altLang="zh-CN" sz="1200" dirty="0"/>
+                    <a:rPr lang="en-US" altLang="zh-CN" sz="1000" dirty="0"/>
                     <a:t> </a:t>
                   </a:r>
                   <a14:m>
@@ -9454,14 +9459,14 @@
                       <m:sSub>
                         <m:sSubPr>
                           <m:ctrlPr>
-                            <a:rPr lang="en-US" altLang="zh-CN" sz="1200" i="1" smtClean="0">
+                            <a:rPr lang="en-US" altLang="zh-CN" sz="1000" i="1" smtClean="0">
                               <a:latin typeface="Cambria Math" panose="02040503050406030204" pitchFamily="18" charset="0"/>
                             </a:rPr>
                           </m:ctrlPr>
                         </m:sSubPr>
                         <m:e>
                           <m:r>
-                            <a:rPr lang="en-US" altLang="zh-CN" sz="1200" b="0" i="1" smtClean="0">
+                            <a:rPr lang="en-US" altLang="zh-CN" sz="1000" b="0" i="1" smtClean="0">
                               <a:latin typeface="Cambria Math" panose="02040503050406030204" pitchFamily="18" charset="0"/>
                             </a:rPr>
                             <m:t>𝐾</m:t>
@@ -9469,7 +9474,7 @@
                         </m:e>
                         <m:sub>
                           <m:r>
-                            <a:rPr lang="en-US" altLang="zh-CN" sz="1200" b="0" i="1" smtClean="0">
+                            <a:rPr lang="en-US" altLang="zh-CN" sz="1000" b="0" i="1" smtClean="0">
                               <a:latin typeface="Cambria Math" panose="02040503050406030204" pitchFamily="18" charset="0"/>
                             </a:rPr>
                             <m:t>𝑝</m:t>
@@ -9478,7 +9483,7 @@
                       </m:sSub>
                     </m:oMath>
                   </a14:m>
-                  <a:endParaRPr lang="zh-CN" altLang="en-US" sz="1200" dirty="0"/>
+                  <a:endParaRPr lang="zh-CN" altLang="en-US" sz="1000" dirty="0"/>
                 </a:p>
               </p:txBody>
             </p:sp>
@@ -9500,7 +9505,7 @@
               </p:nvSpPr>
               <p:spPr>
                 <a:xfrm>
-                  <a:off x="3130781" y="2391282"/>
+                  <a:off x="3222170" y="2139983"/>
                   <a:ext cx="659358" cy="291298"/>
                 </a:xfrm>
                 <a:prstGeom prst="rect">
@@ -9544,7 +9549,7 @@
               </p:nvSpPr>
               <p:spPr>
                 <a:xfrm>
-                  <a:off x="4520288" y="2380053"/>
+                  <a:off x="4611677" y="2128754"/>
                   <a:ext cx="659358" cy="276999"/>
                 </a:xfrm>
                 <a:prstGeom prst="rect">
@@ -9563,7 +9568,7 @@
                       <m:sSub>
                         <m:sSubPr>
                           <m:ctrlPr>
-                            <a:rPr lang="en-US" altLang="zh-CN" sz="1200" i="1" smtClean="0">
+                            <a:rPr lang="en-US" altLang="zh-CN" sz="1000" i="1" smtClean="0">
                               <a:latin typeface="Cambria Math" panose="02040503050406030204" pitchFamily="18" charset="0"/>
                             </a:rPr>
                           </m:ctrlPr>
@@ -9573,7 +9578,7 @@
                             <m:rPr>
                               <m:sty m:val="p"/>
                             </m:rPr>
-                            <a:rPr lang="en-US" altLang="zh-CN" sz="1200" i="1">
+                            <a:rPr lang="en-US" altLang="zh-CN" sz="1000" i="1">
                               <a:latin typeface="Cambria Math" panose="02040503050406030204" pitchFamily="18" charset="0"/>
                             </a:rPr>
                             <m:t>Q</m:t>
@@ -9581,7 +9586,7 @@
                         </m:e>
                         <m:sub>
                           <m:r>
-                            <a:rPr lang="en-US" altLang="zh-CN" sz="1200" b="0" i="1" smtClean="0">
+                            <a:rPr lang="en-US" altLang="zh-CN" sz="1000" b="0" i="1" smtClean="0">
                               <a:latin typeface="Cambria Math" panose="02040503050406030204" pitchFamily="18" charset="0"/>
                             </a:rPr>
                             <m:t>𝑡</m:t>
@@ -9589,7 +9594,7 @@
                         </m:sub>
                       </m:sSub>
                       <m:r>
-                        <a:rPr lang="en-US" altLang="zh-CN" sz="1200" b="0" i="1" smtClean="0">
+                        <a:rPr lang="en-US" altLang="zh-CN" sz="1000" b="0" i="1" smtClean="0">
                           <a:latin typeface="Cambria Math" panose="02040503050406030204" pitchFamily="18" charset="0"/>
                         </a:rPr>
                         <m:t>,</m:t>
@@ -9597,7 +9602,7 @@
                     </m:oMath>
                   </a14:m>
                   <a:r>
-                    <a:rPr lang="en-US" altLang="zh-CN" sz="1200" dirty="0"/>
+                    <a:rPr lang="en-US" altLang="zh-CN" sz="1000" dirty="0"/>
                     <a:t> </a:t>
                   </a:r>
                   <a14:m>
@@ -9605,14 +9610,14 @@
                       <m:sSub>
                         <m:sSubPr>
                           <m:ctrlPr>
-                            <a:rPr lang="en-US" altLang="zh-CN" sz="1200" i="1" smtClean="0">
+                            <a:rPr lang="en-US" altLang="zh-CN" sz="1000" i="1" smtClean="0">
                               <a:latin typeface="Cambria Math" panose="02040503050406030204" pitchFamily="18" charset="0"/>
                             </a:rPr>
                           </m:ctrlPr>
                         </m:sSubPr>
                         <m:e>
                           <m:r>
-                            <a:rPr lang="en-US" altLang="zh-CN" sz="1200" b="0" i="1" smtClean="0">
+                            <a:rPr lang="en-US" altLang="zh-CN" sz="1000" b="0" i="1" smtClean="0">
                               <a:latin typeface="Cambria Math" panose="02040503050406030204" pitchFamily="18" charset="0"/>
                             </a:rPr>
                             <m:t>𝐾</m:t>
@@ -9620,7 +9625,7 @@
                         </m:e>
                         <m:sub>
                           <m:r>
-                            <a:rPr lang="en-US" altLang="zh-CN" sz="1200" b="0" i="1" smtClean="0">
+                            <a:rPr lang="en-US" altLang="zh-CN" sz="1000" b="0" i="1" smtClean="0">
                               <a:latin typeface="Cambria Math" panose="02040503050406030204" pitchFamily="18" charset="0"/>
                             </a:rPr>
                             <m:t>𝑡</m:t>
@@ -9629,7 +9634,7 @@
                       </m:sSub>
                     </m:oMath>
                   </a14:m>
-                  <a:endParaRPr lang="zh-CN" altLang="en-US" sz="1200" dirty="0"/>
+                  <a:endParaRPr lang="zh-CN" altLang="en-US" sz="1000" dirty="0"/>
                 </a:p>
               </p:txBody>
             </p:sp>
@@ -9651,7 +9656,7 @@
               </p:nvSpPr>
               <p:spPr>
                 <a:xfrm>
-                  <a:off x="4520288" y="2380053"/>
+                  <a:off x="4611677" y="2128754"/>
                   <a:ext cx="659358" cy="276999"/>
                 </a:xfrm>
                 <a:prstGeom prst="rect">
@@ -9660,7 +9665,7 @@
                 <a:blipFill>
                   <a:blip r:embed="rId8"/>
                   <a:stretch>
-                    <a:fillRect b="-2174"/>
+                    <a:fillRect/>
                   </a:stretch>
                 </a:blipFill>
               </p:spPr>
@@ -9695,7 +9700,7 @@
               </p:nvSpPr>
               <p:spPr>
                 <a:xfrm>
-                  <a:off x="7134200" y="2393810"/>
+                  <a:off x="7225589" y="2142511"/>
                   <a:ext cx="947384" cy="276999"/>
                 </a:xfrm>
                 <a:prstGeom prst="rect">
@@ -9714,7 +9719,7 @@
                       <m:sSub>
                         <m:sSubPr>
                           <m:ctrlPr>
-                            <a:rPr lang="en-US" altLang="zh-CN" sz="1200" i="1" smtClean="0">
+                            <a:rPr lang="en-US" altLang="zh-CN" sz="1000" i="1" smtClean="0">
                               <a:latin typeface="Cambria Math" panose="02040503050406030204" pitchFamily="18" charset="0"/>
                             </a:rPr>
                           </m:ctrlPr>
@@ -9724,7 +9729,7 @@
                             <m:rPr>
                               <m:sty m:val="p"/>
                             </m:rPr>
-                            <a:rPr lang="en-US" altLang="zh-CN" sz="1200" i="1">
+                            <a:rPr lang="en-US" altLang="zh-CN" sz="1000" i="1">
                               <a:latin typeface="Cambria Math" panose="02040503050406030204" pitchFamily="18" charset="0"/>
                             </a:rPr>
                             <m:t>Q</m:t>
@@ -9732,7 +9737,7 @@
                         </m:e>
                         <m:sub>
                           <m:r>
-                            <a:rPr lang="en-US" altLang="zh-CN" sz="1200" b="0" i="1" smtClean="0">
+                            <a:rPr lang="en-US" altLang="zh-CN" sz="1000" b="0" i="1" smtClean="0">
                               <a:latin typeface="Cambria Math" panose="02040503050406030204" pitchFamily="18" charset="0"/>
                             </a:rPr>
                             <m:t>𝑇</m:t>
@@ -9740,7 +9745,7 @@
                         </m:sub>
                       </m:sSub>
                       <m:r>
-                        <a:rPr lang="en-US" altLang="zh-CN" sz="1200" b="0" i="1" smtClean="0">
+                        <a:rPr lang="en-US" altLang="zh-CN" sz="1000" b="0" i="1" smtClean="0">
                           <a:latin typeface="Cambria Math" panose="02040503050406030204" pitchFamily="18" charset="0"/>
                         </a:rPr>
                         <m:t>,</m:t>
@@ -9748,7 +9753,7 @@
                     </m:oMath>
                   </a14:m>
                   <a:r>
-                    <a:rPr lang="en-US" altLang="zh-CN" sz="1200" dirty="0"/>
+                    <a:rPr lang="en-US" altLang="zh-CN" sz="1000" dirty="0"/>
                     <a:t> </a:t>
                   </a:r>
                   <a14:m>
@@ -9756,14 +9761,14 @@
                       <m:sSub>
                         <m:sSubPr>
                           <m:ctrlPr>
-                            <a:rPr lang="en-US" altLang="zh-CN" sz="1200" i="1" smtClean="0">
+                            <a:rPr lang="en-US" altLang="zh-CN" sz="1000" i="1" smtClean="0">
                               <a:latin typeface="Cambria Math" panose="02040503050406030204" pitchFamily="18" charset="0"/>
                             </a:rPr>
                           </m:ctrlPr>
                         </m:sSubPr>
                         <m:e>
                           <m:r>
-                            <a:rPr lang="en-US" altLang="zh-CN" sz="1200" b="0" i="1" smtClean="0">
+                            <a:rPr lang="en-US" altLang="zh-CN" sz="1000" b="0" i="1" smtClean="0">
                               <a:latin typeface="Cambria Math" panose="02040503050406030204" pitchFamily="18" charset="0"/>
                             </a:rPr>
                             <m:t>𝐾</m:t>
@@ -9771,7 +9776,7 @@
                         </m:e>
                         <m:sub>
                           <m:r>
-                            <a:rPr lang="en-US" altLang="zh-CN" sz="1200" b="0" i="1" smtClean="0">
+                            <a:rPr lang="en-US" altLang="zh-CN" sz="1000" b="0" i="1" smtClean="0">
                               <a:latin typeface="Cambria Math" panose="02040503050406030204" pitchFamily="18" charset="0"/>
                             </a:rPr>
                             <m:t>𝑇</m:t>
@@ -9779,7 +9784,7 @@
                         </m:sub>
                       </m:sSub>
                       <m:r>
-                        <a:rPr lang="en-US" altLang="zh-CN" sz="1200" b="0" i="1" smtClean="0">
+                        <a:rPr lang="en-US" altLang="zh-CN" sz="1000" b="0" i="1" smtClean="0">
                           <a:latin typeface="Cambria Math" panose="02040503050406030204" pitchFamily="18" charset="0"/>
                         </a:rPr>
                         <m:t> ,</m:t>
@@ -9787,14 +9792,14 @@
                       <m:sSub>
                         <m:sSubPr>
                           <m:ctrlPr>
-                            <a:rPr lang="en-US" altLang="zh-CN" sz="1200" i="1" smtClean="0">
+                            <a:rPr lang="en-US" altLang="zh-CN" sz="1000" i="1" smtClean="0">
                               <a:latin typeface="Cambria Math" panose="02040503050406030204" pitchFamily="18" charset="0"/>
                             </a:rPr>
                           </m:ctrlPr>
                         </m:sSubPr>
                         <m:e>
                           <m:r>
-                            <a:rPr lang="en-US" altLang="zh-CN" sz="1200" b="0" i="1" smtClean="0">
+                            <a:rPr lang="en-US" altLang="zh-CN" sz="1000" b="0" i="1" smtClean="0">
                               <a:latin typeface="Cambria Math" panose="02040503050406030204" pitchFamily="18" charset="0"/>
                             </a:rPr>
                             <m:t>𝑉</m:t>
@@ -9802,7 +9807,7 @@
                         </m:e>
                         <m:sub>
                           <m:r>
-                            <a:rPr lang="en-US" altLang="zh-CN" sz="1200" b="0" i="1" smtClean="0">
+                            <a:rPr lang="en-US" altLang="zh-CN" sz="1000" b="0" i="1" smtClean="0">
                               <a:latin typeface="Cambria Math" panose="02040503050406030204" pitchFamily="18" charset="0"/>
                             </a:rPr>
                             <m:t>𝑇</m:t>
@@ -9811,7 +9816,7 @@
                       </m:sSub>
                     </m:oMath>
                   </a14:m>
-                  <a:endParaRPr lang="zh-CN" altLang="en-US" sz="1200" dirty="0"/>
+                  <a:endParaRPr lang="zh-CN" altLang="en-US" sz="1000" dirty="0"/>
                 </a:p>
               </p:txBody>
             </p:sp>
@@ -9833,7 +9838,7 @@
               </p:nvSpPr>
               <p:spPr>
                 <a:xfrm>
-                  <a:off x="7134200" y="2393810"/>
+                  <a:off x="7225589" y="2142511"/>
                   <a:ext cx="947384" cy="276999"/>
                 </a:xfrm>
                 <a:prstGeom prst="rect">
@@ -9842,7 +9847,7 @@
                 <a:blipFill>
                   <a:blip r:embed="rId9"/>
                   <a:stretch>
-                    <a:fillRect b="-2174"/>
+                    <a:fillRect/>
                   </a:stretch>
                 </a:blipFill>
               </p:spPr>
@@ -9877,7 +9882,7 @@
           </p:nvCxnSpPr>
           <p:spPr>
             <a:xfrm flipV="1">
-              <a:off x="5876925" y="1233488"/>
+              <a:off x="5968314" y="982189"/>
               <a:ext cx="0" cy="153639"/>
             </a:xfrm>
             <a:prstGeom prst="straightConnector1">
@@ -9918,7 +9923,7 @@
           </p:nvCxnSpPr>
           <p:spPr>
             <a:xfrm flipH="1" flipV="1">
-              <a:off x="5876925" y="823191"/>
+              <a:off x="5968314" y="571892"/>
               <a:ext cx="1" cy="194875"/>
             </a:xfrm>
             <a:prstGeom prst="straightConnector1">
@@ -9959,7 +9964,7 @@
           </p:nvCxnSpPr>
           <p:spPr>
             <a:xfrm flipH="1" flipV="1">
-              <a:off x="6026220" y="834471"/>
+              <a:off x="6117609" y="583172"/>
               <a:ext cx="1" cy="182253"/>
             </a:xfrm>
             <a:prstGeom prst="straightConnector1">
@@ -10000,7 +10005,7 @@
           </p:nvCxnSpPr>
           <p:spPr>
             <a:xfrm flipV="1">
-              <a:off x="6026221" y="1233488"/>
+              <a:off x="6117610" y="982189"/>
               <a:ext cx="0" cy="153639"/>
             </a:xfrm>
             <a:prstGeom prst="straightConnector1">
@@ -10039,7 +10044,7 @@
           </p:nvSpPr>
           <p:spPr>
             <a:xfrm>
-              <a:off x="4877667" y="620707"/>
+              <a:off x="4969056" y="369408"/>
               <a:ext cx="2210979" cy="183299"/>
             </a:xfrm>
             <a:prstGeom prst="rect">
@@ -10095,7 +10100,7 @@
           </p:nvCxnSpPr>
           <p:spPr>
             <a:xfrm flipV="1">
-              <a:off x="4818415" y="3952875"/>
+              <a:off x="4909804" y="3701576"/>
               <a:ext cx="0" cy="444614"/>
             </a:xfrm>
             <a:prstGeom prst="straightConnector1">
@@ -10213,89 +10218,1044 @@
               <a:rPr lang="en-US" altLang="zh-CN" sz="2000" b="1" dirty="0">
                 <a:latin typeface="+mj-lt"/>
               </a:rPr>
-              <a:t>1.1</a:t>
+              <a:t>3.2</a:t>
             </a:r>
             <a:r>
               <a:rPr lang="zh-CN" altLang="en-US" sz="2000" b="1" dirty="0">
                 <a:latin typeface="+mj-lt"/>
               </a:rPr>
-              <a:t> 研究背景</a:t>
+              <a:t> </a:t>
             </a:r>
           </a:p>
         </p:txBody>
       </p:sp>
-      <p:sp>
-        <p:nvSpPr>
-          <p:cNvPr id="8" name="文本框 7">
-            <a:extLst>
-              <a:ext uri="{FF2B5EF4-FFF2-40B4-BE49-F238E27FC236}">
-                <a16:creationId xmlns:a16="http://schemas.microsoft.com/office/drawing/2014/main" id="{F4C7A1FB-A362-A83D-FEEB-B191CF0C1D45}"/>
-              </a:ext>
-            </a:extLst>
-          </p:cNvPr>
-          <p:cNvSpPr txBox="1"/>
-          <p:nvPr/>
-        </p:nvSpPr>
-        <p:spPr>
-          <a:xfrm>
-            <a:off x="2030879" y="1352650"/>
-            <a:ext cx="8401421" cy="2585323"/>
-          </a:xfrm>
-          <a:prstGeom prst="rect">
-            <a:avLst/>
-          </a:prstGeom>
-          <a:noFill/>
-        </p:spPr>
-        <p:txBody>
-          <a:bodyPr wrap="square" rtlCol="0">
-            <a:spAutoFit/>
-          </a:bodyPr>
-          <a:lstStyle/>
-          <a:p>
-            <a:pPr marL="285750" indent="-285750">
-              <a:buFont typeface="Wingdings" panose="05000000000000000000" pitchFamily="2" charset="2"/>
-              <a:buChar char="l"/>
-            </a:pPr>
-            <a:r>
-              <a:rPr lang="zh-CN" altLang="en-US" dirty="0"/>
-              <a:t>随着以新能源汽车为代表的汽车工业的发展，汽车传感器装置越来越多，电子系统越来越复杂，给驾驶者和乘客带来舒适化与智能化体验同时，也面临电子系统稳定性考验。传统的汽车电子系统故障诊断依赖于专业的诊断设备与复杂的汽车</a:t>
-            </a:r>
-            <a:r>
-              <a:rPr lang="en-US" altLang="zh-CN" dirty="0"/>
-              <a:t>ECU</a:t>
-            </a:r>
-            <a:r>
-              <a:rPr lang="zh-CN" altLang="en-US" dirty="0"/>
-              <a:t>通信协议，排查异常会比较麻烦。如果能借助对传感器数据进行采集与解析，利用多元时序异常检测算法进行异常检测，可以尽早发现潜在的异常，节省工程师资源与提升安全性。</a:t>
-            </a:r>
-            <a:endParaRPr lang="en-US" altLang="zh-CN" dirty="0"/>
-          </a:p>
-          <a:p>
-            <a:pPr marL="285750" indent="-285750">
-              <a:buFont typeface="Wingdings" panose="05000000000000000000" pitchFamily="2" charset="2"/>
-              <a:buChar char="l"/>
-            </a:pPr>
-            <a:endParaRPr lang="en-US" altLang="zh-CN" dirty="0"/>
-          </a:p>
-          <a:p>
-            <a:pPr marL="285750" indent="-285750">
-              <a:buFont typeface="Wingdings" panose="05000000000000000000" pitchFamily="2" charset="2"/>
-              <a:buChar char="l"/>
-            </a:pPr>
-            <a:endParaRPr lang="en-US" altLang="zh-CN" dirty="0"/>
-          </a:p>
-          <a:p>
-            <a:pPr marL="285750" indent="-285750">
-              <a:buFont typeface="Wingdings" panose="05000000000000000000" pitchFamily="2" charset="2"/>
-              <a:buChar char="l"/>
-            </a:pPr>
-            <a:r>
-              <a:rPr lang="zh-CN" altLang="en-US" dirty="0"/>
-              <a:t>多元时序无监督异常检测近年来越来越多成为</a:t>
-            </a:r>
-          </a:p>
-        </p:txBody>
-      </p:sp>
+      <mc:AlternateContent xmlns:mc="http://schemas.openxmlformats.org/markup-compatibility/2006">
+        <mc:Choice xmlns:a14="http://schemas.microsoft.com/office/drawing/2010/main" Requires="a14">
+          <p:sp>
+            <p:nvSpPr>
+              <p:cNvPr id="8" name="文本框 7">
+                <a:extLst>
+                  <a:ext uri="{FF2B5EF4-FFF2-40B4-BE49-F238E27FC236}">
+                    <a16:creationId xmlns:a16="http://schemas.microsoft.com/office/drawing/2014/main" id="{F4C7A1FB-A362-A83D-FEEB-B191CF0C1D45}"/>
+                  </a:ext>
+                </a:extLst>
+              </p:cNvPr>
+              <p:cNvSpPr txBox="1"/>
+              <p:nvPr/>
+            </p:nvSpPr>
+            <p:spPr>
+              <a:xfrm>
+                <a:off x="2021915" y="1118586"/>
+                <a:ext cx="8401421" cy="4956870"/>
+              </a:xfrm>
+              <a:prstGeom prst="rect">
+                <a:avLst/>
+              </a:prstGeom>
+              <a:noFill/>
+            </p:spPr>
+            <p:txBody>
+              <a:bodyPr wrap="square" rtlCol="0">
+                <a:spAutoFit/>
+              </a:bodyPr>
+              <a:lstStyle/>
+              <a:p>
+                <a:pPr marL="285750" indent="-285750">
+                  <a:buFont typeface="Wingdings" panose="05000000000000000000" pitchFamily="2" charset="2"/>
+                  <a:buChar char="l"/>
+                </a:pPr>
+                <a:r>
+                  <a:rPr lang="zh-CN" altLang="en-US" sz="1400" dirty="0"/>
+                  <a:t>多时间尺度编码层</a:t>
+                </a:r>
+                <a:endParaRPr lang="en-US" altLang="zh-CN" sz="1400" dirty="0"/>
+              </a:p>
+              <a:p>
+                <a:pPr marL="285750" indent="-285750">
+                  <a:buFont typeface="Wingdings" panose="05000000000000000000" pitchFamily="2" charset="2"/>
+                  <a:buChar char="l"/>
+                </a:pPr>
+                <a:endParaRPr lang="en-US" altLang="zh-CN" sz="1400" dirty="0"/>
+              </a:p>
+              <a:p>
+                <a14:m>
+                  <m:oMathPara xmlns:m="http://schemas.openxmlformats.org/officeDocument/2006/math">
+                    <m:oMathParaPr>
+                      <m:jc m:val="centerGroup"/>
+                    </m:oMathParaPr>
+                    <m:oMath xmlns:m="http://schemas.openxmlformats.org/officeDocument/2006/math">
+                      <m:sSub>
+                        <m:sSubPr>
+                          <m:ctrlPr>
+                            <a:rPr lang="zh-CN" altLang="zh-CN" sz="1400" i="1" smtClean="0">
+                              <a:effectLst/>
+                              <a:latin typeface="Cambria Math" panose="02040503050406030204" pitchFamily="18" charset="0"/>
+                              <a:ea typeface="Cambria Math" panose="02040503050406030204" pitchFamily="18" charset="0"/>
+                            </a:rPr>
+                          </m:ctrlPr>
+                        </m:sSubPr>
+                        <m:e>
+                          <m:r>
+                            <a:rPr lang="en-US" altLang="zh-CN" sz="1400" i="1" kern="0">
+                              <a:solidFill>
+                                <a:srgbClr val="000000"/>
+                              </a:solidFill>
+                              <a:effectLst/>
+                              <a:latin typeface="Cambria Math" panose="02040503050406030204" pitchFamily="18" charset="0"/>
+                              <a:ea typeface="宋体" panose="02010600030101010101" pitchFamily="2" charset="-122"/>
+                              <a:cs typeface="Arial" panose="020B0604020202020204" pitchFamily="34" charset="0"/>
+                            </a:rPr>
+                            <m:t>𝑚𝑖𝑛𝑢𝑡𝑒</m:t>
+                          </m:r>
+                        </m:e>
+                        <m:sub>
+                          <m:r>
+                            <a:rPr lang="en-US" altLang="zh-CN" sz="1400" i="1" kern="0">
+                              <a:solidFill>
+                                <a:srgbClr val="000000"/>
+                              </a:solidFill>
+                              <a:effectLst/>
+                              <a:latin typeface="Cambria Math" panose="02040503050406030204" pitchFamily="18" charset="0"/>
+                              <a:ea typeface="宋体" panose="02010600030101010101" pitchFamily="2" charset="-122"/>
+                              <a:cs typeface="Arial" panose="020B0604020202020204" pitchFamily="34" charset="0"/>
+                            </a:rPr>
+                            <m:t>𝑖</m:t>
+                          </m:r>
+                        </m:sub>
+                      </m:sSub>
+                      <m:r>
+                        <a:rPr lang="en-US" altLang="zh-CN" sz="1400" i="1" kern="0">
+                          <a:solidFill>
+                            <a:srgbClr val="000000"/>
+                          </a:solidFill>
+                          <a:effectLst/>
+                          <a:latin typeface="Cambria Math" panose="02040503050406030204" pitchFamily="18" charset="0"/>
+                          <a:ea typeface="宋体" panose="02010600030101010101" pitchFamily="2" charset="-122"/>
+                          <a:cs typeface="Arial" panose="020B0604020202020204" pitchFamily="34" charset="0"/>
+                        </a:rPr>
+                        <m:t>=</m:t>
+                      </m:r>
+                      <m:f>
+                        <m:fPr>
+                          <m:ctrlPr>
+                            <a:rPr lang="zh-CN" altLang="zh-CN" sz="1400" i="1">
+                              <a:effectLst/>
+                              <a:latin typeface="Cambria Math" panose="02040503050406030204" pitchFamily="18" charset="0"/>
+                              <a:ea typeface="Cambria Math" panose="02040503050406030204" pitchFamily="18" charset="0"/>
+                            </a:rPr>
+                          </m:ctrlPr>
+                        </m:fPr>
+                        <m:num>
+                          <m:sSub>
+                            <m:sSubPr>
+                              <m:ctrlPr>
+                                <a:rPr lang="zh-CN" altLang="zh-CN" sz="1400" i="1">
+                                  <a:effectLst/>
+                                  <a:latin typeface="Cambria Math" panose="02040503050406030204" pitchFamily="18" charset="0"/>
+                                  <a:ea typeface="Cambria Math" panose="02040503050406030204" pitchFamily="18" charset="0"/>
+                                </a:rPr>
+                              </m:ctrlPr>
+                            </m:sSubPr>
+                            <m:e>
+                              <m:r>
+                                <a:rPr lang="en-US" altLang="zh-CN" sz="1400" i="1" kern="0">
+                                  <a:solidFill>
+                                    <a:srgbClr val="000000"/>
+                                  </a:solidFill>
+                                  <a:effectLst/>
+                                  <a:latin typeface="Cambria Math" panose="02040503050406030204" pitchFamily="18" charset="0"/>
+                                  <a:ea typeface="宋体" panose="02010600030101010101" pitchFamily="2" charset="-122"/>
+                                  <a:cs typeface="Arial" panose="020B0604020202020204" pitchFamily="34" charset="0"/>
+                                </a:rPr>
+                                <m:t>𝑇</m:t>
+                              </m:r>
+                            </m:e>
+                            <m:sub>
+                              <m:r>
+                                <a:rPr lang="en-US" altLang="zh-CN" sz="1400" i="1" kern="0">
+                                  <a:solidFill>
+                                    <a:srgbClr val="000000"/>
+                                  </a:solidFill>
+                                  <a:effectLst/>
+                                  <a:latin typeface="Cambria Math" panose="02040503050406030204" pitchFamily="18" charset="0"/>
+                                  <a:ea typeface="宋体" panose="02010600030101010101" pitchFamily="2" charset="-122"/>
+                                  <a:cs typeface="Arial" panose="020B0604020202020204" pitchFamily="34" charset="0"/>
+                                </a:rPr>
+                                <m:t>𝑖</m:t>
+                              </m:r>
+                            </m:sub>
+                          </m:sSub>
+                        </m:num>
+                        <m:den>
+                          <m:r>
+                            <a:rPr lang="en-US" altLang="zh-CN" sz="1400" i="1" kern="0">
+                              <a:solidFill>
+                                <a:srgbClr val="000000"/>
+                              </a:solidFill>
+                              <a:effectLst/>
+                              <a:latin typeface="Cambria Math" panose="02040503050406030204" pitchFamily="18" charset="0"/>
+                              <a:ea typeface="宋体" panose="02010600030101010101" pitchFamily="2" charset="-122"/>
+                              <a:cs typeface="Arial" panose="020B0604020202020204" pitchFamily="34" charset="0"/>
+                            </a:rPr>
+                            <m:t>59</m:t>
+                          </m:r>
+                        </m:den>
+                      </m:f>
+                      <m:r>
+                        <a:rPr lang="en-US" altLang="zh-CN" sz="1400" i="1" kern="0">
+                          <a:solidFill>
+                            <a:srgbClr val="808080"/>
+                          </a:solidFill>
+                          <a:effectLst/>
+                          <a:latin typeface="Cambria Math" panose="02040503050406030204" pitchFamily="18" charset="0"/>
+                          <a:ea typeface="宋体" panose="02010600030101010101" pitchFamily="2" charset="-122"/>
+                          <a:cs typeface="Arial" panose="020B0604020202020204" pitchFamily="34" charset="0"/>
+                        </a:rPr>
+                        <m:t>−</m:t>
+                      </m:r>
+                      <m:r>
+                        <a:rPr lang="en-US" altLang="zh-CN" sz="1400" i="1" kern="0">
+                          <a:solidFill>
+                            <a:srgbClr val="000000"/>
+                          </a:solidFill>
+                          <a:effectLst/>
+                          <a:latin typeface="Cambria Math" panose="02040503050406030204" pitchFamily="18" charset="0"/>
+                          <a:ea typeface="宋体" panose="02010600030101010101" pitchFamily="2" charset="-122"/>
+                          <a:cs typeface="Arial" panose="020B0604020202020204" pitchFamily="34" charset="0"/>
+                        </a:rPr>
+                        <m:t>0.5</m:t>
+                      </m:r>
+                    </m:oMath>
+                  </m:oMathPara>
+                </a14:m>
+                <a:endParaRPr lang="en-US" altLang="zh-CN" sz="1400" dirty="0"/>
+              </a:p>
+              <a:p>
+                <a:pPr marL="285750" indent="-285750">
+                  <a:buFont typeface="Wingdings" panose="05000000000000000000" pitchFamily="2" charset="2"/>
+                  <a:buChar char="l"/>
+                </a:pPr>
+                <a:endParaRPr lang="en-US" altLang="zh-CN" sz="1400" dirty="0"/>
+              </a:p>
+              <a:p>
+                <a:pPr marL="285750" indent="-285750">
+                  <a:buFont typeface="Wingdings" panose="05000000000000000000" pitchFamily="2" charset="2"/>
+                  <a:buChar char="l"/>
+                </a:pPr>
+                <a:r>
+                  <a:rPr lang="zh-CN" altLang="en-US" sz="1400" dirty="0"/>
+                  <a:t>基于</a:t>
+                </a:r>
+                <a:r>
+                  <a:rPr lang="en-US" altLang="zh-CN" sz="1400" dirty="0"/>
+                  <a:t>FFT</a:t>
+                </a:r>
+                <a:r>
+                  <a:rPr lang="zh-CN" altLang="en-US" sz="1400" dirty="0"/>
+                  <a:t>分解的时序数据编码层</a:t>
+                </a:r>
+                <a:endParaRPr lang="en-US" altLang="zh-CN" sz="1400" dirty="0"/>
+              </a:p>
+              <a:p>
+                <a:pPr marL="285750" indent="-285750">
+                  <a:buFont typeface="Wingdings" panose="05000000000000000000" pitchFamily="2" charset="2"/>
+                  <a:buChar char="l"/>
+                </a:pPr>
+                <a:endParaRPr lang="en-US" altLang="zh-CN" sz="1400" dirty="0"/>
+              </a:p>
+              <a:p>
+                <a14:m>
+                  <m:oMathPara xmlns:m="http://schemas.openxmlformats.org/officeDocument/2006/math">
+                    <m:oMathParaPr>
+                      <m:jc m:val="centerGroup"/>
+                    </m:oMathParaPr>
+                    <m:oMath xmlns:m="http://schemas.openxmlformats.org/officeDocument/2006/math">
+                      <m:sSub>
+                        <m:sSubPr>
+                          <m:ctrlPr>
+                            <a:rPr lang="zh-CN" altLang="zh-CN" sz="1400" i="1" smtClean="0">
+                              <a:effectLst/>
+                              <a:latin typeface="Cambria Math" panose="02040503050406030204" pitchFamily="18" charset="0"/>
+                              <a:ea typeface="Cambria Math" panose="02040503050406030204" pitchFamily="18" charset="0"/>
+                              <a:cs typeface="Cambria Math" panose="02040503050406030204" pitchFamily="18" charset="0"/>
+                            </a:rPr>
+                          </m:ctrlPr>
+                        </m:sSubPr>
+                        <m:e>
+                          <m:r>
+                            <a:rPr lang="en-US" altLang="zh-CN" sz="1400" i="1">
+                              <a:latin typeface="Cambria Math" panose="02040503050406030204" pitchFamily="18" charset="0"/>
+                              <a:ea typeface="Cambria Math" panose="02040503050406030204" pitchFamily="18" charset="0"/>
+                              <a:cs typeface="Cambria Math" panose="02040503050406030204" pitchFamily="18" charset="0"/>
+                            </a:rPr>
+                            <m:t>𝑃𝑒𝑟𝑖𝑜𝑑</m:t>
+                          </m:r>
+                        </m:e>
+                        <m:sub>
+                          <m:r>
+                            <a:rPr lang="en-US" altLang="zh-CN" sz="1400" i="1" kern="0">
+                              <a:solidFill>
+                                <a:srgbClr val="000000"/>
+                              </a:solidFill>
+                              <a:effectLst/>
+                              <a:latin typeface="Cambria Math" panose="02040503050406030204" pitchFamily="18" charset="0"/>
+                              <a:ea typeface="Cambria Math" panose="02040503050406030204" pitchFamily="18" charset="0"/>
+                              <a:cs typeface="Cambria Math" panose="02040503050406030204" pitchFamily="18" charset="0"/>
+                            </a:rPr>
+                            <m:t>𝑖</m:t>
+                          </m:r>
+                        </m:sub>
+                      </m:sSub>
+                      <m:r>
+                        <a:rPr lang="en-US" altLang="zh-CN" sz="1400" i="1" kern="0">
+                          <a:solidFill>
+                            <a:srgbClr val="000000"/>
+                          </a:solidFill>
+                          <a:effectLst/>
+                          <a:latin typeface="Cambria Math" panose="02040503050406030204" pitchFamily="18" charset="0"/>
+                          <a:ea typeface="Cambria Math" panose="02040503050406030204" pitchFamily="18" charset="0"/>
+                          <a:cs typeface="Cambria Math" panose="02040503050406030204" pitchFamily="18" charset="0"/>
+                        </a:rPr>
+                        <m:t>=</m:t>
+                      </m:r>
+                      <m:r>
+                        <a:rPr lang="en-US" altLang="zh-CN" sz="1400" b="0" i="1" kern="0" smtClean="0">
+                          <a:solidFill>
+                            <a:srgbClr val="000000"/>
+                          </a:solidFill>
+                          <a:effectLst/>
+                          <a:latin typeface="Cambria Math" panose="02040503050406030204" pitchFamily="18" charset="0"/>
+                          <a:ea typeface="Cambria Math" panose="02040503050406030204" pitchFamily="18" charset="0"/>
+                          <a:cs typeface="Cambria Math" panose="02040503050406030204" pitchFamily="18" charset="0"/>
+                        </a:rPr>
+                        <m:t>𝐼</m:t>
+                      </m:r>
+                      <m:r>
+                        <a:rPr lang="en-US" altLang="zh-CN" sz="1400" i="1" kern="0">
+                          <a:solidFill>
+                            <a:srgbClr val="000000"/>
+                          </a:solidFill>
+                          <a:effectLst/>
+                          <a:latin typeface="Cambria Math" panose="02040503050406030204" pitchFamily="18" charset="0"/>
+                          <a:ea typeface="宋体" panose="02010600030101010101" pitchFamily="2" charset="-122"/>
+                          <a:cs typeface="Arial" panose="020B0604020202020204" pitchFamily="34" charset="0"/>
+                        </a:rPr>
+                        <m:t>𝐹𝐹𝑇</m:t>
+                      </m:r>
+                      <m:r>
+                        <a:rPr lang="en-US" altLang="zh-CN" sz="1400" kern="0">
+                          <a:solidFill>
+                            <a:srgbClr val="000000"/>
+                          </a:solidFill>
+                          <a:effectLst/>
+                          <a:latin typeface="Cambria Math" panose="02040503050406030204" pitchFamily="18" charset="0"/>
+                          <a:ea typeface="宋体" panose="02010600030101010101" pitchFamily="2" charset="-122"/>
+                          <a:cs typeface="Arial" panose="020B0604020202020204" pitchFamily="34" charset="0"/>
+                        </a:rPr>
+                        <m:t>(</m:t>
+                      </m:r>
+                      <m:r>
+                        <a:rPr lang="en-US" altLang="zh-CN" sz="1400" b="0" i="1" kern="0" smtClean="0">
+                          <a:solidFill>
+                            <a:srgbClr val="000000"/>
+                          </a:solidFill>
+                          <a:effectLst/>
+                          <a:latin typeface="Cambria Math" panose="02040503050406030204" pitchFamily="18" charset="0"/>
+                          <a:ea typeface="宋体" panose="02010600030101010101" pitchFamily="2" charset="-122"/>
+                          <a:cs typeface="Arial" panose="020B0604020202020204" pitchFamily="34" charset="0"/>
+                        </a:rPr>
+                        <m:t>𝑡𝑜𝑝𝐾</m:t>
+                      </m:r>
+                      <m:r>
+                        <a:rPr lang="en-US" altLang="zh-CN" sz="1400" b="0" i="0" kern="0" smtClean="0">
+                          <a:solidFill>
+                            <a:srgbClr val="000000"/>
+                          </a:solidFill>
+                          <a:effectLst/>
+                          <a:latin typeface="Cambria Math" panose="02040503050406030204" pitchFamily="18" charset="0"/>
+                          <a:ea typeface="宋体" panose="02010600030101010101" pitchFamily="2" charset="-122"/>
+                          <a:cs typeface="Arial" panose="020B0604020202020204" pitchFamily="34" charset="0"/>
+                        </a:rPr>
+                        <m:t>(</m:t>
+                      </m:r>
+                      <m:r>
+                        <a:rPr lang="en-US" altLang="zh-CN" sz="1400" b="0" i="1" kern="0" smtClean="0">
+                          <a:solidFill>
+                            <a:srgbClr val="000000"/>
+                          </a:solidFill>
+                          <a:effectLst/>
+                          <a:latin typeface="Cambria Math" panose="02040503050406030204" pitchFamily="18" charset="0"/>
+                          <a:ea typeface="宋体" panose="02010600030101010101" pitchFamily="2" charset="-122"/>
+                          <a:cs typeface="Arial" panose="020B0604020202020204" pitchFamily="34" charset="0"/>
+                        </a:rPr>
+                        <m:t>𝐹𝐹𝑇</m:t>
+                      </m:r>
+                      <m:r>
+                        <a:rPr lang="en-US" altLang="zh-CN" sz="1400" b="0" i="0" kern="0" smtClean="0">
+                          <a:solidFill>
+                            <a:srgbClr val="000000"/>
+                          </a:solidFill>
+                          <a:effectLst/>
+                          <a:latin typeface="Cambria Math" panose="02040503050406030204" pitchFamily="18" charset="0"/>
+                          <a:ea typeface="宋体" panose="02010600030101010101" pitchFamily="2" charset="-122"/>
+                          <a:cs typeface="Arial" panose="020B0604020202020204" pitchFamily="34" charset="0"/>
+                        </a:rPr>
+                        <m:t>(</m:t>
+                      </m:r>
+                      <m:sSub>
+                        <m:sSubPr>
+                          <m:ctrlPr>
+                            <a:rPr lang="zh-CN" altLang="zh-CN" sz="1400" i="1">
+                              <a:latin typeface="Cambria Math" panose="02040503050406030204" pitchFamily="18" charset="0"/>
+                              <a:ea typeface="Cambria Math" panose="02040503050406030204" pitchFamily="18" charset="0"/>
+                              <a:cs typeface="Cambria Math" panose="02040503050406030204" pitchFamily="18" charset="0"/>
+                            </a:rPr>
+                          </m:ctrlPr>
+                        </m:sSubPr>
+                        <m:e>
+                          <m:r>
+                            <a:rPr lang="en-US" altLang="zh-CN" sz="1400" i="1" kern="0">
+                              <a:solidFill>
+                                <a:srgbClr val="000000"/>
+                              </a:solidFill>
+                              <a:latin typeface="Cambria Math" panose="02040503050406030204" pitchFamily="18" charset="0"/>
+                              <a:ea typeface="Cambria Math" panose="02040503050406030204" pitchFamily="18" charset="0"/>
+                              <a:cs typeface="Cambria Math" panose="02040503050406030204" pitchFamily="18" charset="0"/>
+                            </a:rPr>
+                            <m:t>𝑋</m:t>
+                          </m:r>
+                        </m:e>
+                        <m:sub>
+                          <m:r>
+                            <a:rPr lang="en-US" altLang="zh-CN" sz="1400" i="1" kern="0">
+                              <a:solidFill>
+                                <a:srgbClr val="000000"/>
+                              </a:solidFill>
+                              <a:latin typeface="Cambria Math" panose="02040503050406030204" pitchFamily="18" charset="0"/>
+                              <a:ea typeface="Cambria Math" panose="02040503050406030204" pitchFamily="18" charset="0"/>
+                              <a:cs typeface="Cambria Math" panose="02040503050406030204" pitchFamily="18" charset="0"/>
+                            </a:rPr>
+                            <m:t>𝑖</m:t>
+                          </m:r>
+                        </m:sub>
+                      </m:sSub>
+                      <m:r>
+                        <a:rPr lang="en-US" altLang="zh-CN" sz="1400" b="0" i="0" kern="0" smtClean="0">
+                          <a:solidFill>
+                            <a:srgbClr val="000000"/>
+                          </a:solidFill>
+                          <a:effectLst/>
+                          <a:latin typeface="Cambria Math" panose="02040503050406030204" pitchFamily="18" charset="0"/>
+                          <a:ea typeface="宋体" panose="02010600030101010101" pitchFamily="2" charset="-122"/>
+                          <a:cs typeface="Arial" panose="020B0604020202020204" pitchFamily="34" charset="0"/>
+                        </a:rPr>
+                        <m:t>))</m:t>
+                      </m:r>
+                      <m:r>
+                        <a:rPr lang="en-US" altLang="zh-CN" sz="1400" kern="0">
+                          <a:solidFill>
+                            <a:srgbClr val="000000"/>
+                          </a:solidFill>
+                          <a:effectLst/>
+                          <a:latin typeface="Cambria Math" panose="02040503050406030204" pitchFamily="18" charset="0"/>
+                          <a:ea typeface="宋体" panose="02010600030101010101" pitchFamily="2" charset="-122"/>
+                          <a:cs typeface="Arial" panose="020B0604020202020204" pitchFamily="34" charset="0"/>
+                        </a:rPr>
+                        <m:t>)</m:t>
+                      </m:r>
+                    </m:oMath>
+                  </m:oMathPara>
+                </a14:m>
+                <a:endParaRPr lang="en-US" altLang="zh-CN" sz="1400" dirty="0"/>
+              </a:p>
+              <a:p>
+                <a:pPr algn="ctr"/>
+                <a14:m>
+                  <m:oMath xmlns:m="http://schemas.openxmlformats.org/officeDocument/2006/math">
+                    <m:sSub>
+                      <m:sSubPr>
+                        <m:ctrlPr>
+                          <a:rPr lang="zh-CN" altLang="zh-CN" sz="1400" i="1" smtClean="0">
+                            <a:effectLst/>
+                            <a:latin typeface="Cambria Math" panose="02040503050406030204" pitchFamily="18" charset="0"/>
+                            <a:ea typeface="Cambria Math" panose="02040503050406030204" pitchFamily="18" charset="0"/>
+                            <a:cs typeface="Cambria Math" panose="02040503050406030204" pitchFamily="18" charset="0"/>
+                          </a:rPr>
+                        </m:ctrlPr>
+                      </m:sSubPr>
+                      <m:e>
+                        <m:r>
+                          <a:rPr lang="en-US" altLang="zh-CN" sz="1400" i="1" kern="0">
+                            <a:solidFill>
+                              <a:srgbClr val="000000"/>
+                            </a:solidFill>
+                            <a:effectLst/>
+                            <a:latin typeface="Cambria Math" panose="02040503050406030204" pitchFamily="18" charset="0"/>
+                            <a:ea typeface="Cambria Math" panose="02040503050406030204" pitchFamily="18" charset="0"/>
+                            <a:cs typeface="Cambria Math" panose="02040503050406030204" pitchFamily="18" charset="0"/>
+                          </a:rPr>
+                          <m:t>𝑇𝑟𝑒𝑛𝑑</m:t>
+                        </m:r>
+                      </m:e>
+                      <m:sub>
+                        <m:r>
+                          <a:rPr lang="en-US" altLang="zh-CN" sz="1400" i="1" kern="0">
+                            <a:solidFill>
+                              <a:srgbClr val="000000"/>
+                            </a:solidFill>
+                            <a:effectLst/>
+                            <a:latin typeface="Cambria Math" panose="02040503050406030204" pitchFamily="18" charset="0"/>
+                            <a:ea typeface="Cambria Math" panose="02040503050406030204" pitchFamily="18" charset="0"/>
+                            <a:cs typeface="Cambria Math" panose="02040503050406030204" pitchFamily="18" charset="0"/>
+                          </a:rPr>
+                          <m:t>𝑖</m:t>
+                        </m:r>
+                      </m:sub>
+                    </m:sSub>
+                    <m:r>
+                      <a:rPr lang="en-US" altLang="zh-CN" sz="1400" i="1" kern="0">
+                        <a:solidFill>
+                          <a:srgbClr val="000000"/>
+                        </a:solidFill>
+                        <a:effectLst/>
+                        <a:latin typeface="Cambria Math" panose="02040503050406030204" pitchFamily="18" charset="0"/>
+                        <a:ea typeface="Cambria Math" panose="02040503050406030204" pitchFamily="18" charset="0"/>
+                        <a:cs typeface="Cambria Math" panose="02040503050406030204" pitchFamily="18" charset="0"/>
+                      </a:rPr>
+                      <m:t>=</m:t>
+                    </m:r>
+                    <m:sSub>
+                      <m:sSubPr>
+                        <m:ctrlPr>
+                          <a:rPr lang="zh-CN" altLang="zh-CN" sz="1400" i="1">
+                            <a:effectLst/>
+                            <a:latin typeface="Cambria Math" panose="02040503050406030204" pitchFamily="18" charset="0"/>
+                            <a:ea typeface="Cambria Math" panose="02040503050406030204" pitchFamily="18" charset="0"/>
+                            <a:cs typeface="Cambria Math" panose="02040503050406030204" pitchFamily="18" charset="0"/>
+                          </a:rPr>
+                        </m:ctrlPr>
+                      </m:sSubPr>
+                      <m:e>
+                        <m:r>
+                          <a:rPr lang="en-US" altLang="zh-CN" sz="1400" i="1" kern="0">
+                            <a:solidFill>
+                              <a:srgbClr val="000000"/>
+                            </a:solidFill>
+                            <a:effectLst/>
+                            <a:latin typeface="Cambria Math" panose="02040503050406030204" pitchFamily="18" charset="0"/>
+                            <a:ea typeface="Cambria Math" panose="02040503050406030204" pitchFamily="18" charset="0"/>
+                            <a:cs typeface="Cambria Math" panose="02040503050406030204" pitchFamily="18" charset="0"/>
+                          </a:rPr>
+                          <m:t>𝑋</m:t>
+                        </m:r>
+                      </m:e>
+                      <m:sub>
+                        <m:r>
+                          <a:rPr lang="en-US" altLang="zh-CN" sz="1400" i="1" kern="0">
+                            <a:solidFill>
+                              <a:srgbClr val="000000"/>
+                            </a:solidFill>
+                            <a:effectLst/>
+                            <a:latin typeface="Cambria Math" panose="02040503050406030204" pitchFamily="18" charset="0"/>
+                            <a:ea typeface="Cambria Math" panose="02040503050406030204" pitchFamily="18" charset="0"/>
+                            <a:cs typeface="Cambria Math" panose="02040503050406030204" pitchFamily="18" charset="0"/>
+                          </a:rPr>
+                          <m:t>𝑖</m:t>
+                        </m:r>
+                      </m:sub>
+                    </m:sSub>
+                    <m:r>
+                      <a:rPr lang="en-US" altLang="zh-CN" sz="1400" i="1" kern="0">
+                        <a:solidFill>
+                          <a:srgbClr val="000000"/>
+                        </a:solidFill>
+                        <a:effectLst/>
+                        <a:latin typeface="Cambria Math" panose="02040503050406030204" pitchFamily="18" charset="0"/>
+                        <a:ea typeface="宋体" panose="02010600030101010101" pitchFamily="2" charset="-122"/>
+                        <a:cs typeface="Arial" panose="020B0604020202020204" pitchFamily="34" charset="0"/>
+                      </a:rPr>
+                      <m:t>−</m:t>
+                    </m:r>
+                  </m:oMath>
+                </a14:m>
+                <a:r>
+                  <a:rPr lang="zh-CN" altLang="zh-CN" sz="1400" dirty="0">
+                    <a:ea typeface="Cambria Math" panose="02040503050406030204" pitchFamily="18" charset="0"/>
+                    <a:cs typeface="Cambria Math" panose="02040503050406030204" pitchFamily="18" charset="0"/>
+                  </a:rPr>
+                  <a:t> </a:t>
+                </a:r>
+                <a14:m>
+                  <m:oMath xmlns:m="http://schemas.openxmlformats.org/officeDocument/2006/math">
+                    <m:sSub>
+                      <m:sSubPr>
+                        <m:ctrlPr>
+                          <a:rPr lang="zh-CN" altLang="zh-CN" sz="1400" i="1">
+                            <a:latin typeface="Cambria Math" panose="02040503050406030204" pitchFamily="18" charset="0"/>
+                            <a:ea typeface="Cambria Math" panose="02040503050406030204" pitchFamily="18" charset="0"/>
+                            <a:cs typeface="Cambria Math" panose="02040503050406030204" pitchFamily="18" charset="0"/>
+                          </a:rPr>
+                        </m:ctrlPr>
+                      </m:sSubPr>
+                      <m:e>
+                        <m:r>
+                          <a:rPr lang="en-US" altLang="zh-CN" sz="1400" i="1">
+                            <a:latin typeface="Cambria Math" panose="02040503050406030204" pitchFamily="18" charset="0"/>
+                            <a:ea typeface="Cambria Math" panose="02040503050406030204" pitchFamily="18" charset="0"/>
+                            <a:cs typeface="Cambria Math" panose="02040503050406030204" pitchFamily="18" charset="0"/>
+                          </a:rPr>
+                          <m:t>𝑃𝑒𝑟𝑖𝑜𝑑</m:t>
+                        </m:r>
+                      </m:e>
+                      <m:sub>
+                        <m:r>
+                          <a:rPr lang="en-US" altLang="zh-CN" sz="1400" i="1" kern="0">
+                            <a:solidFill>
+                              <a:srgbClr val="000000"/>
+                            </a:solidFill>
+                            <a:latin typeface="Cambria Math" panose="02040503050406030204" pitchFamily="18" charset="0"/>
+                            <a:ea typeface="Cambria Math" panose="02040503050406030204" pitchFamily="18" charset="0"/>
+                            <a:cs typeface="Cambria Math" panose="02040503050406030204" pitchFamily="18" charset="0"/>
+                          </a:rPr>
+                          <m:t>𝑖</m:t>
+                        </m:r>
+                      </m:sub>
+                    </m:sSub>
+                  </m:oMath>
+                </a14:m>
+                <a:endParaRPr lang="en-US" altLang="zh-CN" sz="1400" dirty="0"/>
+              </a:p>
+              <a:p>
+                <a:pPr marL="285750" indent="-285750">
+                  <a:buFont typeface="Wingdings" panose="05000000000000000000" pitchFamily="2" charset="2"/>
+                  <a:buChar char="l"/>
+                </a:pPr>
+                <a:endParaRPr lang="en-US" altLang="zh-CN" sz="1400" dirty="0"/>
+              </a:p>
+              <a:p>
+                <a:pPr marL="285750" indent="-285750">
+                  <a:buFont typeface="Wingdings" panose="05000000000000000000" pitchFamily="2" charset="2"/>
+                  <a:buChar char="l"/>
+                </a:pPr>
+                <a:r>
+                  <a:rPr lang="zh-CN" altLang="en-US" sz="1400" dirty="0"/>
+                  <a:t>时空</a:t>
+                </a:r>
+                <a:r>
+                  <a:rPr lang="en-US" altLang="zh-CN" sz="1400" dirty="0"/>
+                  <a:t>Transformer</a:t>
+                </a:r>
+                <a:r>
+                  <a:rPr lang="zh-CN" altLang="en-US" sz="1400" dirty="0"/>
+                  <a:t>编码层</a:t>
+                </a:r>
+                <a:endParaRPr lang="en-US" altLang="zh-CN" sz="1400" dirty="0"/>
+              </a:p>
+              <a:p>
+                <a:r>
+                  <a:rPr lang="zh-CN" altLang="en-US" sz="1400" dirty="0"/>
+                  <a:t>时间</a:t>
+                </a:r>
+                <a:r>
+                  <a:rPr lang="en-US" altLang="zh-CN" sz="1400" dirty="0"/>
+                  <a:t>Transformer</a:t>
+                </a:r>
+                <a:r>
+                  <a:rPr lang="zh-CN" altLang="en-US" sz="1400" dirty="0"/>
+                  <a:t>编码：</a:t>
+                </a:r>
+                <a:endParaRPr lang="en-US" altLang="zh-CN" sz="1400" dirty="0"/>
+              </a:p>
+              <a:p>
+                <a:pPr/>
+                <a14:m>
+                  <m:oMathPara xmlns:m="http://schemas.openxmlformats.org/officeDocument/2006/math">
+                    <m:oMathParaPr>
+                      <m:jc m:val="center"/>
+                    </m:oMathParaPr>
+                    <m:oMath xmlns:m="http://schemas.openxmlformats.org/officeDocument/2006/math">
+                      <m:sSubSup>
+                        <m:sSubSupPr>
+                          <m:ctrlPr>
+                            <a:rPr lang="zh-CN" altLang="zh-CN" i="1"/>
+                          </m:ctrlPr>
+                        </m:sSubSupPr>
+                        <m:e>
+                          <m:acc>
+                            <m:accPr>
+                              <m:chr m:val="̂"/>
+                              <m:ctrlPr>
+                                <a:rPr lang="zh-CN" altLang="zh-CN" i="1"/>
+                              </m:ctrlPr>
+                            </m:accPr>
+                            <m:e>
+                              <m:r>
+                                <a:rPr lang="en-US" altLang="zh-CN" i="1"/>
+                                <m:t>𝑋</m:t>
+                              </m:r>
+                            </m:e>
+                          </m:acc>
+                        </m:e>
+                        <m:sub>
+                          <m:sSub>
+                            <m:sSubPr>
+                              <m:ctrlPr>
+                                <a:rPr lang="zh-CN" altLang="zh-CN" i="1"/>
+                              </m:ctrlPr>
+                            </m:sSubPr>
+                            <m:e>
+                              <m:r>
+                                <a:rPr lang="en-US" altLang="zh-CN" i="1"/>
+                                <m:t>𝑡</m:t>
+                              </m:r>
+                            </m:e>
+                            <m:sub>
+                              <m:r>
+                                <a:rPr lang="en-US" altLang="zh-CN" i="1"/>
+                                <m:t>𝑝𝑒𝑟𝑖𝑜𝑑</m:t>
+                              </m:r>
+                            </m:sub>
+                          </m:sSub>
+                        </m:sub>
+                        <m:sup>
+                          <m:r>
+                            <a:rPr lang="en-US" altLang="zh-CN" i="1"/>
+                            <m:t>𝑙</m:t>
+                          </m:r>
+                        </m:sup>
+                      </m:sSubSup>
+                      <m:r>
+                        <a:rPr lang="en-US" altLang="zh-CN"/>
+                        <m:t>=</m:t>
+                      </m:r>
+                      <m:r>
+                        <a:rPr lang="en-US" altLang="zh-CN" b="0" i="1" smtClean="0">
+                          <a:latin typeface="Cambria Math" panose="02040503050406030204" pitchFamily="18" charset="0"/>
+                        </a:rPr>
+                        <m:t>𝑇𝑟𝑎𝑛𝑠𝑓𝑜𝑟𝑚𝑒𝑟𝐸𝑛𝑐𝑜𝑑𝑒𝑟</m:t>
+                      </m:r>
+                      <m:r>
+                        <a:rPr lang="en-US" altLang="zh-CN" b="0" i="0" smtClean="0">
+                          <a:latin typeface="Cambria Math" panose="02040503050406030204" pitchFamily="18" charset="0"/>
+                        </a:rPr>
+                        <m:t>(</m:t>
+                      </m:r>
+                      <m:sSubSup>
+                        <m:sSubSupPr>
+                          <m:ctrlPr>
+                            <a:rPr lang="zh-CN" altLang="zh-CN" i="1">
+                              <a:latin typeface="Cambria Math" panose="02040503050406030204" pitchFamily="18" charset="0"/>
+                            </a:rPr>
+                          </m:ctrlPr>
+                        </m:sSubSupPr>
+                        <m:e>
+                          <m:r>
+                            <a:rPr lang="en-US" altLang="zh-CN" i="1">
+                              <a:latin typeface="Cambria Math" panose="02040503050406030204" pitchFamily="18" charset="0"/>
+                            </a:rPr>
+                            <m:t>𝑋</m:t>
+                          </m:r>
+                        </m:e>
+                        <m:sub>
+                          <m:r>
+                            <a:rPr lang="en-US" altLang="zh-CN" i="1">
+                              <a:latin typeface="Cambria Math" panose="02040503050406030204" pitchFamily="18" charset="0"/>
+                            </a:rPr>
+                            <m:t>𝑝𝑒𝑟𝑖𝑜𝑑</m:t>
+                          </m:r>
+                        </m:sub>
+                        <m:sup>
+                          <m:r>
+                            <a:rPr lang="en-US" altLang="zh-CN" i="1">
+                              <a:latin typeface="Cambria Math" panose="02040503050406030204" pitchFamily="18" charset="0"/>
+                            </a:rPr>
+                            <m:t>𝑙</m:t>
+                          </m:r>
+                        </m:sup>
+                      </m:sSubSup>
+                      <m:r>
+                        <a:rPr lang="en-US" altLang="zh-CN" b="0" i="0" smtClean="0">
+                          <a:latin typeface="Cambria Math" panose="02040503050406030204" pitchFamily="18" charset="0"/>
+                        </a:rPr>
+                        <m:t>)</m:t>
+                      </m:r>
+                    </m:oMath>
+                  </m:oMathPara>
+                </a14:m>
+                <a:endParaRPr lang="zh-CN" altLang="zh-CN" dirty="0"/>
+              </a:p>
+              <a:p>
+                <a:pPr marL="285750" indent="-285750">
+                  <a:buFont typeface="Wingdings" panose="05000000000000000000" pitchFamily="2" charset="2"/>
+                  <a:buChar char="l"/>
+                </a:pPr>
+                <a:endParaRPr lang="en-US" altLang="zh-CN" sz="1400" dirty="0"/>
+              </a:p>
+              <a:p>
+                <a:r>
+                  <a:rPr lang="zh-CN" altLang="en-US" sz="1100" dirty="0"/>
+                  <a:t>空间</a:t>
+                </a:r>
+                <a:r>
+                  <a:rPr lang="en-US" altLang="zh-CN" sz="1100" dirty="0"/>
+                  <a:t>Transformer</a:t>
+                </a:r>
+                <a:r>
+                  <a:rPr lang="zh-CN" altLang="en-US" sz="1100" dirty="0"/>
+                  <a:t>编码：</a:t>
+                </a:r>
+                <a:endParaRPr lang="en-US" altLang="zh-CN" sz="1100" dirty="0"/>
+              </a:p>
+              <a:p>
+                <a:pPr/>
+                <a14:m>
+                  <m:oMathPara xmlns:m="http://schemas.openxmlformats.org/officeDocument/2006/math">
+                    <m:oMathParaPr>
+                      <m:jc m:val="center"/>
+                    </m:oMathParaPr>
+                    <m:oMath xmlns:m="http://schemas.openxmlformats.org/officeDocument/2006/math">
+                      <m:sSubSup>
+                        <m:sSubSupPr>
+                          <m:ctrlPr>
+                            <a:rPr lang="zh-CN" altLang="zh-CN" sz="1400" i="1">
+                              <a:latin typeface="Cambria Math" panose="02040503050406030204" pitchFamily="18" charset="0"/>
+                            </a:rPr>
+                          </m:ctrlPr>
+                        </m:sSubSupPr>
+                        <m:e>
+                          <m:acc>
+                            <m:accPr>
+                              <m:chr m:val="̂"/>
+                              <m:ctrlPr>
+                                <a:rPr lang="zh-CN" altLang="zh-CN" sz="1400" i="1">
+                                  <a:latin typeface="Cambria Math" panose="02040503050406030204" pitchFamily="18" charset="0"/>
+                                </a:rPr>
+                              </m:ctrlPr>
+                            </m:accPr>
+                            <m:e>
+                              <m:r>
+                                <a:rPr lang="en-US" altLang="zh-CN" sz="1400" i="1">
+                                  <a:latin typeface="Cambria Math" panose="02040503050406030204" pitchFamily="18" charset="0"/>
+                                </a:rPr>
+                                <m:t>𝑋</m:t>
+                              </m:r>
+                            </m:e>
+                          </m:acc>
+                        </m:e>
+                        <m:sub>
+                          <m:sSub>
+                            <m:sSubPr>
+                              <m:ctrlPr>
+                                <a:rPr lang="zh-CN" altLang="zh-CN" sz="1400" i="1">
+                                  <a:latin typeface="Cambria Math" panose="02040503050406030204" pitchFamily="18" charset="0"/>
+                                </a:rPr>
+                              </m:ctrlPr>
+                            </m:sSubPr>
+                            <m:e>
+                              <m:r>
+                                <a:rPr lang="en-US" altLang="zh-CN" sz="1400" b="0" i="1" smtClean="0">
+                                  <a:latin typeface="Cambria Math" panose="02040503050406030204" pitchFamily="18" charset="0"/>
+                                </a:rPr>
+                                <m:t>𝑠</m:t>
+                              </m:r>
+                            </m:e>
+                            <m:sub>
+                              <m:r>
+                                <a:rPr lang="en-US" altLang="zh-CN" sz="1400" i="1">
+                                  <a:latin typeface="Cambria Math" panose="02040503050406030204" pitchFamily="18" charset="0"/>
+                                </a:rPr>
+                                <m:t>𝑝𝑒𝑟𝑖𝑜𝑑</m:t>
+                              </m:r>
+                            </m:sub>
+                          </m:sSub>
+                        </m:sub>
+                        <m:sup>
+                          <m:r>
+                            <a:rPr lang="en-US" altLang="zh-CN" sz="1400" i="1">
+                              <a:latin typeface="Cambria Math" panose="02040503050406030204" pitchFamily="18" charset="0"/>
+                            </a:rPr>
+                            <m:t>𝑙</m:t>
+                          </m:r>
+                        </m:sup>
+                      </m:sSubSup>
+                      <m:r>
+                        <a:rPr lang="en-US" altLang="zh-CN" sz="1400">
+                          <a:latin typeface="Cambria Math" panose="02040503050406030204" pitchFamily="18" charset="0"/>
+                        </a:rPr>
+                        <m:t>=</m:t>
+                      </m:r>
+                      <m:r>
+                        <a:rPr lang="en-US" altLang="zh-CN" sz="1400" b="0" i="1" smtClean="0">
+                          <a:latin typeface="Cambria Math" panose="02040503050406030204" pitchFamily="18" charset="0"/>
+                        </a:rPr>
+                        <m:t>𝑇𝑟𝑎𝑛𝑠𝑓𝑜𝑟𝑚𝑒𝑟𝐸𝑛𝑐𝑜𝑑𝑒𝑟</m:t>
+                      </m:r>
+                      <m:r>
+                        <a:rPr lang="en-US" altLang="zh-CN" sz="1400" b="0" i="0" smtClean="0">
+                          <a:latin typeface="Cambria Math" panose="02040503050406030204" pitchFamily="18" charset="0"/>
+                        </a:rPr>
+                        <m:t>(</m:t>
+                      </m:r>
+                      <m:sSubSup>
+                        <m:sSubSupPr>
+                          <m:ctrlPr>
+                            <a:rPr lang="zh-CN" altLang="zh-CN" sz="1400" i="1">
+                              <a:latin typeface="Cambria Math" panose="02040503050406030204" pitchFamily="18" charset="0"/>
+                            </a:rPr>
+                          </m:ctrlPr>
+                        </m:sSubSupPr>
+                        <m:e>
+                          <m:r>
+                            <a:rPr lang="en-US" altLang="zh-CN" sz="1400" i="1">
+                              <a:latin typeface="Cambria Math" panose="02040503050406030204" pitchFamily="18" charset="0"/>
+                            </a:rPr>
+                            <m:t>𝑋</m:t>
+                          </m:r>
+                        </m:e>
+                        <m:sub>
+                          <m:r>
+                            <a:rPr lang="en-US" altLang="zh-CN" sz="1400" i="1">
+                              <a:latin typeface="Cambria Math" panose="02040503050406030204" pitchFamily="18" charset="0"/>
+                            </a:rPr>
+                            <m:t>𝑝𝑒𝑟𝑖𝑜𝑑</m:t>
+                          </m:r>
+                        </m:sub>
+                        <m:sup>
+                          <m:r>
+                            <a:rPr lang="en-US" altLang="zh-CN" sz="1400" i="1">
+                              <a:latin typeface="Cambria Math" panose="02040503050406030204" pitchFamily="18" charset="0"/>
+                            </a:rPr>
+                            <m:t>𝑙</m:t>
+                          </m:r>
+                        </m:sup>
+                      </m:sSubSup>
+                      <m:r>
+                        <a:rPr lang="en-US" altLang="zh-CN" sz="1400" b="0" i="0" smtClean="0">
+                          <a:latin typeface="Cambria Math" panose="02040503050406030204" pitchFamily="18" charset="0"/>
+                        </a:rPr>
+                        <m:t>.</m:t>
+                      </m:r>
+                      <m:r>
+                        <m:rPr>
+                          <m:sty m:val="p"/>
+                        </m:rPr>
+                        <a:rPr lang="en-US" altLang="zh-CN" sz="1400" b="0" i="0" smtClean="0">
+                          <a:latin typeface="Cambria Math" panose="02040503050406030204" pitchFamily="18" charset="0"/>
+                        </a:rPr>
+                        <m:t>permute</m:t>
+                      </m:r>
+                      <m:r>
+                        <a:rPr lang="en-US" altLang="zh-CN" sz="1400" b="0" i="0" smtClean="0">
+                          <a:latin typeface="Cambria Math" panose="02040503050406030204" pitchFamily="18" charset="0"/>
+                        </a:rPr>
+                        <m:t>())</m:t>
+                      </m:r>
+                    </m:oMath>
+                  </m:oMathPara>
+                </a14:m>
+                <a:endParaRPr lang="zh-CN" altLang="zh-CN" sz="1400" dirty="0"/>
+              </a:p>
+              <a:p>
+                <a:pPr marL="285750" indent="-285750">
+                  <a:buFont typeface="Wingdings" panose="05000000000000000000" pitchFamily="2" charset="2"/>
+                  <a:buChar char="l"/>
+                </a:pPr>
+                <a:endParaRPr lang="en-US" altLang="zh-CN" sz="1400" dirty="0"/>
+              </a:p>
+              <a:p>
+                <a:pPr marL="285750" indent="-285750">
+                  <a:buFont typeface="Wingdings" panose="05000000000000000000" pitchFamily="2" charset="2"/>
+                  <a:buChar char="l"/>
+                </a:pPr>
+                <a:endParaRPr lang="en-US" altLang="zh-CN" sz="1400" dirty="0"/>
+              </a:p>
+              <a:p>
+                <a:pPr marL="285750" indent="-285750">
+                  <a:buFont typeface="Wingdings" panose="05000000000000000000" pitchFamily="2" charset="2"/>
+                  <a:buChar char="l"/>
+                </a:pPr>
+                <a:endParaRPr lang="en-US" altLang="zh-CN" sz="1400" dirty="0"/>
+              </a:p>
+              <a:p>
+                <a:pPr marL="285750" indent="-285750">
+                  <a:buFont typeface="Wingdings" panose="05000000000000000000" pitchFamily="2" charset="2"/>
+                  <a:buChar char="l"/>
+                </a:pPr>
+                <a:r>
+                  <a:rPr lang="zh-CN" altLang="en-US" sz="1400" dirty="0"/>
+                  <a:t>时间依赖性的注意力</a:t>
+                </a:r>
+                <a:endParaRPr lang="en-US" altLang="zh-CN" sz="1400" dirty="0"/>
+              </a:p>
+              <a:p>
+                <a:pPr marL="285750" indent="-285750">
+                  <a:buFont typeface="Wingdings" panose="05000000000000000000" pitchFamily="2" charset="2"/>
+                  <a:buChar char="l"/>
+                </a:pPr>
+                <a:endParaRPr lang="en-US" altLang="zh-CN" sz="1400" dirty="0"/>
+              </a:p>
+              <a:p>
+                <a:pPr marL="285750" indent="-285750">
+                  <a:buFont typeface="Wingdings" panose="05000000000000000000" pitchFamily="2" charset="2"/>
+                  <a:buChar char="l"/>
+                </a:pPr>
+                <a:r>
+                  <a:rPr lang="en-US" altLang="zh-CN" sz="1400" dirty="0"/>
+                  <a:t>MLP</a:t>
+                </a:r>
+                <a:r>
+                  <a:rPr lang="zh-CN" altLang="en-US" sz="1400" dirty="0"/>
+                  <a:t>解码层</a:t>
+                </a:r>
+                <a:endParaRPr lang="en-US" altLang="zh-CN" sz="1400" dirty="0"/>
+              </a:p>
+            </p:txBody>
+          </p:sp>
+        </mc:Choice>
+        <mc:Fallback>
+          <p:sp>
+            <p:nvSpPr>
+              <p:cNvPr id="8" name="文本框 7">
+                <a:extLst>
+                  <a:ext uri="{FF2B5EF4-FFF2-40B4-BE49-F238E27FC236}">
+                    <a16:creationId xmlns:a16="http://schemas.microsoft.com/office/drawing/2014/main" id="{F4C7A1FB-A362-A83D-FEEB-B191CF0C1D45}"/>
+                  </a:ext>
+                </a:extLst>
+              </p:cNvPr>
+              <p:cNvSpPr txBox="1">
+                <a:spLocks noRot="1" noChangeAspect="1" noMove="1" noResize="1" noEditPoints="1" noAdjustHandles="1" noChangeArrowheads="1" noChangeShapeType="1" noTextEdit="1"/>
+              </p:cNvSpPr>
+              <p:nvPr/>
+            </p:nvSpPr>
+            <p:spPr>
+              <a:xfrm>
+                <a:off x="2021915" y="1118586"/>
+                <a:ext cx="8401421" cy="4956870"/>
+              </a:xfrm>
+              <a:prstGeom prst="rect">
+                <a:avLst/>
+              </a:prstGeom>
+              <a:blipFill>
+                <a:blip r:embed="rId3"/>
+                <a:stretch>
+                  <a:fillRect l="-218" t="-123" b="-246"/>
+                </a:stretch>
+              </a:blipFill>
+            </p:spPr>
+            <p:txBody>
+              <a:bodyPr/>
+              <a:lstStyle/>
+              <a:p>
+                <a:r>
+                  <a:rPr lang="zh-CN" altLang="en-US">
+                    <a:noFill/>
+                  </a:rPr>
+                  <a:t> </a:t>
+                </a:r>
+              </a:p>
+            </p:txBody>
+          </p:sp>
+        </mc:Fallback>
+      </mc:AlternateContent>
     </p:spTree>
     <p:extLst>
       <p:ext uri="{BB962C8B-B14F-4D97-AF65-F5344CB8AC3E}">
@@ -10501,863 +11461,12 @@
           <a:chExt cx="0" cy="0"/>
         </a:xfrm>
       </p:grpSpPr>
-      <p:sp>
-        <p:nvSpPr>
-          <p:cNvPr id="6" name="矩形: 圆角 5">
+      <p:grpSp>
+        <p:nvGrpSpPr>
+          <p:cNvPr id="3" name="组合 2">
             <a:extLst>
               <a:ext uri="{FF2B5EF4-FFF2-40B4-BE49-F238E27FC236}">
-                <a16:creationId xmlns:a16="http://schemas.microsoft.com/office/drawing/2014/main" id="{D1246E3D-0BA4-C40E-EF55-536C322DF3AE}"/>
-              </a:ext>
-            </a:extLst>
-          </p:cNvPr>
-          <p:cNvSpPr/>
-          <p:nvPr/>
-        </p:nvSpPr>
-        <p:spPr>
-          <a:xfrm>
-            <a:off x="1731818" y="46183"/>
-            <a:ext cx="8728364" cy="420808"/>
-          </a:xfrm>
-          <a:prstGeom prst="roundRect">
-            <a:avLst/>
-          </a:prstGeom>
-          <a:solidFill>
-            <a:schemeClr val="accent6">
-              <a:lumMod val="60000"/>
-              <a:lumOff val="40000"/>
-            </a:schemeClr>
-          </a:solidFill>
-          <a:ln>
-            <a:solidFill>
-              <a:schemeClr val="accent6">
-                <a:lumMod val="20000"/>
-                <a:lumOff val="80000"/>
-              </a:schemeClr>
-            </a:solidFill>
-          </a:ln>
-        </p:spPr>
-        <p:style>
-          <a:lnRef idx="2">
-            <a:schemeClr val="accent6">
-              <a:shade val="15000"/>
-            </a:schemeClr>
-          </a:lnRef>
-          <a:fillRef idx="1">
-            <a:schemeClr val="accent6"/>
-          </a:fillRef>
-          <a:effectRef idx="0">
-            <a:schemeClr val="accent6"/>
-          </a:effectRef>
-          <a:fontRef idx="minor">
-            <a:schemeClr val="lt1"/>
-          </a:fontRef>
-        </p:style>
-        <p:txBody>
-          <a:bodyPr rtlCol="0" anchor="ctr"/>
-          <a:lstStyle/>
-          <a:p>
-            <a:pPr algn="ctr"/>
-            <a:endParaRPr lang="zh-CN" altLang="en-US" dirty="0"/>
-          </a:p>
-        </p:txBody>
-      </p:sp>
-      <p:sp>
-        <p:nvSpPr>
-          <p:cNvPr id="4" name="矩形: 圆角 3">
-            <a:extLst>
-              <a:ext uri="{FF2B5EF4-FFF2-40B4-BE49-F238E27FC236}">
-                <a16:creationId xmlns:a16="http://schemas.microsoft.com/office/drawing/2014/main" id="{B4444D36-EE38-E8DD-9F2C-7E00619D736E}"/>
-              </a:ext>
-            </a:extLst>
-          </p:cNvPr>
-          <p:cNvSpPr/>
-          <p:nvPr/>
-        </p:nvSpPr>
-        <p:spPr>
-          <a:xfrm>
-            <a:off x="1713344" y="590937"/>
-            <a:ext cx="8746838" cy="5213516"/>
-          </a:xfrm>
-          <a:custGeom>
-            <a:avLst/>
-            <a:gdLst>
-              <a:gd name="connsiteX0" fmla="*/ 0 w 8728364"/>
-              <a:gd name="connsiteY0" fmla="*/ 865157 h 5190838"/>
-              <a:gd name="connsiteX1" fmla="*/ 865157 w 8728364"/>
-              <a:gd name="connsiteY1" fmla="*/ 0 h 5190838"/>
-              <a:gd name="connsiteX2" fmla="*/ 7863207 w 8728364"/>
-              <a:gd name="connsiteY2" fmla="*/ 0 h 5190838"/>
-              <a:gd name="connsiteX3" fmla="*/ 8728364 w 8728364"/>
-              <a:gd name="connsiteY3" fmla="*/ 865157 h 5190838"/>
-              <a:gd name="connsiteX4" fmla="*/ 8728364 w 8728364"/>
-              <a:gd name="connsiteY4" fmla="*/ 4325681 h 5190838"/>
-              <a:gd name="connsiteX5" fmla="*/ 7863207 w 8728364"/>
-              <a:gd name="connsiteY5" fmla="*/ 5190838 h 5190838"/>
-              <a:gd name="connsiteX6" fmla="*/ 865157 w 8728364"/>
-              <a:gd name="connsiteY6" fmla="*/ 5190838 h 5190838"/>
-              <a:gd name="connsiteX7" fmla="*/ 0 w 8728364"/>
-              <a:gd name="connsiteY7" fmla="*/ 4325681 h 5190838"/>
-              <a:gd name="connsiteX8" fmla="*/ 0 w 8728364"/>
-              <a:gd name="connsiteY8" fmla="*/ 865157 h 5190838"/>
-              <a:gd name="connsiteX0" fmla="*/ 0 w 8737600"/>
-              <a:gd name="connsiteY0" fmla="*/ 865157 h 5190838"/>
-              <a:gd name="connsiteX1" fmla="*/ 865157 w 8737600"/>
-              <a:gd name="connsiteY1" fmla="*/ 0 h 5190838"/>
-              <a:gd name="connsiteX2" fmla="*/ 7863207 w 8737600"/>
-              <a:gd name="connsiteY2" fmla="*/ 0 h 5190838"/>
-              <a:gd name="connsiteX3" fmla="*/ 8737600 w 8737600"/>
-              <a:gd name="connsiteY3" fmla="*/ 551120 h 5190838"/>
-              <a:gd name="connsiteX4" fmla="*/ 8728364 w 8737600"/>
-              <a:gd name="connsiteY4" fmla="*/ 4325681 h 5190838"/>
-              <a:gd name="connsiteX5" fmla="*/ 7863207 w 8737600"/>
-              <a:gd name="connsiteY5" fmla="*/ 5190838 h 5190838"/>
-              <a:gd name="connsiteX6" fmla="*/ 865157 w 8737600"/>
-              <a:gd name="connsiteY6" fmla="*/ 5190838 h 5190838"/>
-              <a:gd name="connsiteX7" fmla="*/ 0 w 8737600"/>
-              <a:gd name="connsiteY7" fmla="*/ 4325681 h 5190838"/>
-              <a:gd name="connsiteX8" fmla="*/ 0 w 8737600"/>
-              <a:gd name="connsiteY8" fmla="*/ 865157 h 5190838"/>
-              <a:gd name="connsiteX0" fmla="*/ 0 w 8737600"/>
-              <a:gd name="connsiteY0" fmla="*/ 865157 h 5190838"/>
-              <a:gd name="connsiteX1" fmla="*/ 865157 w 8737600"/>
-              <a:gd name="connsiteY1" fmla="*/ 0 h 5190838"/>
-              <a:gd name="connsiteX2" fmla="*/ 8094116 w 8737600"/>
-              <a:gd name="connsiteY2" fmla="*/ 0 h 5190838"/>
-              <a:gd name="connsiteX3" fmla="*/ 8737600 w 8737600"/>
-              <a:gd name="connsiteY3" fmla="*/ 551120 h 5190838"/>
-              <a:gd name="connsiteX4" fmla="*/ 8728364 w 8737600"/>
-              <a:gd name="connsiteY4" fmla="*/ 4325681 h 5190838"/>
-              <a:gd name="connsiteX5" fmla="*/ 7863207 w 8737600"/>
-              <a:gd name="connsiteY5" fmla="*/ 5190838 h 5190838"/>
-              <a:gd name="connsiteX6" fmla="*/ 865157 w 8737600"/>
-              <a:gd name="connsiteY6" fmla="*/ 5190838 h 5190838"/>
-              <a:gd name="connsiteX7" fmla="*/ 0 w 8737600"/>
-              <a:gd name="connsiteY7" fmla="*/ 4325681 h 5190838"/>
-              <a:gd name="connsiteX8" fmla="*/ 0 w 8737600"/>
-              <a:gd name="connsiteY8" fmla="*/ 865157 h 5190838"/>
-              <a:gd name="connsiteX0" fmla="*/ 0 w 8737601"/>
-              <a:gd name="connsiteY0" fmla="*/ 865157 h 5190838"/>
-              <a:gd name="connsiteX1" fmla="*/ 865157 w 8737601"/>
-              <a:gd name="connsiteY1" fmla="*/ 0 h 5190838"/>
-              <a:gd name="connsiteX2" fmla="*/ 8094116 w 8737601"/>
-              <a:gd name="connsiteY2" fmla="*/ 0 h 5190838"/>
-              <a:gd name="connsiteX3" fmla="*/ 8737600 w 8737601"/>
-              <a:gd name="connsiteY3" fmla="*/ 551120 h 5190838"/>
-              <a:gd name="connsiteX4" fmla="*/ 8737601 w 8737601"/>
-              <a:gd name="connsiteY4" fmla="*/ 4704372 h 5190838"/>
-              <a:gd name="connsiteX5" fmla="*/ 7863207 w 8737601"/>
-              <a:gd name="connsiteY5" fmla="*/ 5190838 h 5190838"/>
-              <a:gd name="connsiteX6" fmla="*/ 865157 w 8737601"/>
-              <a:gd name="connsiteY6" fmla="*/ 5190838 h 5190838"/>
-              <a:gd name="connsiteX7" fmla="*/ 0 w 8737601"/>
-              <a:gd name="connsiteY7" fmla="*/ 4325681 h 5190838"/>
-              <a:gd name="connsiteX8" fmla="*/ 0 w 8737601"/>
-              <a:gd name="connsiteY8" fmla="*/ 865157 h 5190838"/>
-              <a:gd name="connsiteX0" fmla="*/ 0 w 8737601"/>
-              <a:gd name="connsiteY0" fmla="*/ 865157 h 5209310"/>
-              <a:gd name="connsiteX1" fmla="*/ 865157 w 8737601"/>
-              <a:gd name="connsiteY1" fmla="*/ 0 h 5209310"/>
-              <a:gd name="connsiteX2" fmla="*/ 8094116 w 8737601"/>
-              <a:gd name="connsiteY2" fmla="*/ 0 h 5209310"/>
-              <a:gd name="connsiteX3" fmla="*/ 8737600 w 8737601"/>
-              <a:gd name="connsiteY3" fmla="*/ 551120 h 5209310"/>
-              <a:gd name="connsiteX4" fmla="*/ 8737601 w 8737601"/>
-              <a:gd name="connsiteY4" fmla="*/ 4704372 h 5209310"/>
-              <a:gd name="connsiteX5" fmla="*/ 8241898 w 8737601"/>
-              <a:gd name="connsiteY5" fmla="*/ 5209310 h 5209310"/>
-              <a:gd name="connsiteX6" fmla="*/ 865157 w 8737601"/>
-              <a:gd name="connsiteY6" fmla="*/ 5190838 h 5209310"/>
-              <a:gd name="connsiteX7" fmla="*/ 0 w 8737601"/>
-              <a:gd name="connsiteY7" fmla="*/ 4325681 h 5209310"/>
-              <a:gd name="connsiteX8" fmla="*/ 0 w 8737601"/>
-              <a:gd name="connsiteY8" fmla="*/ 865157 h 5209310"/>
-              <a:gd name="connsiteX0" fmla="*/ 0 w 8737601"/>
-              <a:gd name="connsiteY0" fmla="*/ 865157 h 5209310"/>
-              <a:gd name="connsiteX1" fmla="*/ 865157 w 8737601"/>
-              <a:gd name="connsiteY1" fmla="*/ 0 h 5209310"/>
-              <a:gd name="connsiteX2" fmla="*/ 8094116 w 8737601"/>
-              <a:gd name="connsiteY2" fmla="*/ 0 h 5209310"/>
-              <a:gd name="connsiteX3" fmla="*/ 8737600 w 8737601"/>
-              <a:gd name="connsiteY3" fmla="*/ 551120 h 5209310"/>
-              <a:gd name="connsiteX4" fmla="*/ 8737601 w 8737601"/>
-              <a:gd name="connsiteY4" fmla="*/ 4704372 h 5209310"/>
-              <a:gd name="connsiteX5" fmla="*/ 8241898 w 8737601"/>
-              <a:gd name="connsiteY5" fmla="*/ 5209310 h 5209310"/>
-              <a:gd name="connsiteX6" fmla="*/ 865157 w 8737601"/>
-              <a:gd name="connsiteY6" fmla="*/ 5190838 h 5209310"/>
-              <a:gd name="connsiteX7" fmla="*/ 9237 w 8737601"/>
-              <a:gd name="connsiteY7" fmla="*/ 4750553 h 5209310"/>
-              <a:gd name="connsiteX8" fmla="*/ 0 w 8737601"/>
-              <a:gd name="connsiteY8" fmla="*/ 865157 h 5209310"/>
-              <a:gd name="connsiteX0" fmla="*/ 0 w 8737601"/>
-              <a:gd name="connsiteY0" fmla="*/ 865157 h 5209310"/>
-              <a:gd name="connsiteX1" fmla="*/ 865157 w 8737601"/>
-              <a:gd name="connsiteY1" fmla="*/ 0 h 5209310"/>
-              <a:gd name="connsiteX2" fmla="*/ 8094116 w 8737601"/>
-              <a:gd name="connsiteY2" fmla="*/ 0 h 5209310"/>
-              <a:gd name="connsiteX3" fmla="*/ 8737600 w 8737601"/>
-              <a:gd name="connsiteY3" fmla="*/ 551120 h 5209310"/>
-              <a:gd name="connsiteX4" fmla="*/ 8737601 w 8737601"/>
-              <a:gd name="connsiteY4" fmla="*/ 4704372 h 5209310"/>
-              <a:gd name="connsiteX5" fmla="*/ 8241898 w 8737601"/>
-              <a:gd name="connsiteY5" fmla="*/ 5209310 h 5209310"/>
-              <a:gd name="connsiteX6" fmla="*/ 504938 w 8737601"/>
-              <a:gd name="connsiteY6" fmla="*/ 5190838 h 5209310"/>
-              <a:gd name="connsiteX7" fmla="*/ 9237 w 8737601"/>
-              <a:gd name="connsiteY7" fmla="*/ 4750553 h 5209310"/>
-              <a:gd name="connsiteX8" fmla="*/ 0 w 8737601"/>
-              <a:gd name="connsiteY8" fmla="*/ 865157 h 5209310"/>
-              <a:gd name="connsiteX0" fmla="*/ 0 w 8737601"/>
-              <a:gd name="connsiteY0" fmla="*/ 432301 h 5210563"/>
-              <a:gd name="connsiteX1" fmla="*/ 865157 w 8737601"/>
-              <a:gd name="connsiteY1" fmla="*/ 1253 h 5210563"/>
-              <a:gd name="connsiteX2" fmla="*/ 8094116 w 8737601"/>
-              <a:gd name="connsiteY2" fmla="*/ 1253 h 5210563"/>
-              <a:gd name="connsiteX3" fmla="*/ 8737600 w 8737601"/>
-              <a:gd name="connsiteY3" fmla="*/ 552373 h 5210563"/>
-              <a:gd name="connsiteX4" fmla="*/ 8737601 w 8737601"/>
-              <a:gd name="connsiteY4" fmla="*/ 4705625 h 5210563"/>
-              <a:gd name="connsiteX5" fmla="*/ 8241898 w 8737601"/>
-              <a:gd name="connsiteY5" fmla="*/ 5210563 h 5210563"/>
-              <a:gd name="connsiteX6" fmla="*/ 504938 w 8737601"/>
-              <a:gd name="connsiteY6" fmla="*/ 5192091 h 5210563"/>
-              <a:gd name="connsiteX7" fmla="*/ 9237 w 8737601"/>
-              <a:gd name="connsiteY7" fmla="*/ 4751806 h 5210563"/>
-              <a:gd name="connsiteX8" fmla="*/ 0 w 8737601"/>
-              <a:gd name="connsiteY8" fmla="*/ 432301 h 5210563"/>
-              <a:gd name="connsiteX0" fmla="*/ 0 w 8737601"/>
-              <a:gd name="connsiteY0" fmla="*/ 431048 h 5209310"/>
-              <a:gd name="connsiteX1" fmla="*/ 763557 w 8737601"/>
-              <a:gd name="connsiteY1" fmla="*/ 18473 h 5209310"/>
-              <a:gd name="connsiteX2" fmla="*/ 8094116 w 8737601"/>
-              <a:gd name="connsiteY2" fmla="*/ 0 h 5209310"/>
-              <a:gd name="connsiteX3" fmla="*/ 8737600 w 8737601"/>
-              <a:gd name="connsiteY3" fmla="*/ 551120 h 5209310"/>
-              <a:gd name="connsiteX4" fmla="*/ 8737601 w 8737601"/>
-              <a:gd name="connsiteY4" fmla="*/ 4704372 h 5209310"/>
-              <a:gd name="connsiteX5" fmla="*/ 8241898 w 8737601"/>
-              <a:gd name="connsiteY5" fmla="*/ 5209310 h 5209310"/>
-              <a:gd name="connsiteX6" fmla="*/ 504938 w 8737601"/>
-              <a:gd name="connsiteY6" fmla="*/ 5190838 h 5209310"/>
-              <a:gd name="connsiteX7" fmla="*/ 9237 w 8737601"/>
-              <a:gd name="connsiteY7" fmla="*/ 4750553 h 5209310"/>
-              <a:gd name="connsiteX8" fmla="*/ 0 w 8737601"/>
-              <a:gd name="connsiteY8" fmla="*/ 431048 h 5209310"/>
-              <a:gd name="connsiteX0" fmla="*/ 0 w 8737601"/>
-              <a:gd name="connsiteY0" fmla="*/ 569593 h 5209310"/>
-              <a:gd name="connsiteX1" fmla="*/ 763557 w 8737601"/>
-              <a:gd name="connsiteY1" fmla="*/ 18473 h 5209310"/>
-              <a:gd name="connsiteX2" fmla="*/ 8094116 w 8737601"/>
-              <a:gd name="connsiteY2" fmla="*/ 0 h 5209310"/>
-              <a:gd name="connsiteX3" fmla="*/ 8737600 w 8737601"/>
-              <a:gd name="connsiteY3" fmla="*/ 551120 h 5209310"/>
-              <a:gd name="connsiteX4" fmla="*/ 8737601 w 8737601"/>
-              <a:gd name="connsiteY4" fmla="*/ 4704372 h 5209310"/>
-              <a:gd name="connsiteX5" fmla="*/ 8241898 w 8737601"/>
-              <a:gd name="connsiteY5" fmla="*/ 5209310 h 5209310"/>
-              <a:gd name="connsiteX6" fmla="*/ 504938 w 8737601"/>
-              <a:gd name="connsiteY6" fmla="*/ 5190838 h 5209310"/>
-              <a:gd name="connsiteX7" fmla="*/ 9237 w 8737601"/>
-              <a:gd name="connsiteY7" fmla="*/ 4750553 h 5209310"/>
-              <a:gd name="connsiteX8" fmla="*/ 0 w 8737601"/>
-              <a:gd name="connsiteY8" fmla="*/ 569593 h 5209310"/>
-              <a:gd name="connsiteX0" fmla="*/ 0 w 8737601"/>
-              <a:gd name="connsiteY0" fmla="*/ 569593 h 5209310"/>
-              <a:gd name="connsiteX1" fmla="*/ 680430 w 8737601"/>
-              <a:gd name="connsiteY1" fmla="*/ 18473 h 5209310"/>
-              <a:gd name="connsiteX2" fmla="*/ 8094116 w 8737601"/>
-              <a:gd name="connsiteY2" fmla="*/ 0 h 5209310"/>
-              <a:gd name="connsiteX3" fmla="*/ 8737600 w 8737601"/>
-              <a:gd name="connsiteY3" fmla="*/ 551120 h 5209310"/>
-              <a:gd name="connsiteX4" fmla="*/ 8737601 w 8737601"/>
-              <a:gd name="connsiteY4" fmla="*/ 4704372 h 5209310"/>
-              <a:gd name="connsiteX5" fmla="*/ 8241898 w 8737601"/>
-              <a:gd name="connsiteY5" fmla="*/ 5209310 h 5209310"/>
-              <a:gd name="connsiteX6" fmla="*/ 504938 w 8737601"/>
-              <a:gd name="connsiteY6" fmla="*/ 5190838 h 5209310"/>
-              <a:gd name="connsiteX7" fmla="*/ 9237 w 8737601"/>
-              <a:gd name="connsiteY7" fmla="*/ 4750553 h 5209310"/>
-              <a:gd name="connsiteX8" fmla="*/ 0 w 8737601"/>
-              <a:gd name="connsiteY8" fmla="*/ 569593 h 5209310"/>
-              <a:gd name="connsiteX0" fmla="*/ 0 w 8746838"/>
-              <a:gd name="connsiteY0" fmla="*/ 467993 h 5209310"/>
-              <a:gd name="connsiteX1" fmla="*/ 689667 w 8746838"/>
-              <a:gd name="connsiteY1" fmla="*/ 18473 h 5209310"/>
-              <a:gd name="connsiteX2" fmla="*/ 8103353 w 8746838"/>
-              <a:gd name="connsiteY2" fmla="*/ 0 h 5209310"/>
-              <a:gd name="connsiteX3" fmla="*/ 8746837 w 8746838"/>
-              <a:gd name="connsiteY3" fmla="*/ 551120 h 5209310"/>
-              <a:gd name="connsiteX4" fmla="*/ 8746838 w 8746838"/>
-              <a:gd name="connsiteY4" fmla="*/ 4704372 h 5209310"/>
-              <a:gd name="connsiteX5" fmla="*/ 8251135 w 8746838"/>
-              <a:gd name="connsiteY5" fmla="*/ 5209310 h 5209310"/>
-              <a:gd name="connsiteX6" fmla="*/ 514175 w 8746838"/>
-              <a:gd name="connsiteY6" fmla="*/ 5190838 h 5209310"/>
-              <a:gd name="connsiteX7" fmla="*/ 18474 w 8746838"/>
-              <a:gd name="connsiteY7" fmla="*/ 4750553 h 5209310"/>
-              <a:gd name="connsiteX8" fmla="*/ 0 w 8746838"/>
-              <a:gd name="connsiteY8" fmla="*/ 467993 h 5209310"/>
-              <a:gd name="connsiteX0" fmla="*/ 0 w 8746838"/>
-              <a:gd name="connsiteY0" fmla="*/ 467993 h 5209310"/>
-              <a:gd name="connsiteX1" fmla="*/ 578831 w 8746838"/>
-              <a:gd name="connsiteY1" fmla="*/ 9237 h 5209310"/>
-              <a:gd name="connsiteX2" fmla="*/ 8103353 w 8746838"/>
-              <a:gd name="connsiteY2" fmla="*/ 0 h 5209310"/>
-              <a:gd name="connsiteX3" fmla="*/ 8746837 w 8746838"/>
-              <a:gd name="connsiteY3" fmla="*/ 551120 h 5209310"/>
-              <a:gd name="connsiteX4" fmla="*/ 8746838 w 8746838"/>
-              <a:gd name="connsiteY4" fmla="*/ 4704372 h 5209310"/>
-              <a:gd name="connsiteX5" fmla="*/ 8251135 w 8746838"/>
-              <a:gd name="connsiteY5" fmla="*/ 5209310 h 5209310"/>
-              <a:gd name="connsiteX6" fmla="*/ 514175 w 8746838"/>
-              <a:gd name="connsiteY6" fmla="*/ 5190838 h 5209310"/>
-              <a:gd name="connsiteX7" fmla="*/ 18474 w 8746838"/>
-              <a:gd name="connsiteY7" fmla="*/ 4750553 h 5209310"/>
-              <a:gd name="connsiteX8" fmla="*/ 0 w 8746838"/>
-              <a:gd name="connsiteY8" fmla="*/ 467993 h 5209310"/>
-              <a:gd name="connsiteX0" fmla="*/ 0 w 8746838"/>
-              <a:gd name="connsiteY0" fmla="*/ 472199 h 5213516"/>
-              <a:gd name="connsiteX1" fmla="*/ 578831 w 8746838"/>
-              <a:gd name="connsiteY1" fmla="*/ 13443 h 5213516"/>
-              <a:gd name="connsiteX2" fmla="*/ 8103353 w 8746838"/>
-              <a:gd name="connsiteY2" fmla="*/ 4206 h 5213516"/>
-              <a:gd name="connsiteX3" fmla="*/ 8737601 w 8746838"/>
-              <a:gd name="connsiteY3" fmla="*/ 407544 h 5213516"/>
-              <a:gd name="connsiteX4" fmla="*/ 8746838 w 8746838"/>
-              <a:gd name="connsiteY4" fmla="*/ 4708578 h 5213516"/>
-              <a:gd name="connsiteX5" fmla="*/ 8251135 w 8746838"/>
-              <a:gd name="connsiteY5" fmla="*/ 5213516 h 5213516"/>
-              <a:gd name="connsiteX6" fmla="*/ 514175 w 8746838"/>
-              <a:gd name="connsiteY6" fmla="*/ 5195044 h 5213516"/>
-              <a:gd name="connsiteX7" fmla="*/ 18474 w 8746838"/>
-              <a:gd name="connsiteY7" fmla="*/ 4754759 h 5213516"/>
-              <a:gd name="connsiteX8" fmla="*/ 0 w 8746838"/>
-              <a:gd name="connsiteY8" fmla="*/ 472199 h 5213516"/>
-              <a:gd name="connsiteX0" fmla="*/ 0 w 8746838"/>
-              <a:gd name="connsiteY0" fmla="*/ 472199 h 5213516"/>
-              <a:gd name="connsiteX1" fmla="*/ 578831 w 8746838"/>
-              <a:gd name="connsiteY1" fmla="*/ 13443 h 5213516"/>
-              <a:gd name="connsiteX2" fmla="*/ 8278844 w 8746838"/>
-              <a:gd name="connsiteY2" fmla="*/ 4206 h 5213516"/>
-              <a:gd name="connsiteX3" fmla="*/ 8737601 w 8746838"/>
-              <a:gd name="connsiteY3" fmla="*/ 407544 h 5213516"/>
-              <a:gd name="connsiteX4" fmla="*/ 8746838 w 8746838"/>
-              <a:gd name="connsiteY4" fmla="*/ 4708578 h 5213516"/>
-              <a:gd name="connsiteX5" fmla="*/ 8251135 w 8746838"/>
-              <a:gd name="connsiteY5" fmla="*/ 5213516 h 5213516"/>
-              <a:gd name="connsiteX6" fmla="*/ 514175 w 8746838"/>
-              <a:gd name="connsiteY6" fmla="*/ 5195044 h 5213516"/>
-              <a:gd name="connsiteX7" fmla="*/ 18474 w 8746838"/>
-              <a:gd name="connsiteY7" fmla="*/ 4754759 h 5213516"/>
-              <a:gd name="connsiteX8" fmla="*/ 0 w 8746838"/>
-              <a:gd name="connsiteY8" fmla="*/ 472199 h 5213516"/>
-            </a:gdLst>
-            <a:ahLst/>
-            <a:cxnLst>
-              <a:cxn ang="0">
-                <a:pos x="connsiteX0" y="connsiteY0"/>
-              </a:cxn>
-              <a:cxn ang="0">
-                <a:pos x="connsiteX1" y="connsiteY1"/>
-              </a:cxn>
-              <a:cxn ang="0">
-                <a:pos x="connsiteX2" y="connsiteY2"/>
-              </a:cxn>
-              <a:cxn ang="0">
-                <a:pos x="connsiteX3" y="connsiteY3"/>
-              </a:cxn>
-              <a:cxn ang="0">
-                <a:pos x="connsiteX4" y="connsiteY4"/>
-              </a:cxn>
-              <a:cxn ang="0">
-                <a:pos x="connsiteX5" y="connsiteY5"/>
-              </a:cxn>
-              <a:cxn ang="0">
-                <a:pos x="connsiteX6" y="connsiteY6"/>
-              </a:cxn>
-              <a:cxn ang="0">
-                <a:pos x="connsiteX7" y="connsiteY7"/>
-              </a:cxn>
-              <a:cxn ang="0">
-                <a:pos x="connsiteX8" y="connsiteY8"/>
-              </a:cxn>
-            </a:cxnLst>
-            <a:rect l="l" t="t" r="r" b="b"/>
-            <a:pathLst>
-              <a:path w="8746838" h="5213516">
-                <a:moveTo>
-                  <a:pt x="0" y="472199"/>
-                </a:moveTo>
-                <a:cubicBezTo>
-                  <a:pt x="0" y="-5614"/>
-                  <a:pt x="101018" y="13443"/>
-                  <a:pt x="578831" y="13443"/>
-                </a:cubicBezTo>
-                <a:lnTo>
-                  <a:pt x="8278844" y="4206"/>
-                </a:lnTo>
-                <a:cubicBezTo>
-                  <a:pt x="8756657" y="4206"/>
-                  <a:pt x="8737601" y="-70269"/>
-                  <a:pt x="8737601" y="407544"/>
-                </a:cubicBezTo>
-                <a:cubicBezTo>
-                  <a:pt x="8737601" y="1561052"/>
-                  <a:pt x="8746838" y="3555070"/>
-                  <a:pt x="8746838" y="4708578"/>
-                </a:cubicBezTo>
-                <a:cubicBezTo>
-                  <a:pt x="8746838" y="5186391"/>
-                  <a:pt x="8728948" y="5213516"/>
-                  <a:pt x="8251135" y="5213516"/>
-                </a:cubicBezTo>
-                <a:lnTo>
-                  <a:pt x="514175" y="5195044"/>
-                </a:lnTo>
-                <a:cubicBezTo>
-                  <a:pt x="36362" y="5195044"/>
-                  <a:pt x="18474" y="5232572"/>
-                  <a:pt x="18474" y="4754759"/>
-                </a:cubicBezTo>
-                <a:lnTo>
-                  <a:pt x="0" y="472199"/>
-                </a:lnTo>
-                <a:close/>
-              </a:path>
-            </a:pathLst>
-          </a:custGeom>
-          <a:solidFill>
-            <a:schemeClr val="accent2">
-              <a:lumMod val="20000"/>
-              <a:lumOff val="80000"/>
-            </a:schemeClr>
-          </a:solidFill>
-          <a:ln>
-            <a:solidFill>
-              <a:schemeClr val="accent2">
-                <a:lumMod val="20000"/>
-                <a:lumOff val="80000"/>
-              </a:schemeClr>
-            </a:solidFill>
-          </a:ln>
-        </p:spPr>
-        <p:style>
-          <a:lnRef idx="1">
-            <a:schemeClr val="accent5"/>
-          </a:lnRef>
-          <a:fillRef idx="2">
-            <a:schemeClr val="accent5"/>
-          </a:fillRef>
-          <a:effectRef idx="1">
-            <a:schemeClr val="accent5"/>
-          </a:effectRef>
-          <a:fontRef idx="minor">
-            <a:schemeClr val="dk1"/>
-          </a:fontRef>
-        </p:style>
-        <p:txBody>
-          <a:bodyPr rtlCol="0" anchor="ctr"/>
-          <a:lstStyle/>
-          <a:p>
-            <a:pPr algn="ctr"/>
-            <a:endParaRPr lang="zh-CN" altLang="en-US" sz="800"/>
-          </a:p>
-        </p:txBody>
-      </p:sp>
-      <p:sp>
-        <p:nvSpPr>
-          <p:cNvPr id="5" name="矩形: 圆角 4">
-            <a:extLst>
-              <a:ext uri="{FF2B5EF4-FFF2-40B4-BE49-F238E27FC236}">
-                <a16:creationId xmlns:a16="http://schemas.microsoft.com/office/drawing/2014/main" id="{F1590DEE-503C-6E7B-99B2-6221BE3FB38A}"/>
-              </a:ext>
-            </a:extLst>
-          </p:cNvPr>
-          <p:cNvSpPr/>
-          <p:nvPr/>
-        </p:nvSpPr>
-        <p:spPr>
-          <a:xfrm>
-            <a:off x="2341418" y="849145"/>
-            <a:ext cx="7490690" cy="295564"/>
-          </a:xfrm>
-          <a:prstGeom prst="roundRect">
-            <a:avLst/>
-          </a:prstGeom>
-          <a:solidFill>
-            <a:schemeClr val="accent1">
-              <a:lumMod val="60000"/>
-              <a:lumOff val="40000"/>
-            </a:schemeClr>
-          </a:solidFill>
-          <a:ln>
-            <a:solidFill>
-              <a:schemeClr val="accent1">
-                <a:lumMod val="60000"/>
-                <a:lumOff val="40000"/>
-              </a:schemeClr>
-            </a:solidFill>
-          </a:ln>
-        </p:spPr>
-        <p:style>
-          <a:lnRef idx="2">
-            <a:schemeClr val="accent1">
-              <a:shade val="15000"/>
-            </a:schemeClr>
-          </a:lnRef>
-          <a:fillRef idx="1">
-            <a:schemeClr val="accent1"/>
-          </a:fillRef>
-          <a:effectRef idx="0">
-            <a:schemeClr val="accent1"/>
-          </a:effectRef>
-          <a:fontRef idx="minor">
-            <a:schemeClr val="lt1"/>
-          </a:fontRef>
-        </p:style>
-        <p:txBody>
-          <a:bodyPr rtlCol="0" anchor="ctr"/>
-          <a:lstStyle/>
-          <a:p>
-            <a:pPr algn="ctr"/>
-            <a:r>
-              <a:rPr lang="en-US" altLang="zh-CN" sz="1000" b="1" dirty="0">
-                <a:solidFill>
-                  <a:schemeClr val="tx1"/>
-                </a:solidFill>
-              </a:rPr>
-              <a:t>IoT</a:t>
-            </a:r>
-            <a:r>
-              <a:rPr lang="zh-CN" altLang="en-US" sz="1000" b="1" dirty="0">
-                <a:solidFill>
-                  <a:schemeClr val="tx1"/>
-                </a:solidFill>
-              </a:rPr>
-              <a:t>网关</a:t>
-            </a:r>
-          </a:p>
-        </p:txBody>
-      </p:sp>
-      <p:sp>
-        <p:nvSpPr>
-          <p:cNvPr id="7" name="矩形: 圆角 6">
-            <a:extLst>
-              <a:ext uri="{FF2B5EF4-FFF2-40B4-BE49-F238E27FC236}">
-                <a16:creationId xmlns:a16="http://schemas.microsoft.com/office/drawing/2014/main" id="{FFC025FD-5FC0-4DEE-42CE-31CB0117906E}"/>
-              </a:ext>
-            </a:extLst>
-          </p:cNvPr>
-          <p:cNvSpPr/>
-          <p:nvPr/>
-        </p:nvSpPr>
-        <p:spPr>
-          <a:xfrm>
-            <a:off x="2341418" y="1306345"/>
-            <a:ext cx="7490690" cy="295564"/>
-          </a:xfrm>
-          <a:prstGeom prst="roundRect">
-            <a:avLst/>
-          </a:prstGeom>
-          <a:solidFill>
-            <a:schemeClr val="accent1">
-              <a:lumMod val="60000"/>
-              <a:lumOff val="40000"/>
-            </a:schemeClr>
-          </a:solidFill>
-          <a:ln>
-            <a:solidFill>
-              <a:schemeClr val="accent1">
-                <a:lumMod val="60000"/>
-                <a:lumOff val="40000"/>
-              </a:schemeClr>
-            </a:solidFill>
-          </a:ln>
-        </p:spPr>
-        <p:style>
-          <a:lnRef idx="2">
-            <a:schemeClr val="accent1">
-              <a:shade val="15000"/>
-            </a:schemeClr>
-          </a:lnRef>
-          <a:fillRef idx="1">
-            <a:schemeClr val="accent1"/>
-          </a:fillRef>
-          <a:effectRef idx="0">
-            <a:schemeClr val="accent1"/>
-          </a:effectRef>
-          <a:fontRef idx="minor">
-            <a:schemeClr val="lt1"/>
-          </a:fontRef>
-        </p:style>
-        <p:txBody>
-          <a:bodyPr rtlCol="0" anchor="ctr"/>
-          <a:lstStyle/>
-          <a:p>
-            <a:pPr algn="ctr"/>
-            <a:r>
-              <a:rPr lang="zh-CN" altLang="en-US" sz="1000" b="1" dirty="0">
-                <a:solidFill>
-                  <a:schemeClr val="tx1"/>
-                </a:solidFill>
-              </a:rPr>
-              <a:t>负载均衡器</a:t>
-            </a:r>
-          </a:p>
-        </p:txBody>
-      </p:sp>
-      <p:sp>
-        <p:nvSpPr>
-          <p:cNvPr id="8" name="矩形: 圆角 7">
-            <a:extLst>
-              <a:ext uri="{FF2B5EF4-FFF2-40B4-BE49-F238E27FC236}">
-                <a16:creationId xmlns:a16="http://schemas.microsoft.com/office/drawing/2014/main" id="{2418D038-A566-FF7E-1F5F-85BE282D4ACC}"/>
-              </a:ext>
-            </a:extLst>
-          </p:cNvPr>
-          <p:cNvSpPr/>
-          <p:nvPr/>
-        </p:nvSpPr>
-        <p:spPr>
-          <a:xfrm>
-            <a:off x="2341418" y="1786638"/>
-            <a:ext cx="3611419" cy="295564"/>
-          </a:xfrm>
-          <a:prstGeom prst="roundRect">
-            <a:avLst/>
-          </a:prstGeom>
-          <a:solidFill>
-            <a:schemeClr val="accent1">
-              <a:lumMod val="60000"/>
-              <a:lumOff val="40000"/>
-            </a:schemeClr>
-          </a:solidFill>
-          <a:ln>
-            <a:solidFill>
-              <a:schemeClr val="accent1">
-                <a:lumMod val="60000"/>
-                <a:lumOff val="40000"/>
-              </a:schemeClr>
-            </a:solidFill>
-          </a:ln>
-        </p:spPr>
-        <p:style>
-          <a:lnRef idx="2">
-            <a:schemeClr val="accent1">
-              <a:shade val="15000"/>
-            </a:schemeClr>
-          </a:lnRef>
-          <a:fillRef idx="1">
-            <a:schemeClr val="accent1"/>
-          </a:fillRef>
-          <a:effectRef idx="0">
-            <a:schemeClr val="accent1"/>
-          </a:effectRef>
-          <a:fontRef idx="minor">
-            <a:schemeClr val="lt1"/>
-          </a:fontRef>
-        </p:style>
-        <p:txBody>
-          <a:bodyPr rtlCol="0" anchor="ctr"/>
-          <a:lstStyle/>
-          <a:p>
-            <a:pPr algn="ctr"/>
-            <a:r>
-              <a:rPr lang="en-US" altLang="zh-CN" sz="1000" b="1" dirty="0">
-                <a:solidFill>
-                  <a:schemeClr val="tx1"/>
-                </a:solidFill>
-              </a:rPr>
-              <a:t>Mqtt broker</a:t>
-            </a:r>
-            <a:r>
-              <a:rPr lang="zh-CN" altLang="en-US" sz="1000" b="1" dirty="0">
-                <a:solidFill>
-                  <a:schemeClr val="tx1"/>
-                </a:solidFill>
-              </a:rPr>
-              <a:t>集群</a:t>
-            </a:r>
-          </a:p>
-        </p:txBody>
-      </p:sp>
-      <p:sp>
-        <p:nvSpPr>
-          <p:cNvPr id="9" name="矩形: 圆角 8">
-            <a:extLst>
-              <a:ext uri="{FF2B5EF4-FFF2-40B4-BE49-F238E27FC236}">
-                <a16:creationId xmlns:a16="http://schemas.microsoft.com/office/drawing/2014/main" id="{3391FE38-6811-10C7-FD8E-72842239C2F4}"/>
-              </a:ext>
-            </a:extLst>
-          </p:cNvPr>
-          <p:cNvSpPr/>
-          <p:nvPr/>
-        </p:nvSpPr>
-        <p:spPr>
-          <a:xfrm>
-            <a:off x="6220689" y="1795870"/>
-            <a:ext cx="3611419" cy="735024"/>
-          </a:xfrm>
-          <a:prstGeom prst="roundRect">
-            <a:avLst/>
-          </a:prstGeom>
-          <a:solidFill>
-            <a:schemeClr val="accent1">
-              <a:lumMod val="60000"/>
-              <a:lumOff val="40000"/>
-            </a:schemeClr>
-          </a:solidFill>
-          <a:ln>
-            <a:solidFill>
-              <a:schemeClr val="accent1">
-                <a:lumMod val="60000"/>
-                <a:lumOff val="40000"/>
-              </a:schemeClr>
-            </a:solidFill>
-          </a:ln>
-        </p:spPr>
-        <p:style>
-          <a:lnRef idx="2">
-            <a:schemeClr val="accent1">
-              <a:shade val="15000"/>
-            </a:schemeClr>
-          </a:lnRef>
-          <a:fillRef idx="1">
-            <a:schemeClr val="accent1"/>
-          </a:fillRef>
-          <a:effectRef idx="0">
-            <a:schemeClr val="accent1"/>
-          </a:effectRef>
-          <a:fontRef idx="minor">
-            <a:schemeClr val="lt1"/>
-          </a:fontRef>
-        </p:style>
-        <p:txBody>
-          <a:bodyPr rtlCol="0" anchor="ctr"/>
-          <a:lstStyle/>
-          <a:p>
-            <a:pPr algn="ctr"/>
-            <a:endParaRPr lang="zh-CN" altLang="en-US" sz="800" dirty="0"/>
-          </a:p>
-        </p:txBody>
-      </p:sp>
-      <p:sp>
-        <p:nvSpPr>
-          <p:cNvPr id="11" name="矩形: 圆角 10">
-            <a:extLst>
-              <a:ext uri="{FF2B5EF4-FFF2-40B4-BE49-F238E27FC236}">
-                <a16:creationId xmlns:a16="http://schemas.microsoft.com/office/drawing/2014/main" id="{222C3D1D-2ACC-5EDC-7D66-1ADCD300338B}"/>
-              </a:ext>
-            </a:extLst>
-          </p:cNvPr>
-          <p:cNvSpPr/>
-          <p:nvPr/>
-        </p:nvSpPr>
-        <p:spPr>
-          <a:xfrm>
-            <a:off x="2341417" y="2618788"/>
-            <a:ext cx="3611419" cy="295564"/>
-          </a:xfrm>
-          <a:prstGeom prst="roundRect">
-            <a:avLst/>
-          </a:prstGeom>
-          <a:solidFill>
-            <a:schemeClr val="accent1">
-              <a:lumMod val="60000"/>
-              <a:lumOff val="40000"/>
-            </a:schemeClr>
-          </a:solidFill>
-          <a:ln>
-            <a:solidFill>
-              <a:schemeClr val="accent1">
-                <a:lumMod val="60000"/>
-                <a:lumOff val="40000"/>
-              </a:schemeClr>
-            </a:solidFill>
-          </a:ln>
-        </p:spPr>
-        <p:style>
-          <a:lnRef idx="2">
-            <a:schemeClr val="accent1">
-              <a:shade val="15000"/>
-            </a:schemeClr>
-          </a:lnRef>
-          <a:fillRef idx="1">
-            <a:schemeClr val="accent1"/>
-          </a:fillRef>
-          <a:effectRef idx="0">
-            <a:schemeClr val="accent1"/>
-          </a:effectRef>
-          <a:fontRef idx="minor">
-            <a:schemeClr val="lt1"/>
-          </a:fontRef>
-        </p:style>
-        <p:txBody>
-          <a:bodyPr rtlCol="0" anchor="ctr"/>
-          <a:lstStyle/>
-          <a:p>
-            <a:pPr algn="ctr"/>
-            <a:r>
-              <a:rPr lang="en-US" altLang="zh-CN" sz="1000" b="1" dirty="0">
-                <a:solidFill>
-                  <a:schemeClr val="tx1"/>
-                </a:solidFill>
-              </a:rPr>
-              <a:t>Kafka producer</a:t>
-            </a:r>
-            <a:endParaRPr lang="zh-CN" altLang="en-US" sz="1000" b="1" dirty="0">
-              <a:solidFill>
-                <a:schemeClr val="tx1"/>
-              </a:solidFill>
-            </a:endParaRPr>
-          </a:p>
-        </p:txBody>
-      </p:sp>
-      <p:sp>
-        <p:nvSpPr>
-          <p:cNvPr id="34" name="文本框 33">
-            <a:extLst>
-              <a:ext uri="{FF2B5EF4-FFF2-40B4-BE49-F238E27FC236}">
-                <a16:creationId xmlns:a16="http://schemas.microsoft.com/office/drawing/2014/main" id="{0A70BF61-C7D7-4BCC-92AF-14AD1FE3709F}"/>
-              </a:ext>
-            </a:extLst>
-          </p:cNvPr>
-          <p:cNvSpPr txBox="1"/>
-          <p:nvPr/>
-        </p:nvSpPr>
-        <p:spPr>
-          <a:xfrm>
-            <a:off x="6350542" y="1852866"/>
-            <a:ext cx="1282302" cy="246221"/>
-          </a:xfrm>
-          <a:prstGeom prst="rect">
-            <a:avLst/>
-          </a:prstGeom>
-          <a:noFill/>
-        </p:spPr>
-        <p:txBody>
-          <a:bodyPr wrap="square" rtlCol="0">
-            <a:spAutoFit/>
-          </a:bodyPr>
-          <a:lstStyle/>
-          <a:p>
-            <a:r>
-              <a:rPr lang="en-US" altLang="zh-CN" sz="1000" b="1" dirty="0"/>
-              <a:t>Web</a:t>
-            </a:r>
-            <a:r>
-              <a:rPr lang="zh-CN" altLang="en-US" sz="1000" b="1" dirty="0"/>
-              <a:t>服务器集群</a:t>
-            </a:r>
-          </a:p>
-        </p:txBody>
-      </p:sp>
-      <p:grpSp>
-        <p:nvGrpSpPr>
-          <p:cNvPr id="52" name="组合 51">
-            <a:extLst>
-              <a:ext uri="{FF2B5EF4-FFF2-40B4-BE49-F238E27FC236}">
-                <a16:creationId xmlns:a16="http://schemas.microsoft.com/office/drawing/2014/main" id="{944C2299-C474-00AC-8A34-0346253FF321}"/>
+                <a16:creationId xmlns:a16="http://schemas.microsoft.com/office/drawing/2014/main" id="{729D74B3-B6D7-345E-CE4F-C075F7A62D61}"/>
               </a:ext>
             </a:extLst>
           </p:cNvPr>
@@ -11366,78 +11475,18 @@
         </p:nvGrpSpPr>
         <p:grpSpPr>
           <a:xfrm>
-            <a:off x="2341418" y="3112232"/>
-            <a:ext cx="7490690" cy="2433781"/>
-            <a:chOff x="2276764" y="3191163"/>
-            <a:chExt cx="7490690" cy="2433781"/>
+            <a:off x="2690497" y="653774"/>
+            <a:ext cx="7421691" cy="5829361"/>
+            <a:chOff x="1713344" y="949609"/>
+            <a:chExt cx="7421691" cy="5829361"/>
           </a:xfrm>
         </p:grpSpPr>
-        <p:sp>
-          <p:nvSpPr>
-            <p:cNvPr id="10" name="矩形: 圆角 9">
+        <p:grpSp>
+          <p:nvGrpSpPr>
+            <p:cNvPr id="2" name="组合 1">
               <a:extLst>
                 <a:ext uri="{FF2B5EF4-FFF2-40B4-BE49-F238E27FC236}">
-                  <a16:creationId xmlns:a16="http://schemas.microsoft.com/office/drawing/2014/main" id="{A48A9A94-2FEF-6E0C-627A-41681A958078}"/>
-                </a:ext>
-              </a:extLst>
-            </p:cNvPr>
-            <p:cNvSpPr/>
-            <p:nvPr/>
-          </p:nvSpPr>
-          <p:spPr>
-            <a:xfrm>
-              <a:off x="2276764" y="3191163"/>
-              <a:ext cx="7490690" cy="974438"/>
-            </a:xfrm>
-            <a:prstGeom prst="roundRect">
-              <a:avLst/>
-            </a:prstGeom>
-            <a:solidFill>
-              <a:schemeClr val="accent1">
-                <a:lumMod val="60000"/>
-                <a:lumOff val="40000"/>
-              </a:schemeClr>
-            </a:solidFill>
-            <a:ln>
-              <a:solidFill>
-                <a:schemeClr val="accent1">
-                  <a:lumMod val="60000"/>
-                  <a:lumOff val="40000"/>
-                </a:schemeClr>
-              </a:solidFill>
-            </a:ln>
-          </p:spPr>
-          <p:style>
-            <a:lnRef idx="2">
-              <a:schemeClr val="accent1">
-                <a:shade val="15000"/>
-              </a:schemeClr>
-            </a:lnRef>
-            <a:fillRef idx="1">
-              <a:schemeClr val="accent1"/>
-            </a:fillRef>
-            <a:effectRef idx="0">
-              <a:schemeClr val="accent1"/>
-            </a:effectRef>
-            <a:fontRef idx="minor">
-              <a:schemeClr val="lt1"/>
-            </a:fontRef>
-          </p:style>
-          <p:txBody>
-            <a:bodyPr rtlCol="0" anchor="ctr"/>
-            <a:lstStyle/>
-            <a:p>
-              <a:pPr algn="ctr"/>
-              <a:endParaRPr lang="zh-CN" altLang="en-US" sz="800" dirty="0"/>
-            </a:p>
-          </p:txBody>
-        </p:sp>
-        <p:grpSp>
-          <p:nvGrpSpPr>
-            <p:cNvPr id="22" name="组合 21">
-              <a:extLst>
-                <a:ext uri="{FF2B5EF4-FFF2-40B4-BE49-F238E27FC236}">
-                  <a16:creationId xmlns:a16="http://schemas.microsoft.com/office/drawing/2014/main" id="{85875918-89F4-BFE8-0E16-86394A5EDDB6}"/>
+                  <a16:creationId xmlns:a16="http://schemas.microsoft.com/office/drawing/2014/main" id="{FE3F49B8-16B3-8628-6AFE-1F24AF8660EB}"/>
                 </a:ext>
               </a:extLst>
             </p:cNvPr>
@@ -11446,24 +11495,18 @@
           </p:nvGrpSpPr>
           <p:grpSpPr>
             <a:xfrm>
-              <a:off x="3835767" y="3327400"/>
-              <a:ext cx="1933864" cy="701964"/>
-              <a:chOff x="2752436" y="3343564"/>
-              <a:chExt cx="1933864" cy="701964"/>
+              <a:off x="1713344" y="1030941"/>
+              <a:ext cx="7421691" cy="5748029"/>
+              <a:chOff x="1713344" y="46183"/>
+              <a:chExt cx="8746838" cy="6732787"/>
             </a:xfrm>
-            <a:solidFill>
-              <a:schemeClr val="accent2">
-                <a:lumMod val="60000"/>
-                <a:lumOff val="40000"/>
-              </a:schemeClr>
-            </a:solidFill>
           </p:grpSpPr>
           <p:sp>
             <p:nvSpPr>
-              <p:cNvPr id="12" name="矩形: 圆角 11">
+              <p:cNvPr id="6" name="矩形: 圆角 5">
                 <a:extLst>
                   <a:ext uri="{FF2B5EF4-FFF2-40B4-BE49-F238E27FC236}">
-                    <a16:creationId xmlns:a16="http://schemas.microsoft.com/office/drawing/2014/main" id="{C5B74806-F189-396F-B1F1-839CAB4312F7}"/>
+                    <a16:creationId xmlns:a16="http://schemas.microsoft.com/office/drawing/2014/main" id="{D1246E3D-0BA4-C40E-EF55-536C322DF3AE}"/>
                   </a:ext>
                 </a:extLst>
               </p:cNvPr>
@@ -11472,18 +11515,2776 @@
             </p:nvSpPr>
             <p:spPr>
               <a:xfrm>
-                <a:off x="2752436" y="3343564"/>
-                <a:ext cx="1933864" cy="701964"/>
+                <a:off x="1731818" y="46183"/>
+                <a:ext cx="8728364" cy="420808"/>
               </a:xfrm>
               <a:prstGeom prst="roundRect">
                 <a:avLst/>
               </a:prstGeom>
-              <a:grpFill/>
+              <a:solidFill>
+                <a:schemeClr val="accent6">
+                  <a:lumMod val="60000"/>
+                  <a:lumOff val="40000"/>
+                </a:schemeClr>
+              </a:solidFill>
               <a:ln>
+                <a:solidFill>
+                  <a:schemeClr val="accent6">
+                    <a:lumMod val="20000"/>
+                    <a:lumOff val="80000"/>
+                  </a:schemeClr>
+                </a:solidFill>
+              </a:ln>
+            </p:spPr>
+            <p:style>
+              <a:lnRef idx="2">
+                <a:schemeClr val="accent6">
+                  <a:shade val="15000"/>
+                </a:schemeClr>
+              </a:lnRef>
+              <a:fillRef idx="1">
+                <a:schemeClr val="accent6"/>
+              </a:fillRef>
+              <a:effectRef idx="0">
+                <a:schemeClr val="accent6"/>
+              </a:effectRef>
+              <a:fontRef idx="minor">
+                <a:schemeClr val="lt1"/>
+              </a:fontRef>
+            </p:style>
+            <p:txBody>
+              <a:bodyPr rtlCol="0" anchor="ctr"/>
+              <a:lstStyle/>
+              <a:p>
+                <a:pPr algn="ctr"/>
+                <a:endParaRPr lang="zh-CN" altLang="en-US" sz="800" dirty="0"/>
+              </a:p>
+            </p:txBody>
+          </p:sp>
+          <p:sp>
+            <p:nvSpPr>
+              <p:cNvPr id="4" name="矩形: 圆角 3">
+                <a:extLst>
+                  <a:ext uri="{FF2B5EF4-FFF2-40B4-BE49-F238E27FC236}">
+                    <a16:creationId xmlns:a16="http://schemas.microsoft.com/office/drawing/2014/main" id="{B4444D36-EE38-E8DD-9F2C-7E00619D736E}"/>
+                  </a:ext>
+                </a:extLst>
+              </p:cNvPr>
+              <p:cNvSpPr/>
+              <p:nvPr/>
+            </p:nvSpPr>
+            <p:spPr>
+              <a:xfrm>
+                <a:off x="1713344" y="590937"/>
+                <a:ext cx="8746838" cy="5213516"/>
+              </a:xfrm>
+              <a:custGeom>
+                <a:avLst/>
+                <a:gdLst>
+                  <a:gd name="connsiteX0" fmla="*/ 0 w 8728364"/>
+                  <a:gd name="connsiteY0" fmla="*/ 865157 h 5190838"/>
+                  <a:gd name="connsiteX1" fmla="*/ 865157 w 8728364"/>
+                  <a:gd name="connsiteY1" fmla="*/ 0 h 5190838"/>
+                  <a:gd name="connsiteX2" fmla="*/ 7863207 w 8728364"/>
+                  <a:gd name="connsiteY2" fmla="*/ 0 h 5190838"/>
+                  <a:gd name="connsiteX3" fmla="*/ 8728364 w 8728364"/>
+                  <a:gd name="connsiteY3" fmla="*/ 865157 h 5190838"/>
+                  <a:gd name="connsiteX4" fmla="*/ 8728364 w 8728364"/>
+                  <a:gd name="connsiteY4" fmla="*/ 4325681 h 5190838"/>
+                  <a:gd name="connsiteX5" fmla="*/ 7863207 w 8728364"/>
+                  <a:gd name="connsiteY5" fmla="*/ 5190838 h 5190838"/>
+                  <a:gd name="connsiteX6" fmla="*/ 865157 w 8728364"/>
+                  <a:gd name="connsiteY6" fmla="*/ 5190838 h 5190838"/>
+                  <a:gd name="connsiteX7" fmla="*/ 0 w 8728364"/>
+                  <a:gd name="connsiteY7" fmla="*/ 4325681 h 5190838"/>
+                  <a:gd name="connsiteX8" fmla="*/ 0 w 8728364"/>
+                  <a:gd name="connsiteY8" fmla="*/ 865157 h 5190838"/>
+                  <a:gd name="connsiteX0" fmla="*/ 0 w 8737600"/>
+                  <a:gd name="connsiteY0" fmla="*/ 865157 h 5190838"/>
+                  <a:gd name="connsiteX1" fmla="*/ 865157 w 8737600"/>
+                  <a:gd name="connsiteY1" fmla="*/ 0 h 5190838"/>
+                  <a:gd name="connsiteX2" fmla="*/ 7863207 w 8737600"/>
+                  <a:gd name="connsiteY2" fmla="*/ 0 h 5190838"/>
+                  <a:gd name="connsiteX3" fmla="*/ 8737600 w 8737600"/>
+                  <a:gd name="connsiteY3" fmla="*/ 551120 h 5190838"/>
+                  <a:gd name="connsiteX4" fmla="*/ 8728364 w 8737600"/>
+                  <a:gd name="connsiteY4" fmla="*/ 4325681 h 5190838"/>
+                  <a:gd name="connsiteX5" fmla="*/ 7863207 w 8737600"/>
+                  <a:gd name="connsiteY5" fmla="*/ 5190838 h 5190838"/>
+                  <a:gd name="connsiteX6" fmla="*/ 865157 w 8737600"/>
+                  <a:gd name="connsiteY6" fmla="*/ 5190838 h 5190838"/>
+                  <a:gd name="connsiteX7" fmla="*/ 0 w 8737600"/>
+                  <a:gd name="connsiteY7" fmla="*/ 4325681 h 5190838"/>
+                  <a:gd name="connsiteX8" fmla="*/ 0 w 8737600"/>
+                  <a:gd name="connsiteY8" fmla="*/ 865157 h 5190838"/>
+                  <a:gd name="connsiteX0" fmla="*/ 0 w 8737600"/>
+                  <a:gd name="connsiteY0" fmla="*/ 865157 h 5190838"/>
+                  <a:gd name="connsiteX1" fmla="*/ 865157 w 8737600"/>
+                  <a:gd name="connsiteY1" fmla="*/ 0 h 5190838"/>
+                  <a:gd name="connsiteX2" fmla="*/ 8094116 w 8737600"/>
+                  <a:gd name="connsiteY2" fmla="*/ 0 h 5190838"/>
+                  <a:gd name="connsiteX3" fmla="*/ 8737600 w 8737600"/>
+                  <a:gd name="connsiteY3" fmla="*/ 551120 h 5190838"/>
+                  <a:gd name="connsiteX4" fmla="*/ 8728364 w 8737600"/>
+                  <a:gd name="connsiteY4" fmla="*/ 4325681 h 5190838"/>
+                  <a:gd name="connsiteX5" fmla="*/ 7863207 w 8737600"/>
+                  <a:gd name="connsiteY5" fmla="*/ 5190838 h 5190838"/>
+                  <a:gd name="connsiteX6" fmla="*/ 865157 w 8737600"/>
+                  <a:gd name="connsiteY6" fmla="*/ 5190838 h 5190838"/>
+                  <a:gd name="connsiteX7" fmla="*/ 0 w 8737600"/>
+                  <a:gd name="connsiteY7" fmla="*/ 4325681 h 5190838"/>
+                  <a:gd name="connsiteX8" fmla="*/ 0 w 8737600"/>
+                  <a:gd name="connsiteY8" fmla="*/ 865157 h 5190838"/>
+                  <a:gd name="connsiteX0" fmla="*/ 0 w 8737601"/>
+                  <a:gd name="connsiteY0" fmla="*/ 865157 h 5190838"/>
+                  <a:gd name="connsiteX1" fmla="*/ 865157 w 8737601"/>
+                  <a:gd name="connsiteY1" fmla="*/ 0 h 5190838"/>
+                  <a:gd name="connsiteX2" fmla="*/ 8094116 w 8737601"/>
+                  <a:gd name="connsiteY2" fmla="*/ 0 h 5190838"/>
+                  <a:gd name="connsiteX3" fmla="*/ 8737600 w 8737601"/>
+                  <a:gd name="connsiteY3" fmla="*/ 551120 h 5190838"/>
+                  <a:gd name="connsiteX4" fmla="*/ 8737601 w 8737601"/>
+                  <a:gd name="connsiteY4" fmla="*/ 4704372 h 5190838"/>
+                  <a:gd name="connsiteX5" fmla="*/ 7863207 w 8737601"/>
+                  <a:gd name="connsiteY5" fmla="*/ 5190838 h 5190838"/>
+                  <a:gd name="connsiteX6" fmla="*/ 865157 w 8737601"/>
+                  <a:gd name="connsiteY6" fmla="*/ 5190838 h 5190838"/>
+                  <a:gd name="connsiteX7" fmla="*/ 0 w 8737601"/>
+                  <a:gd name="connsiteY7" fmla="*/ 4325681 h 5190838"/>
+                  <a:gd name="connsiteX8" fmla="*/ 0 w 8737601"/>
+                  <a:gd name="connsiteY8" fmla="*/ 865157 h 5190838"/>
+                  <a:gd name="connsiteX0" fmla="*/ 0 w 8737601"/>
+                  <a:gd name="connsiteY0" fmla="*/ 865157 h 5209310"/>
+                  <a:gd name="connsiteX1" fmla="*/ 865157 w 8737601"/>
+                  <a:gd name="connsiteY1" fmla="*/ 0 h 5209310"/>
+                  <a:gd name="connsiteX2" fmla="*/ 8094116 w 8737601"/>
+                  <a:gd name="connsiteY2" fmla="*/ 0 h 5209310"/>
+                  <a:gd name="connsiteX3" fmla="*/ 8737600 w 8737601"/>
+                  <a:gd name="connsiteY3" fmla="*/ 551120 h 5209310"/>
+                  <a:gd name="connsiteX4" fmla="*/ 8737601 w 8737601"/>
+                  <a:gd name="connsiteY4" fmla="*/ 4704372 h 5209310"/>
+                  <a:gd name="connsiteX5" fmla="*/ 8241898 w 8737601"/>
+                  <a:gd name="connsiteY5" fmla="*/ 5209310 h 5209310"/>
+                  <a:gd name="connsiteX6" fmla="*/ 865157 w 8737601"/>
+                  <a:gd name="connsiteY6" fmla="*/ 5190838 h 5209310"/>
+                  <a:gd name="connsiteX7" fmla="*/ 0 w 8737601"/>
+                  <a:gd name="connsiteY7" fmla="*/ 4325681 h 5209310"/>
+                  <a:gd name="connsiteX8" fmla="*/ 0 w 8737601"/>
+                  <a:gd name="connsiteY8" fmla="*/ 865157 h 5209310"/>
+                  <a:gd name="connsiteX0" fmla="*/ 0 w 8737601"/>
+                  <a:gd name="connsiteY0" fmla="*/ 865157 h 5209310"/>
+                  <a:gd name="connsiteX1" fmla="*/ 865157 w 8737601"/>
+                  <a:gd name="connsiteY1" fmla="*/ 0 h 5209310"/>
+                  <a:gd name="connsiteX2" fmla="*/ 8094116 w 8737601"/>
+                  <a:gd name="connsiteY2" fmla="*/ 0 h 5209310"/>
+                  <a:gd name="connsiteX3" fmla="*/ 8737600 w 8737601"/>
+                  <a:gd name="connsiteY3" fmla="*/ 551120 h 5209310"/>
+                  <a:gd name="connsiteX4" fmla="*/ 8737601 w 8737601"/>
+                  <a:gd name="connsiteY4" fmla="*/ 4704372 h 5209310"/>
+                  <a:gd name="connsiteX5" fmla="*/ 8241898 w 8737601"/>
+                  <a:gd name="connsiteY5" fmla="*/ 5209310 h 5209310"/>
+                  <a:gd name="connsiteX6" fmla="*/ 865157 w 8737601"/>
+                  <a:gd name="connsiteY6" fmla="*/ 5190838 h 5209310"/>
+                  <a:gd name="connsiteX7" fmla="*/ 9237 w 8737601"/>
+                  <a:gd name="connsiteY7" fmla="*/ 4750553 h 5209310"/>
+                  <a:gd name="connsiteX8" fmla="*/ 0 w 8737601"/>
+                  <a:gd name="connsiteY8" fmla="*/ 865157 h 5209310"/>
+                  <a:gd name="connsiteX0" fmla="*/ 0 w 8737601"/>
+                  <a:gd name="connsiteY0" fmla="*/ 865157 h 5209310"/>
+                  <a:gd name="connsiteX1" fmla="*/ 865157 w 8737601"/>
+                  <a:gd name="connsiteY1" fmla="*/ 0 h 5209310"/>
+                  <a:gd name="connsiteX2" fmla="*/ 8094116 w 8737601"/>
+                  <a:gd name="connsiteY2" fmla="*/ 0 h 5209310"/>
+                  <a:gd name="connsiteX3" fmla="*/ 8737600 w 8737601"/>
+                  <a:gd name="connsiteY3" fmla="*/ 551120 h 5209310"/>
+                  <a:gd name="connsiteX4" fmla="*/ 8737601 w 8737601"/>
+                  <a:gd name="connsiteY4" fmla="*/ 4704372 h 5209310"/>
+                  <a:gd name="connsiteX5" fmla="*/ 8241898 w 8737601"/>
+                  <a:gd name="connsiteY5" fmla="*/ 5209310 h 5209310"/>
+                  <a:gd name="connsiteX6" fmla="*/ 504938 w 8737601"/>
+                  <a:gd name="connsiteY6" fmla="*/ 5190838 h 5209310"/>
+                  <a:gd name="connsiteX7" fmla="*/ 9237 w 8737601"/>
+                  <a:gd name="connsiteY7" fmla="*/ 4750553 h 5209310"/>
+                  <a:gd name="connsiteX8" fmla="*/ 0 w 8737601"/>
+                  <a:gd name="connsiteY8" fmla="*/ 865157 h 5209310"/>
+                  <a:gd name="connsiteX0" fmla="*/ 0 w 8737601"/>
+                  <a:gd name="connsiteY0" fmla="*/ 432301 h 5210563"/>
+                  <a:gd name="connsiteX1" fmla="*/ 865157 w 8737601"/>
+                  <a:gd name="connsiteY1" fmla="*/ 1253 h 5210563"/>
+                  <a:gd name="connsiteX2" fmla="*/ 8094116 w 8737601"/>
+                  <a:gd name="connsiteY2" fmla="*/ 1253 h 5210563"/>
+                  <a:gd name="connsiteX3" fmla="*/ 8737600 w 8737601"/>
+                  <a:gd name="connsiteY3" fmla="*/ 552373 h 5210563"/>
+                  <a:gd name="connsiteX4" fmla="*/ 8737601 w 8737601"/>
+                  <a:gd name="connsiteY4" fmla="*/ 4705625 h 5210563"/>
+                  <a:gd name="connsiteX5" fmla="*/ 8241898 w 8737601"/>
+                  <a:gd name="connsiteY5" fmla="*/ 5210563 h 5210563"/>
+                  <a:gd name="connsiteX6" fmla="*/ 504938 w 8737601"/>
+                  <a:gd name="connsiteY6" fmla="*/ 5192091 h 5210563"/>
+                  <a:gd name="connsiteX7" fmla="*/ 9237 w 8737601"/>
+                  <a:gd name="connsiteY7" fmla="*/ 4751806 h 5210563"/>
+                  <a:gd name="connsiteX8" fmla="*/ 0 w 8737601"/>
+                  <a:gd name="connsiteY8" fmla="*/ 432301 h 5210563"/>
+                  <a:gd name="connsiteX0" fmla="*/ 0 w 8737601"/>
+                  <a:gd name="connsiteY0" fmla="*/ 431048 h 5209310"/>
+                  <a:gd name="connsiteX1" fmla="*/ 763557 w 8737601"/>
+                  <a:gd name="connsiteY1" fmla="*/ 18473 h 5209310"/>
+                  <a:gd name="connsiteX2" fmla="*/ 8094116 w 8737601"/>
+                  <a:gd name="connsiteY2" fmla="*/ 0 h 5209310"/>
+                  <a:gd name="connsiteX3" fmla="*/ 8737600 w 8737601"/>
+                  <a:gd name="connsiteY3" fmla="*/ 551120 h 5209310"/>
+                  <a:gd name="connsiteX4" fmla="*/ 8737601 w 8737601"/>
+                  <a:gd name="connsiteY4" fmla="*/ 4704372 h 5209310"/>
+                  <a:gd name="connsiteX5" fmla="*/ 8241898 w 8737601"/>
+                  <a:gd name="connsiteY5" fmla="*/ 5209310 h 5209310"/>
+                  <a:gd name="connsiteX6" fmla="*/ 504938 w 8737601"/>
+                  <a:gd name="connsiteY6" fmla="*/ 5190838 h 5209310"/>
+                  <a:gd name="connsiteX7" fmla="*/ 9237 w 8737601"/>
+                  <a:gd name="connsiteY7" fmla="*/ 4750553 h 5209310"/>
+                  <a:gd name="connsiteX8" fmla="*/ 0 w 8737601"/>
+                  <a:gd name="connsiteY8" fmla="*/ 431048 h 5209310"/>
+                  <a:gd name="connsiteX0" fmla="*/ 0 w 8737601"/>
+                  <a:gd name="connsiteY0" fmla="*/ 569593 h 5209310"/>
+                  <a:gd name="connsiteX1" fmla="*/ 763557 w 8737601"/>
+                  <a:gd name="connsiteY1" fmla="*/ 18473 h 5209310"/>
+                  <a:gd name="connsiteX2" fmla="*/ 8094116 w 8737601"/>
+                  <a:gd name="connsiteY2" fmla="*/ 0 h 5209310"/>
+                  <a:gd name="connsiteX3" fmla="*/ 8737600 w 8737601"/>
+                  <a:gd name="connsiteY3" fmla="*/ 551120 h 5209310"/>
+                  <a:gd name="connsiteX4" fmla="*/ 8737601 w 8737601"/>
+                  <a:gd name="connsiteY4" fmla="*/ 4704372 h 5209310"/>
+                  <a:gd name="connsiteX5" fmla="*/ 8241898 w 8737601"/>
+                  <a:gd name="connsiteY5" fmla="*/ 5209310 h 5209310"/>
+                  <a:gd name="connsiteX6" fmla="*/ 504938 w 8737601"/>
+                  <a:gd name="connsiteY6" fmla="*/ 5190838 h 5209310"/>
+                  <a:gd name="connsiteX7" fmla="*/ 9237 w 8737601"/>
+                  <a:gd name="connsiteY7" fmla="*/ 4750553 h 5209310"/>
+                  <a:gd name="connsiteX8" fmla="*/ 0 w 8737601"/>
+                  <a:gd name="connsiteY8" fmla="*/ 569593 h 5209310"/>
+                  <a:gd name="connsiteX0" fmla="*/ 0 w 8737601"/>
+                  <a:gd name="connsiteY0" fmla="*/ 569593 h 5209310"/>
+                  <a:gd name="connsiteX1" fmla="*/ 680430 w 8737601"/>
+                  <a:gd name="connsiteY1" fmla="*/ 18473 h 5209310"/>
+                  <a:gd name="connsiteX2" fmla="*/ 8094116 w 8737601"/>
+                  <a:gd name="connsiteY2" fmla="*/ 0 h 5209310"/>
+                  <a:gd name="connsiteX3" fmla="*/ 8737600 w 8737601"/>
+                  <a:gd name="connsiteY3" fmla="*/ 551120 h 5209310"/>
+                  <a:gd name="connsiteX4" fmla="*/ 8737601 w 8737601"/>
+                  <a:gd name="connsiteY4" fmla="*/ 4704372 h 5209310"/>
+                  <a:gd name="connsiteX5" fmla="*/ 8241898 w 8737601"/>
+                  <a:gd name="connsiteY5" fmla="*/ 5209310 h 5209310"/>
+                  <a:gd name="connsiteX6" fmla="*/ 504938 w 8737601"/>
+                  <a:gd name="connsiteY6" fmla="*/ 5190838 h 5209310"/>
+                  <a:gd name="connsiteX7" fmla="*/ 9237 w 8737601"/>
+                  <a:gd name="connsiteY7" fmla="*/ 4750553 h 5209310"/>
+                  <a:gd name="connsiteX8" fmla="*/ 0 w 8737601"/>
+                  <a:gd name="connsiteY8" fmla="*/ 569593 h 5209310"/>
+                  <a:gd name="connsiteX0" fmla="*/ 0 w 8746838"/>
+                  <a:gd name="connsiteY0" fmla="*/ 467993 h 5209310"/>
+                  <a:gd name="connsiteX1" fmla="*/ 689667 w 8746838"/>
+                  <a:gd name="connsiteY1" fmla="*/ 18473 h 5209310"/>
+                  <a:gd name="connsiteX2" fmla="*/ 8103353 w 8746838"/>
+                  <a:gd name="connsiteY2" fmla="*/ 0 h 5209310"/>
+                  <a:gd name="connsiteX3" fmla="*/ 8746837 w 8746838"/>
+                  <a:gd name="connsiteY3" fmla="*/ 551120 h 5209310"/>
+                  <a:gd name="connsiteX4" fmla="*/ 8746838 w 8746838"/>
+                  <a:gd name="connsiteY4" fmla="*/ 4704372 h 5209310"/>
+                  <a:gd name="connsiteX5" fmla="*/ 8251135 w 8746838"/>
+                  <a:gd name="connsiteY5" fmla="*/ 5209310 h 5209310"/>
+                  <a:gd name="connsiteX6" fmla="*/ 514175 w 8746838"/>
+                  <a:gd name="connsiteY6" fmla="*/ 5190838 h 5209310"/>
+                  <a:gd name="connsiteX7" fmla="*/ 18474 w 8746838"/>
+                  <a:gd name="connsiteY7" fmla="*/ 4750553 h 5209310"/>
+                  <a:gd name="connsiteX8" fmla="*/ 0 w 8746838"/>
+                  <a:gd name="connsiteY8" fmla="*/ 467993 h 5209310"/>
+                  <a:gd name="connsiteX0" fmla="*/ 0 w 8746838"/>
+                  <a:gd name="connsiteY0" fmla="*/ 467993 h 5209310"/>
+                  <a:gd name="connsiteX1" fmla="*/ 578831 w 8746838"/>
+                  <a:gd name="connsiteY1" fmla="*/ 9237 h 5209310"/>
+                  <a:gd name="connsiteX2" fmla="*/ 8103353 w 8746838"/>
+                  <a:gd name="connsiteY2" fmla="*/ 0 h 5209310"/>
+                  <a:gd name="connsiteX3" fmla="*/ 8746837 w 8746838"/>
+                  <a:gd name="connsiteY3" fmla="*/ 551120 h 5209310"/>
+                  <a:gd name="connsiteX4" fmla="*/ 8746838 w 8746838"/>
+                  <a:gd name="connsiteY4" fmla="*/ 4704372 h 5209310"/>
+                  <a:gd name="connsiteX5" fmla="*/ 8251135 w 8746838"/>
+                  <a:gd name="connsiteY5" fmla="*/ 5209310 h 5209310"/>
+                  <a:gd name="connsiteX6" fmla="*/ 514175 w 8746838"/>
+                  <a:gd name="connsiteY6" fmla="*/ 5190838 h 5209310"/>
+                  <a:gd name="connsiteX7" fmla="*/ 18474 w 8746838"/>
+                  <a:gd name="connsiteY7" fmla="*/ 4750553 h 5209310"/>
+                  <a:gd name="connsiteX8" fmla="*/ 0 w 8746838"/>
+                  <a:gd name="connsiteY8" fmla="*/ 467993 h 5209310"/>
+                  <a:gd name="connsiteX0" fmla="*/ 0 w 8746838"/>
+                  <a:gd name="connsiteY0" fmla="*/ 472199 h 5213516"/>
+                  <a:gd name="connsiteX1" fmla="*/ 578831 w 8746838"/>
+                  <a:gd name="connsiteY1" fmla="*/ 13443 h 5213516"/>
+                  <a:gd name="connsiteX2" fmla="*/ 8103353 w 8746838"/>
+                  <a:gd name="connsiteY2" fmla="*/ 4206 h 5213516"/>
+                  <a:gd name="connsiteX3" fmla="*/ 8737601 w 8746838"/>
+                  <a:gd name="connsiteY3" fmla="*/ 407544 h 5213516"/>
+                  <a:gd name="connsiteX4" fmla="*/ 8746838 w 8746838"/>
+                  <a:gd name="connsiteY4" fmla="*/ 4708578 h 5213516"/>
+                  <a:gd name="connsiteX5" fmla="*/ 8251135 w 8746838"/>
+                  <a:gd name="connsiteY5" fmla="*/ 5213516 h 5213516"/>
+                  <a:gd name="connsiteX6" fmla="*/ 514175 w 8746838"/>
+                  <a:gd name="connsiteY6" fmla="*/ 5195044 h 5213516"/>
+                  <a:gd name="connsiteX7" fmla="*/ 18474 w 8746838"/>
+                  <a:gd name="connsiteY7" fmla="*/ 4754759 h 5213516"/>
+                  <a:gd name="connsiteX8" fmla="*/ 0 w 8746838"/>
+                  <a:gd name="connsiteY8" fmla="*/ 472199 h 5213516"/>
+                  <a:gd name="connsiteX0" fmla="*/ 0 w 8746838"/>
+                  <a:gd name="connsiteY0" fmla="*/ 472199 h 5213516"/>
+                  <a:gd name="connsiteX1" fmla="*/ 578831 w 8746838"/>
+                  <a:gd name="connsiteY1" fmla="*/ 13443 h 5213516"/>
+                  <a:gd name="connsiteX2" fmla="*/ 8278844 w 8746838"/>
+                  <a:gd name="connsiteY2" fmla="*/ 4206 h 5213516"/>
+                  <a:gd name="connsiteX3" fmla="*/ 8737601 w 8746838"/>
+                  <a:gd name="connsiteY3" fmla="*/ 407544 h 5213516"/>
+                  <a:gd name="connsiteX4" fmla="*/ 8746838 w 8746838"/>
+                  <a:gd name="connsiteY4" fmla="*/ 4708578 h 5213516"/>
+                  <a:gd name="connsiteX5" fmla="*/ 8251135 w 8746838"/>
+                  <a:gd name="connsiteY5" fmla="*/ 5213516 h 5213516"/>
+                  <a:gd name="connsiteX6" fmla="*/ 514175 w 8746838"/>
+                  <a:gd name="connsiteY6" fmla="*/ 5195044 h 5213516"/>
+                  <a:gd name="connsiteX7" fmla="*/ 18474 w 8746838"/>
+                  <a:gd name="connsiteY7" fmla="*/ 4754759 h 5213516"/>
+                  <a:gd name="connsiteX8" fmla="*/ 0 w 8746838"/>
+                  <a:gd name="connsiteY8" fmla="*/ 472199 h 5213516"/>
+                </a:gdLst>
+                <a:ahLst/>
+                <a:cxnLst>
+                  <a:cxn ang="0">
+                    <a:pos x="connsiteX0" y="connsiteY0"/>
+                  </a:cxn>
+                  <a:cxn ang="0">
+                    <a:pos x="connsiteX1" y="connsiteY1"/>
+                  </a:cxn>
+                  <a:cxn ang="0">
+                    <a:pos x="connsiteX2" y="connsiteY2"/>
+                  </a:cxn>
+                  <a:cxn ang="0">
+                    <a:pos x="connsiteX3" y="connsiteY3"/>
+                  </a:cxn>
+                  <a:cxn ang="0">
+                    <a:pos x="connsiteX4" y="connsiteY4"/>
+                  </a:cxn>
+                  <a:cxn ang="0">
+                    <a:pos x="connsiteX5" y="connsiteY5"/>
+                  </a:cxn>
+                  <a:cxn ang="0">
+                    <a:pos x="connsiteX6" y="connsiteY6"/>
+                  </a:cxn>
+                  <a:cxn ang="0">
+                    <a:pos x="connsiteX7" y="connsiteY7"/>
+                  </a:cxn>
+                  <a:cxn ang="0">
+                    <a:pos x="connsiteX8" y="connsiteY8"/>
+                  </a:cxn>
+                </a:cxnLst>
+                <a:rect l="l" t="t" r="r" b="b"/>
+                <a:pathLst>
+                  <a:path w="8746838" h="5213516">
+                    <a:moveTo>
+                      <a:pt x="0" y="472199"/>
+                    </a:moveTo>
+                    <a:cubicBezTo>
+                      <a:pt x="0" y="-5614"/>
+                      <a:pt x="101018" y="13443"/>
+                      <a:pt x="578831" y="13443"/>
+                    </a:cubicBezTo>
+                    <a:lnTo>
+                      <a:pt x="8278844" y="4206"/>
+                    </a:lnTo>
+                    <a:cubicBezTo>
+                      <a:pt x="8756657" y="4206"/>
+                      <a:pt x="8737601" y="-70269"/>
+                      <a:pt x="8737601" y="407544"/>
+                    </a:cubicBezTo>
+                    <a:cubicBezTo>
+                      <a:pt x="8737601" y="1561052"/>
+                      <a:pt x="8746838" y="3555070"/>
+                      <a:pt x="8746838" y="4708578"/>
+                    </a:cubicBezTo>
+                    <a:cubicBezTo>
+                      <a:pt x="8746838" y="5186391"/>
+                      <a:pt x="8728948" y="5213516"/>
+                      <a:pt x="8251135" y="5213516"/>
+                    </a:cubicBezTo>
+                    <a:lnTo>
+                      <a:pt x="514175" y="5195044"/>
+                    </a:lnTo>
+                    <a:cubicBezTo>
+                      <a:pt x="36362" y="5195044"/>
+                      <a:pt x="18474" y="5232572"/>
+                      <a:pt x="18474" y="4754759"/>
+                    </a:cubicBezTo>
+                    <a:lnTo>
+                      <a:pt x="0" y="472199"/>
+                    </a:lnTo>
+                    <a:close/>
+                  </a:path>
+                </a:pathLst>
+              </a:custGeom>
+              <a:solidFill>
+                <a:schemeClr val="accent2">
+                  <a:lumMod val="20000"/>
+                  <a:lumOff val="80000"/>
+                </a:schemeClr>
+              </a:solidFill>
+              <a:ln>
+                <a:solidFill>
+                  <a:schemeClr val="accent2">
+                    <a:lumMod val="20000"/>
+                    <a:lumOff val="80000"/>
+                  </a:schemeClr>
+                </a:solidFill>
+              </a:ln>
+            </p:spPr>
+            <p:style>
+              <a:lnRef idx="1">
+                <a:schemeClr val="accent5"/>
+              </a:lnRef>
+              <a:fillRef idx="2">
+                <a:schemeClr val="accent5"/>
+              </a:fillRef>
+              <a:effectRef idx="1">
+                <a:schemeClr val="accent5"/>
+              </a:effectRef>
+              <a:fontRef idx="minor">
+                <a:schemeClr val="dk1"/>
+              </a:fontRef>
+            </p:style>
+            <p:txBody>
+              <a:bodyPr rtlCol="0" anchor="ctr"/>
+              <a:lstStyle/>
+              <a:p>
+                <a:pPr algn="ctr"/>
+                <a:endParaRPr lang="zh-CN" altLang="en-US" sz="800"/>
+              </a:p>
+            </p:txBody>
+          </p:sp>
+          <p:sp>
+            <p:nvSpPr>
+              <p:cNvPr id="5" name="矩形: 圆角 4">
+                <a:extLst>
+                  <a:ext uri="{FF2B5EF4-FFF2-40B4-BE49-F238E27FC236}">
+                    <a16:creationId xmlns:a16="http://schemas.microsoft.com/office/drawing/2014/main" id="{F1590DEE-503C-6E7B-99B2-6221BE3FB38A}"/>
+                  </a:ext>
+                </a:extLst>
+              </p:cNvPr>
+              <p:cNvSpPr/>
+              <p:nvPr/>
+            </p:nvSpPr>
+            <p:spPr>
+              <a:xfrm>
+                <a:off x="2341418" y="849145"/>
+                <a:ext cx="7490690" cy="295564"/>
+              </a:xfrm>
+              <a:prstGeom prst="roundRect">
+                <a:avLst/>
+              </a:prstGeom>
+              <a:solidFill>
+                <a:schemeClr val="accent1">
+                  <a:lumMod val="60000"/>
+                  <a:lumOff val="40000"/>
+                </a:schemeClr>
+              </a:solidFill>
+              <a:ln>
+                <a:solidFill>
+                  <a:schemeClr val="accent1">
+                    <a:lumMod val="60000"/>
+                    <a:lumOff val="40000"/>
+                  </a:schemeClr>
+                </a:solidFill>
+              </a:ln>
+            </p:spPr>
+            <p:style>
+              <a:lnRef idx="2">
+                <a:schemeClr val="accent1">
+                  <a:shade val="15000"/>
+                </a:schemeClr>
+              </a:lnRef>
+              <a:fillRef idx="1">
+                <a:schemeClr val="accent1"/>
+              </a:fillRef>
+              <a:effectRef idx="0">
+                <a:schemeClr val="accent1"/>
+              </a:effectRef>
+              <a:fontRef idx="minor">
+                <a:schemeClr val="lt1"/>
+              </a:fontRef>
+            </p:style>
+            <p:txBody>
+              <a:bodyPr rtlCol="0" anchor="ctr"/>
+              <a:lstStyle/>
+              <a:p>
+                <a:pPr algn="ctr"/>
+                <a:r>
+                  <a:rPr lang="en-US" altLang="zh-CN" sz="800" b="1" dirty="0">
+                    <a:solidFill>
+                      <a:schemeClr val="tx1"/>
+                    </a:solidFill>
+                  </a:rPr>
+                  <a:t>IoT</a:t>
+                </a:r>
+                <a:r>
+                  <a:rPr lang="zh-CN" altLang="en-US" sz="800" b="1" dirty="0">
+                    <a:solidFill>
+                      <a:schemeClr val="tx1"/>
+                    </a:solidFill>
+                  </a:rPr>
+                  <a:t>网关</a:t>
+                </a:r>
+              </a:p>
+            </p:txBody>
+          </p:sp>
+          <p:sp>
+            <p:nvSpPr>
+              <p:cNvPr id="7" name="矩形: 圆角 6">
+                <a:extLst>
+                  <a:ext uri="{FF2B5EF4-FFF2-40B4-BE49-F238E27FC236}">
+                    <a16:creationId xmlns:a16="http://schemas.microsoft.com/office/drawing/2014/main" id="{FFC025FD-5FC0-4DEE-42CE-31CB0117906E}"/>
+                  </a:ext>
+                </a:extLst>
+              </p:cNvPr>
+              <p:cNvSpPr/>
+              <p:nvPr/>
+            </p:nvSpPr>
+            <p:spPr>
+              <a:xfrm>
+                <a:off x="2341418" y="1306345"/>
+                <a:ext cx="7490690" cy="295564"/>
+              </a:xfrm>
+              <a:prstGeom prst="roundRect">
+                <a:avLst/>
+              </a:prstGeom>
+              <a:solidFill>
+                <a:schemeClr val="accent1">
+                  <a:lumMod val="60000"/>
+                  <a:lumOff val="40000"/>
+                </a:schemeClr>
+              </a:solidFill>
+              <a:ln>
+                <a:solidFill>
+                  <a:schemeClr val="accent1">
+                    <a:lumMod val="60000"/>
+                    <a:lumOff val="40000"/>
+                  </a:schemeClr>
+                </a:solidFill>
+              </a:ln>
+            </p:spPr>
+            <p:style>
+              <a:lnRef idx="2">
+                <a:schemeClr val="accent1">
+                  <a:shade val="15000"/>
+                </a:schemeClr>
+              </a:lnRef>
+              <a:fillRef idx="1">
+                <a:schemeClr val="accent1"/>
+              </a:fillRef>
+              <a:effectRef idx="0">
+                <a:schemeClr val="accent1"/>
+              </a:effectRef>
+              <a:fontRef idx="minor">
+                <a:schemeClr val="lt1"/>
+              </a:fontRef>
+            </p:style>
+            <p:txBody>
+              <a:bodyPr rtlCol="0" anchor="ctr"/>
+              <a:lstStyle/>
+              <a:p>
+                <a:pPr algn="ctr"/>
+                <a:r>
+                  <a:rPr lang="zh-CN" altLang="en-US" sz="800" b="1" dirty="0">
+                    <a:solidFill>
+                      <a:schemeClr val="tx1"/>
+                    </a:solidFill>
+                  </a:rPr>
+                  <a:t>负载均衡器</a:t>
+                </a:r>
+              </a:p>
+            </p:txBody>
+          </p:sp>
+          <p:sp>
+            <p:nvSpPr>
+              <p:cNvPr id="8" name="矩形: 圆角 7">
+                <a:extLst>
+                  <a:ext uri="{FF2B5EF4-FFF2-40B4-BE49-F238E27FC236}">
+                    <a16:creationId xmlns:a16="http://schemas.microsoft.com/office/drawing/2014/main" id="{2418D038-A566-FF7E-1F5F-85BE282D4ACC}"/>
+                  </a:ext>
+                </a:extLst>
+              </p:cNvPr>
+              <p:cNvSpPr/>
+              <p:nvPr/>
+            </p:nvSpPr>
+            <p:spPr>
+              <a:xfrm>
+                <a:off x="2341418" y="1786638"/>
+                <a:ext cx="3611419" cy="295564"/>
+              </a:xfrm>
+              <a:prstGeom prst="roundRect">
+                <a:avLst/>
+              </a:prstGeom>
+              <a:solidFill>
+                <a:schemeClr val="accent1">
+                  <a:lumMod val="60000"/>
+                  <a:lumOff val="40000"/>
+                </a:schemeClr>
+              </a:solidFill>
+              <a:ln>
+                <a:solidFill>
+                  <a:schemeClr val="accent1">
+                    <a:lumMod val="60000"/>
+                    <a:lumOff val="40000"/>
+                  </a:schemeClr>
+                </a:solidFill>
+              </a:ln>
+            </p:spPr>
+            <p:style>
+              <a:lnRef idx="2">
+                <a:schemeClr val="accent1">
+                  <a:shade val="15000"/>
+                </a:schemeClr>
+              </a:lnRef>
+              <a:fillRef idx="1">
+                <a:schemeClr val="accent1"/>
+              </a:fillRef>
+              <a:effectRef idx="0">
+                <a:schemeClr val="accent1"/>
+              </a:effectRef>
+              <a:fontRef idx="minor">
+                <a:schemeClr val="lt1"/>
+              </a:fontRef>
+            </p:style>
+            <p:txBody>
+              <a:bodyPr rtlCol="0" anchor="ctr"/>
+              <a:lstStyle/>
+              <a:p>
+                <a:pPr algn="ctr"/>
+                <a:r>
+                  <a:rPr lang="en-US" altLang="zh-CN" sz="800" b="1" dirty="0">
+                    <a:solidFill>
+                      <a:schemeClr val="tx1"/>
+                    </a:solidFill>
+                  </a:rPr>
+                  <a:t>Mqtt broker</a:t>
+                </a:r>
+                <a:r>
+                  <a:rPr lang="zh-CN" altLang="en-US" sz="800" b="1" dirty="0">
+                    <a:solidFill>
+                      <a:schemeClr val="tx1"/>
+                    </a:solidFill>
+                  </a:rPr>
+                  <a:t>集群</a:t>
+                </a:r>
+              </a:p>
+            </p:txBody>
+          </p:sp>
+          <p:sp>
+            <p:nvSpPr>
+              <p:cNvPr id="9" name="矩形: 圆角 8">
+                <a:extLst>
+                  <a:ext uri="{FF2B5EF4-FFF2-40B4-BE49-F238E27FC236}">
+                    <a16:creationId xmlns:a16="http://schemas.microsoft.com/office/drawing/2014/main" id="{3391FE38-6811-10C7-FD8E-72842239C2F4}"/>
+                  </a:ext>
+                </a:extLst>
+              </p:cNvPr>
+              <p:cNvSpPr/>
+              <p:nvPr/>
+            </p:nvSpPr>
+            <p:spPr>
+              <a:xfrm>
+                <a:off x="6220689" y="1795870"/>
+                <a:ext cx="3611419" cy="735024"/>
+              </a:xfrm>
+              <a:prstGeom prst="roundRect">
+                <a:avLst/>
+              </a:prstGeom>
+              <a:solidFill>
+                <a:schemeClr val="accent1">
+                  <a:lumMod val="60000"/>
+                  <a:lumOff val="40000"/>
+                </a:schemeClr>
+              </a:solidFill>
+              <a:ln>
+                <a:solidFill>
+                  <a:schemeClr val="accent1">
+                    <a:lumMod val="60000"/>
+                    <a:lumOff val="40000"/>
+                  </a:schemeClr>
+                </a:solidFill>
+              </a:ln>
+            </p:spPr>
+            <p:style>
+              <a:lnRef idx="2">
+                <a:schemeClr val="accent1">
+                  <a:shade val="15000"/>
+                </a:schemeClr>
+              </a:lnRef>
+              <a:fillRef idx="1">
+                <a:schemeClr val="accent1"/>
+              </a:fillRef>
+              <a:effectRef idx="0">
+                <a:schemeClr val="accent1"/>
+              </a:effectRef>
+              <a:fontRef idx="minor">
+                <a:schemeClr val="lt1"/>
+              </a:fontRef>
+            </p:style>
+            <p:txBody>
+              <a:bodyPr rtlCol="0" anchor="ctr"/>
+              <a:lstStyle/>
+              <a:p>
+                <a:pPr algn="ctr"/>
+                <a:endParaRPr lang="zh-CN" altLang="en-US" sz="800" dirty="0"/>
+              </a:p>
+            </p:txBody>
+          </p:sp>
+          <p:sp>
+            <p:nvSpPr>
+              <p:cNvPr id="11" name="矩形: 圆角 10">
+                <a:extLst>
+                  <a:ext uri="{FF2B5EF4-FFF2-40B4-BE49-F238E27FC236}">
+                    <a16:creationId xmlns:a16="http://schemas.microsoft.com/office/drawing/2014/main" id="{222C3D1D-2ACC-5EDC-7D66-1ADCD300338B}"/>
+                  </a:ext>
+                </a:extLst>
+              </p:cNvPr>
+              <p:cNvSpPr/>
+              <p:nvPr/>
+            </p:nvSpPr>
+            <p:spPr>
+              <a:xfrm>
+                <a:off x="2341417" y="2618788"/>
+                <a:ext cx="3611419" cy="295564"/>
+              </a:xfrm>
+              <a:prstGeom prst="roundRect">
+                <a:avLst/>
+              </a:prstGeom>
+              <a:solidFill>
+                <a:schemeClr val="accent1">
+                  <a:lumMod val="60000"/>
+                  <a:lumOff val="40000"/>
+                </a:schemeClr>
+              </a:solidFill>
+              <a:ln>
+                <a:solidFill>
+                  <a:schemeClr val="accent1">
+                    <a:lumMod val="60000"/>
+                    <a:lumOff val="40000"/>
+                  </a:schemeClr>
+                </a:solidFill>
+              </a:ln>
+            </p:spPr>
+            <p:style>
+              <a:lnRef idx="2">
+                <a:schemeClr val="accent1">
+                  <a:shade val="15000"/>
+                </a:schemeClr>
+              </a:lnRef>
+              <a:fillRef idx="1">
+                <a:schemeClr val="accent1"/>
+              </a:fillRef>
+              <a:effectRef idx="0">
+                <a:schemeClr val="accent1"/>
+              </a:effectRef>
+              <a:fontRef idx="minor">
+                <a:schemeClr val="lt1"/>
+              </a:fontRef>
+            </p:style>
+            <p:txBody>
+              <a:bodyPr rtlCol="0" anchor="ctr"/>
+              <a:lstStyle/>
+              <a:p>
+                <a:pPr algn="ctr"/>
+                <a:r>
+                  <a:rPr lang="en-US" altLang="zh-CN" sz="800" b="1" dirty="0">
+                    <a:solidFill>
+                      <a:schemeClr val="tx1"/>
+                    </a:solidFill>
+                  </a:rPr>
+                  <a:t>Kafka producer</a:t>
+                </a:r>
+                <a:endParaRPr lang="zh-CN" altLang="en-US" sz="800" b="1" dirty="0">
+                  <a:solidFill>
+                    <a:schemeClr val="tx1"/>
+                  </a:solidFill>
+                </a:endParaRPr>
+              </a:p>
+            </p:txBody>
+          </p:sp>
+          <p:sp>
+            <p:nvSpPr>
+              <p:cNvPr id="34" name="文本框 33">
+                <a:extLst>
+                  <a:ext uri="{FF2B5EF4-FFF2-40B4-BE49-F238E27FC236}">
+                    <a16:creationId xmlns:a16="http://schemas.microsoft.com/office/drawing/2014/main" id="{0A70BF61-C7D7-4BCC-92AF-14AD1FE3709F}"/>
+                  </a:ext>
+                </a:extLst>
+              </p:cNvPr>
+              <p:cNvSpPr txBox="1"/>
+              <p:nvPr/>
+            </p:nvSpPr>
+            <p:spPr>
+              <a:xfrm>
+                <a:off x="6350542" y="1852866"/>
+                <a:ext cx="1282302" cy="252354"/>
+              </a:xfrm>
+              <a:prstGeom prst="rect">
+                <a:avLst/>
+              </a:prstGeom>
+              <a:noFill/>
+            </p:spPr>
+            <p:txBody>
+              <a:bodyPr wrap="square" rtlCol="0">
+                <a:spAutoFit/>
+              </a:bodyPr>
+              <a:lstStyle/>
+              <a:p>
+                <a:r>
+                  <a:rPr lang="en-US" altLang="zh-CN" sz="800" b="1" dirty="0"/>
+                  <a:t>Web</a:t>
+                </a:r>
+                <a:r>
+                  <a:rPr lang="zh-CN" altLang="en-US" sz="800" b="1" dirty="0"/>
+                  <a:t>服务器集群</a:t>
+                </a:r>
+              </a:p>
+            </p:txBody>
+          </p:sp>
+          <p:grpSp>
+            <p:nvGrpSpPr>
+              <p:cNvPr id="52" name="组合 51">
+                <a:extLst>
+                  <a:ext uri="{FF2B5EF4-FFF2-40B4-BE49-F238E27FC236}">
+                    <a16:creationId xmlns:a16="http://schemas.microsoft.com/office/drawing/2014/main" id="{944C2299-C474-00AC-8A34-0346253FF321}"/>
+                  </a:ext>
+                </a:extLst>
+              </p:cNvPr>
+              <p:cNvGrpSpPr/>
+              <p:nvPr/>
+            </p:nvGrpSpPr>
+            <p:grpSpPr>
+              <a:xfrm>
+                <a:off x="2341418" y="3112232"/>
+                <a:ext cx="7490690" cy="2433781"/>
+                <a:chOff x="2276764" y="3191163"/>
+                <a:chExt cx="7490690" cy="2433781"/>
+              </a:xfrm>
+            </p:grpSpPr>
+            <p:sp>
+              <p:nvSpPr>
+                <p:cNvPr id="10" name="矩形: 圆角 9">
+                  <a:extLst>
+                    <a:ext uri="{FF2B5EF4-FFF2-40B4-BE49-F238E27FC236}">
+                      <a16:creationId xmlns:a16="http://schemas.microsoft.com/office/drawing/2014/main" id="{A48A9A94-2FEF-6E0C-627A-41681A958078}"/>
+                    </a:ext>
+                  </a:extLst>
+                </p:cNvPr>
+                <p:cNvSpPr/>
+                <p:nvPr/>
+              </p:nvSpPr>
+              <p:spPr>
+                <a:xfrm>
+                  <a:off x="2276764" y="3191163"/>
+                  <a:ext cx="7490690" cy="974438"/>
+                </a:xfrm>
+                <a:prstGeom prst="roundRect">
+                  <a:avLst/>
+                </a:prstGeom>
+                <a:solidFill>
+                  <a:schemeClr val="accent1">
+                    <a:lumMod val="60000"/>
+                    <a:lumOff val="40000"/>
+                  </a:schemeClr>
+                </a:solidFill>
+                <a:ln>
+                  <a:solidFill>
+                    <a:schemeClr val="accent1">
+                      <a:lumMod val="60000"/>
+                      <a:lumOff val="40000"/>
+                    </a:schemeClr>
+                  </a:solidFill>
+                </a:ln>
+              </p:spPr>
+              <p:style>
+                <a:lnRef idx="2">
+                  <a:schemeClr val="accent1">
+                    <a:shade val="15000"/>
+                  </a:schemeClr>
+                </a:lnRef>
+                <a:fillRef idx="1">
+                  <a:schemeClr val="accent1"/>
+                </a:fillRef>
+                <a:effectRef idx="0">
+                  <a:schemeClr val="accent1"/>
+                </a:effectRef>
+                <a:fontRef idx="minor">
+                  <a:schemeClr val="lt1"/>
+                </a:fontRef>
+              </p:style>
+              <p:txBody>
+                <a:bodyPr rtlCol="0" anchor="ctr"/>
+                <a:lstStyle/>
+                <a:p>
+                  <a:pPr algn="ctr"/>
+                  <a:endParaRPr lang="zh-CN" altLang="en-US" sz="800" dirty="0"/>
+                </a:p>
+              </p:txBody>
+            </p:sp>
+            <p:grpSp>
+              <p:nvGrpSpPr>
+                <p:cNvPr id="22" name="组合 21">
+                  <a:extLst>
+                    <a:ext uri="{FF2B5EF4-FFF2-40B4-BE49-F238E27FC236}">
+                      <a16:creationId xmlns:a16="http://schemas.microsoft.com/office/drawing/2014/main" id="{85875918-89F4-BFE8-0E16-86394A5EDDB6}"/>
+                    </a:ext>
+                  </a:extLst>
+                </p:cNvPr>
+                <p:cNvGrpSpPr/>
+                <p:nvPr/>
+              </p:nvGrpSpPr>
+              <p:grpSpPr>
+                <a:xfrm>
+                  <a:off x="3835767" y="3327400"/>
+                  <a:ext cx="1933864" cy="701964"/>
+                  <a:chOff x="2752436" y="3343564"/>
+                  <a:chExt cx="1933864" cy="701964"/>
+                </a:xfrm>
                 <a:solidFill>
                   <a:schemeClr val="accent2">
                     <a:lumMod val="60000"/>
                     <a:lumOff val="40000"/>
+                  </a:schemeClr>
+                </a:solidFill>
+              </p:grpSpPr>
+              <p:sp>
+                <p:nvSpPr>
+                  <p:cNvPr id="12" name="矩形: 圆角 11">
+                    <a:extLst>
+                      <a:ext uri="{FF2B5EF4-FFF2-40B4-BE49-F238E27FC236}">
+                        <a16:creationId xmlns:a16="http://schemas.microsoft.com/office/drawing/2014/main" id="{C5B74806-F189-396F-B1F1-839CAB4312F7}"/>
+                      </a:ext>
+                    </a:extLst>
+                  </p:cNvPr>
+                  <p:cNvSpPr/>
+                  <p:nvPr/>
+                </p:nvSpPr>
+                <p:spPr>
+                  <a:xfrm>
+                    <a:off x="2752436" y="3343564"/>
+                    <a:ext cx="1933864" cy="701964"/>
+                  </a:xfrm>
+                  <a:prstGeom prst="roundRect">
+                    <a:avLst/>
+                  </a:prstGeom>
+                  <a:grpFill/>
+                  <a:ln>
+                    <a:solidFill>
+                      <a:schemeClr val="accent2">
+                        <a:lumMod val="60000"/>
+                        <a:lumOff val="40000"/>
+                      </a:schemeClr>
+                    </a:solidFill>
+                  </a:ln>
+                </p:spPr>
+                <p:style>
+                  <a:lnRef idx="2">
+                    <a:schemeClr val="accent1">
+                      <a:shade val="15000"/>
+                    </a:schemeClr>
+                  </a:lnRef>
+                  <a:fillRef idx="1">
+                    <a:schemeClr val="accent1"/>
+                  </a:fillRef>
+                  <a:effectRef idx="0">
+                    <a:schemeClr val="accent1"/>
+                  </a:effectRef>
+                  <a:fontRef idx="minor">
+                    <a:schemeClr val="lt1"/>
+                  </a:fontRef>
+                </p:style>
+                <p:txBody>
+                  <a:bodyPr rtlCol="0" anchor="ctr"/>
+                  <a:lstStyle/>
+                  <a:p>
+                    <a:pPr algn="ctr"/>
+                    <a:endParaRPr lang="zh-CN" altLang="en-US" sz="800"/>
+                  </a:p>
+                </p:txBody>
+              </p:sp>
+              <p:grpSp>
+                <p:nvGrpSpPr>
+                  <p:cNvPr id="21" name="组合 20">
+                    <a:extLst>
+                      <a:ext uri="{FF2B5EF4-FFF2-40B4-BE49-F238E27FC236}">
+                        <a16:creationId xmlns:a16="http://schemas.microsoft.com/office/drawing/2014/main" id="{C2A4229F-B53A-B19E-5B6D-09D35CA496C5}"/>
+                      </a:ext>
+                    </a:extLst>
+                  </p:cNvPr>
+                  <p:cNvGrpSpPr/>
+                  <p:nvPr/>
+                </p:nvGrpSpPr>
+                <p:grpSpPr>
+                  <a:xfrm>
+                    <a:off x="2862263" y="3429000"/>
+                    <a:ext cx="1603303" cy="497896"/>
+                    <a:chOff x="2862263" y="3429000"/>
+                    <a:chExt cx="1603303" cy="497896"/>
+                  </a:xfrm>
+                  <a:grpFill/>
+                </p:grpSpPr>
+                <p:sp>
+                  <p:nvSpPr>
+                    <p:cNvPr id="13" name="矩形: 圆角 12">
+                      <a:extLst>
+                        <a:ext uri="{FF2B5EF4-FFF2-40B4-BE49-F238E27FC236}">
+                          <a16:creationId xmlns:a16="http://schemas.microsoft.com/office/drawing/2014/main" id="{2FD3279B-A6E3-9045-3366-2EE0FDDBEB64}"/>
+                        </a:ext>
+                      </a:extLst>
+                    </p:cNvPr>
+                    <p:cNvSpPr/>
+                    <p:nvPr/>
+                  </p:nvSpPr>
+                  <p:spPr>
+                    <a:xfrm>
+                      <a:off x="3403240" y="3463927"/>
+                      <a:ext cx="462107" cy="180110"/>
+                    </a:xfrm>
+                    <a:prstGeom prst="roundRect">
+                      <a:avLst/>
+                    </a:prstGeom>
+                    <a:solidFill>
+                      <a:schemeClr val="bg1"/>
+                    </a:solidFill>
+                    <a:ln>
+                      <a:solidFill>
+                        <a:schemeClr val="tx1"/>
+                      </a:solidFill>
+                    </a:ln>
+                  </p:spPr>
+                  <p:style>
+                    <a:lnRef idx="2">
+                      <a:schemeClr val="accent1">
+                        <a:shade val="15000"/>
+                      </a:schemeClr>
+                    </a:lnRef>
+                    <a:fillRef idx="1">
+                      <a:schemeClr val="accent1"/>
+                    </a:fillRef>
+                    <a:effectRef idx="0">
+                      <a:schemeClr val="accent1"/>
+                    </a:effectRef>
+                    <a:fontRef idx="minor">
+                      <a:schemeClr val="lt1"/>
+                    </a:fontRef>
+                  </p:style>
+                  <p:txBody>
+                    <a:bodyPr rtlCol="0" anchor="ctr"/>
+                    <a:lstStyle/>
+                    <a:p>
+                      <a:pPr algn="ctr"/>
+                      <a:r>
+                        <a:rPr lang="zh-CN" altLang="en-US" sz="800" dirty="0">
+                          <a:solidFill>
+                            <a:schemeClr val="tx1"/>
+                          </a:solidFill>
+                        </a:rPr>
+                        <a:t>分区</a:t>
+                      </a:r>
+                      <a:r>
+                        <a:rPr lang="en-US" altLang="zh-CN" sz="800" dirty="0">
+                          <a:solidFill>
+                            <a:schemeClr val="tx1"/>
+                          </a:solidFill>
+                        </a:rPr>
+                        <a:t>1</a:t>
+                      </a:r>
+                      <a:endParaRPr lang="zh-CN" altLang="en-US" sz="800" dirty="0">
+                        <a:solidFill>
+                          <a:schemeClr val="tx1"/>
+                        </a:solidFill>
+                      </a:endParaRPr>
+                    </a:p>
+                  </p:txBody>
+                </p:sp>
+                <p:sp>
+                  <p:nvSpPr>
+                    <p:cNvPr id="15" name="矩形: 圆角 14">
+                      <a:extLst>
+                        <a:ext uri="{FF2B5EF4-FFF2-40B4-BE49-F238E27FC236}">
+                          <a16:creationId xmlns:a16="http://schemas.microsoft.com/office/drawing/2014/main" id="{1D045A12-FD55-FEFB-503E-0FB96B1EC1D7}"/>
+                        </a:ext>
+                      </a:extLst>
+                    </p:cNvPr>
+                    <p:cNvSpPr/>
+                    <p:nvPr/>
+                  </p:nvSpPr>
+                  <p:spPr>
+                    <a:xfrm>
+                      <a:off x="4003459" y="3462195"/>
+                      <a:ext cx="462107" cy="180110"/>
+                    </a:xfrm>
+                    <a:prstGeom prst="roundRect">
+                      <a:avLst/>
+                    </a:prstGeom>
+                    <a:solidFill>
+                      <a:schemeClr val="bg1"/>
+                    </a:solidFill>
+                    <a:ln>
+                      <a:solidFill>
+                        <a:schemeClr val="tx1"/>
+                      </a:solidFill>
+                    </a:ln>
+                  </p:spPr>
+                  <p:style>
+                    <a:lnRef idx="2">
+                      <a:schemeClr val="accent1">
+                        <a:shade val="15000"/>
+                      </a:schemeClr>
+                    </a:lnRef>
+                    <a:fillRef idx="1">
+                      <a:schemeClr val="accent1"/>
+                    </a:fillRef>
+                    <a:effectRef idx="0">
+                      <a:schemeClr val="accent1"/>
+                    </a:effectRef>
+                    <a:fontRef idx="minor">
+                      <a:schemeClr val="lt1"/>
+                    </a:fontRef>
+                  </p:style>
+                  <p:txBody>
+                    <a:bodyPr rtlCol="0" anchor="ctr"/>
+                    <a:lstStyle/>
+                    <a:p>
+                      <a:pPr algn="ctr"/>
+                      <a:r>
+                        <a:rPr lang="zh-CN" altLang="en-US" sz="800" dirty="0">
+                          <a:solidFill>
+                            <a:schemeClr val="tx1"/>
+                          </a:solidFill>
+                        </a:rPr>
+                        <a:t>分区</a:t>
+                      </a:r>
+                      <a:r>
+                        <a:rPr lang="en-US" altLang="zh-CN" sz="800" dirty="0">
+                          <a:solidFill>
+                            <a:schemeClr val="tx1"/>
+                          </a:solidFill>
+                        </a:rPr>
+                        <a:t>2</a:t>
+                      </a:r>
+                      <a:endParaRPr lang="zh-CN" altLang="en-US" sz="800" dirty="0">
+                        <a:solidFill>
+                          <a:schemeClr val="tx1"/>
+                        </a:solidFill>
+                      </a:endParaRPr>
+                    </a:p>
+                  </p:txBody>
+                </p:sp>
+                <p:sp>
+                  <p:nvSpPr>
+                    <p:cNvPr id="16" name="矩形: 圆角 15">
+                      <a:extLst>
+                        <a:ext uri="{FF2B5EF4-FFF2-40B4-BE49-F238E27FC236}">
+                          <a16:creationId xmlns:a16="http://schemas.microsoft.com/office/drawing/2014/main" id="{CA448C2C-ED74-9C4D-6C10-808F156F9173}"/>
+                        </a:ext>
+                      </a:extLst>
+                    </p:cNvPr>
+                    <p:cNvSpPr/>
+                    <p:nvPr/>
+                  </p:nvSpPr>
+                  <p:spPr>
+                    <a:xfrm>
+                      <a:off x="3403240" y="3746786"/>
+                      <a:ext cx="462107" cy="180110"/>
+                    </a:xfrm>
+                    <a:prstGeom prst="roundRect">
+                      <a:avLst/>
+                    </a:prstGeom>
+                    <a:solidFill>
+                      <a:schemeClr val="bg1"/>
+                    </a:solidFill>
+                    <a:ln>
+                      <a:solidFill>
+                        <a:schemeClr val="tx1"/>
+                      </a:solidFill>
+                    </a:ln>
+                  </p:spPr>
+                  <p:style>
+                    <a:lnRef idx="2">
+                      <a:schemeClr val="accent1">
+                        <a:shade val="15000"/>
+                      </a:schemeClr>
+                    </a:lnRef>
+                    <a:fillRef idx="1">
+                      <a:schemeClr val="accent1"/>
+                    </a:fillRef>
+                    <a:effectRef idx="0">
+                      <a:schemeClr val="accent1"/>
+                    </a:effectRef>
+                    <a:fontRef idx="minor">
+                      <a:schemeClr val="lt1"/>
+                    </a:fontRef>
+                  </p:style>
+                  <p:txBody>
+                    <a:bodyPr rtlCol="0" anchor="ctr"/>
+                    <a:lstStyle/>
+                    <a:p>
+                      <a:pPr algn="ctr"/>
+                      <a:r>
+                        <a:rPr lang="zh-CN" altLang="en-US" sz="800" dirty="0">
+                          <a:solidFill>
+                            <a:schemeClr val="tx1"/>
+                          </a:solidFill>
+                        </a:rPr>
+                        <a:t>分区</a:t>
+                      </a:r>
+                      <a:r>
+                        <a:rPr lang="en-US" altLang="zh-CN" sz="800" dirty="0">
+                          <a:solidFill>
+                            <a:schemeClr val="tx1"/>
+                          </a:solidFill>
+                        </a:rPr>
+                        <a:t>3</a:t>
+                      </a:r>
+                      <a:endParaRPr lang="zh-CN" altLang="en-US" sz="800" dirty="0">
+                        <a:solidFill>
+                          <a:schemeClr val="tx1"/>
+                        </a:solidFill>
+                      </a:endParaRPr>
+                    </a:p>
+                  </p:txBody>
+                </p:sp>
+                <p:sp>
+                  <p:nvSpPr>
+                    <p:cNvPr id="17" name="矩形: 圆角 16">
+                      <a:extLst>
+                        <a:ext uri="{FF2B5EF4-FFF2-40B4-BE49-F238E27FC236}">
+                          <a16:creationId xmlns:a16="http://schemas.microsoft.com/office/drawing/2014/main" id="{7A9149E9-CA9A-3021-B19B-2122DC7E68CC}"/>
+                        </a:ext>
+                      </a:extLst>
+                    </p:cNvPr>
+                    <p:cNvSpPr/>
+                    <p:nvPr/>
+                  </p:nvSpPr>
+                  <p:spPr>
+                    <a:xfrm>
+                      <a:off x="4003459" y="3746643"/>
+                      <a:ext cx="462107" cy="180110"/>
+                    </a:xfrm>
+                    <a:prstGeom prst="roundRect">
+                      <a:avLst/>
+                    </a:prstGeom>
+                    <a:solidFill>
+                      <a:schemeClr val="bg1"/>
+                    </a:solidFill>
+                    <a:ln>
+                      <a:solidFill>
+                        <a:schemeClr val="tx1"/>
+                      </a:solidFill>
+                    </a:ln>
+                  </p:spPr>
+                  <p:style>
+                    <a:lnRef idx="2">
+                      <a:schemeClr val="accent1">
+                        <a:shade val="15000"/>
+                      </a:schemeClr>
+                    </a:lnRef>
+                    <a:fillRef idx="1">
+                      <a:schemeClr val="accent1"/>
+                    </a:fillRef>
+                    <a:effectRef idx="0">
+                      <a:schemeClr val="accent1"/>
+                    </a:effectRef>
+                    <a:fontRef idx="minor">
+                      <a:schemeClr val="lt1"/>
+                    </a:fontRef>
+                  </p:style>
+                  <p:txBody>
+                    <a:bodyPr rtlCol="0" anchor="ctr"/>
+                    <a:lstStyle/>
+                    <a:p>
+                      <a:pPr algn="ctr"/>
+                      <a:r>
+                        <a:rPr lang="zh-CN" altLang="en-US" sz="800" dirty="0">
+                          <a:solidFill>
+                            <a:schemeClr val="tx1"/>
+                          </a:solidFill>
+                        </a:rPr>
+                        <a:t>分区</a:t>
+                      </a:r>
+                      <a:r>
+                        <a:rPr lang="en-US" altLang="zh-CN" sz="800" dirty="0">
+                          <a:solidFill>
+                            <a:schemeClr val="tx1"/>
+                          </a:solidFill>
+                        </a:rPr>
+                        <a:t>n</a:t>
+                      </a:r>
+                      <a:endParaRPr lang="zh-CN" altLang="en-US" sz="800" dirty="0">
+                        <a:solidFill>
+                          <a:schemeClr val="tx1"/>
+                        </a:solidFill>
+                      </a:endParaRPr>
+                    </a:p>
+                  </p:txBody>
+                </p:sp>
+                <p:sp>
+                  <p:nvSpPr>
+                    <p:cNvPr id="19" name="文本框 18">
+                      <a:extLst>
+                        <a:ext uri="{FF2B5EF4-FFF2-40B4-BE49-F238E27FC236}">
+                          <a16:creationId xmlns:a16="http://schemas.microsoft.com/office/drawing/2014/main" id="{4B541EC5-4A65-98E3-0149-A04AFF720869}"/>
+                        </a:ext>
+                      </a:extLst>
+                    </p:cNvPr>
+                    <p:cNvSpPr txBox="1"/>
+                    <p:nvPr/>
+                  </p:nvSpPr>
+                  <p:spPr>
+                    <a:xfrm>
+                      <a:off x="2862263" y="3429000"/>
+                      <a:ext cx="522359" cy="396556"/>
+                    </a:xfrm>
+                    <a:prstGeom prst="rect">
+                      <a:avLst/>
+                    </a:prstGeom>
+                    <a:grpFill/>
+                    <a:ln>
+                      <a:solidFill>
+                        <a:schemeClr val="accent2">
+                          <a:lumMod val="60000"/>
+                          <a:lumOff val="40000"/>
+                        </a:schemeClr>
+                      </a:solidFill>
+                    </a:ln>
+                  </p:spPr>
+                  <p:txBody>
+                    <a:bodyPr wrap="square" rtlCol="0">
+                      <a:spAutoFit/>
+                    </a:bodyPr>
+                    <a:lstStyle/>
+                    <a:p>
+                      <a:r>
+                        <a:rPr lang="zh-CN" altLang="en-US" sz="800" b="1" dirty="0"/>
+                        <a:t>主题</a:t>
+                      </a:r>
+                      <a:r>
+                        <a:rPr lang="en-US" altLang="zh-CN" sz="800" b="1" dirty="0"/>
+                        <a:t>1</a:t>
+                      </a:r>
+                      <a:endParaRPr lang="zh-CN" altLang="en-US" sz="800" b="1" dirty="0"/>
+                    </a:p>
+                  </p:txBody>
+                </p:sp>
+              </p:grpSp>
+            </p:grpSp>
+            <p:grpSp>
+              <p:nvGrpSpPr>
+                <p:cNvPr id="23" name="组合 22">
+                  <a:extLst>
+                    <a:ext uri="{FF2B5EF4-FFF2-40B4-BE49-F238E27FC236}">
+                      <a16:creationId xmlns:a16="http://schemas.microsoft.com/office/drawing/2014/main" id="{A30E325A-E931-4439-B239-C4D14E4580DD}"/>
+                    </a:ext>
+                  </a:extLst>
+                </p:cNvPr>
+                <p:cNvGrpSpPr/>
+                <p:nvPr/>
+              </p:nvGrpSpPr>
+              <p:grpSpPr>
+                <a:xfrm>
+                  <a:off x="6977025" y="3327400"/>
+                  <a:ext cx="1933864" cy="701964"/>
+                  <a:chOff x="2752436" y="3343564"/>
+                  <a:chExt cx="1933864" cy="701964"/>
+                </a:xfrm>
+                <a:solidFill>
+                  <a:schemeClr val="accent5">
+                    <a:lumMod val="60000"/>
+                    <a:lumOff val="40000"/>
+                  </a:schemeClr>
+                </a:solidFill>
+              </p:grpSpPr>
+              <p:sp>
+                <p:nvSpPr>
+                  <p:cNvPr id="24" name="矩形: 圆角 23">
+                    <a:extLst>
+                      <a:ext uri="{FF2B5EF4-FFF2-40B4-BE49-F238E27FC236}">
+                        <a16:creationId xmlns:a16="http://schemas.microsoft.com/office/drawing/2014/main" id="{31AEE409-F016-AACD-F436-47FD63492D0C}"/>
+                      </a:ext>
+                    </a:extLst>
+                  </p:cNvPr>
+                  <p:cNvSpPr/>
+                  <p:nvPr/>
+                </p:nvSpPr>
+                <p:spPr>
+                  <a:xfrm>
+                    <a:off x="2752436" y="3343564"/>
+                    <a:ext cx="1933864" cy="701964"/>
+                  </a:xfrm>
+                  <a:prstGeom prst="roundRect">
+                    <a:avLst/>
+                  </a:prstGeom>
+                  <a:grpFill/>
+                  <a:ln>
+                    <a:solidFill>
+                      <a:schemeClr val="accent5">
+                        <a:lumMod val="60000"/>
+                        <a:lumOff val="40000"/>
+                      </a:schemeClr>
+                    </a:solidFill>
+                  </a:ln>
+                </p:spPr>
+                <p:style>
+                  <a:lnRef idx="2">
+                    <a:schemeClr val="accent1">
+                      <a:shade val="15000"/>
+                    </a:schemeClr>
+                  </a:lnRef>
+                  <a:fillRef idx="1">
+                    <a:schemeClr val="accent1"/>
+                  </a:fillRef>
+                  <a:effectRef idx="0">
+                    <a:schemeClr val="accent1"/>
+                  </a:effectRef>
+                  <a:fontRef idx="minor">
+                    <a:schemeClr val="lt1"/>
+                  </a:fontRef>
+                </p:style>
+                <p:txBody>
+                  <a:bodyPr rtlCol="0" anchor="ctr"/>
+                  <a:lstStyle/>
+                  <a:p>
+                    <a:pPr algn="ctr"/>
+                    <a:endParaRPr lang="zh-CN" altLang="en-US" sz="800"/>
+                  </a:p>
+                </p:txBody>
+              </p:sp>
+              <p:grpSp>
+                <p:nvGrpSpPr>
+                  <p:cNvPr id="25" name="组合 24">
+                    <a:extLst>
+                      <a:ext uri="{FF2B5EF4-FFF2-40B4-BE49-F238E27FC236}">
+                        <a16:creationId xmlns:a16="http://schemas.microsoft.com/office/drawing/2014/main" id="{7D5CEE10-F0A7-B9B6-FF55-2ACF17BE10A1}"/>
+                      </a:ext>
+                    </a:extLst>
+                  </p:cNvPr>
+                  <p:cNvGrpSpPr/>
+                  <p:nvPr/>
+                </p:nvGrpSpPr>
+                <p:grpSpPr>
+                  <a:xfrm>
+                    <a:off x="2862263" y="3429000"/>
+                    <a:ext cx="1603303" cy="497896"/>
+                    <a:chOff x="2862263" y="3429000"/>
+                    <a:chExt cx="1603303" cy="497896"/>
+                  </a:xfrm>
+                  <a:grpFill/>
+                </p:grpSpPr>
+                <p:sp>
+                  <p:nvSpPr>
+                    <p:cNvPr id="26" name="矩形: 圆角 25">
+                      <a:extLst>
+                        <a:ext uri="{FF2B5EF4-FFF2-40B4-BE49-F238E27FC236}">
+                          <a16:creationId xmlns:a16="http://schemas.microsoft.com/office/drawing/2014/main" id="{15A1B238-E397-BE7D-E359-836E18EA1731}"/>
+                        </a:ext>
+                      </a:extLst>
+                    </p:cNvPr>
+                    <p:cNvSpPr/>
+                    <p:nvPr/>
+                  </p:nvSpPr>
+                  <p:spPr>
+                    <a:xfrm>
+                      <a:off x="3403240" y="3463927"/>
+                      <a:ext cx="462107" cy="180110"/>
+                    </a:xfrm>
+                    <a:prstGeom prst="roundRect">
+                      <a:avLst/>
+                    </a:prstGeom>
+                    <a:solidFill>
+                      <a:schemeClr val="bg1"/>
+                    </a:solidFill>
+                    <a:ln>
+                      <a:solidFill>
+                        <a:schemeClr val="tx1"/>
+                      </a:solidFill>
+                    </a:ln>
+                  </p:spPr>
+                  <p:style>
+                    <a:lnRef idx="2">
+                      <a:schemeClr val="accent1">
+                        <a:shade val="15000"/>
+                      </a:schemeClr>
+                    </a:lnRef>
+                    <a:fillRef idx="1">
+                      <a:schemeClr val="accent1"/>
+                    </a:fillRef>
+                    <a:effectRef idx="0">
+                      <a:schemeClr val="accent1"/>
+                    </a:effectRef>
+                    <a:fontRef idx="minor">
+                      <a:schemeClr val="lt1"/>
+                    </a:fontRef>
+                  </p:style>
+                  <p:txBody>
+                    <a:bodyPr rtlCol="0" anchor="ctr"/>
+                    <a:lstStyle/>
+                    <a:p>
+                      <a:pPr algn="ctr"/>
+                      <a:r>
+                        <a:rPr lang="zh-CN" altLang="en-US" sz="800" dirty="0">
+                          <a:solidFill>
+                            <a:schemeClr val="tx1"/>
+                          </a:solidFill>
+                        </a:rPr>
+                        <a:t>分区</a:t>
+                      </a:r>
+                      <a:r>
+                        <a:rPr lang="en-US" altLang="zh-CN" sz="800" dirty="0">
+                          <a:solidFill>
+                            <a:schemeClr val="tx1"/>
+                          </a:solidFill>
+                        </a:rPr>
+                        <a:t>1</a:t>
+                      </a:r>
+                      <a:endParaRPr lang="zh-CN" altLang="en-US" sz="800" dirty="0">
+                        <a:solidFill>
+                          <a:schemeClr val="tx1"/>
+                        </a:solidFill>
+                      </a:endParaRPr>
+                    </a:p>
+                  </p:txBody>
+                </p:sp>
+                <p:sp>
+                  <p:nvSpPr>
+                    <p:cNvPr id="27" name="矩形: 圆角 26">
+                      <a:extLst>
+                        <a:ext uri="{FF2B5EF4-FFF2-40B4-BE49-F238E27FC236}">
+                          <a16:creationId xmlns:a16="http://schemas.microsoft.com/office/drawing/2014/main" id="{F4654964-30CB-872E-696B-95C398680AC5}"/>
+                        </a:ext>
+                      </a:extLst>
+                    </p:cNvPr>
+                    <p:cNvSpPr/>
+                    <p:nvPr/>
+                  </p:nvSpPr>
+                  <p:spPr>
+                    <a:xfrm>
+                      <a:off x="4003459" y="3462195"/>
+                      <a:ext cx="462107" cy="180110"/>
+                    </a:xfrm>
+                    <a:prstGeom prst="roundRect">
+                      <a:avLst/>
+                    </a:prstGeom>
+                    <a:solidFill>
+                      <a:schemeClr val="bg1"/>
+                    </a:solidFill>
+                    <a:ln>
+                      <a:solidFill>
+                        <a:schemeClr val="tx1"/>
+                      </a:solidFill>
+                    </a:ln>
+                  </p:spPr>
+                  <p:style>
+                    <a:lnRef idx="2">
+                      <a:schemeClr val="accent1">
+                        <a:shade val="15000"/>
+                      </a:schemeClr>
+                    </a:lnRef>
+                    <a:fillRef idx="1">
+                      <a:schemeClr val="accent1"/>
+                    </a:fillRef>
+                    <a:effectRef idx="0">
+                      <a:schemeClr val="accent1"/>
+                    </a:effectRef>
+                    <a:fontRef idx="minor">
+                      <a:schemeClr val="lt1"/>
+                    </a:fontRef>
+                  </p:style>
+                  <p:txBody>
+                    <a:bodyPr rtlCol="0" anchor="ctr"/>
+                    <a:lstStyle/>
+                    <a:p>
+                      <a:pPr algn="ctr"/>
+                      <a:r>
+                        <a:rPr lang="zh-CN" altLang="en-US" sz="800" dirty="0">
+                          <a:solidFill>
+                            <a:schemeClr val="tx1"/>
+                          </a:solidFill>
+                        </a:rPr>
+                        <a:t>分区</a:t>
+                      </a:r>
+                      <a:r>
+                        <a:rPr lang="en-US" altLang="zh-CN" sz="800" dirty="0">
+                          <a:solidFill>
+                            <a:schemeClr val="tx1"/>
+                          </a:solidFill>
+                        </a:rPr>
+                        <a:t>2</a:t>
+                      </a:r>
+                      <a:endParaRPr lang="zh-CN" altLang="en-US" sz="800" dirty="0">
+                        <a:solidFill>
+                          <a:schemeClr val="tx1"/>
+                        </a:solidFill>
+                      </a:endParaRPr>
+                    </a:p>
+                  </p:txBody>
+                </p:sp>
+                <p:sp>
+                  <p:nvSpPr>
+                    <p:cNvPr id="28" name="矩形: 圆角 27">
+                      <a:extLst>
+                        <a:ext uri="{FF2B5EF4-FFF2-40B4-BE49-F238E27FC236}">
+                          <a16:creationId xmlns:a16="http://schemas.microsoft.com/office/drawing/2014/main" id="{0D8495BA-40C4-42CE-FDBA-8722821B1CDD}"/>
+                        </a:ext>
+                      </a:extLst>
+                    </p:cNvPr>
+                    <p:cNvSpPr/>
+                    <p:nvPr/>
+                  </p:nvSpPr>
+                  <p:spPr>
+                    <a:xfrm>
+                      <a:off x="3403240" y="3746786"/>
+                      <a:ext cx="462107" cy="180110"/>
+                    </a:xfrm>
+                    <a:prstGeom prst="roundRect">
+                      <a:avLst/>
+                    </a:prstGeom>
+                    <a:solidFill>
+                      <a:schemeClr val="bg1"/>
+                    </a:solidFill>
+                    <a:ln>
+                      <a:solidFill>
+                        <a:schemeClr val="tx1"/>
+                      </a:solidFill>
+                    </a:ln>
+                  </p:spPr>
+                  <p:style>
+                    <a:lnRef idx="2">
+                      <a:schemeClr val="accent1">
+                        <a:shade val="15000"/>
+                      </a:schemeClr>
+                    </a:lnRef>
+                    <a:fillRef idx="1">
+                      <a:schemeClr val="accent1"/>
+                    </a:fillRef>
+                    <a:effectRef idx="0">
+                      <a:schemeClr val="accent1"/>
+                    </a:effectRef>
+                    <a:fontRef idx="minor">
+                      <a:schemeClr val="lt1"/>
+                    </a:fontRef>
+                  </p:style>
+                  <p:txBody>
+                    <a:bodyPr rtlCol="0" anchor="ctr"/>
+                    <a:lstStyle/>
+                    <a:p>
+                      <a:pPr algn="ctr"/>
+                      <a:r>
+                        <a:rPr lang="zh-CN" altLang="en-US" sz="800" dirty="0">
+                          <a:solidFill>
+                            <a:schemeClr val="tx1"/>
+                          </a:solidFill>
+                        </a:rPr>
+                        <a:t>分区</a:t>
+                      </a:r>
+                      <a:r>
+                        <a:rPr lang="en-US" altLang="zh-CN" sz="800" dirty="0">
+                          <a:solidFill>
+                            <a:schemeClr val="tx1"/>
+                          </a:solidFill>
+                        </a:rPr>
+                        <a:t>3</a:t>
+                      </a:r>
+                      <a:endParaRPr lang="zh-CN" altLang="en-US" sz="800" dirty="0">
+                        <a:solidFill>
+                          <a:schemeClr val="tx1"/>
+                        </a:solidFill>
+                      </a:endParaRPr>
+                    </a:p>
+                  </p:txBody>
+                </p:sp>
+                <p:sp>
+                  <p:nvSpPr>
+                    <p:cNvPr id="29" name="矩形: 圆角 28">
+                      <a:extLst>
+                        <a:ext uri="{FF2B5EF4-FFF2-40B4-BE49-F238E27FC236}">
+                          <a16:creationId xmlns:a16="http://schemas.microsoft.com/office/drawing/2014/main" id="{1C78C772-508F-DD82-4F28-8AA7AA70534D}"/>
+                        </a:ext>
+                      </a:extLst>
+                    </p:cNvPr>
+                    <p:cNvSpPr/>
+                    <p:nvPr/>
+                  </p:nvSpPr>
+                  <p:spPr>
+                    <a:xfrm>
+                      <a:off x="4003459" y="3746643"/>
+                      <a:ext cx="462107" cy="180110"/>
+                    </a:xfrm>
+                    <a:prstGeom prst="roundRect">
+                      <a:avLst/>
+                    </a:prstGeom>
+                    <a:solidFill>
+                      <a:schemeClr val="bg1"/>
+                    </a:solidFill>
+                    <a:ln>
+                      <a:solidFill>
+                        <a:schemeClr val="tx1"/>
+                      </a:solidFill>
+                    </a:ln>
+                  </p:spPr>
+                  <p:style>
+                    <a:lnRef idx="2">
+                      <a:schemeClr val="accent1">
+                        <a:shade val="15000"/>
+                      </a:schemeClr>
+                    </a:lnRef>
+                    <a:fillRef idx="1">
+                      <a:schemeClr val="accent1"/>
+                    </a:fillRef>
+                    <a:effectRef idx="0">
+                      <a:schemeClr val="accent1"/>
+                    </a:effectRef>
+                    <a:fontRef idx="minor">
+                      <a:schemeClr val="lt1"/>
+                    </a:fontRef>
+                  </p:style>
+                  <p:txBody>
+                    <a:bodyPr rtlCol="0" anchor="ctr"/>
+                    <a:lstStyle/>
+                    <a:p>
+                      <a:pPr algn="ctr"/>
+                      <a:r>
+                        <a:rPr lang="zh-CN" altLang="en-US" sz="800" dirty="0">
+                          <a:solidFill>
+                            <a:schemeClr val="tx1"/>
+                          </a:solidFill>
+                        </a:rPr>
+                        <a:t>分区</a:t>
+                      </a:r>
+                      <a:r>
+                        <a:rPr lang="en-US" altLang="zh-CN" sz="800" dirty="0">
+                          <a:solidFill>
+                            <a:schemeClr val="tx1"/>
+                          </a:solidFill>
+                        </a:rPr>
+                        <a:t>n</a:t>
+                      </a:r>
+                      <a:endParaRPr lang="zh-CN" altLang="en-US" sz="800" dirty="0">
+                        <a:solidFill>
+                          <a:schemeClr val="tx1"/>
+                        </a:solidFill>
+                      </a:endParaRPr>
+                    </a:p>
+                  </p:txBody>
+                </p:sp>
+                <p:sp>
+                  <p:nvSpPr>
+                    <p:cNvPr id="30" name="文本框 29">
+                      <a:extLst>
+                        <a:ext uri="{FF2B5EF4-FFF2-40B4-BE49-F238E27FC236}">
+                          <a16:creationId xmlns:a16="http://schemas.microsoft.com/office/drawing/2014/main" id="{361E3839-A2F7-DCBA-4A09-9B863583E37F}"/>
+                        </a:ext>
+                      </a:extLst>
+                    </p:cNvPr>
+                    <p:cNvSpPr txBox="1"/>
+                    <p:nvPr/>
+                  </p:nvSpPr>
+                  <p:spPr>
+                    <a:xfrm>
+                      <a:off x="2862263" y="3429000"/>
+                      <a:ext cx="522359" cy="396556"/>
+                    </a:xfrm>
+                    <a:prstGeom prst="rect">
+                      <a:avLst/>
+                    </a:prstGeom>
+                    <a:grpFill/>
+                    <a:ln>
+                      <a:solidFill>
+                        <a:schemeClr val="accent5">
+                          <a:lumMod val="60000"/>
+                          <a:lumOff val="40000"/>
+                        </a:schemeClr>
+                      </a:solidFill>
+                    </a:ln>
+                  </p:spPr>
+                  <p:txBody>
+                    <a:bodyPr wrap="square" rtlCol="0">
+                      <a:spAutoFit/>
+                    </a:bodyPr>
+                    <a:lstStyle/>
+                    <a:p>
+                      <a:r>
+                        <a:rPr lang="zh-CN" altLang="en-US" sz="800" b="1" dirty="0"/>
+                        <a:t>主题</a:t>
+                      </a:r>
+                      <a:r>
+                        <a:rPr lang="en-US" altLang="zh-CN" sz="800" b="1" dirty="0"/>
+                        <a:t>n</a:t>
+                      </a:r>
+                      <a:endParaRPr lang="zh-CN" altLang="en-US" sz="800" b="1" dirty="0"/>
+                    </a:p>
+                  </p:txBody>
+                </p:sp>
+              </p:grpSp>
+            </p:grpSp>
+            <p:sp>
+              <p:nvSpPr>
+                <p:cNvPr id="31" name="文本框 30">
+                  <a:extLst>
+                    <a:ext uri="{FF2B5EF4-FFF2-40B4-BE49-F238E27FC236}">
+                      <a16:creationId xmlns:a16="http://schemas.microsoft.com/office/drawing/2014/main" id="{393BC655-FA1F-876A-834C-1D79143AD5B9}"/>
+                    </a:ext>
+                  </a:extLst>
+                </p:cNvPr>
+                <p:cNvSpPr txBox="1"/>
+                <p:nvPr/>
+              </p:nvSpPr>
+              <p:spPr>
+                <a:xfrm>
+                  <a:off x="2364884" y="3247008"/>
+                  <a:ext cx="1432394" cy="252354"/>
+                </a:xfrm>
+                <a:prstGeom prst="rect">
+                  <a:avLst/>
+                </a:prstGeom>
+                <a:noFill/>
+              </p:spPr>
+              <p:txBody>
+                <a:bodyPr wrap="square" rtlCol="0">
+                  <a:spAutoFit/>
+                </a:bodyPr>
+                <a:lstStyle/>
+                <a:p>
+                  <a:r>
+                    <a:rPr lang="en-US" altLang="zh-CN" sz="800" b="1" dirty="0"/>
+                    <a:t>Kafka broker </a:t>
+                  </a:r>
+                  <a:r>
+                    <a:rPr lang="zh-CN" altLang="en-US" sz="800" b="1" dirty="0"/>
+                    <a:t>集群</a:t>
+                  </a:r>
+                </a:p>
+              </p:txBody>
+            </p:sp>
+            <p:sp>
+              <p:nvSpPr>
+                <p:cNvPr id="32" name="矩形: 圆角 31">
+                  <a:extLst>
+                    <a:ext uri="{FF2B5EF4-FFF2-40B4-BE49-F238E27FC236}">
+                      <a16:creationId xmlns:a16="http://schemas.microsoft.com/office/drawing/2014/main" id="{585DA6BF-8F2F-74D0-CF6C-1C30E629994A}"/>
+                    </a:ext>
+                  </a:extLst>
+                </p:cNvPr>
+                <p:cNvSpPr/>
+                <p:nvPr/>
+              </p:nvSpPr>
+              <p:spPr>
+                <a:xfrm>
+                  <a:off x="2276764" y="4317999"/>
+                  <a:ext cx="7490690" cy="263237"/>
+                </a:xfrm>
+                <a:prstGeom prst="roundRect">
+                  <a:avLst/>
+                </a:prstGeom>
+                <a:solidFill>
+                  <a:schemeClr val="accent1">
+                    <a:lumMod val="60000"/>
+                    <a:lumOff val="40000"/>
+                  </a:schemeClr>
+                </a:solidFill>
+                <a:ln>
+                  <a:solidFill>
+                    <a:schemeClr val="accent1">
+                      <a:lumMod val="60000"/>
+                      <a:lumOff val="40000"/>
+                    </a:schemeClr>
+                  </a:solidFill>
+                </a:ln>
+              </p:spPr>
+              <p:style>
+                <a:lnRef idx="2">
+                  <a:schemeClr val="accent1">
+                    <a:shade val="15000"/>
+                  </a:schemeClr>
+                </a:lnRef>
+                <a:fillRef idx="1">
+                  <a:schemeClr val="accent1"/>
+                </a:fillRef>
+                <a:effectRef idx="0">
+                  <a:schemeClr val="accent1"/>
+                </a:effectRef>
+                <a:fontRef idx="minor">
+                  <a:schemeClr val="lt1"/>
+                </a:fontRef>
+              </p:style>
+              <p:txBody>
+                <a:bodyPr rtlCol="0" anchor="ctr"/>
+                <a:lstStyle/>
+                <a:p>
+                  <a:pPr algn="ctr"/>
+                  <a:r>
+                    <a:rPr lang="zh-CN" altLang="en-US" sz="800" b="1" dirty="0">
+                      <a:solidFill>
+                        <a:schemeClr val="tx1"/>
+                      </a:solidFill>
+                    </a:rPr>
+                    <a:t>规则引擎路由</a:t>
+                  </a:r>
+                </a:p>
+              </p:txBody>
+            </p:sp>
+            <p:sp>
+              <p:nvSpPr>
+                <p:cNvPr id="33" name="矩形: 圆角 32">
+                  <a:extLst>
+                    <a:ext uri="{FF2B5EF4-FFF2-40B4-BE49-F238E27FC236}">
+                      <a16:creationId xmlns:a16="http://schemas.microsoft.com/office/drawing/2014/main" id="{DA299333-37EA-32F2-F766-EDA6EE4E9FD5}"/>
+                    </a:ext>
+                  </a:extLst>
+                </p:cNvPr>
+                <p:cNvSpPr/>
+                <p:nvPr/>
+              </p:nvSpPr>
+              <p:spPr>
+                <a:xfrm>
+                  <a:off x="2276764" y="4696691"/>
+                  <a:ext cx="3611419" cy="928253"/>
+                </a:xfrm>
+                <a:prstGeom prst="roundRect">
+                  <a:avLst/>
+                </a:prstGeom>
+                <a:solidFill>
+                  <a:schemeClr val="accent1">
+                    <a:lumMod val="60000"/>
+                    <a:lumOff val="40000"/>
+                  </a:schemeClr>
+                </a:solidFill>
+                <a:ln>
+                  <a:solidFill>
+                    <a:schemeClr val="accent1">
+                      <a:lumMod val="60000"/>
+                      <a:lumOff val="40000"/>
+                    </a:schemeClr>
+                  </a:solidFill>
+                </a:ln>
+              </p:spPr>
+              <p:style>
+                <a:lnRef idx="2">
+                  <a:schemeClr val="accent1">
+                    <a:shade val="15000"/>
+                  </a:schemeClr>
+                </a:lnRef>
+                <a:fillRef idx="1">
+                  <a:schemeClr val="accent1"/>
+                </a:fillRef>
+                <a:effectRef idx="0">
+                  <a:schemeClr val="accent1"/>
+                </a:effectRef>
+                <a:fontRef idx="minor">
+                  <a:schemeClr val="lt1"/>
+                </a:fontRef>
+              </p:style>
+              <p:txBody>
+                <a:bodyPr rtlCol="0" anchor="ctr"/>
+                <a:lstStyle/>
+                <a:p>
+                  <a:pPr algn="ctr"/>
+                  <a:endParaRPr lang="zh-CN" altLang="en-US" sz="800" dirty="0"/>
+                </a:p>
+              </p:txBody>
+            </p:sp>
+            <p:sp>
+              <p:nvSpPr>
+                <p:cNvPr id="35" name="流程图: 磁盘 34">
+                  <a:extLst>
+                    <a:ext uri="{FF2B5EF4-FFF2-40B4-BE49-F238E27FC236}">
+                      <a16:creationId xmlns:a16="http://schemas.microsoft.com/office/drawing/2014/main" id="{DCA07B34-9AED-CDF1-9002-15B39A65ADE5}"/>
+                    </a:ext>
+                  </a:extLst>
+                </p:cNvPr>
+                <p:cNvSpPr/>
+                <p:nvPr/>
+              </p:nvSpPr>
+              <p:spPr>
+                <a:xfrm>
+                  <a:off x="2770909" y="4987636"/>
+                  <a:ext cx="508000" cy="461819"/>
+                </a:xfrm>
+                <a:prstGeom prst="flowChartMagneticDisk">
+                  <a:avLst/>
+                </a:prstGeom>
+              </p:spPr>
+              <p:style>
+                <a:lnRef idx="2">
+                  <a:schemeClr val="accent1">
+                    <a:shade val="15000"/>
+                  </a:schemeClr>
+                </a:lnRef>
+                <a:fillRef idx="1">
+                  <a:schemeClr val="accent1"/>
+                </a:fillRef>
+                <a:effectRef idx="0">
+                  <a:schemeClr val="accent1"/>
+                </a:effectRef>
+                <a:fontRef idx="minor">
+                  <a:schemeClr val="lt1"/>
+                </a:fontRef>
+              </p:style>
+              <p:txBody>
+                <a:bodyPr rtlCol="0" anchor="ctr"/>
+                <a:lstStyle/>
+                <a:p>
+                  <a:pPr algn="ctr"/>
+                  <a:r>
+                    <a:rPr lang="en-US" altLang="zh-CN" sz="800" dirty="0"/>
+                    <a:t>DB1</a:t>
+                  </a:r>
+                  <a:endParaRPr lang="zh-CN" altLang="en-US" sz="800" dirty="0"/>
+                </a:p>
+              </p:txBody>
+            </p:sp>
+            <p:sp>
+              <p:nvSpPr>
+                <p:cNvPr id="36" name="矩形: 圆角 35">
+                  <a:extLst>
+                    <a:ext uri="{FF2B5EF4-FFF2-40B4-BE49-F238E27FC236}">
+                      <a16:creationId xmlns:a16="http://schemas.microsoft.com/office/drawing/2014/main" id="{41A490E7-90D0-2F4B-1405-B25BC91E63BA}"/>
+                    </a:ext>
+                  </a:extLst>
+                </p:cNvPr>
+                <p:cNvSpPr/>
+                <p:nvPr/>
+              </p:nvSpPr>
+              <p:spPr>
+                <a:xfrm>
+                  <a:off x="6156034" y="4696691"/>
+                  <a:ext cx="3611420" cy="378687"/>
+                </a:xfrm>
+                <a:prstGeom prst="roundRect">
+                  <a:avLst/>
+                </a:prstGeom>
+                <a:solidFill>
+                  <a:schemeClr val="accent1">
+                    <a:lumMod val="60000"/>
+                    <a:lumOff val="40000"/>
+                  </a:schemeClr>
+                </a:solidFill>
+                <a:ln>
+                  <a:solidFill>
+                    <a:schemeClr val="accent1">
+                      <a:lumMod val="60000"/>
+                      <a:lumOff val="40000"/>
+                    </a:schemeClr>
+                  </a:solidFill>
+                </a:ln>
+              </p:spPr>
+              <p:style>
+                <a:lnRef idx="2">
+                  <a:schemeClr val="accent1">
+                    <a:shade val="15000"/>
+                  </a:schemeClr>
+                </a:lnRef>
+                <a:fillRef idx="1">
+                  <a:schemeClr val="accent1"/>
+                </a:fillRef>
+                <a:effectRef idx="0">
+                  <a:schemeClr val="accent1"/>
+                </a:effectRef>
+                <a:fontRef idx="minor">
+                  <a:schemeClr val="lt1"/>
+                </a:fontRef>
+              </p:style>
+              <p:txBody>
+                <a:bodyPr rtlCol="0" anchor="ctr"/>
+                <a:lstStyle/>
+                <a:p>
+                  <a:pPr algn="ctr"/>
+                  <a:r>
+                    <a:rPr lang="en-US" altLang="zh-CN" sz="800" b="1" dirty="0">
+                      <a:solidFill>
+                        <a:schemeClr val="tx1"/>
+                      </a:solidFill>
+                    </a:rPr>
+                    <a:t>Websocket </a:t>
+                  </a:r>
+                  <a:r>
+                    <a:rPr lang="zh-CN" altLang="en-US" sz="800" b="1" dirty="0">
+                      <a:solidFill>
+                        <a:schemeClr val="tx1"/>
+                      </a:solidFill>
+                    </a:rPr>
+                    <a:t>服务端</a:t>
+                  </a:r>
+                </a:p>
+              </p:txBody>
+            </p:sp>
+            <p:sp>
+              <p:nvSpPr>
+                <p:cNvPr id="37" name="矩形: 圆角 36">
+                  <a:extLst>
+                    <a:ext uri="{FF2B5EF4-FFF2-40B4-BE49-F238E27FC236}">
+                      <a16:creationId xmlns:a16="http://schemas.microsoft.com/office/drawing/2014/main" id="{CB3F9E3A-A7C0-CF1D-EA96-9DBCAE41A4FB}"/>
+                    </a:ext>
+                  </a:extLst>
+                </p:cNvPr>
+                <p:cNvSpPr/>
+                <p:nvPr/>
+              </p:nvSpPr>
+              <p:spPr>
+                <a:xfrm>
+                  <a:off x="6156034" y="5218542"/>
+                  <a:ext cx="3611420" cy="378687"/>
+                </a:xfrm>
+                <a:prstGeom prst="roundRect">
+                  <a:avLst/>
+                </a:prstGeom>
+                <a:solidFill>
+                  <a:schemeClr val="accent1">
+                    <a:lumMod val="60000"/>
+                    <a:lumOff val="40000"/>
+                  </a:schemeClr>
+                </a:solidFill>
+                <a:ln>
+                  <a:solidFill>
+                    <a:schemeClr val="accent1">
+                      <a:lumMod val="60000"/>
+                      <a:lumOff val="40000"/>
+                    </a:schemeClr>
+                  </a:solidFill>
+                </a:ln>
+              </p:spPr>
+              <p:style>
+                <a:lnRef idx="2">
+                  <a:schemeClr val="accent1">
+                    <a:shade val="15000"/>
+                  </a:schemeClr>
+                </a:lnRef>
+                <a:fillRef idx="1">
+                  <a:schemeClr val="accent1"/>
+                </a:fillRef>
+                <a:effectRef idx="0">
+                  <a:schemeClr val="accent1"/>
+                </a:effectRef>
+                <a:fontRef idx="minor">
+                  <a:schemeClr val="lt1"/>
+                </a:fontRef>
+              </p:style>
+              <p:txBody>
+                <a:bodyPr rtlCol="0" anchor="ctr"/>
+                <a:lstStyle/>
+                <a:p>
+                  <a:pPr algn="ctr"/>
+                  <a:r>
+                    <a:rPr lang="en-US" altLang="zh-CN" sz="800" b="1" dirty="0">
+                      <a:solidFill>
+                        <a:schemeClr val="tx1"/>
+                      </a:solidFill>
+                    </a:rPr>
+                    <a:t>Kafka producer</a:t>
+                  </a:r>
+                  <a:endParaRPr lang="zh-CN" altLang="en-US" sz="800" b="1" dirty="0">
+                    <a:solidFill>
+                      <a:schemeClr val="tx1"/>
+                    </a:solidFill>
+                  </a:endParaRPr>
+                </a:p>
+              </p:txBody>
+            </p:sp>
+            <p:sp>
+              <p:nvSpPr>
+                <p:cNvPr id="40" name="流程图: 磁盘 39">
+                  <a:extLst>
+                    <a:ext uri="{FF2B5EF4-FFF2-40B4-BE49-F238E27FC236}">
+                      <a16:creationId xmlns:a16="http://schemas.microsoft.com/office/drawing/2014/main" id="{F431CED1-00BA-6088-0E2F-E9CA17C4DE36}"/>
+                    </a:ext>
+                  </a:extLst>
+                </p:cNvPr>
+                <p:cNvSpPr/>
+                <p:nvPr/>
+              </p:nvSpPr>
+              <p:spPr>
+                <a:xfrm>
+                  <a:off x="3437594" y="4996872"/>
+                  <a:ext cx="508000" cy="461819"/>
+                </a:xfrm>
+                <a:prstGeom prst="flowChartMagneticDisk">
+                  <a:avLst/>
+                </a:prstGeom>
+              </p:spPr>
+              <p:style>
+                <a:lnRef idx="2">
+                  <a:schemeClr val="accent1">
+                    <a:shade val="15000"/>
+                  </a:schemeClr>
+                </a:lnRef>
+                <a:fillRef idx="1">
+                  <a:schemeClr val="accent1"/>
+                </a:fillRef>
+                <a:effectRef idx="0">
+                  <a:schemeClr val="accent1"/>
+                </a:effectRef>
+                <a:fontRef idx="minor">
+                  <a:schemeClr val="lt1"/>
+                </a:fontRef>
+              </p:style>
+              <p:txBody>
+                <a:bodyPr rtlCol="0" anchor="ctr"/>
+                <a:lstStyle/>
+                <a:p>
+                  <a:pPr algn="ctr"/>
+                  <a:r>
+                    <a:rPr lang="en-US" altLang="zh-CN" sz="800" dirty="0"/>
+                    <a:t>DB2</a:t>
+                  </a:r>
+                  <a:endParaRPr lang="zh-CN" altLang="en-US" sz="800" dirty="0"/>
+                </a:p>
+              </p:txBody>
+            </p:sp>
+            <p:sp>
+              <p:nvSpPr>
+                <p:cNvPr id="41" name="流程图: 磁盘 40">
+                  <a:extLst>
+                    <a:ext uri="{FF2B5EF4-FFF2-40B4-BE49-F238E27FC236}">
+                      <a16:creationId xmlns:a16="http://schemas.microsoft.com/office/drawing/2014/main" id="{B94304C0-1410-EE01-D2CA-551AA44CC825}"/>
+                    </a:ext>
+                  </a:extLst>
+                </p:cNvPr>
+                <p:cNvSpPr/>
+                <p:nvPr/>
+              </p:nvSpPr>
+              <p:spPr>
+                <a:xfrm>
+                  <a:off x="4113515" y="4996872"/>
+                  <a:ext cx="508000" cy="461819"/>
+                </a:xfrm>
+                <a:prstGeom prst="flowChartMagneticDisk">
+                  <a:avLst/>
+                </a:prstGeom>
+              </p:spPr>
+              <p:style>
+                <a:lnRef idx="2">
+                  <a:schemeClr val="accent1">
+                    <a:shade val="15000"/>
+                  </a:schemeClr>
+                </a:lnRef>
+                <a:fillRef idx="1">
+                  <a:schemeClr val="accent1"/>
+                </a:fillRef>
+                <a:effectRef idx="0">
+                  <a:schemeClr val="accent1"/>
+                </a:effectRef>
+                <a:fontRef idx="minor">
+                  <a:schemeClr val="lt1"/>
+                </a:fontRef>
+              </p:style>
+              <p:txBody>
+                <a:bodyPr rtlCol="0" anchor="ctr"/>
+                <a:lstStyle/>
+                <a:p>
+                  <a:pPr algn="ctr"/>
+                  <a:r>
+                    <a:rPr lang="en-US" altLang="zh-CN" sz="800" dirty="0"/>
+                    <a:t>DB3</a:t>
+                  </a:r>
+                  <a:endParaRPr lang="zh-CN" altLang="en-US" sz="800" dirty="0"/>
+                </a:p>
+              </p:txBody>
+            </p:sp>
+            <p:sp>
+              <p:nvSpPr>
+                <p:cNvPr id="42" name="文本框 41">
+                  <a:extLst>
+                    <a:ext uri="{FF2B5EF4-FFF2-40B4-BE49-F238E27FC236}">
+                      <a16:creationId xmlns:a16="http://schemas.microsoft.com/office/drawing/2014/main" id="{34E66E47-095E-F1C5-EEAF-49637D694B68}"/>
+                    </a:ext>
+                  </a:extLst>
+                </p:cNvPr>
+                <p:cNvSpPr txBox="1"/>
+                <p:nvPr/>
+              </p:nvSpPr>
+              <p:spPr>
+                <a:xfrm>
+                  <a:off x="2403373" y="4712128"/>
+                  <a:ext cx="1432394" cy="252354"/>
+                </a:xfrm>
+                <a:prstGeom prst="rect">
+                  <a:avLst/>
+                </a:prstGeom>
+                <a:noFill/>
+              </p:spPr>
+              <p:txBody>
+                <a:bodyPr wrap="square" rtlCol="0">
+                  <a:spAutoFit/>
+                </a:bodyPr>
+                <a:lstStyle/>
+                <a:p>
+                  <a:r>
+                    <a:rPr lang="zh-CN" altLang="en-US" sz="800" b="1" dirty="0"/>
+                    <a:t>时序数据库</a:t>
+                  </a:r>
+                  <a:r>
+                    <a:rPr lang="en-US" altLang="zh-CN" sz="800" b="1" dirty="0"/>
+                    <a:t>IoTDB</a:t>
+                  </a:r>
+                  <a:endParaRPr lang="zh-CN" altLang="en-US" sz="800" b="1" dirty="0"/>
+                </a:p>
+              </p:txBody>
+            </p:sp>
+          </p:grpSp>
+          <p:sp>
+            <p:nvSpPr>
+              <p:cNvPr id="43" name="矩形 42">
+                <a:extLst>
+                  <a:ext uri="{FF2B5EF4-FFF2-40B4-BE49-F238E27FC236}">
+                    <a16:creationId xmlns:a16="http://schemas.microsoft.com/office/drawing/2014/main" id="{23251A2B-A56A-4B36-14EC-6674CA4C6058}"/>
+                  </a:ext>
+                </a:extLst>
+              </p:cNvPr>
+              <p:cNvSpPr/>
+              <p:nvPr/>
+            </p:nvSpPr>
+            <p:spPr>
+              <a:xfrm>
+                <a:off x="7592214" y="1885503"/>
+                <a:ext cx="868365" cy="200891"/>
+              </a:xfrm>
+              <a:prstGeom prst="rect">
+                <a:avLst/>
+              </a:prstGeom>
+              <a:solidFill>
+                <a:schemeClr val="bg1"/>
+              </a:solidFill>
+            </p:spPr>
+            <p:style>
+              <a:lnRef idx="2">
+                <a:schemeClr val="accent1">
+                  <a:shade val="15000"/>
+                </a:schemeClr>
+              </a:lnRef>
+              <a:fillRef idx="1">
+                <a:schemeClr val="accent1"/>
+              </a:fillRef>
+              <a:effectRef idx="0">
+                <a:schemeClr val="accent1"/>
+              </a:effectRef>
+              <a:fontRef idx="minor">
+                <a:schemeClr val="lt1"/>
+              </a:fontRef>
+            </p:style>
+            <p:txBody>
+              <a:bodyPr rtlCol="0" anchor="ctr"/>
+              <a:lstStyle/>
+              <a:p>
+                <a:pPr algn="ctr"/>
+                <a:r>
+                  <a:rPr lang="zh-CN" altLang="en-US" sz="800" dirty="0">
+                    <a:solidFill>
+                      <a:schemeClr val="tx1"/>
+                    </a:solidFill>
+                  </a:rPr>
+                  <a:t>登录注册</a:t>
+                </a:r>
+              </a:p>
+            </p:txBody>
+          </p:sp>
+          <p:sp>
+            <p:nvSpPr>
+              <p:cNvPr id="44" name="矩形 43">
+                <a:extLst>
+                  <a:ext uri="{FF2B5EF4-FFF2-40B4-BE49-F238E27FC236}">
+                    <a16:creationId xmlns:a16="http://schemas.microsoft.com/office/drawing/2014/main" id="{3F3084D3-0657-107D-84B3-B5CB3A338F65}"/>
+                  </a:ext>
+                </a:extLst>
+              </p:cNvPr>
+              <p:cNvSpPr/>
+              <p:nvPr/>
+            </p:nvSpPr>
+            <p:spPr>
+              <a:xfrm>
+                <a:off x="8744165" y="1885503"/>
+                <a:ext cx="868365" cy="200891"/>
+              </a:xfrm>
+              <a:prstGeom prst="rect">
+                <a:avLst/>
+              </a:prstGeom>
+              <a:solidFill>
+                <a:schemeClr val="bg1"/>
+              </a:solidFill>
+            </p:spPr>
+            <p:style>
+              <a:lnRef idx="2">
+                <a:schemeClr val="accent1">
+                  <a:shade val="15000"/>
+                </a:schemeClr>
+              </a:lnRef>
+              <a:fillRef idx="1">
+                <a:schemeClr val="accent1"/>
+              </a:fillRef>
+              <a:effectRef idx="0">
+                <a:schemeClr val="accent1"/>
+              </a:effectRef>
+              <a:fontRef idx="minor">
+                <a:schemeClr val="lt1"/>
+              </a:fontRef>
+            </p:style>
+            <p:txBody>
+              <a:bodyPr rtlCol="0" anchor="ctr"/>
+              <a:lstStyle/>
+              <a:p>
+                <a:pPr algn="ctr"/>
+                <a:r>
+                  <a:rPr lang="zh-CN" altLang="en-US" sz="800" dirty="0">
+                    <a:solidFill>
+                      <a:schemeClr val="tx1"/>
+                    </a:solidFill>
+                  </a:rPr>
+                  <a:t>页面</a:t>
+                </a:r>
+                <a:r>
+                  <a:rPr lang="en-US" altLang="zh-CN" sz="800" dirty="0">
+                    <a:solidFill>
+                      <a:schemeClr val="tx1"/>
+                    </a:solidFill>
+                  </a:rPr>
+                  <a:t>UI</a:t>
+                </a:r>
+                <a:endParaRPr lang="zh-CN" altLang="en-US" sz="800" dirty="0">
+                  <a:solidFill>
+                    <a:schemeClr val="tx1"/>
+                  </a:solidFill>
+                </a:endParaRPr>
+              </a:p>
+            </p:txBody>
+          </p:sp>
+          <p:sp>
+            <p:nvSpPr>
+              <p:cNvPr id="45" name="矩形 44">
+                <a:extLst>
+                  <a:ext uri="{FF2B5EF4-FFF2-40B4-BE49-F238E27FC236}">
+                    <a16:creationId xmlns:a16="http://schemas.microsoft.com/office/drawing/2014/main" id="{6BFB7DD5-E6B6-94E2-0828-C1936E1C7414}"/>
+                  </a:ext>
+                </a:extLst>
+              </p:cNvPr>
+              <p:cNvSpPr/>
+              <p:nvPr/>
+            </p:nvSpPr>
+            <p:spPr>
+              <a:xfrm>
+                <a:off x="6481947" y="2201846"/>
+                <a:ext cx="868365" cy="212432"/>
+              </a:xfrm>
+              <a:prstGeom prst="rect">
+                <a:avLst/>
+              </a:prstGeom>
+              <a:solidFill>
+                <a:schemeClr val="bg1"/>
+              </a:solidFill>
+            </p:spPr>
+            <p:style>
+              <a:lnRef idx="2">
+                <a:schemeClr val="accent1">
+                  <a:shade val="15000"/>
+                </a:schemeClr>
+              </a:lnRef>
+              <a:fillRef idx="1">
+                <a:schemeClr val="accent1"/>
+              </a:fillRef>
+              <a:effectRef idx="0">
+                <a:schemeClr val="accent1"/>
+              </a:effectRef>
+              <a:fontRef idx="minor">
+                <a:schemeClr val="lt1"/>
+              </a:fontRef>
+            </p:style>
+            <p:txBody>
+              <a:bodyPr rtlCol="0" anchor="ctr"/>
+              <a:lstStyle/>
+              <a:p>
+                <a:pPr algn="ctr"/>
+                <a:r>
+                  <a:rPr lang="en-US" altLang="zh-CN" sz="800" dirty="0">
+                    <a:solidFill>
+                      <a:schemeClr val="tx1"/>
+                    </a:solidFill>
+                  </a:rPr>
+                  <a:t>Restful</a:t>
+                </a:r>
+                <a:r>
+                  <a:rPr lang="zh-CN" altLang="en-US" sz="800" dirty="0">
+                    <a:solidFill>
+                      <a:schemeClr val="tx1"/>
+                    </a:solidFill>
+                  </a:rPr>
+                  <a:t>接口</a:t>
+                </a:r>
+              </a:p>
+            </p:txBody>
+          </p:sp>
+          <p:sp>
+            <p:nvSpPr>
+              <p:cNvPr id="46" name="矩形 45">
+                <a:extLst>
+                  <a:ext uri="{FF2B5EF4-FFF2-40B4-BE49-F238E27FC236}">
+                    <a16:creationId xmlns:a16="http://schemas.microsoft.com/office/drawing/2014/main" id="{4DF4A767-0B09-5939-BB55-600437792077}"/>
+                  </a:ext>
+                </a:extLst>
+              </p:cNvPr>
+              <p:cNvSpPr/>
+              <p:nvPr/>
+            </p:nvSpPr>
+            <p:spPr>
+              <a:xfrm>
+                <a:off x="7614919" y="2208510"/>
+                <a:ext cx="868365" cy="212432"/>
+              </a:xfrm>
+              <a:prstGeom prst="rect">
+                <a:avLst/>
+              </a:prstGeom>
+              <a:solidFill>
+                <a:schemeClr val="bg1"/>
+              </a:solidFill>
+            </p:spPr>
+            <p:style>
+              <a:lnRef idx="2">
+                <a:schemeClr val="accent1">
+                  <a:shade val="15000"/>
+                </a:schemeClr>
+              </a:lnRef>
+              <a:fillRef idx="1">
+                <a:schemeClr val="accent1"/>
+              </a:fillRef>
+              <a:effectRef idx="0">
+                <a:schemeClr val="accent1"/>
+              </a:effectRef>
+              <a:fontRef idx="minor">
+                <a:schemeClr val="lt1"/>
+              </a:fontRef>
+            </p:style>
+            <p:txBody>
+              <a:bodyPr rtlCol="0" anchor="ctr"/>
+              <a:lstStyle/>
+              <a:p>
+                <a:pPr algn="ctr"/>
+                <a:r>
+                  <a:rPr lang="en-US" altLang="zh-CN" sz="800" dirty="0">
+                    <a:solidFill>
+                      <a:schemeClr val="tx1"/>
+                    </a:solidFill>
+                  </a:rPr>
+                  <a:t>RPC</a:t>
+                </a:r>
+                <a:r>
+                  <a:rPr lang="zh-CN" altLang="en-US" sz="800" dirty="0">
+                    <a:solidFill>
+                      <a:schemeClr val="tx1"/>
+                    </a:solidFill>
+                  </a:rPr>
+                  <a:t>接口</a:t>
+                </a:r>
+              </a:p>
+            </p:txBody>
+          </p:sp>
+          <p:sp>
+            <p:nvSpPr>
+              <p:cNvPr id="47" name="流程图: 磁盘 46">
+                <a:extLst>
+                  <a:ext uri="{FF2B5EF4-FFF2-40B4-BE49-F238E27FC236}">
+                    <a16:creationId xmlns:a16="http://schemas.microsoft.com/office/drawing/2014/main" id="{47D14557-79EB-F3F1-F828-F332B2F9E61C}"/>
+                  </a:ext>
+                </a:extLst>
+              </p:cNvPr>
+              <p:cNvSpPr/>
+              <p:nvPr/>
+            </p:nvSpPr>
+            <p:spPr>
+              <a:xfrm>
+                <a:off x="8744164" y="2192761"/>
+                <a:ext cx="857721" cy="261659"/>
+              </a:xfrm>
+              <a:prstGeom prst="flowChartMagneticDisk">
+                <a:avLst/>
+              </a:prstGeom>
+              <a:solidFill>
+                <a:schemeClr val="bg1"/>
+              </a:solidFill>
+            </p:spPr>
+            <p:style>
+              <a:lnRef idx="2">
+                <a:schemeClr val="accent1">
+                  <a:shade val="15000"/>
+                </a:schemeClr>
+              </a:lnRef>
+              <a:fillRef idx="1">
+                <a:schemeClr val="accent1"/>
+              </a:fillRef>
+              <a:effectRef idx="0">
+                <a:schemeClr val="accent1"/>
+              </a:effectRef>
+              <a:fontRef idx="minor">
+                <a:schemeClr val="lt1"/>
+              </a:fontRef>
+            </p:style>
+            <p:txBody>
+              <a:bodyPr rtlCol="0" anchor="ctr"/>
+              <a:lstStyle/>
+              <a:p>
+                <a:pPr algn="ctr"/>
+                <a:r>
+                  <a:rPr lang="en-US" altLang="zh-CN" sz="800" dirty="0">
+                    <a:solidFill>
+                      <a:schemeClr val="tx1"/>
+                    </a:solidFill>
+                  </a:rPr>
+                  <a:t>postgres</a:t>
+                </a:r>
+                <a:endParaRPr lang="zh-CN" altLang="en-US" sz="800" dirty="0">
+                  <a:solidFill>
+                    <a:schemeClr val="tx1"/>
+                  </a:solidFill>
+                </a:endParaRPr>
+              </a:p>
+            </p:txBody>
+          </p:sp>
+          <p:sp>
+            <p:nvSpPr>
+              <p:cNvPr id="53" name="矩形: 圆角 52">
+                <a:extLst>
+                  <a:ext uri="{FF2B5EF4-FFF2-40B4-BE49-F238E27FC236}">
+                    <a16:creationId xmlns:a16="http://schemas.microsoft.com/office/drawing/2014/main" id="{C2E3AF3B-DB08-C578-F15F-11E1B517DF42}"/>
+                  </a:ext>
+                </a:extLst>
+              </p:cNvPr>
+              <p:cNvSpPr/>
+              <p:nvPr/>
+            </p:nvSpPr>
+            <p:spPr>
+              <a:xfrm>
+                <a:off x="6220688" y="2618788"/>
+                <a:ext cx="3611419" cy="295564"/>
+              </a:xfrm>
+              <a:prstGeom prst="roundRect">
+                <a:avLst/>
+              </a:prstGeom>
+              <a:solidFill>
+                <a:schemeClr val="accent1">
+                  <a:lumMod val="60000"/>
+                  <a:lumOff val="40000"/>
+                </a:schemeClr>
+              </a:solidFill>
+              <a:ln>
+                <a:solidFill>
+                  <a:schemeClr val="accent1">
+                    <a:lumMod val="60000"/>
+                    <a:lumOff val="40000"/>
+                  </a:schemeClr>
+                </a:solidFill>
+              </a:ln>
+            </p:spPr>
+            <p:style>
+              <a:lnRef idx="2">
+                <a:schemeClr val="accent1">
+                  <a:shade val="15000"/>
+                </a:schemeClr>
+              </a:lnRef>
+              <a:fillRef idx="1">
+                <a:schemeClr val="accent1"/>
+              </a:fillRef>
+              <a:effectRef idx="0">
+                <a:schemeClr val="accent1"/>
+              </a:effectRef>
+              <a:fontRef idx="minor">
+                <a:schemeClr val="lt1"/>
+              </a:fontRef>
+            </p:style>
+            <p:txBody>
+              <a:bodyPr rtlCol="0" anchor="ctr"/>
+              <a:lstStyle/>
+              <a:p>
+                <a:pPr algn="ctr"/>
+                <a:r>
+                  <a:rPr lang="en-US" altLang="zh-CN" sz="800" b="1" dirty="0">
+                    <a:solidFill>
+                      <a:schemeClr val="tx1"/>
+                    </a:solidFill>
+                  </a:rPr>
+                  <a:t>Kafka consumer</a:t>
+                </a:r>
+                <a:endParaRPr lang="zh-CN" altLang="en-US" sz="800" b="1" dirty="0">
+                  <a:solidFill>
+                    <a:schemeClr val="tx1"/>
+                  </a:solidFill>
+                </a:endParaRPr>
+              </a:p>
+            </p:txBody>
+          </p:sp>
+          <p:pic>
+            <p:nvPicPr>
+              <p:cNvPr id="56" name="图片 55">
+                <a:extLst>
+                  <a:ext uri="{FF2B5EF4-FFF2-40B4-BE49-F238E27FC236}">
+                    <a16:creationId xmlns:a16="http://schemas.microsoft.com/office/drawing/2014/main" id="{4151EE04-1F4C-0903-6207-6154BD17393A}"/>
+                  </a:ext>
+                </a:extLst>
+              </p:cNvPr>
+              <p:cNvPicPr>
+                <a:picLocks noChangeAspect="1"/>
+              </p:cNvPicPr>
+              <p:nvPr/>
+            </p:nvPicPr>
+            <p:blipFill>
+              <a:blip r:embed="rId2">
+                <a:extLst>
+                  <a:ext uri="{28A0092B-C50C-407E-A947-70E740481C1C}">
+                    <a14:useLocalDpi xmlns:a14="http://schemas.microsoft.com/office/drawing/2010/main" val="0"/>
+                  </a:ext>
+                </a:extLst>
+              </a:blip>
+              <a:stretch>
+                <a:fillRect/>
+              </a:stretch>
+            </p:blipFill>
+            <p:spPr>
+              <a:xfrm>
+                <a:off x="2596960" y="79030"/>
+                <a:ext cx="1200318" cy="331993"/>
+              </a:xfrm>
+              <a:prstGeom prst="rect">
+                <a:avLst/>
+              </a:prstGeom>
+            </p:spPr>
+          </p:pic>
+          <p:sp>
+            <p:nvSpPr>
+              <p:cNvPr id="57" name="矩形: 圆角 56">
+                <a:extLst>
+                  <a:ext uri="{FF2B5EF4-FFF2-40B4-BE49-F238E27FC236}">
+                    <a16:creationId xmlns:a16="http://schemas.microsoft.com/office/drawing/2014/main" id="{9D9970B9-F9B8-9957-C8B6-921CA34D3481}"/>
+                  </a:ext>
+                </a:extLst>
+              </p:cNvPr>
+              <p:cNvSpPr/>
+              <p:nvPr/>
+            </p:nvSpPr>
+            <p:spPr>
+              <a:xfrm>
+                <a:off x="1758348" y="6232871"/>
+                <a:ext cx="8701833" cy="546099"/>
+              </a:xfrm>
+              <a:prstGeom prst="roundRect">
+                <a:avLst/>
+              </a:prstGeom>
+              <a:solidFill>
+                <a:schemeClr val="accent4">
+                  <a:lumMod val="20000"/>
+                  <a:lumOff val="80000"/>
+                </a:schemeClr>
+              </a:solidFill>
+              <a:ln>
+                <a:solidFill>
+                  <a:schemeClr val="accent4">
+                    <a:lumMod val="20000"/>
+                    <a:lumOff val="80000"/>
                   </a:schemeClr>
                 </a:solidFill>
               </a:ln>
@@ -11513,405 +14314,12 @@
               </a:p>
             </p:txBody>
           </p:sp>
-          <p:grpSp>
-            <p:nvGrpSpPr>
-              <p:cNvPr id="21" name="组合 20">
+          <p:sp>
+            <p:nvSpPr>
+              <p:cNvPr id="58" name="矩形 57">
                 <a:extLst>
                   <a:ext uri="{FF2B5EF4-FFF2-40B4-BE49-F238E27FC236}">
-                    <a16:creationId xmlns:a16="http://schemas.microsoft.com/office/drawing/2014/main" id="{C2A4229F-B53A-B19E-5B6D-09D35CA496C5}"/>
-                  </a:ext>
-                </a:extLst>
-              </p:cNvPr>
-              <p:cNvGrpSpPr/>
-              <p:nvPr/>
-            </p:nvGrpSpPr>
-            <p:grpSpPr>
-              <a:xfrm>
-                <a:off x="2862263" y="3429000"/>
-                <a:ext cx="1603303" cy="497896"/>
-                <a:chOff x="2862263" y="3429000"/>
-                <a:chExt cx="1603303" cy="497896"/>
-              </a:xfrm>
-              <a:grpFill/>
-            </p:grpSpPr>
-            <p:sp>
-              <p:nvSpPr>
-                <p:cNvPr id="13" name="矩形: 圆角 12">
-                  <a:extLst>
-                    <a:ext uri="{FF2B5EF4-FFF2-40B4-BE49-F238E27FC236}">
-                      <a16:creationId xmlns:a16="http://schemas.microsoft.com/office/drawing/2014/main" id="{2FD3279B-A6E3-9045-3366-2EE0FDDBEB64}"/>
-                    </a:ext>
-                  </a:extLst>
-                </p:cNvPr>
-                <p:cNvSpPr/>
-                <p:nvPr/>
-              </p:nvSpPr>
-              <p:spPr>
-                <a:xfrm>
-                  <a:off x="3403240" y="3463927"/>
-                  <a:ext cx="462107" cy="180110"/>
-                </a:xfrm>
-                <a:prstGeom prst="roundRect">
-                  <a:avLst/>
-                </a:prstGeom>
-                <a:solidFill>
-                  <a:schemeClr val="bg1"/>
-                </a:solidFill>
-                <a:ln>
-                  <a:solidFill>
-                    <a:schemeClr val="tx1"/>
-                  </a:solidFill>
-                </a:ln>
-              </p:spPr>
-              <p:style>
-                <a:lnRef idx="2">
-                  <a:schemeClr val="accent1">
-                    <a:shade val="15000"/>
-                  </a:schemeClr>
-                </a:lnRef>
-                <a:fillRef idx="1">
-                  <a:schemeClr val="accent1"/>
-                </a:fillRef>
-                <a:effectRef idx="0">
-                  <a:schemeClr val="accent1"/>
-                </a:effectRef>
-                <a:fontRef idx="minor">
-                  <a:schemeClr val="lt1"/>
-                </a:fontRef>
-              </p:style>
-              <p:txBody>
-                <a:bodyPr rtlCol="0" anchor="ctr"/>
-                <a:lstStyle/>
-                <a:p>
-                  <a:pPr algn="ctr"/>
-                  <a:r>
-                    <a:rPr lang="zh-CN" altLang="en-US" sz="800" dirty="0">
-                      <a:solidFill>
-                        <a:schemeClr val="tx1"/>
-                      </a:solidFill>
-                    </a:rPr>
-                    <a:t>分区</a:t>
-                  </a:r>
-                  <a:r>
-                    <a:rPr lang="en-US" altLang="zh-CN" sz="800" dirty="0">
-                      <a:solidFill>
-                        <a:schemeClr val="tx1"/>
-                      </a:solidFill>
-                    </a:rPr>
-                    <a:t>1</a:t>
-                  </a:r>
-                  <a:endParaRPr lang="zh-CN" altLang="en-US" sz="800" dirty="0">
-                    <a:solidFill>
-                      <a:schemeClr val="tx1"/>
-                    </a:solidFill>
-                  </a:endParaRPr>
-                </a:p>
-              </p:txBody>
-            </p:sp>
-            <p:sp>
-              <p:nvSpPr>
-                <p:cNvPr id="15" name="矩形: 圆角 14">
-                  <a:extLst>
-                    <a:ext uri="{FF2B5EF4-FFF2-40B4-BE49-F238E27FC236}">
-                      <a16:creationId xmlns:a16="http://schemas.microsoft.com/office/drawing/2014/main" id="{1D045A12-FD55-FEFB-503E-0FB96B1EC1D7}"/>
-                    </a:ext>
-                  </a:extLst>
-                </p:cNvPr>
-                <p:cNvSpPr/>
-                <p:nvPr/>
-              </p:nvSpPr>
-              <p:spPr>
-                <a:xfrm>
-                  <a:off x="4003459" y="3462195"/>
-                  <a:ext cx="462107" cy="180110"/>
-                </a:xfrm>
-                <a:prstGeom prst="roundRect">
-                  <a:avLst/>
-                </a:prstGeom>
-                <a:solidFill>
-                  <a:schemeClr val="bg1"/>
-                </a:solidFill>
-                <a:ln>
-                  <a:solidFill>
-                    <a:schemeClr val="tx1"/>
-                  </a:solidFill>
-                </a:ln>
-              </p:spPr>
-              <p:style>
-                <a:lnRef idx="2">
-                  <a:schemeClr val="accent1">
-                    <a:shade val="15000"/>
-                  </a:schemeClr>
-                </a:lnRef>
-                <a:fillRef idx="1">
-                  <a:schemeClr val="accent1"/>
-                </a:fillRef>
-                <a:effectRef idx="0">
-                  <a:schemeClr val="accent1"/>
-                </a:effectRef>
-                <a:fontRef idx="minor">
-                  <a:schemeClr val="lt1"/>
-                </a:fontRef>
-              </p:style>
-              <p:txBody>
-                <a:bodyPr rtlCol="0" anchor="ctr"/>
-                <a:lstStyle/>
-                <a:p>
-                  <a:pPr algn="ctr"/>
-                  <a:r>
-                    <a:rPr lang="zh-CN" altLang="en-US" sz="800" dirty="0">
-                      <a:solidFill>
-                        <a:schemeClr val="tx1"/>
-                      </a:solidFill>
-                    </a:rPr>
-                    <a:t>分区</a:t>
-                  </a:r>
-                  <a:r>
-                    <a:rPr lang="en-US" altLang="zh-CN" sz="800" dirty="0">
-                      <a:solidFill>
-                        <a:schemeClr val="tx1"/>
-                      </a:solidFill>
-                    </a:rPr>
-                    <a:t>2</a:t>
-                  </a:r>
-                  <a:endParaRPr lang="zh-CN" altLang="en-US" sz="800" dirty="0">
-                    <a:solidFill>
-                      <a:schemeClr val="tx1"/>
-                    </a:solidFill>
-                  </a:endParaRPr>
-                </a:p>
-              </p:txBody>
-            </p:sp>
-            <p:sp>
-              <p:nvSpPr>
-                <p:cNvPr id="16" name="矩形: 圆角 15">
-                  <a:extLst>
-                    <a:ext uri="{FF2B5EF4-FFF2-40B4-BE49-F238E27FC236}">
-                      <a16:creationId xmlns:a16="http://schemas.microsoft.com/office/drawing/2014/main" id="{CA448C2C-ED74-9C4D-6C10-808F156F9173}"/>
-                    </a:ext>
-                  </a:extLst>
-                </p:cNvPr>
-                <p:cNvSpPr/>
-                <p:nvPr/>
-              </p:nvSpPr>
-              <p:spPr>
-                <a:xfrm>
-                  <a:off x="3403240" y="3746786"/>
-                  <a:ext cx="462107" cy="180110"/>
-                </a:xfrm>
-                <a:prstGeom prst="roundRect">
-                  <a:avLst/>
-                </a:prstGeom>
-                <a:solidFill>
-                  <a:schemeClr val="bg1"/>
-                </a:solidFill>
-                <a:ln>
-                  <a:solidFill>
-                    <a:schemeClr val="tx1"/>
-                  </a:solidFill>
-                </a:ln>
-              </p:spPr>
-              <p:style>
-                <a:lnRef idx="2">
-                  <a:schemeClr val="accent1">
-                    <a:shade val="15000"/>
-                  </a:schemeClr>
-                </a:lnRef>
-                <a:fillRef idx="1">
-                  <a:schemeClr val="accent1"/>
-                </a:fillRef>
-                <a:effectRef idx="0">
-                  <a:schemeClr val="accent1"/>
-                </a:effectRef>
-                <a:fontRef idx="minor">
-                  <a:schemeClr val="lt1"/>
-                </a:fontRef>
-              </p:style>
-              <p:txBody>
-                <a:bodyPr rtlCol="0" anchor="ctr"/>
-                <a:lstStyle/>
-                <a:p>
-                  <a:pPr algn="ctr"/>
-                  <a:r>
-                    <a:rPr lang="zh-CN" altLang="en-US" sz="800" dirty="0">
-                      <a:solidFill>
-                        <a:schemeClr val="tx1"/>
-                      </a:solidFill>
-                    </a:rPr>
-                    <a:t>分区</a:t>
-                  </a:r>
-                  <a:r>
-                    <a:rPr lang="en-US" altLang="zh-CN" sz="800" dirty="0">
-                      <a:solidFill>
-                        <a:schemeClr val="tx1"/>
-                      </a:solidFill>
-                    </a:rPr>
-                    <a:t>3</a:t>
-                  </a:r>
-                  <a:endParaRPr lang="zh-CN" altLang="en-US" sz="800" dirty="0">
-                    <a:solidFill>
-                      <a:schemeClr val="tx1"/>
-                    </a:solidFill>
-                  </a:endParaRPr>
-                </a:p>
-              </p:txBody>
-            </p:sp>
-            <p:sp>
-              <p:nvSpPr>
-                <p:cNvPr id="17" name="矩形: 圆角 16">
-                  <a:extLst>
-                    <a:ext uri="{FF2B5EF4-FFF2-40B4-BE49-F238E27FC236}">
-                      <a16:creationId xmlns:a16="http://schemas.microsoft.com/office/drawing/2014/main" id="{7A9149E9-CA9A-3021-B19B-2122DC7E68CC}"/>
-                    </a:ext>
-                  </a:extLst>
-                </p:cNvPr>
-                <p:cNvSpPr/>
-                <p:nvPr/>
-              </p:nvSpPr>
-              <p:spPr>
-                <a:xfrm>
-                  <a:off x="4003459" y="3746643"/>
-                  <a:ext cx="462107" cy="180110"/>
-                </a:xfrm>
-                <a:prstGeom prst="roundRect">
-                  <a:avLst/>
-                </a:prstGeom>
-                <a:solidFill>
-                  <a:schemeClr val="bg1"/>
-                </a:solidFill>
-                <a:ln>
-                  <a:solidFill>
-                    <a:schemeClr val="tx1"/>
-                  </a:solidFill>
-                </a:ln>
-              </p:spPr>
-              <p:style>
-                <a:lnRef idx="2">
-                  <a:schemeClr val="accent1">
-                    <a:shade val="15000"/>
-                  </a:schemeClr>
-                </a:lnRef>
-                <a:fillRef idx="1">
-                  <a:schemeClr val="accent1"/>
-                </a:fillRef>
-                <a:effectRef idx="0">
-                  <a:schemeClr val="accent1"/>
-                </a:effectRef>
-                <a:fontRef idx="minor">
-                  <a:schemeClr val="lt1"/>
-                </a:fontRef>
-              </p:style>
-              <p:txBody>
-                <a:bodyPr rtlCol="0" anchor="ctr"/>
-                <a:lstStyle/>
-                <a:p>
-                  <a:pPr algn="ctr"/>
-                  <a:r>
-                    <a:rPr lang="zh-CN" altLang="en-US" sz="800" dirty="0">
-                      <a:solidFill>
-                        <a:schemeClr val="tx1"/>
-                      </a:solidFill>
-                    </a:rPr>
-                    <a:t>分区</a:t>
-                  </a:r>
-                  <a:r>
-                    <a:rPr lang="en-US" altLang="zh-CN" sz="800" dirty="0">
-                      <a:solidFill>
-                        <a:schemeClr val="tx1"/>
-                      </a:solidFill>
-                    </a:rPr>
-                    <a:t>n</a:t>
-                  </a:r>
-                  <a:endParaRPr lang="zh-CN" altLang="en-US" sz="800" dirty="0">
-                    <a:solidFill>
-                      <a:schemeClr val="tx1"/>
-                    </a:solidFill>
-                  </a:endParaRPr>
-                </a:p>
-              </p:txBody>
-            </p:sp>
-            <p:sp>
-              <p:nvSpPr>
-                <p:cNvPr id="19" name="文本框 18">
-                  <a:extLst>
-                    <a:ext uri="{FF2B5EF4-FFF2-40B4-BE49-F238E27FC236}">
-                      <a16:creationId xmlns:a16="http://schemas.microsoft.com/office/drawing/2014/main" id="{4B541EC5-4A65-98E3-0149-A04AFF720869}"/>
-                    </a:ext>
-                  </a:extLst>
-                </p:cNvPr>
-                <p:cNvSpPr txBox="1"/>
-                <p:nvPr/>
-              </p:nvSpPr>
-              <p:spPr>
-                <a:xfrm>
-                  <a:off x="2862263" y="3429000"/>
-                  <a:ext cx="522359" cy="246221"/>
-                </a:xfrm>
-                <a:prstGeom prst="rect">
-                  <a:avLst/>
-                </a:prstGeom>
-                <a:grpFill/>
-                <a:ln>
-                  <a:solidFill>
-                    <a:schemeClr val="accent2">
-                      <a:lumMod val="60000"/>
-                      <a:lumOff val="40000"/>
-                    </a:schemeClr>
-                  </a:solidFill>
-                </a:ln>
-              </p:spPr>
-              <p:txBody>
-                <a:bodyPr wrap="square" rtlCol="0">
-                  <a:spAutoFit/>
-                </a:bodyPr>
-                <a:lstStyle/>
-                <a:p>
-                  <a:r>
-                    <a:rPr lang="zh-CN" altLang="en-US" sz="1000" b="1" dirty="0"/>
-                    <a:t>主题</a:t>
-                  </a:r>
-                  <a:r>
-                    <a:rPr lang="en-US" altLang="zh-CN" sz="1000" b="1" dirty="0"/>
-                    <a:t>1</a:t>
-                  </a:r>
-                  <a:endParaRPr lang="zh-CN" altLang="en-US" sz="1000" b="1" dirty="0"/>
-                </a:p>
-              </p:txBody>
-            </p:sp>
-          </p:grpSp>
-        </p:grpSp>
-        <p:grpSp>
-          <p:nvGrpSpPr>
-            <p:cNvPr id="23" name="组合 22">
-              <a:extLst>
-                <a:ext uri="{FF2B5EF4-FFF2-40B4-BE49-F238E27FC236}">
-                  <a16:creationId xmlns:a16="http://schemas.microsoft.com/office/drawing/2014/main" id="{A30E325A-E931-4439-B239-C4D14E4580DD}"/>
-                </a:ext>
-              </a:extLst>
-            </p:cNvPr>
-            <p:cNvGrpSpPr/>
-            <p:nvPr/>
-          </p:nvGrpSpPr>
-          <p:grpSpPr>
-            <a:xfrm>
-              <a:off x="6977025" y="3327400"/>
-              <a:ext cx="1933864" cy="701964"/>
-              <a:chOff x="2752436" y="3343564"/>
-              <a:chExt cx="1933864" cy="701964"/>
-            </a:xfrm>
-            <a:solidFill>
-              <a:schemeClr val="accent5">
-                <a:lumMod val="60000"/>
-                <a:lumOff val="40000"/>
-              </a:schemeClr>
-            </a:solidFill>
-          </p:grpSpPr>
-          <p:sp>
-            <p:nvSpPr>
-              <p:cNvPr id="24" name="矩形: 圆角 23">
-                <a:extLst>
-                  <a:ext uri="{FF2B5EF4-FFF2-40B4-BE49-F238E27FC236}">
-                    <a16:creationId xmlns:a16="http://schemas.microsoft.com/office/drawing/2014/main" id="{31AEE409-F016-AACD-F436-47FD63492D0C}"/>
+                    <a16:creationId xmlns:a16="http://schemas.microsoft.com/office/drawing/2014/main" id="{3AB546C6-BD37-3D4E-1DC2-2A145886815F}"/>
                   </a:ext>
                 </a:extLst>
               </p:cNvPr>
@@ -11920,18 +14328,121 @@
             </p:nvSpPr>
             <p:spPr>
               <a:xfrm>
-                <a:off x="2752436" y="3343564"/>
-                <a:ext cx="1933864" cy="701964"/>
+                <a:off x="3127165" y="6341039"/>
+                <a:ext cx="1559004" cy="310573"/>
+              </a:xfrm>
+              <a:prstGeom prst="rect">
+                <a:avLst/>
+              </a:prstGeom>
+            </p:spPr>
+            <p:style>
+              <a:lnRef idx="2">
+                <a:schemeClr val="accent1">
+                  <a:shade val="15000"/>
+                </a:schemeClr>
+              </a:lnRef>
+              <a:fillRef idx="1">
+                <a:schemeClr val="accent1"/>
+              </a:fillRef>
+              <a:effectRef idx="0">
+                <a:schemeClr val="accent1"/>
+              </a:effectRef>
+              <a:fontRef idx="minor">
+                <a:schemeClr val="lt1"/>
+              </a:fontRef>
+            </p:style>
+            <p:txBody>
+              <a:bodyPr rtlCol="0" anchor="ctr"/>
+              <a:lstStyle/>
+              <a:p>
+                <a:pPr algn="ctr"/>
+                <a:r>
+                  <a:rPr lang="zh-CN" altLang="en-US" sz="800" dirty="0"/>
+                  <a:t>定时训练</a:t>
+                </a:r>
+              </a:p>
+            </p:txBody>
+          </p:sp>
+          <p:sp>
+            <p:nvSpPr>
+              <p:cNvPr id="59" name="矩形 58">
+                <a:extLst>
+                  <a:ext uri="{FF2B5EF4-FFF2-40B4-BE49-F238E27FC236}">
+                    <a16:creationId xmlns:a16="http://schemas.microsoft.com/office/drawing/2014/main" id="{AA7A8019-96D3-A8FA-1352-33ED225CC7AB}"/>
+                  </a:ext>
+                </a:extLst>
+              </p:cNvPr>
+              <p:cNvSpPr/>
+              <p:nvPr/>
+            </p:nvSpPr>
+            <p:spPr>
+              <a:xfrm>
+                <a:off x="5316498" y="6358492"/>
+                <a:ext cx="1559004" cy="310572"/>
+              </a:xfrm>
+              <a:prstGeom prst="rect">
+                <a:avLst/>
+              </a:prstGeom>
+            </p:spPr>
+            <p:style>
+              <a:lnRef idx="2">
+                <a:schemeClr val="accent1">
+                  <a:shade val="15000"/>
+                </a:schemeClr>
+              </a:lnRef>
+              <a:fillRef idx="1">
+                <a:schemeClr val="accent1"/>
+              </a:fillRef>
+              <a:effectRef idx="0">
+                <a:schemeClr val="accent1"/>
+              </a:effectRef>
+              <a:fontRef idx="minor">
+                <a:schemeClr val="lt1"/>
+              </a:fontRef>
+            </p:style>
+            <p:txBody>
+              <a:bodyPr rtlCol="0" anchor="ctr"/>
+              <a:lstStyle/>
+              <a:p>
+                <a:pPr algn="ctr"/>
+                <a:r>
+                  <a:rPr lang="zh-CN" altLang="en-US" sz="800" dirty="0"/>
+                  <a:t>模型实时异常检测</a:t>
+                </a:r>
+              </a:p>
+            </p:txBody>
+          </p:sp>
+          <p:sp>
+            <p:nvSpPr>
+              <p:cNvPr id="60" name="矩形: 圆角 59">
+                <a:extLst>
+                  <a:ext uri="{FF2B5EF4-FFF2-40B4-BE49-F238E27FC236}">
+                    <a16:creationId xmlns:a16="http://schemas.microsoft.com/office/drawing/2014/main" id="{6D3B7274-8F9F-64AF-2120-E88A9FA02E3D}"/>
+                  </a:ext>
+                </a:extLst>
+              </p:cNvPr>
+              <p:cNvSpPr/>
+              <p:nvPr/>
+            </p:nvSpPr>
+            <p:spPr>
+              <a:xfrm>
+                <a:off x="6220688" y="5888181"/>
+                <a:ext cx="4207165" cy="222919"/>
               </a:xfrm>
               <a:prstGeom prst="roundRect">
                 <a:avLst/>
               </a:prstGeom>
-              <a:grpFill/>
+              <a:solidFill>
+                <a:schemeClr val="accent4">
+                  <a:lumMod val="20000"/>
+                  <a:lumOff val="80000"/>
+                </a:schemeClr>
+              </a:solidFill>
               <a:ln>
                 <a:solidFill>
-                  <a:schemeClr val="accent5">
-                    <a:lumMod val="60000"/>
-                    <a:lumOff val="40000"/>
+                  <a:schemeClr val="accent4">
+                    <a:lumMod val="20000"/>
+                    <a:lumOff val="80000"/>
                   </a:schemeClr>
                 </a:solidFill>
               </a:ln>
@@ -11957,2071 +14468,562 @@
               <a:lstStyle/>
               <a:p>
                 <a:pPr algn="ctr"/>
-                <a:endParaRPr lang="zh-CN" altLang="en-US" sz="800"/>
+                <a:r>
+                  <a:rPr lang="en-US" altLang="zh-CN" sz="800" b="1" dirty="0">
+                    <a:solidFill>
+                      <a:schemeClr val="tx1"/>
+                    </a:solidFill>
+                  </a:rPr>
+                  <a:t>Kafka consumer</a:t>
+                </a:r>
+                <a:endParaRPr lang="zh-CN" altLang="en-US" sz="800" b="1" dirty="0">
+                  <a:solidFill>
+                    <a:schemeClr val="tx1"/>
+                  </a:solidFill>
+                </a:endParaRPr>
               </a:p>
             </p:txBody>
           </p:sp>
-          <p:grpSp>
-            <p:nvGrpSpPr>
-              <p:cNvPr id="25" name="组合 24">
+          <p:sp>
+            <p:nvSpPr>
+              <p:cNvPr id="62" name="矩形: 圆角 61">
                 <a:extLst>
                   <a:ext uri="{FF2B5EF4-FFF2-40B4-BE49-F238E27FC236}">
-                    <a16:creationId xmlns:a16="http://schemas.microsoft.com/office/drawing/2014/main" id="{7D5CEE10-F0A7-B9B6-FF55-2ACF17BE10A1}"/>
+                    <a16:creationId xmlns:a16="http://schemas.microsoft.com/office/drawing/2014/main" id="{932BEFEB-B29F-02D7-F891-1CFAA58F471F}"/>
                   </a:ext>
                 </a:extLst>
               </p:cNvPr>
-              <p:cNvGrpSpPr/>
+              <p:cNvSpPr/>
               <p:nvPr/>
-            </p:nvGrpSpPr>
-            <p:grpSpPr>
+            </p:nvSpPr>
+            <p:spPr>
               <a:xfrm>
-                <a:off x="2862263" y="3429000"/>
-                <a:ext cx="1603303" cy="497896"/>
-                <a:chOff x="2862263" y="3429000"/>
-                <a:chExt cx="1603303" cy="497896"/>
+                <a:off x="1758349" y="5892192"/>
+                <a:ext cx="4207165" cy="222919"/>
               </a:xfrm>
-              <a:grpFill/>
-            </p:grpSpPr>
-            <p:sp>
-              <p:nvSpPr>
-                <p:cNvPr id="26" name="矩形: 圆角 25">
-                  <a:extLst>
-                    <a:ext uri="{FF2B5EF4-FFF2-40B4-BE49-F238E27FC236}">
-                      <a16:creationId xmlns:a16="http://schemas.microsoft.com/office/drawing/2014/main" id="{15A1B238-E397-BE7D-E359-836E18EA1731}"/>
-                    </a:ext>
-                  </a:extLst>
-                </p:cNvPr>
-                <p:cNvSpPr/>
-                <p:nvPr/>
-              </p:nvSpPr>
-              <p:spPr>
-                <a:xfrm>
-                  <a:off x="3403240" y="3463927"/>
-                  <a:ext cx="462107" cy="180110"/>
-                </a:xfrm>
-                <a:prstGeom prst="roundRect">
-                  <a:avLst/>
-                </a:prstGeom>
+              <a:prstGeom prst="roundRect">
+                <a:avLst/>
+              </a:prstGeom>
+              <a:solidFill>
+                <a:schemeClr val="accent4">
+                  <a:lumMod val="20000"/>
+                  <a:lumOff val="80000"/>
+                </a:schemeClr>
+              </a:solidFill>
+              <a:ln>
                 <a:solidFill>
-                  <a:schemeClr val="bg1"/>
+                  <a:schemeClr val="accent4">
+                    <a:lumMod val="20000"/>
+                    <a:lumOff val="80000"/>
+                  </a:schemeClr>
                 </a:solidFill>
-                <a:ln>
-                  <a:solidFill>
-                    <a:schemeClr val="tx1"/>
-                  </a:solidFill>
-                </a:ln>
-              </p:spPr>
-              <p:style>
-                <a:lnRef idx="2">
-                  <a:schemeClr val="accent1">
-                    <a:shade val="15000"/>
-                  </a:schemeClr>
-                </a:lnRef>
-                <a:fillRef idx="1">
-                  <a:schemeClr val="accent1"/>
-                </a:fillRef>
-                <a:effectRef idx="0">
-                  <a:schemeClr val="accent1"/>
-                </a:effectRef>
-                <a:fontRef idx="minor">
-                  <a:schemeClr val="lt1"/>
-                </a:fontRef>
-              </p:style>
-              <p:txBody>
-                <a:bodyPr rtlCol="0" anchor="ctr"/>
-                <a:lstStyle/>
-                <a:p>
-                  <a:pPr algn="ctr"/>
-                  <a:r>
-                    <a:rPr lang="zh-CN" altLang="en-US" sz="800" dirty="0">
-                      <a:solidFill>
-                        <a:schemeClr val="tx1"/>
-                      </a:solidFill>
-                    </a:rPr>
-                    <a:t>分区</a:t>
-                  </a:r>
-                  <a:r>
-                    <a:rPr lang="en-US" altLang="zh-CN" sz="800" dirty="0">
-                      <a:solidFill>
-                        <a:schemeClr val="tx1"/>
-                      </a:solidFill>
-                    </a:rPr>
-                    <a:t>1</a:t>
-                  </a:r>
-                  <a:endParaRPr lang="zh-CN" altLang="en-US" sz="800" dirty="0">
+              </a:ln>
+            </p:spPr>
+            <p:style>
+              <a:lnRef idx="2">
+                <a:schemeClr val="accent1">
+                  <a:shade val="15000"/>
+                </a:schemeClr>
+              </a:lnRef>
+              <a:fillRef idx="1">
+                <a:schemeClr val="accent1"/>
+              </a:fillRef>
+              <a:effectRef idx="0">
+                <a:schemeClr val="accent1"/>
+              </a:effectRef>
+              <a:fontRef idx="minor">
+                <a:schemeClr val="lt1"/>
+              </a:fontRef>
+            </p:style>
+            <p:txBody>
+              <a:bodyPr rtlCol="0" anchor="ctr"/>
+              <a:lstStyle/>
+              <a:p>
+                <a:pPr algn="ctr"/>
+                <a:r>
+                  <a:rPr lang="zh-CN" altLang="en-US" sz="800" b="1" dirty="0">
                     <a:solidFill>
                       <a:schemeClr val="tx1"/>
                     </a:solidFill>
-                  </a:endParaRPr>
-                </a:p>
-              </p:txBody>
-            </p:sp>
-            <p:sp>
-              <p:nvSpPr>
-                <p:cNvPr id="27" name="矩形: 圆角 26">
-                  <a:extLst>
-                    <a:ext uri="{FF2B5EF4-FFF2-40B4-BE49-F238E27FC236}">
-                      <a16:creationId xmlns:a16="http://schemas.microsoft.com/office/drawing/2014/main" id="{F4654964-30CB-872E-696B-95C398680AC5}"/>
-                    </a:ext>
-                  </a:extLst>
-                </p:cNvPr>
-                <p:cNvSpPr/>
-                <p:nvPr/>
-              </p:nvSpPr>
-              <p:spPr>
-                <a:xfrm>
-                  <a:off x="4003459" y="3462195"/>
-                  <a:ext cx="462107" cy="180110"/>
-                </a:xfrm>
-                <a:prstGeom prst="roundRect">
-                  <a:avLst/>
-                </a:prstGeom>
-                <a:solidFill>
-                  <a:schemeClr val="bg1"/>
-                </a:solidFill>
-                <a:ln>
-                  <a:solidFill>
-                    <a:schemeClr val="tx1"/>
-                  </a:solidFill>
-                </a:ln>
-              </p:spPr>
-              <p:style>
-                <a:lnRef idx="2">
-                  <a:schemeClr val="accent1">
-                    <a:shade val="15000"/>
-                  </a:schemeClr>
-                </a:lnRef>
-                <a:fillRef idx="1">
-                  <a:schemeClr val="accent1"/>
-                </a:fillRef>
-                <a:effectRef idx="0">
-                  <a:schemeClr val="accent1"/>
-                </a:effectRef>
-                <a:fontRef idx="minor">
-                  <a:schemeClr val="lt1"/>
-                </a:fontRef>
-              </p:style>
-              <p:txBody>
-                <a:bodyPr rtlCol="0" anchor="ctr"/>
-                <a:lstStyle/>
-                <a:p>
-                  <a:pPr algn="ctr"/>
-                  <a:r>
-                    <a:rPr lang="zh-CN" altLang="en-US" sz="800" dirty="0">
-                      <a:solidFill>
-                        <a:schemeClr val="tx1"/>
-                      </a:solidFill>
-                    </a:rPr>
-                    <a:t>分区</a:t>
-                  </a:r>
-                  <a:r>
-                    <a:rPr lang="en-US" altLang="zh-CN" sz="800" dirty="0">
-                      <a:solidFill>
-                        <a:schemeClr val="tx1"/>
-                      </a:solidFill>
-                    </a:rPr>
-                    <a:t>2</a:t>
-                  </a:r>
-                  <a:endParaRPr lang="zh-CN" altLang="en-US" sz="800" dirty="0">
-                    <a:solidFill>
-                      <a:schemeClr val="tx1"/>
-                    </a:solidFill>
-                  </a:endParaRPr>
-                </a:p>
-              </p:txBody>
-            </p:sp>
-            <p:sp>
-              <p:nvSpPr>
-                <p:cNvPr id="28" name="矩形: 圆角 27">
-                  <a:extLst>
-                    <a:ext uri="{FF2B5EF4-FFF2-40B4-BE49-F238E27FC236}">
-                      <a16:creationId xmlns:a16="http://schemas.microsoft.com/office/drawing/2014/main" id="{0D8495BA-40C4-42CE-FDBA-8722821B1CDD}"/>
-                    </a:ext>
-                  </a:extLst>
-                </p:cNvPr>
-                <p:cNvSpPr/>
-                <p:nvPr/>
-              </p:nvSpPr>
-              <p:spPr>
-                <a:xfrm>
-                  <a:off x="3403240" y="3746786"/>
-                  <a:ext cx="462107" cy="180110"/>
-                </a:xfrm>
-                <a:prstGeom prst="roundRect">
-                  <a:avLst/>
-                </a:prstGeom>
-                <a:solidFill>
-                  <a:schemeClr val="bg1"/>
-                </a:solidFill>
-                <a:ln>
-                  <a:solidFill>
-                    <a:schemeClr val="tx1"/>
-                  </a:solidFill>
-                </a:ln>
-              </p:spPr>
-              <p:style>
-                <a:lnRef idx="2">
-                  <a:schemeClr val="accent1">
-                    <a:shade val="15000"/>
-                  </a:schemeClr>
-                </a:lnRef>
-                <a:fillRef idx="1">
-                  <a:schemeClr val="accent1"/>
-                </a:fillRef>
-                <a:effectRef idx="0">
-                  <a:schemeClr val="accent1"/>
-                </a:effectRef>
-                <a:fontRef idx="minor">
-                  <a:schemeClr val="lt1"/>
-                </a:fontRef>
-              </p:style>
-              <p:txBody>
-                <a:bodyPr rtlCol="0" anchor="ctr"/>
-                <a:lstStyle/>
-                <a:p>
-                  <a:pPr algn="ctr"/>
-                  <a:r>
-                    <a:rPr lang="zh-CN" altLang="en-US" sz="800" dirty="0">
-                      <a:solidFill>
-                        <a:schemeClr val="tx1"/>
-                      </a:solidFill>
-                    </a:rPr>
-                    <a:t>分区</a:t>
-                  </a:r>
-                  <a:r>
-                    <a:rPr lang="en-US" altLang="zh-CN" sz="800" dirty="0">
-                      <a:solidFill>
-                        <a:schemeClr val="tx1"/>
-                      </a:solidFill>
-                    </a:rPr>
-                    <a:t>3</a:t>
-                  </a:r>
-                  <a:endParaRPr lang="zh-CN" altLang="en-US" sz="800" dirty="0">
-                    <a:solidFill>
-                      <a:schemeClr val="tx1"/>
-                    </a:solidFill>
-                  </a:endParaRPr>
-                </a:p>
-              </p:txBody>
-            </p:sp>
-            <p:sp>
-              <p:nvSpPr>
-                <p:cNvPr id="29" name="矩形: 圆角 28">
-                  <a:extLst>
-                    <a:ext uri="{FF2B5EF4-FFF2-40B4-BE49-F238E27FC236}">
-                      <a16:creationId xmlns:a16="http://schemas.microsoft.com/office/drawing/2014/main" id="{1C78C772-508F-DD82-4F28-8AA7AA70534D}"/>
-                    </a:ext>
-                  </a:extLst>
-                </p:cNvPr>
-                <p:cNvSpPr/>
-                <p:nvPr/>
-              </p:nvSpPr>
-              <p:spPr>
-                <a:xfrm>
-                  <a:off x="4003459" y="3746643"/>
-                  <a:ext cx="462107" cy="180110"/>
-                </a:xfrm>
-                <a:prstGeom prst="roundRect">
-                  <a:avLst/>
-                </a:prstGeom>
-                <a:solidFill>
-                  <a:schemeClr val="bg1"/>
-                </a:solidFill>
-                <a:ln>
-                  <a:solidFill>
-                    <a:schemeClr val="tx1"/>
-                  </a:solidFill>
-                </a:ln>
-              </p:spPr>
-              <p:style>
-                <a:lnRef idx="2">
-                  <a:schemeClr val="accent1">
-                    <a:shade val="15000"/>
-                  </a:schemeClr>
-                </a:lnRef>
-                <a:fillRef idx="1">
-                  <a:schemeClr val="accent1"/>
-                </a:fillRef>
-                <a:effectRef idx="0">
-                  <a:schemeClr val="accent1"/>
-                </a:effectRef>
-                <a:fontRef idx="minor">
-                  <a:schemeClr val="lt1"/>
-                </a:fontRef>
-              </p:style>
-              <p:txBody>
-                <a:bodyPr rtlCol="0" anchor="ctr"/>
-                <a:lstStyle/>
-                <a:p>
-                  <a:pPr algn="ctr"/>
-                  <a:r>
-                    <a:rPr lang="zh-CN" altLang="en-US" sz="800" dirty="0">
-                      <a:solidFill>
-                        <a:schemeClr val="tx1"/>
-                      </a:solidFill>
-                    </a:rPr>
-                    <a:t>分区</a:t>
-                  </a:r>
-                  <a:r>
-                    <a:rPr lang="en-US" altLang="zh-CN" sz="800" dirty="0">
-                      <a:solidFill>
-                        <a:schemeClr val="tx1"/>
-                      </a:solidFill>
-                    </a:rPr>
-                    <a:t>n</a:t>
-                  </a:r>
-                  <a:endParaRPr lang="zh-CN" altLang="en-US" sz="800" dirty="0">
-                    <a:solidFill>
-                      <a:schemeClr val="tx1"/>
-                    </a:solidFill>
-                  </a:endParaRPr>
-                </a:p>
-              </p:txBody>
-            </p:sp>
-            <p:sp>
-              <p:nvSpPr>
-                <p:cNvPr id="30" name="文本框 29">
-                  <a:extLst>
-                    <a:ext uri="{FF2B5EF4-FFF2-40B4-BE49-F238E27FC236}">
-                      <a16:creationId xmlns:a16="http://schemas.microsoft.com/office/drawing/2014/main" id="{361E3839-A2F7-DCBA-4A09-9B863583E37F}"/>
-                    </a:ext>
-                  </a:extLst>
-                </p:cNvPr>
-                <p:cNvSpPr txBox="1"/>
-                <p:nvPr/>
-              </p:nvSpPr>
-              <p:spPr>
-                <a:xfrm>
-                  <a:off x="2862263" y="3429000"/>
-                  <a:ext cx="522359" cy="246221"/>
-                </a:xfrm>
-                <a:prstGeom prst="rect">
-                  <a:avLst/>
-                </a:prstGeom>
-                <a:grpFill/>
-                <a:ln>
-                  <a:solidFill>
-                    <a:schemeClr val="accent5">
-                      <a:lumMod val="60000"/>
-                      <a:lumOff val="40000"/>
-                    </a:schemeClr>
-                  </a:solidFill>
-                </a:ln>
-              </p:spPr>
-              <p:txBody>
-                <a:bodyPr wrap="square" rtlCol="0">
-                  <a:spAutoFit/>
-                </a:bodyPr>
-                <a:lstStyle/>
-                <a:p>
-                  <a:r>
-                    <a:rPr lang="zh-CN" altLang="en-US" sz="1000" b="1" dirty="0"/>
-                    <a:t>主题</a:t>
-                  </a:r>
-                  <a:r>
-                    <a:rPr lang="en-US" altLang="zh-CN" sz="1000" b="1" dirty="0"/>
-                    <a:t>n</a:t>
-                  </a:r>
-                  <a:endParaRPr lang="zh-CN" altLang="en-US" sz="1000" b="1" dirty="0"/>
-                </a:p>
-              </p:txBody>
-            </p:sp>
-          </p:grpSp>
+                  </a:rPr>
+                  <a:t>历史数据预处理</a:t>
+                </a:r>
+              </a:p>
+            </p:txBody>
+          </p:sp>
+          <p:sp>
+            <p:nvSpPr>
+              <p:cNvPr id="63" name="矩形 62">
+                <a:extLst>
+                  <a:ext uri="{FF2B5EF4-FFF2-40B4-BE49-F238E27FC236}">
+                    <a16:creationId xmlns:a16="http://schemas.microsoft.com/office/drawing/2014/main" id="{02F05CE6-DFCC-CF76-A193-D5C5278E9E9C}"/>
+                  </a:ext>
+                </a:extLst>
+              </p:cNvPr>
+              <p:cNvSpPr/>
+              <p:nvPr/>
+            </p:nvSpPr>
+            <p:spPr>
+              <a:xfrm>
+                <a:off x="7592214" y="6349631"/>
+                <a:ext cx="1559004" cy="310572"/>
+              </a:xfrm>
+              <a:prstGeom prst="rect">
+                <a:avLst/>
+              </a:prstGeom>
+            </p:spPr>
+            <p:style>
+              <a:lnRef idx="2">
+                <a:schemeClr val="accent1">
+                  <a:shade val="15000"/>
+                </a:schemeClr>
+              </a:lnRef>
+              <a:fillRef idx="1">
+                <a:schemeClr val="accent1"/>
+              </a:fillRef>
+              <a:effectRef idx="0">
+                <a:schemeClr val="accent1"/>
+              </a:effectRef>
+              <a:fontRef idx="minor">
+                <a:schemeClr val="lt1"/>
+              </a:fontRef>
+            </p:style>
+            <p:txBody>
+              <a:bodyPr rtlCol="0" anchor="ctr"/>
+              <a:lstStyle/>
+              <a:p>
+                <a:pPr algn="ctr"/>
+                <a:r>
+                  <a:rPr lang="zh-CN" altLang="en-US" sz="800" dirty="0"/>
+                  <a:t>异常通知</a:t>
+                </a:r>
+              </a:p>
+            </p:txBody>
+          </p:sp>
+          <p:sp>
+            <p:nvSpPr>
+              <p:cNvPr id="64" name="文本框 63">
+                <a:extLst>
+                  <a:ext uri="{FF2B5EF4-FFF2-40B4-BE49-F238E27FC236}">
+                    <a16:creationId xmlns:a16="http://schemas.microsoft.com/office/drawing/2014/main" id="{D3F7E115-84A6-E972-5659-0A7CF857838F}"/>
+                  </a:ext>
+                </a:extLst>
+              </p:cNvPr>
+              <p:cNvSpPr txBox="1"/>
+              <p:nvPr/>
+            </p:nvSpPr>
+            <p:spPr>
+              <a:xfrm>
+                <a:off x="1780639" y="6298024"/>
+                <a:ext cx="1432394" cy="252354"/>
+              </a:xfrm>
+              <a:prstGeom prst="rect">
+                <a:avLst/>
+              </a:prstGeom>
+              <a:noFill/>
+            </p:spPr>
+            <p:txBody>
+              <a:bodyPr wrap="square" rtlCol="0">
+                <a:spAutoFit/>
+              </a:bodyPr>
+              <a:lstStyle/>
+              <a:p>
+                <a:r>
+                  <a:rPr lang="zh-CN" altLang="en-US" sz="800" b="1" dirty="0"/>
+                  <a:t>异常检测</a:t>
+                </a:r>
+              </a:p>
+            </p:txBody>
+          </p:sp>
+          <p:cxnSp>
+            <p:nvCxnSpPr>
+              <p:cNvPr id="68" name="直接箭头连接符 67">
+                <a:extLst>
+                  <a:ext uri="{FF2B5EF4-FFF2-40B4-BE49-F238E27FC236}">
+                    <a16:creationId xmlns:a16="http://schemas.microsoft.com/office/drawing/2014/main" id="{A67A2273-1825-7426-66C6-97F6DA9703D0}"/>
+                  </a:ext>
+                </a:extLst>
+              </p:cNvPr>
+              <p:cNvCxnSpPr/>
+              <p:nvPr/>
+            </p:nvCxnSpPr>
+            <p:spPr>
+              <a:xfrm>
+                <a:off x="8154590" y="479188"/>
+                <a:ext cx="0" cy="369957"/>
+              </a:xfrm>
+              <a:prstGeom prst="straightConnector1">
+                <a:avLst/>
+              </a:prstGeom>
+              <a:ln>
+                <a:tailEnd type="triangle"/>
+              </a:ln>
+            </p:spPr>
+            <p:style>
+              <a:lnRef idx="1">
+                <a:schemeClr val="accent1"/>
+              </a:lnRef>
+              <a:fillRef idx="0">
+                <a:schemeClr val="accent1"/>
+              </a:fillRef>
+              <a:effectRef idx="0">
+                <a:schemeClr val="accent1"/>
+              </a:effectRef>
+              <a:fontRef idx="minor">
+                <a:schemeClr val="tx1"/>
+              </a:fontRef>
+            </p:style>
+          </p:cxnSp>
+          <p:cxnSp>
+            <p:nvCxnSpPr>
+              <p:cNvPr id="70" name="直接箭头连接符 69">
+                <a:extLst>
+                  <a:ext uri="{FF2B5EF4-FFF2-40B4-BE49-F238E27FC236}">
+                    <a16:creationId xmlns:a16="http://schemas.microsoft.com/office/drawing/2014/main" id="{6D8B5BF2-3B39-434B-15B9-450E5C7EF36B}"/>
+                  </a:ext>
+                </a:extLst>
+              </p:cNvPr>
+              <p:cNvCxnSpPr/>
+              <p:nvPr/>
+            </p:nvCxnSpPr>
+            <p:spPr>
+              <a:xfrm>
+                <a:off x="3343563" y="479188"/>
+                <a:ext cx="0" cy="369957"/>
+              </a:xfrm>
+              <a:prstGeom prst="straightConnector1">
+                <a:avLst/>
+              </a:prstGeom>
+              <a:ln>
+                <a:tailEnd type="triangle"/>
+              </a:ln>
+            </p:spPr>
+            <p:style>
+              <a:lnRef idx="1">
+                <a:schemeClr val="accent1"/>
+              </a:lnRef>
+              <a:fillRef idx="0">
+                <a:schemeClr val="accent1"/>
+              </a:fillRef>
+              <a:effectRef idx="0">
+                <a:schemeClr val="accent1"/>
+              </a:effectRef>
+              <a:fontRef idx="minor">
+                <a:schemeClr val="tx1"/>
+              </a:fontRef>
+            </p:style>
+          </p:cxnSp>
+          <p:sp>
+            <p:nvSpPr>
+              <p:cNvPr id="71" name="文本框 70">
+                <a:extLst>
+                  <a:ext uri="{FF2B5EF4-FFF2-40B4-BE49-F238E27FC236}">
+                    <a16:creationId xmlns:a16="http://schemas.microsoft.com/office/drawing/2014/main" id="{C9D56866-E569-A1EC-CBFB-9294F7270C6C}"/>
+                  </a:ext>
+                </a:extLst>
+              </p:cNvPr>
+              <p:cNvSpPr txBox="1"/>
+              <p:nvPr/>
+            </p:nvSpPr>
+            <p:spPr>
+              <a:xfrm>
+                <a:off x="2681365" y="507209"/>
+                <a:ext cx="871612" cy="252354"/>
+              </a:xfrm>
+              <a:prstGeom prst="rect">
+                <a:avLst/>
+              </a:prstGeom>
+              <a:noFill/>
+            </p:spPr>
+            <p:txBody>
+              <a:bodyPr wrap="square" rtlCol="0">
+                <a:spAutoFit/>
+              </a:bodyPr>
+              <a:lstStyle/>
+              <a:p>
+                <a:r>
+                  <a:rPr lang="en-US" altLang="zh-CN" sz="800" dirty="0"/>
+                  <a:t>Mqtt</a:t>
+                </a:r>
+                <a:r>
+                  <a:rPr lang="zh-CN" altLang="en-US" sz="800" dirty="0"/>
+                  <a:t>请求</a:t>
+                </a:r>
+              </a:p>
+            </p:txBody>
+          </p:sp>
+          <p:sp>
+            <p:nvSpPr>
+              <p:cNvPr id="72" name="文本框 71">
+                <a:extLst>
+                  <a:ext uri="{FF2B5EF4-FFF2-40B4-BE49-F238E27FC236}">
+                    <a16:creationId xmlns:a16="http://schemas.microsoft.com/office/drawing/2014/main" id="{AFFAE5A8-D6FF-957B-ED7D-47243ECE75E5}"/>
+                  </a:ext>
+                </a:extLst>
+              </p:cNvPr>
+              <p:cNvSpPr txBox="1"/>
+              <p:nvPr/>
+            </p:nvSpPr>
+            <p:spPr>
+              <a:xfrm>
+                <a:off x="7535784" y="547271"/>
+                <a:ext cx="871612" cy="252354"/>
+              </a:xfrm>
+              <a:prstGeom prst="rect">
+                <a:avLst/>
+              </a:prstGeom>
+              <a:noFill/>
+            </p:spPr>
+            <p:txBody>
+              <a:bodyPr wrap="square" rtlCol="0">
+                <a:spAutoFit/>
+              </a:bodyPr>
+              <a:lstStyle/>
+              <a:p>
+                <a:r>
+                  <a:rPr lang="en-US" altLang="zh-CN" sz="800" dirty="0"/>
+                  <a:t>https</a:t>
+                </a:r>
+                <a:r>
+                  <a:rPr lang="zh-CN" altLang="en-US" sz="800" dirty="0"/>
+                  <a:t>请求</a:t>
+                </a:r>
+              </a:p>
+            </p:txBody>
+          </p:sp>
+          <p:cxnSp>
+            <p:nvCxnSpPr>
+              <p:cNvPr id="74" name="直接箭头连接符 73">
+                <a:extLst>
+                  <a:ext uri="{FF2B5EF4-FFF2-40B4-BE49-F238E27FC236}">
+                    <a16:creationId xmlns:a16="http://schemas.microsoft.com/office/drawing/2014/main" id="{3C8F0C74-1CF1-BA24-77F4-6CD15D95AC0F}"/>
+                  </a:ext>
+                </a:extLst>
+              </p:cNvPr>
+              <p:cNvCxnSpPr/>
+              <p:nvPr/>
+            </p:nvCxnSpPr>
+            <p:spPr>
+              <a:xfrm>
+                <a:off x="4097993" y="2914352"/>
+                <a:ext cx="0" cy="197880"/>
+              </a:xfrm>
+              <a:prstGeom prst="straightConnector1">
+                <a:avLst/>
+              </a:prstGeom>
+              <a:ln>
+                <a:tailEnd type="triangle"/>
+              </a:ln>
+            </p:spPr>
+            <p:style>
+              <a:lnRef idx="1">
+                <a:schemeClr val="accent1"/>
+              </a:lnRef>
+              <a:fillRef idx="0">
+                <a:schemeClr val="accent1"/>
+              </a:fillRef>
+              <a:effectRef idx="0">
+                <a:schemeClr val="accent1"/>
+              </a:effectRef>
+              <a:fontRef idx="minor">
+                <a:schemeClr val="tx1"/>
+              </a:fontRef>
+            </p:style>
+          </p:cxnSp>
+          <p:cxnSp>
+            <p:nvCxnSpPr>
+              <p:cNvPr id="78" name="直接箭头连接符 77">
+                <a:extLst>
+                  <a:ext uri="{FF2B5EF4-FFF2-40B4-BE49-F238E27FC236}">
+                    <a16:creationId xmlns:a16="http://schemas.microsoft.com/office/drawing/2014/main" id="{91F19FE9-E636-752B-EEE1-D3AEB0A1491C}"/>
+                  </a:ext>
+                </a:extLst>
+              </p:cNvPr>
+              <p:cNvCxnSpPr>
+                <a:endCxn id="53" idx="2"/>
+              </p:cNvCxnSpPr>
+              <p:nvPr/>
+            </p:nvCxnSpPr>
+            <p:spPr>
+              <a:xfrm flipV="1">
+                <a:off x="8036719" y="2914352"/>
+                <a:ext cx="0" cy="197880"/>
+              </a:xfrm>
+              <a:prstGeom prst="straightConnector1">
+                <a:avLst/>
+              </a:prstGeom>
+              <a:ln>
+                <a:tailEnd type="triangle"/>
+              </a:ln>
+            </p:spPr>
+            <p:style>
+              <a:lnRef idx="1">
+                <a:schemeClr val="accent1"/>
+              </a:lnRef>
+              <a:fillRef idx="0">
+                <a:schemeClr val="accent1"/>
+              </a:fillRef>
+              <a:effectRef idx="0">
+                <a:schemeClr val="accent1"/>
+              </a:effectRef>
+              <a:fontRef idx="minor">
+                <a:schemeClr val="tx1"/>
+              </a:fontRef>
+            </p:style>
+          </p:cxnSp>
+          <p:cxnSp>
+            <p:nvCxnSpPr>
+              <p:cNvPr id="80" name="直接箭头连接符 79">
+                <a:extLst>
+                  <a:ext uri="{FF2B5EF4-FFF2-40B4-BE49-F238E27FC236}">
+                    <a16:creationId xmlns:a16="http://schemas.microsoft.com/office/drawing/2014/main" id="{3DBC0F19-941B-1137-20ED-2CEBF99A1A92}"/>
+                  </a:ext>
+                </a:extLst>
+              </p:cNvPr>
+              <p:cNvCxnSpPr>
+                <a:endCxn id="62" idx="0"/>
+              </p:cNvCxnSpPr>
+              <p:nvPr/>
+            </p:nvCxnSpPr>
+            <p:spPr>
+              <a:xfrm>
+                <a:off x="3861932" y="5546013"/>
+                <a:ext cx="0" cy="346179"/>
+              </a:xfrm>
+              <a:prstGeom prst="straightConnector1">
+                <a:avLst/>
+              </a:prstGeom>
+              <a:ln>
+                <a:tailEnd type="triangle"/>
+              </a:ln>
+            </p:spPr>
+            <p:style>
+              <a:lnRef idx="1">
+                <a:schemeClr val="accent1"/>
+              </a:lnRef>
+              <a:fillRef idx="0">
+                <a:schemeClr val="accent1"/>
+              </a:fillRef>
+              <a:effectRef idx="0">
+                <a:schemeClr val="accent1"/>
+              </a:effectRef>
+              <a:fontRef idx="minor">
+                <a:schemeClr val="tx1"/>
+              </a:fontRef>
+            </p:style>
+          </p:cxnSp>
+          <p:cxnSp>
+            <p:nvCxnSpPr>
+              <p:cNvPr id="88" name="直接箭头连接符 87">
+                <a:extLst>
+                  <a:ext uri="{FF2B5EF4-FFF2-40B4-BE49-F238E27FC236}">
+                    <a16:creationId xmlns:a16="http://schemas.microsoft.com/office/drawing/2014/main" id="{C097E2CD-3243-13C0-4874-5C1294836B0B}"/>
+                  </a:ext>
+                </a:extLst>
+              </p:cNvPr>
+              <p:cNvCxnSpPr/>
+              <p:nvPr/>
+            </p:nvCxnSpPr>
+            <p:spPr>
+              <a:xfrm>
+                <a:off x="8210095" y="5518298"/>
+                <a:ext cx="0" cy="346179"/>
+              </a:xfrm>
+              <a:prstGeom prst="straightConnector1">
+                <a:avLst/>
+              </a:prstGeom>
+              <a:ln>
+                <a:tailEnd type="triangle"/>
+              </a:ln>
+            </p:spPr>
+            <p:style>
+              <a:lnRef idx="1">
+                <a:schemeClr val="accent1"/>
+              </a:lnRef>
+              <a:fillRef idx="0">
+                <a:schemeClr val="accent1"/>
+              </a:fillRef>
+              <a:effectRef idx="0">
+                <a:schemeClr val="accent1"/>
+              </a:effectRef>
+              <a:fontRef idx="minor">
+                <a:schemeClr val="tx1"/>
+              </a:fontRef>
+            </p:style>
+          </p:cxnSp>
+          <p:sp>
+            <p:nvSpPr>
+              <p:cNvPr id="89" name="文本框 88">
+                <a:extLst>
+                  <a:ext uri="{FF2B5EF4-FFF2-40B4-BE49-F238E27FC236}">
+                    <a16:creationId xmlns:a16="http://schemas.microsoft.com/office/drawing/2014/main" id="{3143FC40-C30B-A72D-C5B3-DB17C6F51501}"/>
+                  </a:ext>
+                </a:extLst>
+              </p:cNvPr>
+              <p:cNvSpPr txBox="1"/>
+              <p:nvPr/>
+            </p:nvSpPr>
+            <p:spPr>
+              <a:xfrm>
+                <a:off x="1865318" y="3087937"/>
+                <a:ext cx="362731" cy="2676970"/>
+              </a:xfrm>
+              <a:prstGeom prst="rect">
+                <a:avLst/>
+              </a:prstGeom>
+              <a:noFill/>
+            </p:spPr>
+            <p:txBody>
+              <a:bodyPr vert="eaVert" wrap="square" rtlCol="0">
+                <a:spAutoFit/>
+              </a:bodyPr>
+              <a:lstStyle/>
+              <a:p>
+                <a:r>
+                  <a:rPr lang="zh-CN" altLang="en-US" sz="800" b="1" dirty="0"/>
+                  <a:t>云端服务</a:t>
+                </a:r>
+              </a:p>
+            </p:txBody>
+          </p:sp>
         </p:grpSp>
-        <p:sp>
-          <p:nvSpPr>
-            <p:cNvPr id="31" name="文本框 30">
+        <p:pic>
+          <p:nvPicPr>
+            <p:cNvPr id="66" name="图形 65" descr="用户">
               <a:extLst>
                 <a:ext uri="{FF2B5EF4-FFF2-40B4-BE49-F238E27FC236}">
-                  <a16:creationId xmlns:a16="http://schemas.microsoft.com/office/drawing/2014/main" id="{393BC655-FA1F-876A-834C-1D79143AD5B9}"/>
+                  <a16:creationId xmlns:a16="http://schemas.microsoft.com/office/drawing/2014/main" id="{CA01FB64-6E1D-9869-F9E3-4B25B75D9561}"/>
                 </a:ext>
               </a:extLst>
             </p:cNvPr>
-            <p:cNvSpPr txBox="1"/>
+            <p:cNvPicPr>
+              <a:picLocks noChangeAspect="1"/>
+            </p:cNvPicPr>
             <p:nvPr/>
-          </p:nvSpPr>
+          </p:nvPicPr>
+          <p:blipFill>
+            <a:blip r:embed="rId3">
+              <a:extLst>
+                <a:ext uri="{96DAC541-7B7A-43D3-8B79-37D633B846F1}">
+                  <asvg:svgBlip xmlns:asvg="http://schemas.microsoft.com/office/drawing/2016/SVG/main" r:embed="rId4"/>
+                </a:ext>
+              </a:extLst>
+            </a:blip>
+            <a:stretch>
+              <a:fillRect/>
+            </a:stretch>
+          </p:blipFill>
           <p:spPr>
             <a:xfrm>
-              <a:off x="2364884" y="3247008"/>
-              <a:ext cx="1432394" cy="246221"/>
+              <a:off x="6903286" y="949609"/>
+              <a:ext cx="489961" cy="489961"/>
             </a:xfrm>
             <a:prstGeom prst="rect">
               <a:avLst/>
             </a:prstGeom>
-            <a:noFill/>
           </p:spPr>
-          <p:txBody>
-            <a:bodyPr wrap="square" rtlCol="0">
-              <a:spAutoFit/>
-            </a:bodyPr>
-            <a:lstStyle/>
-            <a:p>
-              <a:r>
-                <a:rPr lang="en-US" altLang="zh-CN" sz="1000" b="1" dirty="0"/>
-                <a:t>Kafka broker </a:t>
-              </a:r>
-              <a:r>
-                <a:rPr lang="zh-CN" altLang="en-US" sz="1000" b="1" dirty="0"/>
-                <a:t>集群</a:t>
-              </a:r>
-            </a:p>
-          </p:txBody>
-        </p:sp>
-        <p:sp>
-          <p:nvSpPr>
-            <p:cNvPr id="32" name="矩形: 圆角 31">
-              <a:extLst>
-                <a:ext uri="{FF2B5EF4-FFF2-40B4-BE49-F238E27FC236}">
-                  <a16:creationId xmlns:a16="http://schemas.microsoft.com/office/drawing/2014/main" id="{585DA6BF-8F2F-74D0-CF6C-1C30E629994A}"/>
-                </a:ext>
-              </a:extLst>
-            </p:cNvPr>
-            <p:cNvSpPr/>
-            <p:nvPr/>
-          </p:nvSpPr>
-          <p:spPr>
-            <a:xfrm>
-              <a:off x="2276764" y="4317999"/>
-              <a:ext cx="7490690" cy="263237"/>
-            </a:xfrm>
-            <a:prstGeom prst="roundRect">
-              <a:avLst/>
-            </a:prstGeom>
-            <a:solidFill>
-              <a:schemeClr val="accent1">
-                <a:lumMod val="60000"/>
-                <a:lumOff val="40000"/>
-              </a:schemeClr>
-            </a:solidFill>
-            <a:ln>
-              <a:solidFill>
-                <a:schemeClr val="accent1">
-                  <a:lumMod val="60000"/>
-                  <a:lumOff val="40000"/>
-                </a:schemeClr>
-              </a:solidFill>
-            </a:ln>
-          </p:spPr>
-          <p:style>
-            <a:lnRef idx="2">
-              <a:schemeClr val="accent1">
-                <a:shade val="15000"/>
-              </a:schemeClr>
-            </a:lnRef>
-            <a:fillRef idx="1">
-              <a:schemeClr val="accent1"/>
-            </a:fillRef>
-            <a:effectRef idx="0">
-              <a:schemeClr val="accent1"/>
-            </a:effectRef>
-            <a:fontRef idx="minor">
-              <a:schemeClr val="lt1"/>
-            </a:fontRef>
-          </p:style>
-          <p:txBody>
-            <a:bodyPr rtlCol="0" anchor="ctr"/>
-            <a:lstStyle/>
-            <a:p>
-              <a:pPr algn="ctr"/>
-              <a:r>
-                <a:rPr lang="zh-CN" altLang="en-US" sz="1000" b="1" dirty="0">
-                  <a:solidFill>
-                    <a:schemeClr val="tx1"/>
-                  </a:solidFill>
-                </a:rPr>
-                <a:t>规则引擎路由</a:t>
-              </a:r>
-            </a:p>
-          </p:txBody>
-        </p:sp>
-        <p:sp>
-          <p:nvSpPr>
-            <p:cNvPr id="33" name="矩形: 圆角 32">
-              <a:extLst>
-                <a:ext uri="{FF2B5EF4-FFF2-40B4-BE49-F238E27FC236}">
-                  <a16:creationId xmlns:a16="http://schemas.microsoft.com/office/drawing/2014/main" id="{DA299333-37EA-32F2-F766-EDA6EE4E9FD5}"/>
-                </a:ext>
-              </a:extLst>
-            </p:cNvPr>
-            <p:cNvSpPr/>
-            <p:nvPr/>
-          </p:nvSpPr>
-          <p:spPr>
-            <a:xfrm>
-              <a:off x="2276764" y="4696691"/>
-              <a:ext cx="3611419" cy="928253"/>
-            </a:xfrm>
-            <a:prstGeom prst="roundRect">
-              <a:avLst/>
-            </a:prstGeom>
-            <a:solidFill>
-              <a:schemeClr val="accent1">
-                <a:lumMod val="60000"/>
-                <a:lumOff val="40000"/>
-              </a:schemeClr>
-            </a:solidFill>
-            <a:ln>
-              <a:solidFill>
-                <a:schemeClr val="accent1">
-                  <a:lumMod val="60000"/>
-                  <a:lumOff val="40000"/>
-                </a:schemeClr>
-              </a:solidFill>
-            </a:ln>
-          </p:spPr>
-          <p:style>
-            <a:lnRef idx="2">
-              <a:schemeClr val="accent1">
-                <a:shade val="15000"/>
-              </a:schemeClr>
-            </a:lnRef>
-            <a:fillRef idx="1">
-              <a:schemeClr val="accent1"/>
-            </a:fillRef>
-            <a:effectRef idx="0">
-              <a:schemeClr val="accent1"/>
-            </a:effectRef>
-            <a:fontRef idx="minor">
-              <a:schemeClr val="lt1"/>
-            </a:fontRef>
-          </p:style>
-          <p:txBody>
-            <a:bodyPr rtlCol="0" anchor="ctr"/>
-            <a:lstStyle/>
-            <a:p>
-              <a:pPr algn="ctr"/>
-              <a:endParaRPr lang="zh-CN" altLang="en-US" sz="800" dirty="0"/>
-            </a:p>
-          </p:txBody>
-        </p:sp>
-        <p:sp>
-          <p:nvSpPr>
-            <p:cNvPr id="35" name="流程图: 磁盘 34">
-              <a:extLst>
-                <a:ext uri="{FF2B5EF4-FFF2-40B4-BE49-F238E27FC236}">
-                  <a16:creationId xmlns:a16="http://schemas.microsoft.com/office/drawing/2014/main" id="{DCA07B34-9AED-CDF1-9002-15B39A65ADE5}"/>
-                </a:ext>
-              </a:extLst>
-            </p:cNvPr>
-            <p:cNvSpPr/>
-            <p:nvPr/>
-          </p:nvSpPr>
-          <p:spPr>
-            <a:xfrm>
-              <a:off x="2770909" y="4987636"/>
-              <a:ext cx="508000" cy="461819"/>
-            </a:xfrm>
-            <a:prstGeom prst="flowChartMagneticDisk">
-              <a:avLst/>
-            </a:prstGeom>
-          </p:spPr>
-          <p:style>
-            <a:lnRef idx="2">
-              <a:schemeClr val="accent1">
-                <a:shade val="15000"/>
-              </a:schemeClr>
-            </a:lnRef>
-            <a:fillRef idx="1">
-              <a:schemeClr val="accent1"/>
-            </a:fillRef>
-            <a:effectRef idx="0">
-              <a:schemeClr val="accent1"/>
-            </a:effectRef>
-            <a:fontRef idx="minor">
-              <a:schemeClr val="lt1"/>
-            </a:fontRef>
-          </p:style>
-          <p:txBody>
-            <a:bodyPr rtlCol="0" anchor="ctr"/>
-            <a:lstStyle/>
-            <a:p>
-              <a:pPr algn="ctr"/>
-              <a:r>
-                <a:rPr lang="en-US" altLang="zh-CN" sz="1000" dirty="0"/>
-                <a:t>DB1</a:t>
-              </a:r>
-              <a:endParaRPr lang="zh-CN" altLang="en-US" sz="1000" dirty="0"/>
-            </a:p>
-          </p:txBody>
-        </p:sp>
-        <p:sp>
-          <p:nvSpPr>
-            <p:cNvPr id="36" name="矩形: 圆角 35">
-              <a:extLst>
-                <a:ext uri="{FF2B5EF4-FFF2-40B4-BE49-F238E27FC236}">
-                  <a16:creationId xmlns:a16="http://schemas.microsoft.com/office/drawing/2014/main" id="{41A490E7-90D0-2F4B-1405-B25BC91E63BA}"/>
-                </a:ext>
-              </a:extLst>
-            </p:cNvPr>
-            <p:cNvSpPr/>
-            <p:nvPr/>
-          </p:nvSpPr>
-          <p:spPr>
-            <a:xfrm>
-              <a:off x="6156034" y="4696691"/>
-              <a:ext cx="3611420" cy="378687"/>
-            </a:xfrm>
-            <a:prstGeom prst="roundRect">
-              <a:avLst/>
-            </a:prstGeom>
-            <a:solidFill>
-              <a:schemeClr val="accent1">
-                <a:lumMod val="60000"/>
-                <a:lumOff val="40000"/>
-              </a:schemeClr>
-            </a:solidFill>
-            <a:ln>
-              <a:solidFill>
-                <a:schemeClr val="accent1">
-                  <a:lumMod val="60000"/>
-                  <a:lumOff val="40000"/>
-                </a:schemeClr>
-              </a:solidFill>
-            </a:ln>
-          </p:spPr>
-          <p:style>
-            <a:lnRef idx="2">
-              <a:schemeClr val="accent1">
-                <a:shade val="15000"/>
-              </a:schemeClr>
-            </a:lnRef>
-            <a:fillRef idx="1">
-              <a:schemeClr val="accent1"/>
-            </a:fillRef>
-            <a:effectRef idx="0">
-              <a:schemeClr val="accent1"/>
-            </a:effectRef>
-            <a:fontRef idx="minor">
-              <a:schemeClr val="lt1"/>
-            </a:fontRef>
-          </p:style>
-          <p:txBody>
-            <a:bodyPr rtlCol="0" anchor="ctr"/>
-            <a:lstStyle/>
-            <a:p>
-              <a:pPr algn="ctr"/>
-              <a:r>
-                <a:rPr lang="en-US" altLang="zh-CN" sz="1000" b="1" dirty="0">
-                  <a:solidFill>
-                    <a:schemeClr val="tx1"/>
-                  </a:solidFill>
-                </a:rPr>
-                <a:t>Websocket </a:t>
-              </a:r>
-              <a:r>
-                <a:rPr lang="zh-CN" altLang="en-US" sz="1000" b="1" dirty="0">
-                  <a:solidFill>
-                    <a:schemeClr val="tx1"/>
-                  </a:solidFill>
-                </a:rPr>
-                <a:t>服务端</a:t>
-              </a:r>
-            </a:p>
-          </p:txBody>
-        </p:sp>
-        <p:sp>
-          <p:nvSpPr>
-            <p:cNvPr id="37" name="矩形: 圆角 36">
-              <a:extLst>
-                <a:ext uri="{FF2B5EF4-FFF2-40B4-BE49-F238E27FC236}">
-                  <a16:creationId xmlns:a16="http://schemas.microsoft.com/office/drawing/2014/main" id="{CB3F9E3A-A7C0-CF1D-EA96-9DBCAE41A4FB}"/>
-                </a:ext>
-              </a:extLst>
-            </p:cNvPr>
-            <p:cNvSpPr/>
-            <p:nvPr/>
-          </p:nvSpPr>
-          <p:spPr>
-            <a:xfrm>
-              <a:off x="6156034" y="5218542"/>
-              <a:ext cx="3611420" cy="378687"/>
-            </a:xfrm>
-            <a:prstGeom prst="roundRect">
-              <a:avLst/>
-            </a:prstGeom>
-            <a:solidFill>
-              <a:schemeClr val="accent1">
-                <a:lumMod val="60000"/>
-                <a:lumOff val="40000"/>
-              </a:schemeClr>
-            </a:solidFill>
-            <a:ln>
-              <a:solidFill>
-                <a:schemeClr val="accent1">
-                  <a:lumMod val="60000"/>
-                  <a:lumOff val="40000"/>
-                </a:schemeClr>
-              </a:solidFill>
-            </a:ln>
-          </p:spPr>
-          <p:style>
-            <a:lnRef idx="2">
-              <a:schemeClr val="accent1">
-                <a:shade val="15000"/>
-              </a:schemeClr>
-            </a:lnRef>
-            <a:fillRef idx="1">
-              <a:schemeClr val="accent1"/>
-            </a:fillRef>
-            <a:effectRef idx="0">
-              <a:schemeClr val="accent1"/>
-            </a:effectRef>
-            <a:fontRef idx="minor">
-              <a:schemeClr val="lt1"/>
-            </a:fontRef>
-          </p:style>
-          <p:txBody>
-            <a:bodyPr rtlCol="0" anchor="ctr"/>
-            <a:lstStyle/>
-            <a:p>
-              <a:pPr algn="ctr"/>
-              <a:r>
-                <a:rPr lang="en-US" altLang="zh-CN" sz="1000" b="1" dirty="0">
-                  <a:solidFill>
-                    <a:schemeClr val="tx1"/>
-                  </a:solidFill>
-                </a:rPr>
-                <a:t>Kafka producer</a:t>
-              </a:r>
-              <a:endParaRPr lang="zh-CN" altLang="en-US" sz="1000" b="1" dirty="0">
-                <a:solidFill>
-                  <a:schemeClr val="tx1"/>
-                </a:solidFill>
-              </a:endParaRPr>
-            </a:p>
-          </p:txBody>
-        </p:sp>
-        <p:sp>
-          <p:nvSpPr>
-            <p:cNvPr id="40" name="流程图: 磁盘 39">
-              <a:extLst>
-                <a:ext uri="{FF2B5EF4-FFF2-40B4-BE49-F238E27FC236}">
-                  <a16:creationId xmlns:a16="http://schemas.microsoft.com/office/drawing/2014/main" id="{F431CED1-00BA-6088-0E2F-E9CA17C4DE36}"/>
-                </a:ext>
-              </a:extLst>
-            </p:cNvPr>
-            <p:cNvSpPr/>
-            <p:nvPr/>
-          </p:nvSpPr>
-          <p:spPr>
-            <a:xfrm>
-              <a:off x="3437594" y="4996872"/>
-              <a:ext cx="508000" cy="461819"/>
-            </a:xfrm>
-            <a:prstGeom prst="flowChartMagneticDisk">
-              <a:avLst/>
-            </a:prstGeom>
-          </p:spPr>
-          <p:style>
-            <a:lnRef idx="2">
-              <a:schemeClr val="accent1">
-                <a:shade val="15000"/>
-              </a:schemeClr>
-            </a:lnRef>
-            <a:fillRef idx="1">
-              <a:schemeClr val="accent1"/>
-            </a:fillRef>
-            <a:effectRef idx="0">
-              <a:schemeClr val="accent1"/>
-            </a:effectRef>
-            <a:fontRef idx="minor">
-              <a:schemeClr val="lt1"/>
-            </a:fontRef>
-          </p:style>
-          <p:txBody>
-            <a:bodyPr rtlCol="0" anchor="ctr"/>
-            <a:lstStyle/>
-            <a:p>
-              <a:pPr algn="ctr"/>
-              <a:r>
-                <a:rPr lang="en-US" altLang="zh-CN" sz="1000" dirty="0"/>
-                <a:t>DB2</a:t>
-              </a:r>
-              <a:endParaRPr lang="zh-CN" altLang="en-US" sz="1000" dirty="0"/>
-            </a:p>
-          </p:txBody>
-        </p:sp>
-        <p:sp>
-          <p:nvSpPr>
-            <p:cNvPr id="41" name="流程图: 磁盘 40">
-              <a:extLst>
-                <a:ext uri="{FF2B5EF4-FFF2-40B4-BE49-F238E27FC236}">
-                  <a16:creationId xmlns:a16="http://schemas.microsoft.com/office/drawing/2014/main" id="{B94304C0-1410-EE01-D2CA-551AA44CC825}"/>
-                </a:ext>
-              </a:extLst>
-            </p:cNvPr>
-            <p:cNvSpPr/>
-            <p:nvPr/>
-          </p:nvSpPr>
-          <p:spPr>
-            <a:xfrm>
-              <a:off x="4113515" y="4996872"/>
-              <a:ext cx="508000" cy="461819"/>
-            </a:xfrm>
-            <a:prstGeom prst="flowChartMagneticDisk">
-              <a:avLst/>
-            </a:prstGeom>
-          </p:spPr>
-          <p:style>
-            <a:lnRef idx="2">
-              <a:schemeClr val="accent1">
-                <a:shade val="15000"/>
-              </a:schemeClr>
-            </a:lnRef>
-            <a:fillRef idx="1">
-              <a:schemeClr val="accent1"/>
-            </a:fillRef>
-            <a:effectRef idx="0">
-              <a:schemeClr val="accent1"/>
-            </a:effectRef>
-            <a:fontRef idx="minor">
-              <a:schemeClr val="lt1"/>
-            </a:fontRef>
-          </p:style>
-          <p:txBody>
-            <a:bodyPr rtlCol="0" anchor="ctr"/>
-            <a:lstStyle/>
-            <a:p>
-              <a:pPr algn="ctr"/>
-              <a:r>
-                <a:rPr lang="en-US" altLang="zh-CN" sz="1000" dirty="0"/>
-                <a:t>DB3</a:t>
-              </a:r>
-              <a:endParaRPr lang="zh-CN" altLang="en-US" sz="1000" dirty="0"/>
-            </a:p>
-          </p:txBody>
-        </p:sp>
-        <p:sp>
-          <p:nvSpPr>
-            <p:cNvPr id="42" name="文本框 41">
-              <a:extLst>
-                <a:ext uri="{FF2B5EF4-FFF2-40B4-BE49-F238E27FC236}">
-                  <a16:creationId xmlns:a16="http://schemas.microsoft.com/office/drawing/2014/main" id="{34E66E47-095E-F1C5-EEAF-49637D694B68}"/>
-                </a:ext>
-              </a:extLst>
-            </p:cNvPr>
-            <p:cNvSpPr txBox="1"/>
-            <p:nvPr/>
-          </p:nvSpPr>
-          <p:spPr>
-            <a:xfrm>
-              <a:off x="2403373" y="4712128"/>
-              <a:ext cx="1432394" cy="246221"/>
-            </a:xfrm>
-            <a:prstGeom prst="rect">
-              <a:avLst/>
-            </a:prstGeom>
-            <a:noFill/>
-          </p:spPr>
-          <p:txBody>
-            <a:bodyPr wrap="square" rtlCol="0">
-              <a:spAutoFit/>
-            </a:bodyPr>
-            <a:lstStyle/>
-            <a:p>
-              <a:r>
-                <a:rPr lang="zh-CN" altLang="en-US" sz="1000" b="1" dirty="0"/>
-                <a:t>时序数据库</a:t>
-              </a:r>
-              <a:r>
-                <a:rPr lang="en-US" altLang="zh-CN" sz="1000" b="1" dirty="0"/>
-                <a:t>IoTDB</a:t>
-              </a:r>
-              <a:endParaRPr lang="zh-CN" altLang="en-US" sz="1000" b="1" dirty="0"/>
-            </a:p>
-          </p:txBody>
-        </p:sp>
+        </p:pic>
       </p:grpSp>
-      <p:sp>
-        <p:nvSpPr>
-          <p:cNvPr id="43" name="矩形 42">
-            <a:extLst>
-              <a:ext uri="{FF2B5EF4-FFF2-40B4-BE49-F238E27FC236}">
-                <a16:creationId xmlns:a16="http://schemas.microsoft.com/office/drawing/2014/main" id="{23251A2B-A56A-4B36-14EC-6674CA4C6058}"/>
-              </a:ext>
-            </a:extLst>
-          </p:cNvPr>
-          <p:cNvSpPr/>
-          <p:nvPr/>
-        </p:nvSpPr>
-        <p:spPr>
-          <a:xfrm>
-            <a:off x="7592214" y="1885503"/>
-            <a:ext cx="868365" cy="200891"/>
-          </a:xfrm>
-          <a:prstGeom prst="rect">
-            <a:avLst/>
-          </a:prstGeom>
-          <a:solidFill>
-            <a:schemeClr val="bg1"/>
-          </a:solidFill>
-        </p:spPr>
-        <p:style>
-          <a:lnRef idx="2">
-            <a:schemeClr val="accent1">
-              <a:shade val="15000"/>
-            </a:schemeClr>
-          </a:lnRef>
-          <a:fillRef idx="1">
-            <a:schemeClr val="accent1"/>
-          </a:fillRef>
-          <a:effectRef idx="0">
-            <a:schemeClr val="accent1"/>
-          </a:effectRef>
-          <a:fontRef idx="minor">
-            <a:schemeClr val="lt1"/>
-          </a:fontRef>
-        </p:style>
-        <p:txBody>
-          <a:bodyPr rtlCol="0" anchor="ctr"/>
-          <a:lstStyle/>
-          <a:p>
-            <a:pPr algn="ctr"/>
-            <a:r>
-              <a:rPr lang="zh-CN" altLang="en-US" sz="800" dirty="0">
-                <a:solidFill>
-                  <a:schemeClr val="tx1"/>
-                </a:solidFill>
-              </a:rPr>
-              <a:t>登录注册</a:t>
-            </a:r>
-          </a:p>
-        </p:txBody>
-      </p:sp>
-      <p:sp>
-        <p:nvSpPr>
-          <p:cNvPr id="44" name="矩形 43">
-            <a:extLst>
-              <a:ext uri="{FF2B5EF4-FFF2-40B4-BE49-F238E27FC236}">
-                <a16:creationId xmlns:a16="http://schemas.microsoft.com/office/drawing/2014/main" id="{3F3084D3-0657-107D-84B3-B5CB3A338F65}"/>
-              </a:ext>
-            </a:extLst>
-          </p:cNvPr>
-          <p:cNvSpPr/>
-          <p:nvPr/>
-        </p:nvSpPr>
-        <p:spPr>
-          <a:xfrm>
-            <a:off x="8744165" y="1885503"/>
-            <a:ext cx="868365" cy="200891"/>
-          </a:xfrm>
-          <a:prstGeom prst="rect">
-            <a:avLst/>
-          </a:prstGeom>
-          <a:solidFill>
-            <a:schemeClr val="bg1"/>
-          </a:solidFill>
-        </p:spPr>
-        <p:style>
-          <a:lnRef idx="2">
-            <a:schemeClr val="accent1">
-              <a:shade val="15000"/>
-            </a:schemeClr>
-          </a:lnRef>
-          <a:fillRef idx="1">
-            <a:schemeClr val="accent1"/>
-          </a:fillRef>
-          <a:effectRef idx="0">
-            <a:schemeClr val="accent1"/>
-          </a:effectRef>
-          <a:fontRef idx="minor">
-            <a:schemeClr val="lt1"/>
-          </a:fontRef>
-        </p:style>
-        <p:txBody>
-          <a:bodyPr rtlCol="0" anchor="ctr"/>
-          <a:lstStyle/>
-          <a:p>
-            <a:pPr algn="ctr"/>
-            <a:r>
-              <a:rPr lang="zh-CN" altLang="en-US" sz="800" dirty="0">
-                <a:solidFill>
-                  <a:schemeClr val="tx1"/>
-                </a:solidFill>
-              </a:rPr>
-              <a:t>页面</a:t>
-            </a:r>
-            <a:r>
-              <a:rPr lang="en-US" altLang="zh-CN" sz="800" dirty="0">
-                <a:solidFill>
-                  <a:schemeClr val="tx1"/>
-                </a:solidFill>
-              </a:rPr>
-              <a:t>UI</a:t>
-            </a:r>
-            <a:endParaRPr lang="zh-CN" altLang="en-US" sz="800" dirty="0">
-              <a:solidFill>
-                <a:schemeClr val="tx1"/>
-              </a:solidFill>
-            </a:endParaRPr>
-          </a:p>
-        </p:txBody>
-      </p:sp>
-      <p:sp>
-        <p:nvSpPr>
-          <p:cNvPr id="45" name="矩形 44">
-            <a:extLst>
-              <a:ext uri="{FF2B5EF4-FFF2-40B4-BE49-F238E27FC236}">
-                <a16:creationId xmlns:a16="http://schemas.microsoft.com/office/drawing/2014/main" id="{6BFB7DD5-E6B6-94E2-0828-C1936E1C7414}"/>
-              </a:ext>
-            </a:extLst>
-          </p:cNvPr>
-          <p:cNvSpPr/>
-          <p:nvPr/>
-        </p:nvSpPr>
-        <p:spPr>
-          <a:xfrm>
-            <a:off x="6481947" y="2201846"/>
-            <a:ext cx="868365" cy="212432"/>
-          </a:xfrm>
-          <a:prstGeom prst="rect">
-            <a:avLst/>
-          </a:prstGeom>
-          <a:solidFill>
-            <a:schemeClr val="bg1"/>
-          </a:solidFill>
-        </p:spPr>
-        <p:style>
-          <a:lnRef idx="2">
-            <a:schemeClr val="accent1">
-              <a:shade val="15000"/>
-            </a:schemeClr>
-          </a:lnRef>
-          <a:fillRef idx="1">
-            <a:schemeClr val="accent1"/>
-          </a:fillRef>
-          <a:effectRef idx="0">
-            <a:schemeClr val="accent1"/>
-          </a:effectRef>
-          <a:fontRef idx="minor">
-            <a:schemeClr val="lt1"/>
-          </a:fontRef>
-        </p:style>
-        <p:txBody>
-          <a:bodyPr rtlCol="0" anchor="ctr"/>
-          <a:lstStyle/>
-          <a:p>
-            <a:pPr algn="ctr"/>
-            <a:r>
-              <a:rPr lang="en-US" altLang="zh-CN" sz="800" dirty="0">
-                <a:solidFill>
-                  <a:schemeClr val="tx1"/>
-                </a:solidFill>
-              </a:rPr>
-              <a:t>Restful</a:t>
-            </a:r>
-            <a:r>
-              <a:rPr lang="zh-CN" altLang="en-US" sz="800" dirty="0">
-                <a:solidFill>
-                  <a:schemeClr val="tx1"/>
-                </a:solidFill>
-              </a:rPr>
-              <a:t>接口</a:t>
-            </a:r>
-          </a:p>
-        </p:txBody>
-      </p:sp>
-      <p:sp>
-        <p:nvSpPr>
-          <p:cNvPr id="46" name="矩形 45">
-            <a:extLst>
-              <a:ext uri="{FF2B5EF4-FFF2-40B4-BE49-F238E27FC236}">
-                <a16:creationId xmlns:a16="http://schemas.microsoft.com/office/drawing/2014/main" id="{4DF4A767-0B09-5939-BB55-600437792077}"/>
-              </a:ext>
-            </a:extLst>
-          </p:cNvPr>
-          <p:cNvSpPr/>
-          <p:nvPr/>
-        </p:nvSpPr>
-        <p:spPr>
-          <a:xfrm>
-            <a:off x="7614919" y="2208510"/>
-            <a:ext cx="868365" cy="212432"/>
-          </a:xfrm>
-          <a:prstGeom prst="rect">
-            <a:avLst/>
-          </a:prstGeom>
-          <a:solidFill>
-            <a:schemeClr val="bg1"/>
-          </a:solidFill>
-        </p:spPr>
-        <p:style>
-          <a:lnRef idx="2">
-            <a:schemeClr val="accent1">
-              <a:shade val="15000"/>
-            </a:schemeClr>
-          </a:lnRef>
-          <a:fillRef idx="1">
-            <a:schemeClr val="accent1"/>
-          </a:fillRef>
-          <a:effectRef idx="0">
-            <a:schemeClr val="accent1"/>
-          </a:effectRef>
-          <a:fontRef idx="minor">
-            <a:schemeClr val="lt1"/>
-          </a:fontRef>
-        </p:style>
-        <p:txBody>
-          <a:bodyPr rtlCol="0" anchor="ctr"/>
-          <a:lstStyle/>
-          <a:p>
-            <a:pPr algn="ctr"/>
-            <a:r>
-              <a:rPr lang="en-US" altLang="zh-CN" sz="800" dirty="0">
-                <a:solidFill>
-                  <a:schemeClr val="tx1"/>
-                </a:solidFill>
-              </a:rPr>
-              <a:t>RPC</a:t>
-            </a:r>
-            <a:r>
-              <a:rPr lang="zh-CN" altLang="en-US" sz="800" dirty="0">
-                <a:solidFill>
-                  <a:schemeClr val="tx1"/>
-                </a:solidFill>
-              </a:rPr>
-              <a:t>接口</a:t>
-            </a:r>
-          </a:p>
-        </p:txBody>
-      </p:sp>
-      <p:sp>
-        <p:nvSpPr>
-          <p:cNvPr id="47" name="流程图: 磁盘 46">
-            <a:extLst>
-              <a:ext uri="{FF2B5EF4-FFF2-40B4-BE49-F238E27FC236}">
-                <a16:creationId xmlns:a16="http://schemas.microsoft.com/office/drawing/2014/main" id="{47D14557-79EB-F3F1-F828-F332B2F9E61C}"/>
-              </a:ext>
-            </a:extLst>
-          </p:cNvPr>
-          <p:cNvSpPr/>
-          <p:nvPr/>
-        </p:nvSpPr>
-        <p:spPr>
-          <a:xfrm>
-            <a:off x="8744164" y="2192761"/>
-            <a:ext cx="857721" cy="261659"/>
-          </a:xfrm>
-          <a:prstGeom prst="flowChartMagneticDisk">
-            <a:avLst/>
-          </a:prstGeom>
-          <a:solidFill>
-            <a:schemeClr val="bg1"/>
-          </a:solidFill>
-        </p:spPr>
-        <p:style>
-          <a:lnRef idx="2">
-            <a:schemeClr val="accent1">
-              <a:shade val="15000"/>
-            </a:schemeClr>
-          </a:lnRef>
-          <a:fillRef idx="1">
-            <a:schemeClr val="accent1"/>
-          </a:fillRef>
-          <a:effectRef idx="0">
-            <a:schemeClr val="accent1"/>
-          </a:effectRef>
-          <a:fontRef idx="minor">
-            <a:schemeClr val="lt1"/>
-          </a:fontRef>
-        </p:style>
-        <p:txBody>
-          <a:bodyPr rtlCol="0" anchor="ctr"/>
-          <a:lstStyle/>
-          <a:p>
-            <a:pPr algn="ctr"/>
-            <a:r>
-              <a:rPr lang="en-US" altLang="zh-CN" sz="800" dirty="0">
-                <a:solidFill>
-                  <a:schemeClr val="tx1"/>
-                </a:solidFill>
-              </a:rPr>
-              <a:t>postgres</a:t>
-            </a:r>
-            <a:endParaRPr lang="zh-CN" altLang="en-US" sz="800" dirty="0">
-              <a:solidFill>
-                <a:schemeClr val="tx1"/>
-              </a:solidFill>
-            </a:endParaRPr>
-          </a:p>
-        </p:txBody>
-      </p:sp>
-      <p:sp>
-        <p:nvSpPr>
-          <p:cNvPr id="53" name="矩形: 圆角 52">
-            <a:extLst>
-              <a:ext uri="{FF2B5EF4-FFF2-40B4-BE49-F238E27FC236}">
-                <a16:creationId xmlns:a16="http://schemas.microsoft.com/office/drawing/2014/main" id="{C2E3AF3B-DB08-C578-F15F-11E1B517DF42}"/>
-              </a:ext>
-            </a:extLst>
-          </p:cNvPr>
-          <p:cNvSpPr/>
-          <p:nvPr/>
-        </p:nvSpPr>
-        <p:spPr>
-          <a:xfrm>
-            <a:off x="6220688" y="2618788"/>
-            <a:ext cx="3611419" cy="295564"/>
-          </a:xfrm>
-          <a:prstGeom prst="roundRect">
-            <a:avLst/>
-          </a:prstGeom>
-          <a:solidFill>
-            <a:schemeClr val="accent1">
-              <a:lumMod val="60000"/>
-              <a:lumOff val="40000"/>
-            </a:schemeClr>
-          </a:solidFill>
-          <a:ln>
-            <a:solidFill>
-              <a:schemeClr val="accent1">
-                <a:lumMod val="60000"/>
-                <a:lumOff val="40000"/>
-              </a:schemeClr>
-            </a:solidFill>
-          </a:ln>
-        </p:spPr>
-        <p:style>
-          <a:lnRef idx="2">
-            <a:schemeClr val="accent1">
-              <a:shade val="15000"/>
-            </a:schemeClr>
-          </a:lnRef>
-          <a:fillRef idx="1">
-            <a:schemeClr val="accent1"/>
-          </a:fillRef>
-          <a:effectRef idx="0">
-            <a:schemeClr val="accent1"/>
-          </a:effectRef>
-          <a:fontRef idx="minor">
-            <a:schemeClr val="lt1"/>
-          </a:fontRef>
-        </p:style>
-        <p:txBody>
-          <a:bodyPr rtlCol="0" anchor="ctr"/>
-          <a:lstStyle/>
-          <a:p>
-            <a:pPr algn="ctr"/>
-            <a:r>
-              <a:rPr lang="en-US" altLang="zh-CN" sz="1000" b="1" dirty="0">
-                <a:solidFill>
-                  <a:schemeClr val="tx1"/>
-                </a:solidFill>
-              </a:rPr>
-              <a:t>Kafka consumer</a:t>
-            </a:r>
-            <a:endParaRPr lang="zh-CN" altLang="en-US" sz="1000" b="1" dirty="0">
-              <a:solidFill>
-                <a:schemeClr val="tx1"/>
-              </a:solidFill>
-            </a:endParaRPr>
-          </a:p>
-        </p:txBody>
-      </p:sp>
-      <p:pic>
-        <p:nvPicPr>
-          <p:cNvPr id="56" name="图片 55">
-            <a:extLst>
-              <a:ext uri="{FF2B5EF4-FFF2-40B4-BE49-F238E27FC236}">
-                <a16:creationId xmlns:a16="http://schemas.microsoft.com/office/drawing/2014/main" id="{4151EE04-1F4C-0903-6207-6154BD17393A}"/>
-              </a:ext>
-            </a:extLst>
-          </p:cNvPr>
-          <p:cNvPicPr>
-            <a:picLocks noChangeAspect="1"/>
-          </p:cNvPicPr>
-          <p:nvPr/>
-        </p:nvPicPr>
-        <p:blipFill>
-          <a:blip r:embed="rId2">
-            <a:extLst>
-              <a:ext uri="{28A0092B-C50C-407E-A947-70E740481C1C}">
-                <a14:useLocalDpi xmlns:a14="http://schemas.microsoft.com/office/drawing/2010/main" val="0"/>
-              </a:ext>
-            </a:extLst>
-          </a:blip>
-          <a:stretch>
-            <a:fillRect/>
-          </a:stretch>
-        </p:blipFill>
-        <p:spPr>
-          <a:xfrm>
-            <a:off x="2596960" y="79030"/>
-            <a:ext cx="1200318" cy="331993"/>
-          </a:xfrm>
-          <a:prstGeom prst="rect">
-            <a:avLst/>
-          </a:prstGeom>
-        </p:spPr>
-      </p:pic>
-      <p:sp>
-        <p:nvSpPr>
-          <p:cNvPr id="57" name="矩形: 圆角 56">
-            <a:extLst>
-              <a:ext uri="{FF2B5EF4-FFF2-40B4-BE49-F238E27FC236}">
-                <a16:creationId xmlns:a16="http://schemas.microsoft.com/office/drawing/2014/main" id="{9D9970B9-F9B8-9957-C8B6-921CA34D3481}"/>
-              </a:ext>
-            </a:extLst>
-          </p:cNvPr>
-          <p:cNvSpPr/>
-          <p:nvPr/>
-        </p:nvSpPr>
-        <p:spPr>
-          <a:xfrm>
-            <a:off x="1758348" y="6232871"/>
-            <a:ext cx="8701833" cy="546099"/>
-          </a:xfrm>
-          <a:prstGeom prst="roundRect">
-            <a:avLst/>
-          </a:prstGeom>
-          <a:solidFill>
-            <a:schemeClr val="accent4">
-              <a:lumMod val="20000"/>
-              <a:lumOff val="80000"/>
-            </a:schemeClr>
-          </a:solidFill>
-          <a:ln>
-            <a:solidFill>
-              <a:schemeClr val="accent4">
-                <a:lumMod val="20000"/>
-                <a:lumOff val="80000"/>
-              </a:schemeClr>
-            </a:solidFill>
-          </a:ln>
-        </p:spPr>
-        <p:style>
-          <a:lnRef idx="2">
-            <a:schemeClr val="accent1">
-              <a:shade val="15000"/>
-            </a:schemeClr>
-          </a:lnRef>
-          <a:fillRef idx="1">
-            <a:schemeClr val="accent1"/>
-          </a:fillRef>
-          <a:effectRef idx="0">
-            <a:schemeClr val="accent1"/>
-          </a:effectRef>
-          <a:fontRef idx="minor">
-            <a:schemeClr val="lt1"/>
-          </a:fontRef>
-        </p:style>
-        <p:txBody>
-          <a:bodyPr rtlCol="0" anchor="ctr"/>
-          <a:lstStyle/>
-          <a:p>
-            <a:pPr algn="ctr"/>
-            <a:endParaRPr lang="zh-CN" altLang="en-US"/>
-          </a:p>
-        </p:txBody>
-      </p:sp>
-      <p:sp>
-        <p:nvSpPr>
-          <p:cNvPr id="58" name="矩形 57">
-            <a:extLst>
-              <a:ext uri="{FF2B5EF4-FFF2-40B4-BE49-F238E27FC236}">
-                <a16:creationId xmlns:a16="http://schemas.microsoft.com/office/drawing/2014/main" id="{3AB546C6-BD37-3D4E-1DC2-2A145886815F}"/>
-              </a:ext>
-            </a:extLst>
-          </p:cNvPr>
-          <p:cNvSpPr/>
-          <p:nvPr/>
-        </p:nvSpPr>
-        <p:spPr>
-          <a:xfrm>
-            <a:off x="3127165" y="6341039"/>
-            <a:ext cx="1559004" cy="310573"/>
-          </a:xfrm>
-          <a:prstGeom prst="rect">
-            <a:avLst/>
-          </a:prstGeom>
-        </p:spPr>
-        <p:style>
-          <a:lnRef idx="2">
-            <a:schemeClr val="accent1">
-              <a:shade val="15000"/>
-            </a:schemeClr>
-          </a:lnRef>
-          <a:fillRef idx="1">
-            <a:schemeClr val="accent1"/>
-          </a:fillRef>
-          <a:effectRef idx="0">
-            <a:schemeClr val="accent1"/>
-          </a:effectRef>
-          <a:fontRef idx="minor">
-            <a:schemeClr val="lt1"/>
-          </a:fontRef>
-        </p:style>
-        <p:txBody>
-          <a:bodyPr rtlCol="0" anchor="ctr"/>
-          <a:lstStyle/>
-          <a:p>
-            <a:pPr algn="ctr"/>
-            <a:r>
-              <a:rPr lang="zh-CN" altLang="en-US" sz="1000" dirty="0"/>
-              <a:t>定时训练</a:t>
-            </a:r>
-          </a:p>
-        </p:txBody>
-      </p:sp>
-      <p:sp>
-        <p:nvSpPr>
-          <p:cNvPr id="59" name="矩形 58">
-            <a:extLst>
-              <a:ext uri="{FF2B5EF4-FFF2-40B4-BE49-F238E27FC236}">
-                <a16:creationId xmlns:a16="http://schemas.microsoft.com/office/drawing/2014/main" id="{AA7A8019-96D3-A8FA-1352-33ED225CC7AB}"/>
-              </a:ext>
-            </a:extLst>
-          </p:cNvPr>
-          <p:cNvSpPr/>
-          <p:nvPr/>
-        </p:nvSpPr>
-        <p:spPr>
-          <a:xfrm>
-            <a:off x="5316498" y="6358492"/>
-            <a:ext cx="1559004" cy="310572"/>
-          </a:xfrm>
-          <a:prstGeom prst="rect">
-            <a:avLst/>
-          </a:prstGeom>
-        </p:spPr>
-        <p:style>
-          <a:lnRef idx="2">
-            <a:schemeClr val="accent1">
-              <a:shade val="15000"/>
-            </a:schemeClr>
-          </a:lnRef>
-          <a:fillRef idx="1">
-            <a:schemeClr val="accent1"/>
-          </a:fillRef>
-          <a:effectRef idx="0">
-            <a:schemeClr val="accent1"/>
-          </a:effectRef>
-          <a:fontRef idx="minor">
-            <a:schemeClr val="lt1"/>
-          </a:fontRef>
-        </p:style>
-        <p:txBody>
-          <a:bodyPr rtlCol="0" anchor="ctr"/>
-          <a:lstStyle/>
-          <a:p>
-            <a:pPr algn="ctr"/>
-            <a:r>
-              <a:rPr lang="zh-CN" altLang="en-US" sz="1000" dirty="0"/>
-              <a:t>模型实时异常检测</a:t>
-            </a:r>
-          </a:p>
-        </p:txBody>
-      </p:sp>
-      <p:sp>
-        <p:nvSpPr>
-          <p:cNvPr id="60" name="矩形: 圆角 59">
-            <a:extLst>
-              <a:ext uri="{FF2B5EF4-FFF2-40B4-BE49-F238E27FC236}">
-                <a16:creationId xmlns:a16="http://schemas.microsoft.com/office/drawing/2014/main" id="{6D3B7274-8F9F-64AF-2120-E88A9FA02E3D}"/>
-              </a:ext>
-            </a:extLst>
-          </p:cNvPr>
-          <p:cNvSpPr/>
-          <p:nvPr/>
-        </p:nvSpPr>
-        <p:spPr>
-          <a:xfrm>
-            <a:off x="6220688" y="5888181"/>
-            <a:ext cx="4207165" cy="222919"/>
-          </a:xfrm>
-          <a:prstGeom prst="roundRect">
-            <a:avLst/>
-          </a:prstGeom>
-          <a:solidFill>
-            <a:schemeClr val="accent4">
-              <a:lumMod val="20000"/>
-              <a:lumOff val="80000"/>
-            </a:schemeClr>
-          </a:solidFill>
-          <a:ln>
-            <a:solidFill>
-              <a:schemeClr val="accent4">
-                <a:lumMod val="20000"/>
-                <a:lumOff val="80000"/>
-              </a:schemeClr>
-            </a:solidFill>
-          </a:ln>
-        </p:spPr>
-        <p:style>
-          <a:lnRef idx="2">
-            <a:schemeClr val="accent1">
-              <a:shade val="15000"/>
-            </a:schemeClr>
-          </a:lnRef>
-          <a:fillRef idx="1">
-            <a:schemeClr val="accent1"/>
-          </a:fillRef>
-          <a:effectRef idx="0">
-            <a:schemeClr val="accent1"/>
-          </a:effectRef>
-          <a:fontRef idx="minor">
-            <a:schemeClr val="lt1"/>
-          </a:fontRef>
-        </p:style>
-        <p:txBody>
-          <a:bodyPr rtlCol="0" anchor="ctr"/>
-          <a:lstStyle/>
-          <a:p>
-            <a:pPr algn="ctr"/>
-            <a:r>
-              <a:rPr lang="en-US" altLang="zh-CN" sz="1000" b="1" dirty="0">
-                <a:solidFill>
-                  <a:schemeClr val="tx1"/>
-                </a:solidFill>
-              </a:rPr>
-              <a:t>Kafka consumer</a:t>
-            </a:r>
-            <a:endParaRPr lang="zh-CN" altLang="en-US" sz="1000" b="1" dirty="0">
-              <a:solidFill>
-                <a:schemeClr val="tx1"/>
-              </a:solidFill>
-            </a:endParaRPr>
-          </a:p>
-        </p:txBody>
-      </p:sp>
-      <p:sp>
-        <p:nvSpPr>
-          <p:cNvPr id="62" name="矩形: 圆角 61">
-            <a:extLst>
-              <a:ext uri="{FF2B5EF4-FFF2-40B4-BE49-F238E27FC236}">
-                <a16:creationId xmlns:a16="http://schemas.microsoft.com/office/drawing/2014/main" id="{932BEFEB-B29F-02D7-F891-1CFAA58F471F}"/>
-              </a:ext>
-            </a:extLst>
-          </p:cNvPr>
-          <p:cNvSpPr/>
-          <p:nvPr/>
-        </p:nvSpPr>
-        <p:spPr>
-          <a:xfrm>
-            <a:off x="1758349" y="5892192"/>
-            <a:ext cx="4207165" cy="222919"/>
-          </a:xfrm>
-          <a:prstGeom prst="roundRect">
-            <a:avLst/>
-          </a:prstGeom>
-          <a:solidFill>
-            <a:schemeClr val="accent4">
-              <a:lumMod val="20000"/>
-              <a:lumOff val="80000"/>
-            </a:schemeClr>
-          </a:solidFill>
-          <a:ln>
-            <a:solidFill>
-              <a:schemeClr val="accent4">
-                <a:lumMod val="20000"/>
-                <a:lumOff val="80000"/>
-              </a:schemeClr>
-            </a:solidFill>
-          </a:ln>
-        </p:spPr>
-        <p:style>
-          <a:lnRef idx="2">
-            <a:schemeClr val="accent1">
-              <a:shade val="15000"/>
-            </a:schemeClr>
-          </a:lnRef>
-          <a:fillRef idx="1">
-            <a:schemeClr val="accent1"/>
-          </a:fillRef>
-          <a:effectRef idx="0">
-            <a:schemeClr val="accent1"/>
-          </a:effectRef>
-          <a:fontRef idx="minor">
-            <a:schemeClr val="lt1"/>
-          </a:fontRef>
-        </p:style>
-        <p:txBody>
-          <a:bodyPr rtlCol="0" anchor="ctr"/>
-          <a:lstStyle/>
-          <a:p>
-            <a:pPr algn="ctr"/>
-            <a:r>
-              <a:rPr lang="zh-CN" altLang="en-US" sz="1000" b="1" dirty="0">
-                <a:solidFill>
-                  <a:schemeClr val="tx1"/>
-                </a:solidFill>
-              </a:rPr>
-              <a:t>历史数据预处理</a:t>
-            </a:r>
-          </a:p>
-        </p:txBody>
-      </p:sp>
-      <p:sp>
-        <p:nvSpPr>
-          <p:cNvPr id="63" name="矩形 62">
-            <a:extLst>
-              <a:ext uri="{FF2B5EF4-FFF2-40B4-BE49-F238E27FC236}">
-                <a16:creationId xmlns:a16="http://schemas.microsoft.com/office/drawing/2014/main" id="{02F05CE6-DFCC-CF76-A193-D5C5278E9E9C}"/>
-              </a:ext>
-            </a:extLst>
-          </p:cNvPr>
-          <p:cNvSpPr/>
-          <p:nvPr/>
-        </p:nvSpPr>
-        <p:spPr>
-          <a:xfrm>
-            <a:off x="7592214" y="6349631"/>
-            <a:ext cx="1559004" cy="310572"/>
-          </a:xfrm>
-          <a:prstGeom prst="rect">
-            <a:avLst/>
-          </a:prstGeom>
-        </p:spPr>
-        <p:style>
-          <a:lnRef idx="2">
-            <a:schemeClr val="accent1">
-              <a:shade val="15000"/>
-            </a:schemeClr>
-          </a:lnRef>
-          <a:fillRef idx="1">
-            <a:schemeClr val="accent1"/>
-          </a:fillRef>
-          <a:effectRef idx="0">
-            <a:schemeClr val="accent1"/>
-          </a:effectRef>
-          <a:fontRef idx="minor">
-            <a:schemeClr val="lt1"/>
-          </a:fontRef>
-        </p:style>
-        <p:txBody>
-          <a:bodyPr rtlCol="0" anchor="ctr"/>
-          <a:lstStyle/>
-          <a:p>
-            <a:pPr algn="ctr"/>
-            <a:r>
-              <a:rPr lang="zh-CN" altLang="en-US" sz="1000" dirty="0"/>
-              <a:t>异常通知</a:t>
-            </a:r>
-          </a:p>
-        </p:txBody>
-      </p:sp>
-      <p:sp>
-        <p:nvSpPr>
-          <p:cNvPr id="64" name="文本框 63">
-            <a:extLst>
-              <a:ext uri="{FF2B5EF4-FFF2-40B4-BE49-F238E27FC236}">
-                <a16:creationId xmlns:a16="http://schemas.microsoft.com/office/drawing/2014/main" id="{D3F7E115-84A6-E972-5659-0A7CF857838F}"/>
-              </a:ext>
-            </a:extLst>
-          </p:cNvPr>
-          <p:cNvSpPr txBox="1"/>
-          <p:nvPr/>
-        </p:nvSpPr>
-        <p:spPr>
-          <a:xfrm>
-            <a:off x="1780639" y="6298025"/>
-            <a:ext cx="1432394" cy="246221"/>
-          </a:xfrm>
-          <a:prstGeom prst="rect">
-            <a:avLst/>
-          </a:prstGeom>
-          <a:noFill/>
-        </p:spPr>
-        <p:txBody>
-          <a:bodyPr wrap="square" rtlCol="0">
-            <a:spAutoFit/>
-          </a:bodyPr>
-          <a:lstStyle/>
-          <a:p>
-            <a:r>
-              <a:rPr lang="zh-CN" altLang="en-US" sz="1000" b="1" dirty="0"/>
-              <a:t>异常检测</a:t>
-            </a:r>
-          </a:p>
-        </p:txBody>
-      </p:sp>
-      <p:pic>
-        <p:nvPicPr>
-          <p:cNvPr id="66" name="图形 65" descr="用户">
-            <a:extLst>
-              <a:ext uri="{FF2B5EF4-FFF2-40B4-BE49-F238E27FC236}">
-                <a16:creationId xmlns:a16="http://schemas.microsoft.com/office/drawing/2014/main" id="{CA01FB64-6E1D-9869-F9E3-4B25B75D9561}"/>
-              </a:ext>
-            </a:extLst>
-          </p:cNvPr>
-          <p:cNvPicPr>
-            <a:picLocks noChangeAspect="1"/>
-          </p:cNvPicPr>
-          <p:nvPr/>
-        </p:nvPicPr>
-        <p:blipFill>
-          <a:blip r:embed="rId3">
-            <a:extLst>
-              <a:ext uri="{96DAC541-7B7A-43D3-8B79-37D633B846F1}">
-                <asvg:svgBlip xmlns:asvg="http://schemas.microsoft.com/office/drawing/2016/SVG/main" r:embed="rId4"/>
-              </a:ext>
-            </a:extLst>
-          </a:blip>
-          <a:stretch>
-            <a:fillRect/>
-          </a:stretch>
-        </p:blipFill>
-        <p:spPr>
-          <a:xfrm>
-            <a:off x="7881755" y="-10773"/>
-            <a:ext cx="489961" cy="489961"/>
-          </a:xfrm>
-          <a:prstGeom prst="rect">
-            <a:avLst/>
-          </a:prstGeom>
-        </p:spPr>
-      </p:pic>
-      <p:cxnSp>
-        <p:nvCxnSpPr>
-          <p:cNvPr id="68" name="直接箭头连接符 67">
-            <a:extLst>
-              <a:ext uri="{FF2B5EF4-FFF2-40B4-BE49-F238E27FC236}">
-                <a16:creationId xmlns:a16="http://schemas.microsoft.com/office/drawing/2014/main" id="{A67A2273-1825-7426-66C6-97F6DA9703D0}"/>
-              </a:ext>
-            </a:extLst>
-          </p:cNvPr>
-          <p:cNvCxnSpPr/>
-          <p:nvPr/>
-        </p:nvCxnSpPr>
-        <p:spPr>
-          <a:xfrm>
-            <a:off x="8154590" y="479188"/>
-            <a:ext cx="0" cy="369957"/>
-          </a:xfrm>
-          <a:prstGeom prst="straightConnector1">
-            <a:avLst/>
-          </a:prstGeom>
-          <a:ln>
-            <a:tailEnd type="triangle"/>
-          </a:ln>
-        </p:spPr>
-        <p:style>
-          <a:lnRef idx="1">
-            <a:schemeClr val="accent1"/>
-          </a:lnRef>
-          <a:fillRef idx="0">
-            <a:schemeClr val="accent1"/>
-          </a:fillRef>
-          <a:effectRef idx="0">
-            <a:schemeClr val="accent1"/>
-          </a:effectRef>
-          <a:fontRef idx="minor">
-            <a:schemeClr val="tx1"/>
-          </a:fontRef>
-        </p:style>
-      </p:cxnSp>
-      <p:cxnSp>
-        <p:nvCxnSpPr>
-          <p:cNvPr id="70" name="直接箭头连接符 69">
-            <a:extLst>
-              <a:ext uri="{FF2B5EF4-FFF2-40B4-BE49-F238E27FC236}">
-                <a16:creationId xmlns:a16="http://schemas.microsoft.com/office/drawing/2014/main" id="{6D8B5BF2-3B39-434B-15B9-450E5C7EF36B}"/>
-              </a:ext>
-            </a:extLst>
-          </p:cNvPr>
-          <p:cNvCxnSpPr/>
-          <p:nvPr/>
-        </p:nvCxnSpPr>
-        <p:spPr>
-          <a:xfrm>
-            <a:off x="3343563" y="479188"/>
-            <a:ext cx="0" cy="369957"/>
-          </a:xfrm>
-          <a:prstGeom prst="straightConnector1">
-            <a:avLst/>
-          </a:prstGeom>
-          <a:ln>
-            <a:tailEnd type="triangle"/>
-          </a:ln>
-        </p:spPr>
-        <p:style>
-          <a:lnRef idx="1">
-            <a:schemeClr val="accent1"/>
-          </a:lnRef>
-          <a:fillRef idx="0">
-            <a:schemeClr val="accent1"/>
-          </a:fillRef>
-          <a:effectRef idx="0">
-            <a:schemeClr val="accent1"/>
-          </a:effectRef>
-          <a:fontRef idx="minor">
-            <a:schemeClr val="tx1"/>
-          </a:fontRef>
-        </p:style>
-      </p:cxnSp>
-      <p:sp>
-        <p:nvSpPr>
-          <p:cNvPr id="71" name="文本框 70">
-            <a:extLst>
-              <a:ext uri="{FF2B5EF4-FFF2-40B4-BE49-F238E27FC236}">
-                <a16:creationId xmlns:a16="http://schemas.microsoft.com/office/drawing/2014/main" id="{C9D56866-E569-A1EC-CBFB-9294F7270C6C}"/>
-              </a:ext>
-            </a:extLst>
-          </p:cNvPr>
-          <p:cNvSpPr txBox="1"/>
-          <p:nvPr/>
-        </p:nvSpPr>
-        <p:spPr>
-          <a:xfrm>
-            <a:off x="2681365" y="507209"/>
-            <a:ext cx="871612" cy="215444"/>
-          </a:xfrm>
-          <a:prstGeom prst="rect">
-            <a:avLst/>
-          </a:prstGeom>
-          <a:noFill/>
-        </p:spPr>
-        <p:txBody>
-          <a:bodyPr wrap="square" rtlCol="0">
-            <a:spAutoFit/>
-          </a:bodyPr>
-          <a:lstStyle/>
-          <a:p>
-            <a:r>
-              <a:rPr lang="en-US" altLang="zh-CN" sz="800" dirty="0"/>
-              <a:t>Mqtt</a:t>
-            </a:r>
-            <a:r>
-              <a:rPr lang="zh-CN" altLang="en-US" sz="800" dirty="0"/>
-              <a:t>请求</a:t>
-            </a:r>
-          </a:p>
-        </p:txBody>
-      </p:sp>
-      <p:sp>
-        <p:nvSpPr>
-          <p:cNvPr id="72" name="文本框 71">
-            <a:extLst>
-              <a:ext uri="{FF2B5EF4-FFF2-40B4-BE49-F238E27FC236}">
-                <a16:creationId xmlns:a16="http://schemas.microsoft.com/office/drawing/2014/main" id="{AFFAE5A8-D6FF-957B-ED7D-47243ECE75E5}"/>
-              </a:ext>
-            </a:extLst>
-          </p:cNvPr>
-          <p:cNvSpPr txBox="1"/>
-          <p:nvPr/>
-        </p:nvSpPr>
-        <p:spPr>
-          <a:xfrm>
-            <a:off x="7535784" y="547271"/>
-            <a:ext cx="871612" cy="215444"/>
-          </a:xfrm>
-          <a:prstGeom prst="rect">
-            <a:avLst/>
-          </a:prstGeom>
-          <a:noFill/>
-        </p:spPr>
-        <p:txBody>
-          <a:bodyPr wrap="square" rtlCol="0">
-            <a:spAutoFit/>
-          </a:bodyPr>
-          <a:lstStyle/>
-          <a:p>
-            <a:r>
-              <a:rPr lang="en-US" altLang="zh-CN" sz="800" dirty="0"/>
-              <a:t>https</a:t>
-            </a:r>
-            <a:r>
-              <a:rPr lang="zh-CN" altLang="en-US" sz="800" dirty="0"/>
-              <a:t>请求</a:t>
-            </a:r>
-          </a:p>
-        </p:txBody>
-      </p:sp>
-      <p:cxnSp>
-        <p:nvCxnSpPr>
-          <p:cNvPr id="74" name="直接箭头连接符 73">
-            <a:extLst>
-              <a:ext uri="{FF2B5EF4-FFF2-40B4-BE49-F238E27FC236}">
-                <a16:creationId xmlns:a16="http://schemas.microsoft.com/office/drawing/2014/main" id="{3C8F0C74-1CF1-BA24-77F4-6CD15D95AC0F}"/>
-              </a:ext>
-            </a:extLst>
-          </p:cNvPr>
-          <p:cNvCxnSpPr/>
-          <p:nvPr/>
-        </p:nvCxnSpPr>
-        <p:spPr>
-          <a:xfrm>
-            <a:off x="4097993" y="2914352"/>
-            <a:ext cx="0" cy="197880"/>
-          </a:xfrm>
-          <a:prstGeom prst="straightConnector1">
-            <a:avLst/>
-          </a:prstGeom>
-          <a:ln>
-            <a:tailEnd type="triangle"/>
-          </a:ln>
-        </p:spPr>
-        <p:style>
-          <a:lnRef idx="1">
-            <a:schemeClr val="accent1"/>
-          </a:lnRef>
-          <a:fillRef idx="0">
-            <a:schemeClr val="accent1"/>
-          </a:fillRef>
-          <a:effectRef idx="0">
-            <a:schemeClr val="accent1"/>
-          </a:effectRef>
-          <a:fontRef idx="minor">
-            <a:schemeClr val="tx1"/>
-          </a:fontRef>
-        </p:style>
-      </p:cxnSp>
-      <p:cxnSp>
-        <p:nvCxnSpPr>
-          <p:cNvPr id="78" name="直接箭头连接符 77">
-            <a:extLst>
-              <a:ext uri="{FF2B5EF4-FFF2-40B4-BE49-F238E27FC236}">
-                <a16:creationId xmlns:a16="http://schemas.microsoft.com/office/drawing/2014/main" id="{91F19FE9-E636-752B-EEE1-D3AEB0A1491C}"/>
-              </a:ext>
-            </a:extLst>
-          </p:cNvPr>
-          <p:cNvCxnSpPr>
-            <a:endCxn id="53" idx="2"/>
-          </p:cNvCxnSpPr>
-          <p:nvPr/>
-        </p:nvCxnSpPr>
-        <p:spPr>
-          <a:xfrm flipV="1">
-            <a:off x="8036719" y="2914352"/>
-            <a:ext cx="0" cy="197880"/>
-          </a:xfrm>
-          <a:prstGeom prst="straightConnector1">
-            <a:avLst/>
-          </a:prstGeom>
-          <a:ln>
-            <a:tailEnd type="triangle"/>
-          </a:ln>
-        </p:spPr>
-        <p:style>
-          <a:lnRef idx="1">
-            <a:schemeClr val="accent1"/>
-          </a:lnRef>
-          <a:fillRef idx="0">
-            <a:schemeClr val="accent1"/>
-          </a:fillRef>
-          <a:effectRef idx="0">
-            <a:schemeClr val="accent1"/>
-          </a:effectRef>
-          <a:fontRef idx="minor">
-            <a:schemeClr val="tx1"/>
-          </a:fontRef>
-        </p:style>
-      </p:cxnSp>
-      <p:cxnSp>
-        <p:nvCxnSpPr>
-          <p:cNvPr id="80" name="直接箭头连接符 79">
-            <a:extLst>
-              <a:ext uri="{FF2B5EF4-FFF2-40B4-BE49-F238E27FC236}">
-                <a16:creationId xmlns:a16="http://schemas.microsoft.com/office/drawing/2014/main" id="{3DBC0F19-941B-1137-20ED-2CEBF99A1A92}"/>
-              </a:ext>
-            </a:extLst>
-          </p:cNvPr>
-          <p:cNvCxnSpPr>
-            <a:endCxn id="62" idx="0"/>
-          </p:cNvCxnSpPr>
-          <p:nvPr/>
-        </p:nvCxnSpPr>
-        <p:spPr>
-          <a:xfrm>
-            <a:off x="3861932" y="5546013"/>
-            <a:ext cx="0" cy="346179"/>
-          </a:xfrm>
-          <a:prstGeom prst="straightConnector1">
-            <a:avLst/>
-          </a:prstGeom>
-          <a:ln>
-            <a:tailEnd type="triangle"/>
-          </a:ln>
-        </p:spPr>
-        <p:style>
-          <a:lnRef idx="1">
-            <a:schemeClr val="accent1"/>
-          </a:lnRef>
-          <a:fillRef idx="0">
-            <a:schemeClr val="accent1"/>
-          </a:fillRef>
-          <a:effectRef idx="0">
-            <a:schemeClr val="accent1"/>
-          </a:effectRef>
-          <a:fontRef idx="minor">
-            <a:schemeClr val="tx1"/>
-          </a:fontRef>
-        </p:style>
-      </p:cxnSp>
-      <p:cxnSp>
-        <p:nvCxnSpPr>
-          <p:cNvPr id="88" name="直接箭头连接符 87">
-            <a:extLst>
-              <a:ext uri="{FF2B5EF4-FFF2-40B4-BE49-F238E27FC236}">
-                <a16:creationId xmlns:a16="http://schemas.microsoft.com/office/drawing/2014/main" id="{C097E2CD-3243-13C0-4874-5C1294836B0B}"/>
-              </a:ext>
-            </a:extLst>
-          </p:cNvPr>
-          <p:cNvCxnSpPr/>
-          <p:nvPr/>
-        </p:nvCxnSpPr>
-        <p:spPr>
-          <a:xfrm>
-            <a:off x="8210095" y="5518298"/>
-            <a:ext cx="0" cy="346179"/>
-          </a:xfrm>
-          <a:prstGeom prst="straightConnector1">
-            <a:avLst/>
-          </a:prstGeom>
-          <a:ln>
-            <a:tailEnd type="triangle"/>
-          </a:ln>
-        </p:spPr>
-        <p:style>
-          <a:lnRef idx="1">
-            <a:schemeClr val="accent1"/>
-          </a:lnRef>
-          <a:fillRef idx="0">
-            <a:schemeClr val="accent1"/>
-          </a:fillRef>
-          <a:effectRef idx="0">
-            <a:schemeClr val="accent1"/>
-          </a:effectRef>
-          <a:fontRef idx="minor">
-            <a:schemeClr val="tx1"/>
-          </a:fontRef>
-        </p:style>
-      </p:cxnSp>
-      <p:sp>
-        <p:nvSpPr>
-          <p:cNvPr id="89" name="文本框 88">
-            <a:extLst>
-              <a:ext uri="{FF2B5EF4-FFF2-40B4-BE49-F238E27FC236}">
-                <a16:creationId xmlns:a16="http://schemas.microsoft.com/office/drawing/2014/main" id="{3143FC40-C30B-A72D-C5B3-DB17C6F51501}"/>
-              </a:ext>
-            </a:extLst>
-          </p:cNvPr>
-          <p:cNvSpPr txBox="1"/>
-          <p:nvPr/>
-        </p:nvSpPr>
-        <p:spPr>
-          <a:xfrm>
-            <a:off x="1858717" y="3087937"/>
-            <a:ext cx="369332" cy="2676970"/>
-          </a:xfrm>
-          <a:prstGeom prst="rect">
-            <a:avLst/>
-          </a:prstGeom>
-          <a:noFill/>
-        </p:spPr>
-        <p:txBody>
-          <a:bodyPr vert="eaVert" wrap="square" rtlCol="0">
-            <a:spAutoFit/>
-          </a:bodyPr>
-          <a:lstStyle/>
-          <a:p>
-            <a:r>
-              <a:rPr lang="zh-CN" altLang="en-US" sz="1200" b="1" dirty="0"/>
-              <a:t>云端服务</a:t>
-            </a:r>
-          </a:p>
-        </p:txBody>
-      </p:sp>
     </p:spTree>
     <p:extLst>
       <p:ext uri="{BB962C8B-B14F-4D97-AF65-F5344CB8AC3E}">
